--- a/images/block_scheme.pptx
+++ b/images/block_scheme.pptx
@@ -5,16 +5,15 @@
     <p:sldMasterId id="2147483648" r:id="rId1"/>
   </p:sldMasterIdLst>
   <p:notesMasterIdLst>
-    <p:notesMasterId r:id="rId9"/>
+    <p:notesMasterId r:id="rId8"/>
   </p:notesMasterIdLst>
   <p:sldIdLst>
     <p:sldId id="256" r:id="rId2"/>
-    <p:sldId id="257" r:id="rId3"/>
-    <p:sldId id="258" r:id="rId4"/>
-    <p:sldId id="261" r:id="rId5"/>
-    <p:sldId id="259" r:id="rId6"/>
-    <p:sldId id="262" r:id="rId7"/>
-    <p:sldId id="260" r:id="rId8"/>
+    <p:sldId id="258" r:id="rId3"/>
+    <p:sldId id="261" r:id="rId4"/>
+    <p:sldId id="259" r:id="rId5"/>
+    <p:sldId id="262" r:id="rId6"/>
+    <p:sldId id="260" r:id="rId7"/>
   </p:sldIdLst>
   <p:sldSz cx="9144000" cy="6858000" type="screen4x3"/>
   <p:notesSz cx="6858000" cy="9144000"/>
@@ -218,7 +217,7 @@
           <a:p>
             <a:fld id="{2F6F1BCE-1FE9-4644-9CDB-12C2BD4EE37B}" type="datetimeFigureOut">
               <a:rPr lang="de-DE" smtClean="0"/>
-              <a:t>30.05.2024</a:t>
+              <a:t>04.06.2024</a:t>
             </a:fld>
             <a:endParaRPr lang="de-DE"/>
           </a:p>
@@ -634,7 +633,7 @@
           <a:p>
             <a:fld id="{F0D5CDD0-9C4D-485B-A4B3-1655DD65D0FD}" type="slidenum">
               <a:rPr lang="de-DE" smtClean="0"/>
-              <a:t>7</a:t>
+              <a:t>6</a:t>
             </a:fld>
             <a:endParaRPr lang="de-DE"/>
           </a:p>
@@ -832,7 +831,7 @@
           <a:p>
             <a:fld id="{68096437-929F-41B4-A44E-96A3364BC2EF}" type="datetimeFigureOut">
               <a:rPr lang="de-DE" smtClean="0"/>
-              <a:t>30.05.2024</a:t>
+              <a:t>04.06.2024</a:t>
             </a:fld>
             <a:endParaRPr lang="de-DE"/>
           </a:p>
@@ -1000,7 +999,7 @@
           <a:p>
             <a:fld id="{68096437-929F-41B4-A44E-96A3364BC2EF}" type="datetimeFigureOut">
               <a:rPr lang="de-DE" smtClean="0"/>
-              <a:t>30.05.2024</a:t>
+              <a:t>04.06.2024</a:t>
             </a:fld>
             <a:endParaRPr lang="de-DE"/>
           </a:p>
@@ -1178,7 +1177,7 @@
           <a:p>
             <a:fld id="{68096437-929F-41B4-A44E-96A3364BC2EF}" type="datetimeFigureOut">
               <a:rPr lang="de-DE" smtClean="0"/>
-              <a:t>30.05.2024</a:t>
+              <a:t>04.06.2024</a:t>
             </a:fld>
             <a:endParaRPr lang="de-DE"/>
           </a:p>
@@ -1346,7 +1345,7 @@
           <a:p>
             <a:fld id="{68096437-929F-41B4-A44E-96A3364BC2EF}" type="datetimeFigureOut">
               <a:rPr lang="de-DE" smtClean="0"/>
-              <a:t>30.05.2024</a:t>
+              <a:t>04.06.2024</a:t>
             </a:fld>
             <a:endParaRPr lang="de-DE"/>
           </a:p>
@@ -1591,7 +1590,7 @@
           <a:p>
             <a:fld id="{68096437-929F-41B4-A44E-96A3364BC2EF}" type="datetimeFigureOut">
               <a:rPr lang="de-DE" smtClean="0"/>
-              <a:t>30.05.2024</a:t>
+              <a:t>04.06.2024</a:t>
             </a:fld>
             <a:endParaRPr lang="de-DE"/>
           </a:p>
@@ -1876,7 +1875,7 @@
           <a:p>
             <a:fld id="{68096437-929F-41B4-A44E-96A3364BC2EF}" type="datetimeFigureOut">
               <a:rPr lang="de-DE" smtClean="0"/>
-              <a:t>30.05.2024</a:t>
+              <a:t>04.06.2024</a:t>
             </a:fld>
             <a:endParaRPr lang="de-DE"/>
           </a:p>
@@ -2295,7 +2294,7 @@
           <a:p>
             <a:fld id="{68096437-929F-41B4-A44E-96A3364BC2EF}" type="datetimeFigureOut">
               <a:rPr lang="de-DE" smtClean="0"/>
-              <a:t>30.05.2024</a:t>
+              <a:t>04.06.2024</a:t>
             </a:fld>
             <a:endParaRPr lang="de-DE"/>
           </a:p>
@@ -2412,7 +2411,7 @@
           <a:p>
             <a:fld id="{68096437-929F-41B4-A44E-96A3364BC2EF}" type="datetimeFigureOut">
               <a:rPr lang="de-DE" smtClean="0"/>
-              <a:t>30.05.2024</a:t>
+              <a:t>04.06.2024</a:t>
             </a:fld>
             <a:endParaRPr lang="de-DE"/>
           </a:p>
@@ -2507,7 +2506,7 @@
           <a:p>
             <a:fld id="{68096437-929F-41B4-A44E-96A3364BC2EF}" type="datetimeFigureOut">
               <a:rPr lang="de-DE" smtClean="0"/>
-              <a:t>30.05.2024</a:t>
+              <a:t>04.06.2024</a:t>
             </a:fld>
             <a:endParaRPr lang="de-DE"/>
           </a:p>
@@ -2782,7 +2781,7 @@
           <a:p>
             <a:fld id="{68096437-929F-41B4-A44E-96A3364BC2EF}" type="datetimeFigureOut">
               <a:rPr lang="de-DE" smtClean="0"/>
-              <a:t>30.05.2024</a:t>
+              <a:t>04.06.2024</a:t>
             </a:fld>
             <a:endParaRPr lang="de-DE"/>
           </a:p>
@@ -3034,7 +3033,7 @@
           <a:p>
             <a:fld id="{68096437-929F-41B4-A44E-96A3364BC2EF}" type="datetimeFigureOut">
               <a:rPr lang="de-DE" smtClean="0"/>
-              <a:t>30.05.2024</a:t>
+              <a:t>04.06.2024</a:t>
             </a:fld>
             <a:endParaRPr lang="de-DE"/>
           </a:p>
@@ -3245,7 +3244,7 @@
           <a:p>
             <a:fld id="{68096437-929F-41B4-A44E-96A3364BC2EF}" type="datetimeFigureOut">
               <a:rPr lang="de-DE" smtClean="0"/>
-              <a:t>30.05.2024</a:t>
+              <a:t>04.06.2024</a:t>
             </a:fld>
             <a:endParaRPr lang="de-DE"/>
           </a:p>
@@ -9840,10 +9839,10 @@
       </p:pic>
       <p:pic>
         <p:nvPicPr>
-          <p:cNvPr id="2" name="Picture 1">
+          <p:cNvPr id="3" name="Picture 2">
             <a:extLst>
               <a:ext uri="{FF2B5EF4-FFF2-40B4-BE49-F238E27FC236}">
-                <a16:creationId xmlns:a16="http://schemas.microsoft.com/office/drawing/2014/main" id="{232CDF89-216F-4B4B-9C69-CB5A0247E7DB}"/>
+                <a16:creationId xmlns:a16="http://schemas.microsoft.com/office/drawing/2014/main" id="{5653E5E1-858E-473D-AB1C-3B909F05953F}"/>
               </a:ext>
             </a:extLst>
           </p:cNvPr>
@@ -9853,15 +9852,21 @@
           <p:nvPr/>
         </p:nvPicPr>
         <p:blipFill>
-          <a:blip r:embed="rId4"/>
+          <a:blip r:embed="rId4" cstate="print">
+            <a:extLst>
+              <a:ext uri="{28A0092B-C50C-407E-A947-70E740481C1C}">
+                <a14:useLocalDpi xmlns:a14="http://schemas.microsoft.com/office/drawing/2010/main" val="0"/>
+              </a:ext>
+            </a:extLst>
+          </a:blip>
           <a:stretch>
             <a:fillRect/>
           </a:stretch>
         </p:blipFill>
         <p:spPr>
           <a:xfrm>
-            <a:off x="0" y="904956"/>
-            <a:ext cx="9144000" cy="4662488"/>
+            <a:off x="0" y="1249136"/>
+            <a:ext cx="7074095" cy="4000500"/>
           </a:xfrm>
           <a:prstGeom prst="rect">
             <a:avLst/>
@@ -9871,7 +9876,7 @@
     </p:spTree>
     <p:extLst>
       <p:ext uri="{BB962C8B-B14F-4D97-AF65-F5344CB8AC3E}">
-        <p14:creationId xmlns:p14="http://schemas.microsoft.com/office/powerpoint/2010/main" val="3260750910"/>
+        <p14:creationId xmlns:p14="http://schemas.microsoft.com/office/powerpoint/2010/main" val="3148012256"/>
       </p:ext>
     </p:extLst>
   </p:cSld>
@@ -10041,10 +10046,10 @@
       </p:pic>
       <p:pic>
         <p:nvPicPr>
-          <p:cNvPr id="3" name="Picture 2">
+          <p:cNvPr id="7" name="Picture 6">
             <a:extLst>
               <a:ext uri="{FF2B5EF4-FFF2-40B4-BE49-F238E27FC236}">
-                <a16:creationId xmlns:a16="http://schemas.microsoft.com/office/drawing/2014/main" id="{5653E5E1-858E-473D-AB1C-3B909F05953F}"/>
+                <a16:creationId xmlns:a16="http://schemas.microsoft.com/office/drawing/2014/main" id="{9BF27E06-7937-4FF4-910D-759C01DB7AF0}"/>
               </a:ext>
             </a:extLst>
           </p:cNvPr>
@@ -10054,21 +10059,15 @@
           <p:nvPr/>
         </p:nvPicPr>
         <p:blipFill>
-          <a:blip r:embed="rId4" cstate="print">
-            <a:extLst>
-              <a:ext uri="{28A0092B-C50C-407E-A947-70E740481C1C}">
-                <a14:useLocalDpi xmlns:a14="http://schemas.microsoft.com/office/drawing/2010/main" val="0"/>
-              </a:ext>
-            </a:extLst>
-          </a:blip>
+          <a:blip r:embed="rId4"/>
           <a:stretch>
             <a:fillRect/>
           </a:stretch>
         </p:blipFill>
         <p:spPr>
           <a:xfrm>
-            <a:off x="0" y="1249136"/>
-            <a:ext cx="7074095" cy="4000500"/>
+            <a:off x="0" y="0"/>
+            <a:ext cx="12192000" cy="6851650"/>
           </a:xfrm>
           <a:prstGeom prst="rect">
             <a:avLst/>
@@ -10078,7 +10077,7 @@
     </p:spTree>
     <p:extLst>
       <p:ext uri="{BB962C8B-B14F-4D97-AF65-F5344CB8AC3E}">
-        <p14:creationId xmlns:p14="http://schemas.microsoft.com/office/powerpoint/2010/main" val="3148012256"/>
+        <p14:creationId xmlns:p14="http://schemas.microsoft.com/office/powerpoint/2010/main" val="1431183024"/>
       </p:ext>
     </p:extLst>
   </p:cSld>
@@ -10248,207 +10247,6 @@
       </p:pic>
       <p:pic>
         <p:nvPicPr>
-          <p:cNvPr id="7" name="Picture 6">
-            <a:extLst>
-              <a:ext uri="{FF2B5EF4-FFF2-40B4-BE49-F238E27FC236}">
-                <a16:creationId xmlns:a16="http://schemas.microsoft.com/office/drawing/2014/main" id="{9BF27E06-7937-4FF4-910D-759C01DB7AF0}"/>
-              </a:ext>
-            </a:extLst>
-          </p:cNvPr>
-          <p:cNvPicPr>
-            <a:picLocks noChangeAspect="1"/>
-          </p:cNvPicPr>
-          <p:nvPr/>
-        </p:nvPicPr>
-        <p:blipFill>
-          <a:blip r:embed="rId4"/>
-          <a:stretch>
-            <a:fillRect/>
-          </a:stretch>
-        </p:blipFill>
-        <p:spPr>
-          <a:xfrm>
-            <a:off x="0" y="3175"/>
-            <a:ext cx="12192000" cy="6851650"/>
-          </a:xfrm>
-          <a:prstGeom prst="rect">
-            <a:avLst/>
-          </a:prstGeom>
-        </p:spPr>
-      </p:pic>
-    </p:spTree>
-    <p:extLst>
-      <p:ext uri="{BB962C8B-B14F-4D97-AF65-F5344CB8AC3E}">
-        <p14:creationId xmlns:p14="http://schemas.microsoft.com/office/powerpoint/2010/main" val="1431183024"/>
-      </p:ext>
-    </p:extLst>
-  </p:cSld>
-  <p:clrMapOvr>
-    <a:masterClrMapping/>
-  </p:clrMapOvr>
-</p:sld>
-</file>
-
-<file path=ppt/slides/slide5.xml><?xml version="1.0" encoding="utf-8"?>
-<p:sld xmlns:a="http://schemas.openxmlformats.org/drawingml/2006/main" xmlns:r="http://schemas.openxmlformats.org/officeDocument/2006/relationships" xmlns:p="http://schemas.openxmlformats.org/presentationml/2006/main">
-  <p:cSld>
-    <p:spTree>
-      <p:nvGrpSpPr>
-        <p:cNvPr id="1" name=""/>
-        <p:cNvGrpSpPr/>
-        <p:nvPr/>
-      </p:nvGrpSpPr>
-      <p:grpSpPr>
-        <a:xfrm>
-          <a:off x="0" y="0"/>
-          <a:ext cx="0" cy="0"/>
-          <a:chOff x="0" y="0"/>
-          <a:chExt cx="0" cy="0"/>
-        </a:xfrm>
-      </p:grpSpPr>
-      <p:grpSp>
-        <p:nvGrpSpPr>
-          <p:cNvPr id="9" name="object 5">
-            <a:extLst>
-              <a:ext uri="{FF2B5EF4-FFF2-40B4-BE49-F238E27FC236}">
-                <a16:creationId xmlns:a16="http://schemas.microsoft.com/office/drawing/2014/main" id="{EB6038DE-F9D1-4516-9F33-118AC02DBD97}"/>
-              </a:ext>
-            </a:extLst>
-          </p:cNvPr>
-          <p:cNvGrpSpPr/>
-          <p:nvPr/>
-        </p:nvGrpSpPr>
-        <p:grpSpPr>
-          <a:xfrm>
-            <a:off x="0" y="5529834"/>
-            <a:ext cx="9144000" cy="471011"/>
-            <a:chOff x="0" y="6230111"/>
-            <a:chExt cx="12192000" cy="628015"/>
-          </a:xfrm>
-        </p:grpSpPr>
-        <p:sp>
-          <p:nvSpPr>
-            <p:cNvPr id="10" name="object 6">
-              <a:extLst>
-                <a:ext uri="{FF2B5EF4-FFF2-40B4-BE49-F238E27FC236}">
-                  <a16:creationId xmlns:a16="http://schemas.microsoft.com/office/drawing/2014/main" id="{05BF0CA7-83B6-449B-AA0A-E2302D4779A5}"/>
-                </a:ext>
-              </a:extLst>
-            </p:cNvPr>
-            <p:cNvSpPr/>
-            <p:nvPr/>
-          </p:nvSpPr>
-          <p:spPr>
-            <a:xfrm>
-              <a:off x="0" y="6230111"/>
-              <a:ext cx="12192000" cy="628015"/>
-            </a:xfrm>
-            <a:custGeom>
-              <a:avLst/>
-              <a:gdLst/>
-              <a:ahLst/>
-              <a:cxnLst/>
-              <a:rect l="l" t="t" r="r" b="b"/>
-              <a:pathLst>
-                <a:path w="12192000" h="628015">
-                  <a:moveTo>
-                    <a:pt x="12192000" y="0"/>
-                  </a:moveTo>
-                  <a:lnTo>
-                    <a:pt x="0" y="0"/>
-                  </a:lnTo>
-                  <a:lnTo>
-                    <a:pt x="0" y="627886"/>
-                  </a:lnTo>
-                  <a:lnTo>
-                    <a:pt x="12192000" y="627886"/>
-                  </a:lnTo>
-                  <a:lnTo>
-                    <a:pt x="12192000" y="0"/>
-                  </a:lnTo>
-                  <a:close/>
-                </a:path>
-              </a:pathLst>
-            </a:custGeom>
-            <a:solidFill>
-              <a:srgbClr val="718FA4"/>
-            </a:solidFill>
-          </p:spPr>
-          <p:txBody>
-            <a:bodyPr wrap="square" lIns="0" tIns="0" rIns="0" bIns="0" rtlCol="0"/>
-            <a:lstStyle/>
-            <a:p>
-              <a:endParaRPr sz="1350"/>
-            </a:p>
-          </p:txBody>
-        </p:sp>
-        <p:pic>
-          <p:nvPicPr>
-            <p:cNvPr id="11" name="object 7">
-              <a:extLst>
-                <a:ext uri="{FF2B5EF4-FFF2-40B4-BE49-F238E27FC236}">
-                  <a16:creationId xmlns:a16="http://schemas.microsoft.com/office/drawing/2014/main" id="{C69EB078-1A55-43F6-AB67-FC18B8773B5F}"/>
-                </a:ext>
-              </a:extLst>
-            </p:cNvPr>
-            <p:cNvPicPr/>
-            <p:nvPr/>
-          </p:nvPicPr>
-          <p:blipFill>
-            <a:blip r:embed="rId2" cstate="print"/>
-            <a:stretch>
-              <a:fillRect/>
-            </a:stretch>
-          </p:blipFill>
-          <p:spPr>
-            <a:xfrm>
-              <a:off x="381000" y="6262115"/>
-              <a:ext cx="3038855" cy="573022"/>
-            </a:xfrm>
-            <a:prstGeom prst="rect">
-              <a:avLst/>
-            </a:prstGeom>
-          </p:spPr>
-        </p:pic>
-      </p:grpSp>
-      <p:pic>
-        <p:nvPicPr>
-          <p:cNvPr id="13" name="Picture 12">
-            <a:extLst>
-              <a:ext uri="{FF2B5EF4-FFF2-40B4-BE49-F238E27FC236}">
-                <a16:creationId xmlns:a16="http://schemas.microsoft.com/office/drawing/2014/main" id="{3456ADC5-2793-4FE5-8017-FD10394D5975}"/>
-              </a:ext>
-            </a:extLst>
-          </p:cNvPr>
-          <p:cNvPicPr>
-            <a:picLocks noChangeAspect="1"/>
-          </p:cNvPicPr>
-          <p:nvPr/>
-        </p:nvPicPr>
-        <p:blipFill>
-          <a:blip r:embed="rId3" cstate="print">
-            <a:extLst>
-              <a:ext uri="{28A0092B-C50C-407E-A947-70E740481C1C}">
-                <a14:useLocalDpi xmlns:a14="http://schemas.microsoft.com/office/drawing/2010/main" val="0"/>
-              </a:ext>
-            </a:extLst>
-          </a:blip>
-          <a:stretch>
-            <a:fillRect/>
-          </a:stretch>
-        </p:blipFill>
-        <p:spPr>
-          <a:xfrm>
-            <a:off x="8387239" y="5529834"/>
-            <a:ext cx="471011" cy="471011"/>
-          </a:xfrm>
-          <a:prstGeom prst="rect">
-            <a:avLst/>
-          </a:prstGeom>
-        </p:spPr>
-      </p:pic>
-      <p:pic>
-        <p:nvPicPr>
           <p:cNvPr id="6" name="Picture 5">
             <a:extLst>
               <a:ext uri="{FF2B5EF4-FFF2-40B4-BE49-F238E27FC236}">
@@ -10496,7 +10294,7 @@
 </p:sld>
 </file>
 
-<file path=ppt/slides/slide6.xml><?xml version="1.0" encoding="utf-8"?>
+<file path=ppt/slides/slide5.xml><?xml version="1.0" encoding="utf-8"?>
 <p:sld xmlns:a="http://schemas.openxmlformats.org/drawingml/2006/main" xmlns:r="http://schemas.openxmlformats.org/officeDocument/2006/relationships" xmlns:p="http://schemas.openxmlformats.org/presentationml/2006/main">
   <p:cSld>
     <p:spTree>
@@ -10556,7 +10354,7 @@
 </p:sld>
 </file>
 
-<file path=ppt/slides/slide7.xml><?xml version="1.0" encoding="utf-8"?>
+<file path=ppt/slides/slide6.xml><?xml version="1.0" encoding="utf-8"?>
 <p:sld xmlns:a="http://schemas.openxmlformats.org/drawingml/2006/main" xmlns:r="http://schemas.openxmlformats.org/officeDocument/2006/relationships" xmlns:p="http://schemas.openxmlformats.org/presentationml/2006/main">
   <p:cSld>
     <p:spTree>
@@ -10772,8 +10570,8 @@
           </a:p>
         </p:txBody>
       </p:sp>
-      <mc:AlternateContent xmlns:mc="http://schemas.openxmlformats.org/markup-compatibility/2006">
-        <mc:Choice xmlns:a14="http://schemas.microsoft.com/office/drawing/2010/main" Requires="a14">
+      <mc:AlternateContent xmlns:mc="http://schemas.openxmlformats.org/markup-compatibility/2006" xmlns:a14="http://schemas.microsoft.com/office/drawing/2010/main">
+        <mc:Choice Requires="a14">
           <p:sp>
             <p:nvSpPr>
               <p:cNvPr id="4" name="Textfeld 3"/>
@@ -10807,14 +10605,14 @@
                         <m:sSupPr>
                           <m:ctrlPr>
                             <a:rPr lang="de-DE" sz="1100" i="1">
-                              <a:latin typeface="Futura"/>
+                              <a:latin typeface="Cambria Math" panose="02040503050406030204" pitchFamily="18" charset="0"/>
                             </a:rPr>
                           </m:ctrlPr>
                         </m:sSupPr>
                         <m:e>
                           <m:r>
                             <a:rPr lang="de-DE" sz="1100" i="1">
-                              <a:latin typeface="Futura"/>
+                              <a:latin typeface="Cambria Math" panose="02040503050406030204" pitchFamily="18" charset="0"/>
                             </a:rPr>
                             <m:t>𝑋</m:t>
                           </m:r>
@@ -10822,7 +10620,7 @@
                         <m:sup>
                           <m:r>
                             <a:rPr lang="de-DE" sz="1100" i="1">
-                              <a:latin typeface="Futura"/>
+                              <a:latin typeface="Cambria Math" panose="02040503050406030204" pitchFamily="18" charset="0"/>
                             </a:rPr>
                             <m:t>𝑆𝑉</m:t>
                           </m:r>
@@ -10838,7 +10636,7 @@
             </p:txBody>
           </p:sp>
         </mc:Choice>
-        <mc:Fallback>
+        <mc:Fallback xmlns="">
           <p:sp>
             <p:nvSpPr>
               <p:cNvPr id="4" name="Textfeld 3"/>
@@ -11473,8 +11271,8 @@
           </a:p>
         </p:txBody>
       </p:sp>
-      <mc:AlternateContent xmlns:mc="http://schemas.openxmlformats.org/markup-compatibility/2006">
-        <mc:Choice xmlns:a14="http://schemas.microsoft.com/office/drawing/2010/main" Requires="a14">
+      <mc:AlternateContent xmlns:mc="http://schemas.openxmlformats.org/markup-compatibility/2006" xmlns:a14="http://schemas.microsoft.com/office/drawing/2010/main">
+        <mc:Choice Requires="a14">
           <p:sp>
             <p:nvSpPr>
               <p:cNvPr id="18" name="Textfeld 17"/>
@@ -11508,14 +11306,14 @@
                         <m:sSupPr>
                           <m:ctrlPr>
                             <a:rPr lang="de-DE" sz="1100" i="1" dirty="0">
-                              <a:latin typeface="Futura"/>
+                              <a:latin typeface="Cambria Math" panose="02040503050406030204" pitchFamily="18" charset="0"/>
                             </a:rPr>
                           </m:ctrlPr>
                         </m:sSupPr>
                         <m:e>
                           <m:r>
                             <a:rPr lang="de-DE" sz="1100" i="1" dirty="0">
-                              <a:latin typeface="Futura"/>
+                              <a:latin typeface="Cambria Math" panose="02040503050406030204" pitchFamily="18" charset="0"/>
                             </a:rPr>
                             <m:t>𝑉</m:t>
                           </m:r>
@@ -11523,7 +11321,7 @@
                         <m:sup>
                           <m:r>
                             <a:rPr lang="de-DE" sz="1100" i="1" dirty="0">
-                              <a:latin typeface="Futura"/>
+                              <a:latin typeface="Cambria Math" panose="02040503050406030204" pitchFamily="18" charset="0"/>
                             </a:rPr>
                             <m:t>𝑆𝑉</m:t>
                           </m:r>
@@ -11539,7 +11337,7 @@
             </p:txBody>
           </p:sp>
         </mc:Choice>
-        <mc:Fallback>
+        <mc:Fallback xmlns="">
           <p:sp>
             <p:nvSpPr>
               <p:cNvPr id="18" name="Textfeld 17"/>
@@ -12399,8 +12197,8 @@
           </a:p>
         </p:txBody>
       </p:sp>
-      <mc:AlternateContent xmlns:mc="http://schemas.openxmlformats.org/markup-compatibility/2006">
-        <mc:Choice xmlns:a14="http://schemas.microsoft.com/office/drawing/2010/main" Requires="a14">
+      <mc:AlternateContent xmlns:mc="http://schemas.openxmlformats.org/markup-compatibility/2006" xmlns:a14="http://schemas.microsoft.com/office/drawing/2010/main">
+        <mc:Choice Requires="a14">
           <p:sp>
             <p:nvSpPr>
               <p:cNvPr id="61" name="Textfeld 60">
@@ -12440,14 +12238,14 @@
                         <m:sSubPr>
                           <m:ctrlPr>
                             <a:rPr lang="de-DE" sz="1100" i="1">
-                              <a:latin typeface="Futura"/>
+                              <a:latin typeface="Cambria Math" panose="02040503050406030204" pitchFamily="18" charset="0"/>
                             </a:rPr>
                           </m:ctrlPr>
                         </m:sSubPr>
                         <m:e>
                           <m:r>
                             <a:rPr lang="en-US" sz="1100" i="1">
-                              <a:latin typeface="Futura"/>
+                              <a:latin typeface="Cambria Math" panose="02040503050406030204" pitchFamily="18" charset="0"/>
                             </a:rPr>
                             <m:t>𝑈</m:t>
                           </m:r>
@@ -12455,19 +12253,19 @@
                         <m:sub>
                           <m:r>
                             <a:rPr lang="en-US" sz="1100" i="1">
-                              <a:latin typeface="Futura"/>
+                              <a:latin typeface="Cambria Math" panose="02040503050406030204" pitchFamily="18" charset="0"/>
                             </a:rPr>
                             <m:t>𝑠𝑒𝑚𝑖</m:t>
                           </m:r>
                           <m:r>
                             <a:rPr lang="en-US" sz="1100" i="1">
-                              <a:latin typeface="Futura"/>
+                              <a:latin typeface="Cambria Math" panose="02040503050406030204" pitchFamily="18" charset="0"/>
                             </a:rPr>
                             <m:t>−</m:t>
                           </m:r>
                           <m:r>
                             <a:rPr lang="en-US" sz="1100" i="1">
-                              <a:latin typeface="Futura"/>
+                              <a:latin typeface="Cambria Math" panose="02040503050406030204" pitchFamily="18" charset="0"/>
                             </a:rPr>
                             <m:t>𝑙𝑎𝑏𝑒𝑙𝑒𝑑</m:t>
                           </m:r>
@@ -12483,7 +12281,7 @@
             </p:txBody>
           </p:sp>
         </mc:Choice>
-        <mc:Fallback>
+        <mc:Fallback xmlns="">
           <p:sp>
             <p:nvSpPr>
               <p:cNvPr id="61" name="Textfeld 60">
@@ -15364,7 +15162,7 @@
                 <a:latin typeface="Futura"/>
                 <a:cs typeface="Times New Roman" panose="02020603050405020304" pitchFamily="18" charset="0"/>
               </a:rPr>
-              <a:t>Virtual Support Vector Machine with self-learning constraints, semi-labeled samples and iterative active learning method</a:t>
+              <a:t>Active learning method</a:t>
             </a:r>
             <a:r>
               <a:rPr lang="de-DE" sz="1700" b="1" dirty="0">
@@ -15373,6 +15171,45 @@
               </a:rPr>
               <a:t> </a:t>
             </a:r>
+            <a:r>
+              <a:rPr lang="en-US" sz="1700" b="1" dirty="0">
+                <a:latin typeface="Futura"/>
+                <a:cs typeface="Times New Roman" panose="02020603050405020304" pitchFamily="18" charset="0"/>
+              </a:rPr>
+              <a:t>with</a:t>
+            </a:r>
+            <a:r>
+              <a:rPr lang="de-DE" sz="1700" b="1" dirty="0">
+                <a:latin typeface="Futura"/>
+                <a:cs typeface="Times New Roman" panose="02020603050405020304" pitchFamily="18" charset="0"/>
+              </a:rPr>
+              <a:t> </a:t>
+            </a:r>
+            <a:r>
+              <a:rPr lang="en-US" sz="1700" b="1" dirty="0">
+                <a:latin typeface="Futura"/>
+                <a:cs typeface="Times New Roman" panose="02020603050405020304" pitchFamily="18" charset="0"/>
+              </a:rPr>
+              <a:t>constrained</a:t>
+            </a:r>
+            <a:r>
+              <a:rPr lang="de-DE" sz="1700" b="1" dirty="0">
+                <a:latin typeface="Futura"/>
+                <a:cs typeface="Times New Roman" panose="02020603050405020304" pitchFamily="18" charset="0"/>
+              </a:rPr>
+              <a:t> </a:t>
+            </a:r>
+            <a:r>
+              <a:rPr lang="en-US" sz="1700" b="1" dirty="0">
+                <a:latin typeface="Futura"/>
+                <a:cs typeface="Times New Roman" panose="02020603050405020304" pitchFamily="18" charset="0"/>
+              </a:rPr>
+              <a:t>Virtual Support Vector Machine</a:t>
+            </a:r>
+            <a:endParaRPr lang="de-DE" sz="1700" b="1" dirty="0">
+              <a:latin typeface="Futura"/>
+              <a:cs typeface="Times New Roman" panose="02020603050405020304" pitchFamily="18" charset="0"/>
+            </a:endParaRPr>
           </a:p>
         </p:txBody>
       </p:sp>
@@ -15508,7 +15345,7 @@
                         <a:solidFill>
                           <a:schemeClr val="tx1"/>
                         </a:solidFill>
-                        <a:latin typeface="Futura"/>
+                        <a:latin typeface="Cambria Math" panose="02040503050406030204" pitchFamily="18" charset="0"/>
                         <a:cs typeface="Times New Roman" panose="02020603050405020304" pitchFamily="18" charset="0"/>
                       </a:rPr>
                       <m:t>𝑋</m:t>
@@ -15647,7 +15484,7 @@
                             <a:solidFill>
                               <a:schemeClr val="tx1"/>
                             </a:solidFill>
-                            <a:latin typeface="Futura"/>
+                            <a:latin typeface="Cambria Math" panose="02040503050406030204" pitchFamily="18" charset="0"/>
                           </a:rPr>
                         </m:ctrlPr>
                       </m:sSubPr>
@@ -15657,7 +15494,7 @@
                             <a:solidFill>
                               <a:schemeClr val="tx1"/>
                             </a:solidFill>
-                            <a:latin typeface="Futura"/>
+                            <a:latin typeface="Cambria Math" panose="02040503050406030204" pitchFamily="18" charset="0"/>
                           </a:rPr>
                           <m:t>𝑈</m:t>
                         </m:r>
@@ -15668,7 +15505,7 @@
                             <a:solidFill>
                               <a:schemeClr val="tx1"/>
                             </a:solidFill>
-                            <a:latin typeface="Futura"/>
+                            <a:latin typeface="Cambria Math" panose="02040503050406030204" pitchFamily="18" charset="0"/>
                           </a:rPr>
                           <m:t>𝑛</m:t>
                         </m:r>
@@ -15737,8 +15574,8 @@
           </p:sp>
         </mc:Fallback>
       </mc:AlternateContent>
-      <mc:AlternateContent xmlns:mc="http://schemas.openxmlformats.org/markup-compatibility/2006">
-        <mc:Choice xmlns:a14="http://schemas.microsoft.com/office/drawing/2010/main" Requires="a14">
+      <mc:AlternateContent xmlns:mc="http://schemas.openxmlformats.org/markup-compatibility/2006" xmlns:a14="http://schemas.microsoft.com/office/drawing/2010/main">
+        <mc:Choice Requires="a14">
           <p:sp>
             <p:nvSpPr>
               <p:cNvPr id="103" name="Zylinder 102">
@@ -15809,7 +15646,7 @@
                             <a:solidFill>
                               <a:schemeClr val="tx1"/>
                             </a:solidFill>
-                            <a:latin typeface="Futura"/>
+                            <a:latin typeface="Cambria Math" panose="02040503050406030204" pitchFamily="18" charset="0"/>
                             <a:cs typeface="Times New Roman" panose="02020603050405020304" pitchFamily="18" charset="0"/>
                           </a:rPr>
                         </m:ctrlPr>
@@ -15820,7 +15657,7 @@
                             <a:solidFill>
                               <a:schemeClr val="tx1"/>
                             </a:solidFill>
-                            <a:latin typeface="Futura"/>
+                            <a:latin typeface="Cambria Math" panose="02040503050406030204" pitchFamily="18" charset="0"/>
                             <a:cs typeface="Times New Roman" panose="02020603050405020304" pitchFamily="18" charset="0"/>
                           </a:rPr>
                           <m:t>𝑈</m:t>
@@ -15840,7 +15677,7 @@
             </p:txBody>
           </p:sp>
         </mc:Choice>
-        <mc:Fallback>
+        <mc:Fallback xmlns="">
           <p:sp>
             <p:nvSpPr>
               <p:cNvPr id="103" name="Zylinder 102">
@@ -15959,7 +15796,7 @@
                         <a:solidFill>
                           <a:schemeClr val="tx1"/>
                         </a:solidFill>
-                        <a:latin typeface="Futura"/>
+                        <a:latin typeface="Cambria Math" panose="02040503050406030204" pitchFamily="18" charset="0"/>
                         <a:cs typeface="Times New Roman" panose="02020603050405020304" pitchFamily="18" charset="0"/>
                       </a:rPr>
                       <m:t>𝑛</m:t>
@@ -16227,8 +16064,8 @@
           </a:p>
         </p:txBody>
       </p:sp>
-      <mc:AlternateContent xmlns:mc="http://schemas.openxmlformats.org/markup-compatibility/2006">
-        <mc:Choice xmlns:a14="http://schemas.microsoft.com/office/drawing/2010/main" Requires="a14">
+      <mc:AlternateContent xmlns:mc="http://schemas.openxmlformats.org/markup-compatibility/2006" xmlns:a14="http://schemas.microsoft.com/office/drawing/2010/main">
+        <mc:Choice Requires="a14">
           <p:sp>
             <p:nvSpPr>
               <p:cNvPr id="112" name="Zylinder 102">
@@ -16298,7 +16135,7 @@
                             <a:solidFill>
                               <a:schemeClr val="tx1"/>
                             </a:solidFill>
-                            <a:latin typeface="Futura"/>
+                            <a:latin typeface="Cambria Math" panose="02040503050406030204" pitchFamily="18" charset="0"/>
                           </a:rPr>
                         </m:ctrlPr>
                       </m:sSubPr>
@@ -16308,7 +16145,7 @@
                             <a:solidFill>
                               <a:schemeClr val="tx1"/>
                             </a:solidFill>
-                            <a:latin typeface="Futura"/>
+                            <a:latin typeface="Cambria Math" panose="02040503050406030204" pitchFamily="18" charset="0"/>
                           </a:rPr>
                           <m:t>𝑈</m:t>
                         </m:r>
@@ -16319,7 +16156,7 @@
                             <a:solidFill>
                               <a:schemeClr val="tx1"/>
                             </a:solidFill>
-                            <a:latin typeface="Futura"/>
+                            <a:latin typeface="Cambria Math" panose="02040503050406030204" pitchFamily="18" charset="0"/>
                           </a:rPr>
                           <m:t>𝑚</m:t>
                         </m:r>
@@ -16338,7 +16175,7 @@
             </p:txBody>
           </p:sp>
         </mc:Choice>
-        <mc:Fallback>
+        <mc:Fallback xmlns="">
           <p:sp>
             <p:nvSpPr>
               <p:cNvPr id="112" name="Zylinder 102">
@@ -16388,8 +16225,8 @@
           </p:sp>
         </mc:Fallback>
       </mc:AlternateContent>
-      <mc:AlternateContent xmlns:mc="http://schemas.openxmlformats.org/markup-compatibility/2006">
-        <mc:Choice xmlns:a14="http://schemas.microsoft.com/office/drawing/2010/main" Requires="a14">
+      <mc:AlternateContent xmlns:mc="http://schemas.openxmlformats.org/markup-compatibility/2006" xmlns:a14="http://schemas.microsoft.com/office/drawing/2010/main">
+        <mc:Choice Requires="a14">
           <p:sp>
             <p:nvSpPr>
               <p:cNvPr id="115" name="Flussdiagramm: Prozess 103">
@@ -16457,7 +16294,7 @@
                         <a:solidFill>
                           <a:schemeClr val="tx1"/>
                         </a:solidFill>
-                        <a:latin typeface="Futura"/>
+                        <a:latin typeface="Cambria Math" panose="02040503050406030204" pitchFamily="18" charset="0"/>
                         <a:cs typeface="Times New Roman" panose="02020603050405020304" pitchFamily="18" charset="0"/>
                       </a:rPr>
                       <m:t>𝑚</m:t>
@@ -16467,7 +16304,7 @@
                         <a:solidFill>
                           <a:schemeClr val="tx1"/>
                         </a:solidFill>
-                        <a:latin typeface="Futura"/>
+                        <a:latin typeface="Cambria Math" panose="02040503050406030204" pitchFamily="18" charset="0"/>
                         <a:cs typeface="Times New Roman" panose="02020603050405020304" pitchFamily="18" charset="0"/>
                       </a:rPr>
                       <m:t>≫</m:t>
@@ -16477,7 +16314,7 @@
                         <a:solidFill>
                           <a:schemeClr val="tx1"/>
                         </a:solidFill>
-                        <a:latin typeface="Futura"/>
+                        <a:latin typeface="Cambria Math" panose="02040503050406030204" pitchFamily="18" charset="0"/>
                         <a:cs typeface="Times New Roman" panose="02020603050405020304" pitchFamily="18" charset="0"/>
                       </a:rPr>
                       <m:t>𝑛</m:t>
@@ -16498,7 +16335,7 @@
             </p:txBody>
           </p:sp>
         </mc:Choice>
-        <mc:Fallback>
+        <mc:Fallback xmlns="">
           <p:sp>
             <p:nvSpPr>
               <p:cNvPr id="115" name="Flussdiagramm: Prozess 103">
@@ -16987,8 +16824,8 @@
           </a:fontRef>
         </p:style>
       </p:cxnSp>
-      <mc:AlternateContent xmlns:mc="http://schemas.openxmlformats.org/markup-compatibility/2006">
-        <mc:Choice xmlns:a14="http://schemas.microsoft.com/office/drawing/2010/main" Requires="a14">
+      <mc:AlternateContent xmlns:mc="http://schemas.openxmlformats.org/markup-compatibility/2006" xmlns:a14="http://schemas.microsoft.com/office/drawing/2010/main">
+        <mc:Choice Requires="a14">
           <p:sp>
             <p:nvSpPr>
               <p:cNvPr id="248" name="Textfeld 60">
@@ -17028,14 +16865,14 @@
                         <m:sSubPr>
                           <m:ctrlPr>
                             <a:rPr lang="de-DE" sz="1100" i="1" smtClean="0">
-                              <a:latin typeface="Futura"/>
+                              <a:latin typeface="Cambria Math" panose="02040503050406030204" pitchFamily="18" charset="0"/>
                             </a:rPr>
                           </m:ctrlPr>
                         </m:sSubPr>
                         <m:e>
                           <m:r>
                             <a:rPr lang="it-IT" sz="1100" i="1" smtClean="0">
-                              <a:latin typeface="Futura"/>
+                              <a:latin typeface="Cambria Math" panose="02040503050406030204" pitchFamily="18" charset="0"/>
                             </a:rPr>
                             <m:t>𝑆</m:t>
                           </m:r>
@@ -17043,19 +16880,19 @@
                         <m:sub>
                           <m:r>
                             <a:rPr lang="it-IT" sz="1100" i="1">
-                              <a:latin typeface="Futura"/>
+                              <a:latin typeface="Cambria Math" panose="02040503050406030204" pitchFamily="18" charset="0"/>
                             </a:rPr>
                             <m:t>𝑚𝑜𝑠𝑡</m:t>
                           </m:r>
                           <m:r>
                             <a:rPr lang="it-IT" sz="1100" i="1">
-                              <a:latin typeface="Futura"/>
+                              <a:latin typeface="Cambria Math" panose="02040503050406030204" pitchFamily="18" charset="0"/>
                             </a:rPr>
                             <m:t>−</m:t>
                           </m:r>
                           <m:r>
                             <a:rPr lang="it-IT" sz="1100" i="1">
-                              <a:latin typeface="Futura"/>
+                              <a:latin typeface="Cambria Math" panose="02040503050406030204" pitchFamily="18" charset="0"/>
                             </a:rPr>
                             <m:t>𝑢𝑛𝑐𝑒𝑟𝑡𝑎𝑖𝑛</m:t>
                           </m:r>
@@ -17071,7 +16908,7 @@
             </p:txBody>
           </p:sp>
         </mc:Choice>
-        <mc:Fallback>
+        <mc:Fallback xmlns="">
           <p:sp>
             <p:nvSpPr>
               <p:cNvPr id="248" name="Textfeld 60">
@@ -17372,8 +17209,8 @@
           </a:p>
         </p:txBody>
       </p:sp>
-      <mc:AlternateContent xmlns:mc="http://schemas.openxmlformats.org/markup-compatibility/2006">
-        <mc:Choice xmlns:a14="http://schemas.microsoft.com/office/drawing/2010/main" Requires="a14">
+      <mc:AlternateContent xmlns:mc="http://schemas.openxmlformats.org/markup-compatibility/2006" xmlns:a14="http://schemas.microsoft.com/office/drawing/2010/main">
+        <mc:Choice Requires="a14">
           <p:sp>
             <p:nvSpPr>
               <p:cNvPr id="336" name="Textfeld 18">
@@ -17413,7 +17250,7 @@
                         <m:sSupPr>
                           <m:ctrlPr>
                             <a:rPr lang="de-DE" sz="1100" i="1">
-                              <a:latin typeface="Futura"/>
+                              <a:latin typeface="Cambria Math" panose="02040503050406030204" pitchFamily="18" charset="0"/>
                             </a:rPr>
                           </m:ctrlPr>
                         </m:sSupPr>
@@ -17423,14 +17260,14 @@
                               <m:chr m:val="̂"/>
                               <m:ctrlPr>
                                 <a:rPr lang="de-DE" sz="1100" i="1">
-                                  <a:latin typeface="Futura"/>
+                                  <a:latin typeface="Cambria Math" panose="02040503050406030204" pitchFamily="18" charset="0"/>
                                 </a:rPr>
                               </m:ctrlPr>
                             </m:accPr>
                             <m:e>
                               <m:r>
                                 <a:rPr lang="de-DE" sz="1100" i="1">
-                                  <a:latin typeface="Futura"/>
+                                  <a:latin typeface="Cambria Math" panose="02040503050406030204" pitchFamily="18" charset="0"/>
                                 </a:rPr>
                                 <m:t>𝑉</m:t>
                               </m:r>
@@ -17440,7 +17277,7 @@
                         <m:sup>
                           <m:r>
                             <a:rPr lang="de-DE" sz="1100" i="1">
-                              <a:latin typeface="Futura"/>
+                              <a:latin typeface="Cambria Math" panose="02040503050406030204" pitchFamily="18" charset="0"/>
                             </a:rPr>
                             <m:t>𝑆𝑉</m:t>
                           </m:r>
@@ -17456,7 +17293,7 @@
             </p:txBody>
           </p:sp>
         </mc:Choice>
-        <mc:Fallback>
+        <mc:Fallback xmlns="">
           <p:sp>
             <p:nvSpPr>
               <p:cNvPr id="336" name="Textfeld 18">
@@ -17501,8 +17338,8 @@
           </p:sp>
         </mc:Fallback>
       </mc:AlternateContent>
-      <mc:AlternateContent xmlns:mc="http://schemas.openxmlformats.org/markup-compatibility/2006">
-        <mc:Choice xmlns:a14="http://schemas.microsoft.com/office/drawing/2010/main" Requires="a14">
+      <mc:AlternateContent xmlns:mc="http://schemas.openxmlformats.org/markup-compatibility/2006" xmlns:a14="http://schemas.microsoft.com/office/drawing/2010/main">
+        <mc:Choice Requires="a14">
           <p:sp>
             <p:nvSpPr>
               <p:cNvPr id="337" name="Textfeld 61">
@@ -17542,7 +17379,7 @@
                         <m:sSubPr>
                           <m:ctrlPr>
                             <a:rPr lang="de-DE" sz="1100" i="1">
-                              <a:latin typeface="Futura"/>
+                              <a:latin typeface="Cambria Math" panose="02040503050406030204" pitchFamily="18" charset="0"/>
                             </a:rPr>
                           </m:ctrlPr>
                         </m:sSubPr>
@@ -17552,14 +17389,14 @@
                               <m:chr m:val="̂"/>
                               <m:ctrlPr>
                                 <a:rPr lang="de-DE" sz="1100" i="1">
-                                  <a:latin typeface="Futura"/>
+                                  <a:latin typeface="Cambria Math" panose="02040503050406030204" pitchFamily="18" charset="0"/>
                                 </a:rPr>
                               </m:ctrlPr>
                             </m:accPr>
                             <m:e>
                               <m:r>
                                 <a:rPr lang="en-US" sz="1100" i="1">
-                                  <a:latin typeface="Futura"/>
+                                  <a:latin typeface="Cambria Math" panose="02040503050406030204" pitchFamily="18" charset="0"/>
                                 </a:rPr>
                                 <m:t>𝑈</m:t>
                               </m:r>
@@ -17569,19 +17406,19 @@
                         <m:sub>
                           <m:r>
                             <a:rPr lang="en-US" sz="1100" i="1">
-                              <a:latin typeface="Futura"/>
+                              <a:latin typeface="Cambria Math" panose="02040503050406030204" pitchFamily="18" charset="0"/>
                             </a:rPr>
                             <m:t>𝑠𝑒𝑚𝑖</m:t>
                           </m:r>
                           <m:r>
                             <a:rPr lang="en-US" sz="1100" i="1">
-                              <a:latin typeface="Futura"/>
+                              <a:latin typeface="Cambria Math" panose="02040503050406030204" pitchFamily="18" charset="0"/>
                             </a:rPr>
                             <m:t>−</m:t>
                           </m:r>
                           <m:r>
                             <a:rPr lang="en-US" sz="1100" i="1">
-                              <a:latin typeface="Futura"/>
+                              <a:latin typeface="Cambria Math" panose="02040503050406030204" pitchFamily="18" charset="0"/>
                             </a:rPr>
                             <m:t>𝑙𝑎𝑏𝑒𝑙𝑒𝑑</m:t>
                           </m:r>
@@ -17597,7 +17434,7 @@
             </p:txBody>
           </p:sp>
         </mc:Choice>
-        <mc:Fallback>
+        <mc:Fallback xmlns="">
           <p:sp>
             <p:nvSpPr>
               <p:cNvPr id="337" name="Textfeld 61">
@@ -17901,8 +17738,8 @@
           </a:fontRef>
         </p:style>
       </p:cxnSp>
-      <mc:AlternateContent xmlns:mc="http://schemas.openxmlformats.org/markup-compatibility/2006">
-        <mc:Choice xmlns:a14="http://schemas.microsoft.com/office/drawing/2010/main" Requires="a14">
+      <mc:AlternateContent xmlns:mc="http://schemas.openxmlformats.org/markup-compatibility/2006" xmlns:a14="http://schemas.microsoft.com/office/drawing/2010/main">
+        <mc:Choice Requires="a14">
           <p:sp>
             <p:nvSpPr>
               <p:cNvPr id="161" name="Textfeld 60">
@@ -17943,34 +17780,19 @@
                           <m:sty m:val="p"/>
                         </m:rPr>
                         <a:rPr lang="it-IT" sz="1050" i="0" smtClean="0">
-                          <a:latin typeface="Futura"/>
+                          <a:latin typeface="Cambria Math" panose="02040503050406030204" pitchFamily="18" charset="0"/>
                         </a:rPr>
                         <m:t>add</m:t>
                       </m:r>
                       <m:r>
                         <a:rPr lang="it-IT" sz="1050" i="0" smtClean="0">
-                          <a:latin typeface="Futura"/>
+                          <a:latin typeface="Cambria Math" panose="02040503050406030204" pitchFamily="18" charset="0"/>
                         </a:rPr>
-                        <m:t>       </m:t>
+                        <m:t>             </m:t>
                       </m:r>
                       <m:r>
                         <a:rPr lang="it-IT" sz="1050" b="0" i="0" smtClean="0">
-                          <a:latin typeface="Futura"/>
-                        </a:rPr>
-                        <m:t>       </m:t>
-                      </m:r>
-                      <m:r>
-                        <m:rPr>
-                          <m:sty m:val="p"/>
-                        </m:rPr>
-                        <a:rPr lang="it-IT" sz="1050" i="0" smtClean="0">
-                          <a:latin typeface="Futura"/>
-                        </a:rPr>
-                        <m:t>to</m:t>
-                      </m:r>
-                      <m:r>
-                        <a:rPr lang="it-IT" sz="1050" i="0" smtClean="0">
-                          <a:latin typeface="Futura"/>
+                          <a:latin typeface="Cambria Math" panose="02040503050406030204" pitchFamily="18" charset="0"/>
                         </a:rPr>
                         <m:t> </m:t>
                       </m:r>
@@ -17979,13 +17801,13 @@
                           <m:sty m:val="p"/>
                         </m:rPr>
                         <a:rPr lang="it-IT" sz="1050" i="0" smtClean="0">
-                          <a:latin typeface="Futura"/>
+                          <a:latin typeface="Cambria Math" panose="02040503050406030204" pitchFamily="18" charset="0"/>
                         </a:rPr>
-                        <m:t>the</m:t>
+                        <m:t>to</m:t>
                       </m:r>
                       <m:r>
                         <a:rPr lang="it-IT" sz="1050" i="0" smtClean="0">
-                          <a:latin typeface="Futura"/>
+                          <a:latin typeface="Cambria Math" panose="02040503050406030204" pitchFamily="18" charset="0"/>
                         </a:rPr>
                         <m:t> </m:t>
                       </m:r>
@@ -17994,13 +17816,13 @@
                           <m:sty m:val="p"/>
                         </m:rPr>
                         <a:rPr lang="it-IT" sz="1050" i="0" smtClean="0">
-                          <a:latin typeface="Futura"/>
+                          <a:latin typeface="Cambria Math" panose="02040503050406030204" pitchFamily="18" charset="0"/>
                         </a:rPr>
-                        <m:t>training</m:t>
+                        <m:t>the</m:t>
                       </m:r>
                       <m:r>
                         <a:rPr lang="it-IT" sz="1050" i="0" smtClean="0">
-                          <a:latin typeface="Futura"/>
+                          <a:latin typeface="Cambria Math" panose="02040503050406030204" pitchFamily="18" charset="0"/>
                         </a:rPr>
                         <m:t> </m:t>
                       </m:r>
@@ -18009,7 +17831,22 @@
                           <m:sty m:val="p"/>
                         </m:rPr>
                         <a:rPr lang="it-IT" sz="1050" i="0" smtClean="0">
-                          <a:latin typeface="Futura"/>
+                          <a:latin typeface="Cambria Math" panose="02040503050406030204" pitchFamily="18" charset="0"/>
+                        </a:rPr>
+                        <m:t>training</m:t>
+                      </m:r>
+                      <m:r>
+                        <a:rPr lang="it-IT" sz="1050" i="0" smtClean="0">
+                          <a:latin typeface="Cambria Math" panose="02040503050406030204" pitchFamily="18" charset="0"/>
+                        </a:rPr>
+                        <m:t> </m:t>
+                      </m:r>
+                      <m:r>
+                        <m:rPr>
+                          <m:sty m:val="p"/>
+                        </m:rPr>
+                        <a:rPr lang="it-IT" sz="1050" i="0" smtClean="0">
+                          <a:latin typeface="Cambria Math" panose="02040503050406030204" pitchFamily="18" charset="0"/>
                         </a:rPr>
                         <m:t>set</m:t>
                       </m:r>
@@ -18023,7 +17860,7 @@
             </p:txBody>
           </p:sp>
         </mc:Choice>
-        <mc:Fallback>
+        <mc:Fallback xmlns="">
           <p:sp>
             <p:nvSpPr>
               <p:cNvPr id="161" name="Textfeld 60">
@@ -18068,8 +17905,8 @@
           </p:sp>
         </mc:Fallback>
       </mc:AlternateContent>
-      <mc:AlternateContent xmlns:mc="http://schemas.openxmlformats.org/markup-compatibility/2006">
-        <mc:Choice xmlns:a14="http://schemas.microsoft.com/office/drawing/2010/main" Requires="a14">
+      <mc:AlternateContent xmlns:mc="http://schemas.openxmlformats.org/markup-compatibility/2006" xmlns:a14="http://schemas.microsoft.com/office/drawing/2010/main">
+        <mc:Choice Requires="a14">
           <p:sp>
             <p:nvSpPr>
               <p:cNvPr id="165" name="Textfeld 60">
@@ -18110,7 +17947,7 @@
                           <m:sty m:val="p"/>
                         </m:rPr>
                         <a:rPr lang="it-IT" sz="1050" b="0" i="0" smtClean="0">
-                          <a:latin typeface="Futura"/>
+                          <a:latin typeface="Cambria Math" panose="02040503050406030204" pitchFamily="18" charset="0"/>
                         </a:rPr>
                         <m:t>select</m:t>
                       </m:r>
@@ -18124,7 +17961,7 @@
             </p:txBody>
           </p:sp>
         </mc:Choice>
-        <mc:Fallback>
+        <mc:Fallback xmlns="">
           <p:sp>
             <p:nvSpPr>
               <p:cNvPr id="165" name="Textfeld 60">
@@ -18169,8 +18006,8 @@
           </p:sp>
         </mc:Fallback>
       </mc:AlternateContent>
-      <mc:AlternateContent xmlns:mc="http://schemas.openxmlformats.org/markup-compatibility/2006">
-        <mc:Choice xmlns:a14="http://schemas.microsoft.com/office/drawing/2010/main" Requires="a14">
+      <mc:AlternateContent xmlns:mc="http://schemas.openxmlformats.org/markup-compatibility/2006" xmlns:a14="http://schemas.microsoft.com/office/drawing/2010/main">
+        <mc:Choice Requires="a14">
           <p:sp>
             <p:nvSpPr>
               <p:cNvPr id="173" name="Textfeld 60">
@@ -18210,14 +18047,14 @@
                         <m:sSubPr>
                           <m:ctrlPr>
                             <a:rPr lang="de-DE" sz="1100" i="1" smtClean="0">
-                              <a:latin typeface="Futura"/>
+                              <a:latin typeface="Cambria Math" panose="02040503050406030204" pitchFamily="18" charset="0"/>
                             </a:rPr>
                           </m:ctrlPr>
                         </m:sSubPr>
                         <m:e>
                           <m:r>
                             <a:rPr lang="it-IT" sz="1100" i="1" smtClean="0">
-                              <a:latin typeface="Futura"/>
+                              <a:latin typeface="Cambria Math" panose="02040503050406030204" pitchFamily="18" charset="0"/>
                             </a:rPr>
                             <m:t>𝑆</m:t>
                           </m:r>
@@ -18241,7 +18078,7 @@
             </p:txBody>
           </p:sp>
         </mc:Choice>
-        <mc:Fallback>
+        <mc:Fallback xmlns="">
           <p:sp>
             <p:nvSpPr>
               <p:cNvPr id="173" name="Textfeld 60">

--- a/images/block_scheme.pptx
+++ b/images/block_scheme.pptx
@@ -217,7 +217,7 @@
           <a:p>
             <a:fld id="{2F6F1BCE-1FE9-4644-9CDB-12C2BD4EE37B}" type="datetimeFigureOut">
               <a:rPr lang="de-DE" smtClean="0"/>
-              <a:t>04.06.2024</a:t>
+              <a:t>20.06.2024</a:t>
             </a:fld>
             <a:endParaRPr lang="de-DE"/>
           </a:p>
@@ -831,7 +831,7 @@
           <a:p>
             <a:fld id="{68096437-929F-41B4-A44E-96A3364BC2EF}" type="datetimeFigureOut">
               <a:rPr lang="de-DE" smtClean="0"/>
-              <a:t>04.06.2024</a:t>
+              <a:t>20.06.2024</a:t>
             </a:fld>
             <a:endParaRPr lang="de-DE"/>
           </a:p>
@@ -999,7 +999,7 @@
           <a:p>
             <a:fld id="{68096437-929F-41B4-A44E-96A3364BC2EF}" type="datetimeFigureOut">
               <a:rPr lang="de-DE" smtClean="0"/>
-              <a:t>04.06.2024</a:t>
+              <a:t>20.06.2024</a:t>
             </a:fld>
             <a:endParaRPr lang="de-DE"/>
           </a:p>
@@ -1177,7 +1177,7 @@
           <a:p>
             <a:fld id="{68096437-929F-41B4-A44E-96A3364BC2EF}" type="datetimeFigureOut">
               <a:rPr lang="de-DE" smtClean="0"/>
-              <a:t>04.06.2024</a:t>
+              <a:t>20.06.2024</a:t>
             </a:fld>
             <a:endParaRPr lang="de-DE"/>
           </a:p>
@@ -1345,7 +1345,7 @@
           <a:p>
             <a:fld id="{68096437-929F-41B4-A44E-96A3364BC2EF}" type="datetimeFigureOut">
               <a:rPr lang="de-DE" smtClean="0"/>
-              <a:t>04.06.2024</a:t>
+              <a:t>20.06.2024</a:t>
             </a:fld>
             <a:endParaRPr lang="de-DE"/>
           </a:p>
@@ -1590,7 +1590,7 @@
           <a:p>
             <a:fld id="{68096437-929F-41B4-A44E-96A3364BC2EF}" type="datetimeFigureOut">
               <a:rPr lang="de-DE" smtClean="0"/>
-              <a:t>04.06.2024</a:t>
+              <a:t>20.06.2024</a:t>
             </a:fld>
             <a:endParaRPr lang="de-DE"/>
           </a:p>
@@ -1875,7 +1875,7 @@
           <a:p>
             <a:fld id="{68096437-929F-41B4-A44E-96A3364BC2EF}" type="datetimeFigureOut">
               <a:rPr lang="de-DE" smtClean="0"/>
-              <a:t>04.06.2024</a:t>
+              <a:t>20.06.2024</a:t>
             </a:fld>
             <a:endParaRPr lang="de-DE"/>
           </a:p>
@@ -2294,7 +2294,7 @@
           <a:p>
             <a:fld id="{68096437-929F-41B4-A44E-96A3364BC2EF}" type="datetimeFigureOut">
               <a:rPr lang="de-DE" smtClean="0"/>
-              <a:t>04.06.2024</a:t>
+              <a:t>20.06.2024</a:t>
             </a:fld>
             <a:endParaRPr lang="de-DE"/>
           </a:p>
@@ -2411,7 +2411,7 @@
           <a:p>
             <a:fld id="{68096437-929F-41B4-A44E-96A3364BC2EF}" type="datetimeFigureOut">
               <a:rPr lang="de-DE" smtClean="0"/>
-              <a:t>04.06.2024</a:t>
+              <a:t>20.06.2024</a:t>
             </a:fld>
             <a:endParaRPr lang="de-DE"/>
           </a:p>
@@ -2506,7 +2506,7 @@
           <a:p>
             <a:fld id="{68096437-929F-41B4-A44E-96A3364BC2EF}" type="datetimeFigureOut">
               <a:rPr lang="de-DE" smtClean="0"/>
-              <a:t>04.06.2024</a:t>
+              <a:t>20.06.2024</a:t>
             </a:fld>
             <a:endParaRPr lang="de-DE"/>
           </a:p>
@@ -2781,7 +2781,7 @@
           <a:p>
             <a:fld id="{68096437-929F-41B4-A44E-96A3364BC2EF}" type="datetimeFigureOut">
               <a:rPr lang="de-DE" smtClean="0"/>
-              <a:t>04.06.2024</a:t>
+              <a:t>20.06.2024</a:t>
             </a:fld>
             <a:endParaRPr lang="de-DE"/>
           </a:p>
@@ -3033,7 +3033,7 @@
           <a:p>
             <a:fld id="{68096437-929F-41B4-A44E-96A3364BC2EF}" type="datetimeFigureOut">
               <a:rPr lang="de-DE" smtClean="0"/>
-              <a:t>04.06.2024</a:t>
+              <a:t>20.06.2024</a:t>
             </a:fld>
             <a:endParaRPr lang="de-DE"/>
           </a:p>
@@ -3244,7 +3244,7 @@
           <a:p>
             <a:fld id="{68096437-929F-41B4-A44E-96A3364BC2EF}" type="datetimeFigureOut">
               <a:rPr lang="de-DE" smtClean="0"/>
-              <a:t>04.06.2024</a:t>
+              <a:t>20.06.2024</a:t>
             </a:fld>
             <a:endParaRPr lang="de-DE"/>
           </a:p>
@@ -10247,10 +10247,10 @@
       </p:pic>
       <p:pic>
         <p:nvPicPr>
-          <p:cNvPr id="6" name="Picture 5">
+          <p:cNvPr id="3" name="Picture 2">
             <a:extLst>
               <a:ext uri="{FF2B5EF4-FFF2-40B4-BE49-F238E27FC236}">
-                <a16:creationId xmlns:a16="http://schemas.microsoft.com/office/drawing/2014/main" id="{B8ECD4D2-D156-42E3-B1A9-803F379299C2}"/>
+                <a16:creationId xmlns:a16="http://schemas.microsoft.com/office/drawing/2014/main" id="{2AEAABE3-AEA3-4AA7-9229-6C148EA9376C}"/>
               </a:ext>
             </a:extLst>
           </p:cNvPr>
@@ -10273,8 +10273,8 @@
         </p:blipFill>
         <p:spPr>
           <a:xfrm>
-            <a:off x="0" y="476672"/>
-            <a:ext cx="9144000" cy="4697201"/>
+            <a:off x="0" y="0"/>
+            <a:ext cx="9144000" cy="5327417"/>
           </a:xfrm>
           <a:prstGeom prst="rect">
             <a:avLst/>
@@ -10421,68 +10421,14 @@
       </p:sp>
       <p:sp>
         <p:nvSpPr>
-          <p:cNvPr id="64" name="Flussdiagramm: Prozess 63">
-            <a:extLst>
-              <a:ext uri="{FF2B5EF4-FFF2-40B4-BE49-F238E27FC236}">
-                <a16:creationId xmlns:a16="http://schemas.microsoft.com/office/drawing/2014/main" id="{95EC32C6-58C4-457F-A566-FF01F3694F21}"/>
-              </a:ext>
-            </a:extLst>
-          </p:cNvPr>
-          <p:cNvSpPr/>
-          <p:nvPr/>
-        </p:nvSpPr>
-        <p:spPr>
-          <a:xfrm>
-            <a:off x="4085947" y="1860722"/>
-            <a:ext cx="3441082" cy="1329318"/>
-          </a:xfrm>
-          <a:prstGeom prst="flowChartProcess">
-            <a:avLst/>
-          </a:prstGeom>
-          <a:solidFill>
-            <a:srgbClr val="FF66FF">
-              <a:alpha val="40000"/>
-            </a:srgbClr>
-          </a:solidFill>
-          <a:ln>
-            <a:noFill/>
-          </a:ln>
-        </p:spPr>
-        <p:style>
-          <a:lnRef idx="2">
-            <a:schemeClr val="accent1">
-              <a:shade val="50000"/>
-            </a:schemeClr>
-          </a:lnRef>
-          <a:fillRef idx="1">
-            <a:schemeClr val="accent1"/>
-          </a:fillRef>
-          <a:effectRef idx="0">
-            <a:schemeClr val="accent1"/>
-          </a:effectRef>
-          <a:fontRef idx="minor">
-            <a:schemeClr val="lt1"/>
-          </a:fontRef>
-        </p:style>
-        <p:txBody>
-          <a:bodyPr rtlCol="0" anchor="ctr"/>
-          <a:lstStyle/>
-          <a:p>
-            <a:pPr algn="ctr"/>
-            <a:endParaRPr lang="de-DE" sz="1350"/>
-          </a:p>
-        </p:txBody>
-      </p:sp>
-      <p:sp>
-        <p:nvSpPr>
           <p:cNvPr id="22" name="Flussdiagramm: Prozess 21"/>
           <p:cNvSpPr/>
           <p:nvPr/>
         </p:nvSpPr>
         <p:spPr>
           <a:xfrm>
-            <a:off x="5257369" y="3993202"/>
-            <a:ext cx="3041045" cy="1035609"/>
+            <a:off x="5257370" y="3993202"/>
+            <a:ext cx="2539374" cy="1035609"/>
           </a:xfrm>
           <a:prstGeom prst="flowChartProcess">
             <a:avLst/>
@@ -10570,8 +10516,8 @@
           </a:p>
         </p:txBody>
       </p:sp>
-      <mc:AlternateContent xmlns:mc="http://schemas.openxmlformats.org/markup-compatibility/2006" xmlns:a14="http://schemas.microsoft.com/office/drawing/2010/main">
-        <mc:Choice Requires="a14">
+      <mc:AlternateContent xmlns:mc="http://schemas.openxmlformats.org/markup-compatibility/2006">
+        <mc:Choice xmlns:a14="http://schemas.microsoft.com/office/drawing/2010/main" Requires="a14">
           <p:sp>
             <p:nvSpPr>
               <p:cNvPr id="4" name="Textfeld 3"/>
@@ -10589,7 +10535,7 @@
               <a:noFill/>
             </p:spPr>
             <p:txBody>
-              <a:bodyPr wrap="none" rtlCol="0">
+              <a:bodyPr wrap="square" rtlCol="0">
                 <a:spAutoFit/>
               </a:bodyPr>
               <a:lstStyle/>
@@ -10636,7 +10582,7 @@
             </p:txBody>
           </p:sp>
         </mc:Choice>
-        <mc:Fallback xmlns="">
+        <mc:Fallback>
           <p:sp>
             <p:nvSpPr>
               <p:cNvPr id="4" name="Textfeld 3"/>
@@ -10740,7 +10686,7 @@
         </p:nvSpPr>
         <p:spPr>
           <a:xfrm>
-            <a:off x="10352268" y="5363387"/>
+            <a:off x="8724740" y="5374192"/>
             <a:ext cx="1026114" cy="702078"/>
           </a:xfrm>
           <a:prstGeom prst="flowChartPunchedCard">
@@ -11271,8 +11217,8 @@
           </a:p>
         </p:txBody>
       </p:sp>
-      <mc:AlternateContent xmlns:mc="http://schemas.openxmlformats.org/markup-compatibility/2006" xmlns:a14="http://schemas.microsoft.com/office/drawing/2010/main">
-        <mc:Choice Requires="a14">
+      <mc:AlternateContent xmlns:mc="http://schemas.openxmlformats.org/markup-compatibility/2006">
+        <mc:Choice xmlns:a14="http://schemas.microsoft.com/office/drawing/2010/main" Requires="a14">
           <p:sp>
             <p:nvSpPr>
               <p:cNvPr id="18" name="Textfeld 17"/>
@@ -11290,7 +11236,7 @@
               <a:noFill/>
             </p:spPr>
             <p:txBody>
-              <a:bodyPr wrap="none" rtlCol="0">
+              <a:bodyPr wrap="square" rtlCol="0">
                 <a:spAutoFit/>
               </a:bodyPr>
               <a:lstStyle/>
@@ -11337,7 +11283,7 @@
             </p:txBody>
           </p:sp>
         </mc:Choice>
-        <mc:Fallback xmlns="">
+        <mc:Fallback>
           <p:sp>
             <p:nvSpPr>
               <p:cNvPr id="18" name="Textfeld 17"/>
@@ -11385,7 +11331,7 @@
         <p:spPr>
           <a:xfrm>
             <a:off x="-524930" y="2092705"/>
-            <a:ext cx="583814" cy="261610"/>
+            <a:ext cx="583814" cy="577081"/>
           </a:xfrm>
           <a:prstGeom prst="rect">
             <a:avLst/>
@@ -11393,7 +11339,7 @@
           <a:noFill/>
         </p:spPr>
         <p:txBody>
-          <a:bodyPr wrap="none" rtlCol="0">
+          <a:bodyPr wrap="square" rtlCol="0">
             <a:spAutoFit/>
           </a:bodyPr>
           <a:lstStyle/>
@@ -11544,48 +11490,6 @@
       </p:cxnSp>
       <p:cxnSp>
         <p:nvCxnSpPr>
-          <p:cNvPr id="41" name="Gewinkelte Verbindung 40"/>
-          <p:cNvCxnSpPr>
-            <a:cxnSpLocks/>
-            <a:stCxn id="13" idx="3"/>
-            <a:endCxn id="220" idx="1"/>
-          </p:cNvCxnSpPr>
-          <p:nvPr/>
-        </p:nvCxnSpPr>
-        <p:spPr>
-          <a:xfrm>
-            <a:off x="3875993" y="3591018"/>
-            <a:ext cx="6503931" cy="899111"/>
-          </a:xfrm>
-          <a:prstGeom prst="bentConnector3">
-            <a:avLst>
-              <a:gd name="adj1" fmla="val 74604"/>
-            </a:avLst>
-          </a:prstGeom>
-          <a:ln w="12700">
-            <a:solidFill>
-              <a:schemeClr val="tx1"/>
-            </a:solidFill>
-            <a:tailEnd type="triangle"/>
-          </a:ln>
-        </p:spPr>
-        <p:style>
-          <a:lnRef idx="1">
-            <a:schemeClr val="accent1"/>
-          </a:lnRef>
-          <a:fillRef idx="0">
-            <a:schemeClr val="accent1"/>
-          </a:fillRef>
-          <a:effectRef idx="0">
-            <a:schemeClr val="accent1"/>
-          </a:effectRef>
-          <a:fontRef idx="minor">
-            <a:schemeClr val="tx1"/>
-          </a:fontRef>
-        </p:style>
-      </p:cxnSp>
-      <p:cxnSp>
-        <p:nvCxnSpPr>
           <p:cNvPr id="53" name="Gerade Verbindung mit Pfeil 52"/>
           <p:cNvCxnSpPr>
             <a:cxnSpLocks/>
@@ -11872,7 +11776,7 @@
         <p:spPr>
           <a:xfrm>
             <a:off x="-504564" y="4779150"/>
-            <a:ext cx="1766830" cy="253916"/>
+            <a:ext cx="1766830" cy="415498"/>
           </a:xfrm>
           <a:prstGeom prst="rect">
             <a:avLst/>
@@ -11880,7 +11784,7 @@
           <a:noFill/>
         </p:spPr>
         <p:txBody>
-          <a:bodyPr wrap="none" rtlCol="0">
+          <a:bodyPr wrap="square" rtlCol="0">
             <a:spAutoFit/>
           </a:bodyPr>
           <a:lstStyle/>
@@ -11910,7 +11814,7 @@
         <p:spPr>
           <a:xfrm>
             <a:off x="5255115" y="4772800"/>
-            <a:ext cx="1550424" cy="253916"/>
+            <a:ext cx="1550424" cy="415498"/>
           </a:xfrm>
           <a:prstGeom prst="rect">
             <a:avLst/>
@@ -11918,7 +11822,7 @@
           <a:noFill/>
         </p:spPr>
         <p:txBody>
-          <a:bodyPr wrap="none" rtlCol="0">
+          <a:bodyPr wrap="square" rtlCol="0">
             <a:spAutoFit/>
           </a:bodyPr>
           <a:lstStyle/>
@@ -11939,98 +11843,6 @@
           </a:p>
         </p:txBody>
       </p:sp>
-      <p:cxnSp>
-        <p:nvCxnSpPr>
-          <p:cNvPr id="43" name="Gerade Verbindung mit Pfeil 42">
-            <a:extLst>
-              <a:ext uri="{FF2B5EF4-FFF2-40B4-BE49-F238E27FC236}">
-                <a16:creationId xmlns:a16="http://schemas.microsoft.com/office/drawing/2014/main" id="{E68337B3-19C4-4F9C-8282-54CBFEEC6A2E}"/>
-              </a:ext>
-            </a:extLst>
-          </p:cNvPr>
-          <p:cNvCxnSpPr>
-            <a:cxnSpLocks/>
-            <a:stCxn id="42" idx="0"/>
-            <a:endCxn id="102" idx="3"/>
-          </p:cNvCxnSpPr>
-          <p:nvPr/>
-        </p:nvCxnSpPr>
-        <p:spPr>
-          <a:xfrm flipV="1">
-            <a:off x="4706837" y="1803817"/>
-            <a:ext cx="4756" cy="373417"/>
-          </a:xfrm>
-          <a:prstGeom prst="straightConnector1">
-            <a:avLst/>
-          </a:prstGeom>
-          <a:ln w="12700">
-            <a:solidFill>
-              <a:schemeClr val="tx1"/>
-            </a:solidFill>
-            <a:headEnd type="triangle"/>
-            <a:tailEnd type="none"/>
-          </a:ln>
-        </p:spPr>
-        <p:style>
-          <a:lnRef idx="1">
-            <a:schemeClr val="accent1"/>
-          </a:lnRef>
-          <a:fillRef idx="0">
-            <a:schemeClr val="accent1"/>
-          </a:fillRef>
-          <a:effectRef idx="0">
-            <a:schemeClr val="accent1"/>
-          </a:effectRef>
-          <a:fontRef idx="minor">
-            <a:schemeClr val="tx1"/>
-          </a:fontRef>
-        </p:style>
-      </p:cxnSp>
-      <p:cxnSp>
-        <p:nvCxnSpPr>
-          <p:cNvPr id="47" name="Gerade Verbindung mit Pfeil 46">
-            <a:extLst>
-              <a:ext uri="{FF2B5EF4-FFF2-40B4-BE49-F238E27FC236}">
-                <a16:creationId xmlns:a16="http://schemas.microsoft.com/office/drawing/2014/main" id="{F5A61C69-8CAF-4EB8-9FD3-0EE791E18473}"/>
-              </a:ext>
-            </a:extLst>
-          </p:cNvPr>
-          <p:cNvCxnSpPr>
-            <a:cxnSpLocks/>
-            <a:endCxn id="42" idx="1"/>
-          </p:cNvCxnSpPr>
-          <p:nvPr/>
-        </p:nvCxnSpPr>
-        <p:spPr>
-          <a:xfrm>
-            <a:off x="3707725" y="2501270"/>
-            <a:ext cx="486055" cy="0"/>
-          </a:xfrm>
-          <a:prstGeom prst="straightConnector1">
-            <a:avLst/>
-          </a:prstGeom>
-          <a:ln w="12700">
-            <a:solidFill>
-              <a:schemeClr val="tx1"/>
-            </a:solidFill>
-            <a:tailEnd type="triangle"/>
-          </a:ln>
-        </p:spPr>
-        <p:style>
-          <a:lnRef idx="1">
-            <a:schemeClr val="accent1"/>
-          </a:lnRef>
-          <a:fillRef idx="0">
-            <a:schemeClr val="accent1"/>
-          </a:fillRef>
-          <a:effectRef idx="0">
-            <a:schemeClr val="accent1"/>
-          </a:effectRef>
-          <a:fontRef idx="minor">
-            <a:schemeClr val="tx1"/>
-          </a:fontRef>
-        </p:style>
-      </p:cxnSp>
       <p:sp>
         <p:nvSpPr>
           <p:cNvPr id="12" name="Flussdiagramm: Prozess 11"/>
@@ -12084,288 +11896,6 @@
                 <a:cs typeface="Times New Roman" panose="02020603050405020304" pitchFamily="18" charset="0"/>
               </a:rPr>
               <a:t>learn SVM model</a:t>
-            </a:r>
-          </a:p>
-        </p:txBody>
-      </p:sp>
-      <p:cxnSp>
-        <p:nvCxnSpPr>
-          <p:cNvPr id="23" name="Verbinder: gewinkelt 22">
-            <a:extLst>
-              <a:ext uri="{FF2B5EF4-FFF2-40B4-BE49-F238E27FC236}">
-                <a16:creationId xmlns:a16="http://schemas.microsoft.com/office/drawing/2014/main" id="{88CA455C-6BDE-4EA6-9F29-9BC7287F04A4}"/>
-              </a:ext>
-            </a:extLst>
-          </p:cNvPr>
-          <p:cNvCxnSpPr>
-            <a:cxnSpLocks/>
-            <a:stCxn id="42" idx="3"/>
-            <a:endCxn id="15" idx="0"/>
-          </p:cNvCxnSpPr>
-          <p:nvPr/>
-        </p:nvCxnSpPr>
-        <p:spPr>
-          <a:xfrm>
-            <a:off x="5219893" y="2501270"/>
-            <a:ext cx="567242" cy="1606872"/>
-          </a:xfrm>
-          <a:prstGeom prst="bentConnector2">
-            <a:avLst/>
-          </a:prstGeom>
-          <a:ln w="12700">
-            <a:solidFill>
-              <a:schemeClr val="tx1"/>
-            </a:solidFill>
-            <a:tailEnd type="triangle"/>
-          </a:ln>
-        </p:spPr>
-        <p:style>
-          <a:lnRef idx="1">
-            <a:schemeClr val="accent1"/>
-          </a:lnRef>
-          <a:fillRef idx="0">
-            <a:schemeClr val="accent1"/>
-          </a:fillRef>
-          <a:effectRef idx="0">
-            <a:schemeClr val="accent1"/>
-          </a:effectRef>
-          <a:fontRef idx="minor">
-            <a:schemeClr val="tx1"/>
-          </a:fontRef>
-        </p:style>
-      </p:cxnSp>
-      <p:sp>
-        <p:nvSpPr>
-          <p:cNvPr id="42" name="Flussdiagramm: Prozess 41">
-            <a:extLst>
-              <a:ext uri="{FF2B5EF4-FFF2-40B4-BE49-F238E27FC236}">
-                <a16:creationId xmlns:a16="http://schemas.microsoft.com/office/drawing/2014/main" id="{5EDB60B6-F5B1-4D15-8D9A-23978FD1FECA}"/>
-              </a:ext>
-            </a:extLst>
-          </p:cNvPr>
-          <p:cNvSpPr/>
-          <p:nvPr/>
-        </p:nvSpPr>
-        <p:spPr>
-          <a:xfrm>
-            <a:off x="4193780" y="2177234"/>
-            <a:ext cx="1026114" cy="648072"/>
-          </a:xfrm>
-          <a:prstGeom prst="flowChartProcess">
-            <a:avLst/>
-          </a:prstGeom>
-          <a:solidFill>
-            <a:schemeClr val="bg1"/>
-          </a:solidFill>
-          <a:ln w="12700">
-            <a:solidFill>
-              <a:schemeClr val="tx1"/>
-            </a:solidFill>
-          </a:ln>
-        </p:spPr>
-        <p:style>
-          <a:lnRef idx="2">
-            <a:schemeClr val="accent1">
-              <a:shade val="50000"/>
-            </a:schemeClr>
-          </a:lnRef>
-          <a:fillRef idx="1">
-            <a:schemeClr val="accent1"/>
-          </a:fillRef>
-          <a:effectRef idx="0">
-            <a:schemeClr val="accent1"/>
-          </a:effectRef>
-          <a:fontRef idx="minor">
-            <a:schemeClr val="lt1"/>
-          </a:fontRef>
-        </p:style>
-        <p:txBody>
-          <a:bodyPr rtlCol="0" anchor="ctr"/>
-          <a:lstStyle/>
-          <a:p>
-            <a:pPr algn="ctr"/>
-            <a:r>
-              <a:rPr lang="en-US" sz="1100" dirty="0">
-                <a:solidFill>
-                  <a:schemeClr val="tx1"/>
-                </a:solidFill>
-                <a:latin typeface="Futura"/>
-                <a:cs typeface="Times New Roman" panose="02020603050405020304" pitchFamily="18" charset="0"/>
-              </a:rPr>
-              <a:t>apply SVM model</a:t>
-            </a:r>
-          </a:p>
-        </p:txBody>
-      </p:sp>
-      <mc:AlternateContent xmlns:mc="http://schemas.openxmlformats.org/markup-compatibility/2006" xmlns:a14="http://schemas.microsoft.com/office/drawing/2010/main">
-        <mc:Choice Requires="a14">
-          <p:sp>
-            <p:nvSpPr>
-              <p:cNvPr id="61" name="Textfeld 60">
-                <a:extLst>
-                  <a:ext uri="{FF2B5EF4-FFF2-40B4-BE49-F238E27FC236}">
-                    <a16:creationId xmlns:a16="http://schemas.microsoft.com/office/drawing/2014/main" id="{C07729BF-503F-4D79-A509-1F110C36264B}"/>
-                  </a:ext>
-                </a:extLst>
-              </p:cNvPr>
-              <p:cNvSpPr txBox="1"/>
-              <p:nvPr/>
-            </p:nvSpPr>
-            <p:spPr>
-              <a:xfrm>
-                <a:off x="4866650" y="2850070"/>
-                <a:ext cx="959493" cy="261610"/>
-              </a:xfrm>
-              <a:prstGeom prst="rect">
-                <a:avLst/>
-              </a:prstGeom>
-              <a:noFill/>
-            </p:spPr>
-            <p:txBody>
-              <a:bodyPr wrap="none" rtlCol="0">
-                <a:spAutoFit/>
-              </a:bodyPr>
-              <a:lstStyle/>
-              <a:p>
-                <a:pPr/>
-                <a14:m>
-                  <m:oMathPara xmlns:m="http://schemas.openxmlformats.org/officeDocument/2006/math">
-                    <m:oMathParaPr>
-                      <m:jc m:val="centerGroup"/>
-                    </m:oMathParaPr>
-                    <m:oMath xmlns:m="http://schemas.openxmlformats.org/officeDocument/2006/math">
-                      <m:sSub>
-                        <m:sSubPr>
-                          <m:ctrlPr>
-                            <a:rPr lang="de-DE" sz="1100" i="1">
-                              <a:latin typeface="Cambria Math" panose="02040503050406030204" pitchFamily="18" charset="0"/>
-                            </a:rPr>
-                          </m:ctrlPr>
-                        </m:sSubPr>
-                        <m:e>
-                          <m:r>
-                            <a:rPr lang="en-US" sz="1100" i="1">
-                              <a:latin typeface="Cambria Math" panose="02040503050406030204" pitchFamily="18" charset="0"/>
-                            </a:rPr>
-                            <m:t>𝑈</m:t>
-                          </m:r>
-                        </m:e>
-                        <m:sub>
-                          <m:r>
-                            <a:rPr lang="en-US" sz="1100" i="1">
-                              <a:latin typeface="Cambria Math" panose="02040503050406030204" pitchFamily="18" charset="0"/>
-                            </a:rPr>
-                            <m:t>𝑠𝑒𝑚𝑖</m:t>
-                          </m:r>
-                          <m:r>
-                            <a:rPr lang="en-US" sz="1100" i="1">
-                              <a:latin typeface="Cambria Math" panose="02040503050406030204" pitchFamily="18" charset="0"/>
-                            </a:rPr>
-                            <m:t>−</m:t>
-                          </m:r>
-                          <m:r>
-                            <a:rPr lang="en-US" sz="1100" i="1">
-                              <a:latin typeface="Cambria Math" panose="02040503050406030204" pitchFamily="18" charset="0"/>
-                            </a:rPr>
-                            <m:t>𝑙𝑎𝑏𝑒𝑙𝑒𝑑</m:t>
-                          </m:r>
-                        </m:sub>
-                      </m:sSub>
-                    </m:oMath>
-                  </m:oMathPara>
-                </a14:m>
-                <a:endParaRPr lang="de-DE" sz="1350" dirty="0">
-                  <a:latin typeface="Futura"/>
-                </a:endParaRPr>
-              </a:p>
-            </p:txBody>
-          </p:sp>
-        </mc:Choice>
-        <mc:Fallback xmlns="">
-          <p:sp>
-            <p:nvSpPr>
-              <p:cNvPr id="61" name="Textfeld 60">
-                <a:extLst>
-                  <a:ext uri="{FF2B5EF4-FFF2-40B4-BE49-F238E27FC236}">
-                    <a16:creationId xmlns:a16="http://schemas.microsoft.com/office/drawing/2014/main" id="{C07729BF-503F-4D79-A509-1F110C36264B}"/>
-                  </a:ext>
-                </a:extLst>
-              </p:cNvPr>
-              <p:cNvSpPr txBox="1">
-                <a:spLocks noRot="1" noChangeAspect="1" noMove="1" noResize="1" noEditPoints="1" noAdjustHandles="1" noChangeArrowheads="1" noChangeShapeType="1" noTextEdit="1"/>
-              </p:cNvSpPr>
-              <p:nvPr/>
-            </p:nvSpPr>
-            <p:spPr>
-              <a:xfrm>
-                <a:off x="4866650" y="2850070"/>
-                <a:ext cx="959493" cy="261610"/>
-              </a:xfrm>
-              <a:prstGeom prst="rect">
-                <a:avLst/>
-              </a:prstGeom>
-              <a:blipFill>
-                <a:blip r:embed="rId5"/>
-                <a:stretch>
-                  <a:fillRect/>
-                </a:stretch>
-              </a:blipFill>
-            </p:spPr>
-            <p:txBody>
-              <a:bodyPr/>
-              <a:lstStyle/>
-              <a:p>
-                <a:r>
-                  <a:rPr lang="en-GB">
-                    <a:noFill/>
-                  </a:rPr>
-                  <a:t> </a:t>
-                </a:r>
-              </a:p>
-            </p:txBody>
-          </p:sp>
-        </mc:Fallback>
-      </mc:AlternateContent>
-      <p:sp>
-        <p:nvSpPr>
-          <p:cNvPr id="65" name="Textfeld 64">
-            <a:extLst>
-              <a:ext uri="{FF2B5EF4-FFF2-40B4-BE49-F238E27FC236}">
-                <a16:creationId xmlns:a16="http://schemas.microsoft.com/office/drawing/2014/main" id="{2C184CDB-CED6-4054-8486-4DD5CF8490E2}"/>
-              </a:ext>
-            </a:extLst>
-          </p:cNvPr>
-          <p:cNvSpPr txBox="1"/>
-          <p:nvPr/>
-        </p:nvSpPr>
-        <p:spPr>
-          <a:xfrm>
-            <a:off x="5826143" y="1835760"/>
-            <a:ext cx="1625766" cy="253916"/>
-          </a:xfrm>
-          <a:prstGeom prst="rect">
-            <a:avLst/>
-          </a:prstGeom>
-          <a:noFill/>
-        </p:spPr>
-        <p:txBody>
-          <a:bodyPr wrap="none" rtlCol="0">
-            <a:spAutoFit/>
-          </a:bodyPr>
-          <a:lstStyle/>
-          <a:p>
-            <a:r>
-              <a:rPr lang="en-US" sz="1050" b="1" dirty="0">
-                <a:solidFill>
-                  <a:schemeClr val="tx1">
-                    <a:lumMod val="75000"/>
-                    <a:lumOff val="25000"/>
-                  </a:schemeClr>
-                </a:solidFill>
-                <a:latin typeface="Futura"/>
-                <a:cs typeface="Times New Roman" panose="02020603050405020304" pitchFamily="18" charset="0"/>
-              </a:rPr>
-              <a:t>semi-labeled samples</a:t>
             </a:r>
           </a:p>
         </p:txBody>
@@ -15143,8 +14673,8 @@
         </p:nvSpPr>
         <p:spPr>
           <a:xfrm>
-            <a:off x="-524930" y="-506592"/>
-            <a:ext cx="12895678" cy="353943"/>
+            <a:off x="-504564" y="-463103"/>
+            <a:ext cx="11247783" cy="353943"/>
           </a:xfrm>
           <a:prstGeom prst="rect">
             <a:avLst/>
@@ -15276,8 +14806,8 @@
           </a:p>
         </p:txBody>
       </p:sp>
-      <mc:AlternateContent xmlns:mc="http://schemas.openxmlformats.org/markup-compatibility/2006" xmlns:a14="http://schemas.microsoft.com/office/drawing/2010/main">
-        <mc:Choice Requires="a14">
+      <mc:AlternateContent xmlns:mc="http://schemas.openxmlformats.org/markup-compatibility/2006">
+        <mc:Choice xmlns:a14="http://schemas.microsoft.com/office/drawing/2010/main" Requires="a14">
           <p:sp>
             <p:nvSpPr>
               <p:cNvPr id="101" name="Zylinder 100">
@@ -15363,7 +14893,7 @@
             </p:txBody>
           </p:sp>
         </mc:Choice>
-        <mc:Fallback xmlns="">
+        <mc:Fallback>
           <p:sp>
             <p:nvSpPr>
               <p:cNvPr id="101" name="Zylinder 100">
@@ -15413,169 +14943,8 @@
           </p:sp>
         </mc:Fallback>
       </mc:AlternateContent>
-      <mc:AlternateContent xmlns:mc="http://schemas.openxmlformats.org/markup-compatibility/2006" xmlns:a14="http://schemas.microsoft.com/office/drawing/2010/main">
-        <mc:Choice Requires="a14">
-          <p:sp>
-            <p:nvSpPr>
-              <p:cNvPr id="102" name="Zylinder 101">
-                <a:extLst>
-                  <a:ext uri="{FF2B5EF4-FFF2-40B4-BE49-F238E27FC236}">
-                    <a16:creationId xmlns:a16="http://schemas.microsoft.com/office/drawing/2014/main" id="{C05C162E-B61D-4B40-91F6-BC5298F2308A}"/>
-                  </a:ext>
-                </a:extLst>
-              </p:cNvPr>
-              <p:cNvSpPr/>
-              <p:nvPr/>
-            </p:nvSpPr>
-            <p:spPr>
-              <a:xfrm>
-                <a:off x="4171533" y="840790"/>
-                <a:ext cx="1080119" cy="963027"/>
-              </a:xfrm>
-              <a:prstGeom prst="can">
-                <a:avLst/>
-              </a:prstGeom>
-              <a:solidFill>
-                <a:schemeClr val="bg1"/>
-              </a:solidFill>
-              <a:ln>
-                <a:solidFill>
-                  <a:schemeClr val="tx1"/>
-                </a:solidFill>
-              </a:ln>
-            </p:spPr>
-            <p:style>
-              <a:lnRef idx="2">
-                <a:schemeClr val="accent1">
-                  <a:shade val="50000"/>
-                </a:schemeClr>
-              </a:lnRef>
-              <a:fillRef idx="1">
-                <a:schemeClr val="accent1"/>
-              </a:fillRef>
-              <a:effectRef idx="0">
-                <a:schemeClr val="accent1"/>
-              </a:effectRef>
-              <a:fontRef idx="minor">
-                <a:schemeClr val="lt1"/>
-              </a:fontRef>
-            </p:style>
-            <p:txBody>
-              <a:bodyPr rtlCol="0" anchor="ctr"/>
-              <a:lstStyle/>
-              <a:p>
-                <a:pPr algn="ctr"/>
-                <a:r>
-                  <a:rPr lang="en-US" sz="1050" dirty="0">
-                    <a:solidFill>
-                      <a:schemeClr val="tx1"/>
-                    </a:solidFill>
-                    <a:latin typeface="Futura"/>
-                    <a:cs typeface="Times New Roman" panose="02020603050405020304" pitchFamily="18" charset="0"/>
-                  </a:rPr>
-                  <a:t>subset of unlabeled samples </a:t>
-                </a:r>
-                <a14:m>
-                  <m:oMath xmlns:m="http://schemas.openxmlformats.org/officeDocument/2006/math">
-                    <m:sSub>
-                      <m:sSubPr>
-                        <m:ctrlPr>
-                          <a:rPr lang="de-DE" sz="1050" i="1">
-                            <a:solidFill>
-                              <a:schemeClr val="tx1"/>
-                            </a:solidFill>
-                            <a:latin typeface="Cambria Math" panose="02040503050406030204" pitchFamily="18" charset="0"/>
-                          </a:rPr>
-                        </m:ctrlPr>
-                      </m:sSubPr>
-                      <m:e>
-                        <m:r>
-                          <a:rPr lang="en-US" sz="1050" i="1">
-                            <a:solidFill>
-                              <a:schemeClr val="tx1"/>
-                            </a:solidFill>
-                            <a:latin typeface="Cambria Math" panose="02040503050406030204" pitchFamily="18" charset="0"/>
-                          </a:rPr>
-                          <m:t>𝑈</m:t>
-                        </m:r>
-                      </m:e>
-                      <m:sub>
-                        <m:r>
-                          <a:rPr lang="it-IT" sz="1050" i="1">
-                            <a:solidFill>
-                              <a:schemeClr val="tx1"/>
-                            </a:solidFill>
-                            <a:latin typeface="Cambria Math" panose="02040503050406030204" pitchFamily="18" charset="0"/>
-                          </a:rPr>
-                          <m:t>𝑛</m:t>
-                        </m:r>
-                      </m:sub>
-                    </m:sSub>
-                  </m:oMath>
-                </a14:m>
-                <a:endParaRPr lang="en-US" sz="1050" dirty="0">
-                  <a:solidFill>
-                    <a:schemeClr val="tx1"/>
-                  </a:solidFill>
-                  <a:latin typeface="Futura"/>
-                  <a:cs typeface="Times New Roman" panose="02020603050405020304" pitchFamily="18" charset="0"/>
-                </a:endParaRPr>
-              </a:p>
-            </p:txBody>
-          </p:sp>
-        </mc:Choice>
-        <mc:Fallback xmlns="">
-          <p:sp>
-            <p:nvSpPr>
-              <p:cNvPr id="102" name="Zylinder 101">
-                <a:extLst>
-                  <a:ext uri="{FF2B5EF4-FFF2-40B4-BE49-F238E27FC236}">
-                    <a16:creationId xmlns:a16="http://schemas.microsoft.com/office/drawing/2014/main" id="{C05C162E-B61D-4B40-91F6-BC5298F2308A}"/>
-                  </a:ext>
-                </a:extLst>
-              </p:cNvPr>
-              <p:cNvSpPr>
-                <a:spLocks noRot="1" noChangeAspect="1" noMove="1" noResize="1" noEditPoints="1" noAdjustHandles="1" noChangeArrowheads="1" noChangeShapeType="1" noTextEdit="1"/>
-              </p:cNvSpPr>
-              <p:nvPr/>
-            </p:nvSpPr>
-            <p:spPr>
-              <a:xfrm>
-                <a:off x="4171533" y="840790"/>
-                <a:ext cx="1080119" cy="963027"/>
-              </a:xfrm>
-              <a:prstGeom prst="can">
-                <a:avLst/>
-              </a:prstGeom>
-              <a:blipFill>
-                <a:blip r:embed="rId15"/>
-                <a:stretch>
-                  <a:fillRect/>
-                </a:stretch>
-              </a:blipFill>
-              <a:ln>
-                <a:solidFill>
-                  <a:schemeClr val="tx1"/>
-                </a:solidFill>
-              </a:ln>
-            </p:spPr>
-            <p:txBody>
-              <a:bodyPr/>
-              <a:lstStyle/>
-              <a:p>
-                <a:r>
-                  <a:rPr lang="en-GB">
-                    <a:noFill/>
-                  </a:rPr>
-                  <a:t> </a:t>
-                </a:r>
-              </a:p>
-            </p:txBody>
-          </p:sp>
-        </mc:Fallback>
-      </mc:AlternateContent>
-      <mc:AlternateContent xmlns:mc="http://schemas.openxmlformats.org/markup-compatibility/2006" xmlns:a14="http://schemas.microsoft.com/office/drawing/2010/main">
-        <mc:Choice Requires="a14">
+      <mc:AlternateContent xmlns:mc="http://schemas.openxmlformats.org/markup-compatibility/2006">
+        <mc:Choice xmlns:a14="http://schemas.microsoft.com/office/drawing/2010/main" Requires="a14">
           <p:sp>
             <p:nvSpPr>
               <p:cNvPr id="103" name="Zylinder 102">
@@ -15590,7 +14959,7 @@
             </p:nvSpPr>
             <p:spPr>
               <a:xfrm>
-                <a:off x="6977893" y="846528"/>
+                <a:off x="5258676" y="848277"/>
                 <a:ext cx="1080119" cy="963027"/>
               </a:xfrm>
               <a:prstGeom prst="can">
@@ -15677,7 +15046,7 @@
             </p:txBody>
           </p:sp>
         </mc:Choice>
-        <mc:Fallback xmlns="">
+        <mc:Fallback>
           <p:sp>
             <p:nvSpPr>
               <p:cNvPr id="103" name="Zylinder 102">
@@ -15694,14 +15063,14 @@
             </p:nvSpPr>
             <p:spPr>
               <a:xfrm>
-                <a:off x="6977893" y="846528"/>
+                <a:off x="5258676" y="848277"/>
                 <a:ext cx="1080119" cy="963027"/>
               </a:xfrm>
               <a:prstGeom prst="can">
                 <a:avLst/>
               </a:prstGeom>
               <a:blipFill>
-                <a:blip r:embed="rId16"/>
+                <a:blip r:embed="rId15"/>
                 <a:stretch>
                   <a:fillRect r="-4972"/>
                 </a:stretch>
@@ -15727,288 +15096,6 @@
           </p:sp>
         </mc:Fallback>
       </mc:AlternateContent>
-      <mc:AlternateContent xmlns:mc="http://schemas.openxmlformats.org/markup-compatibility/2006" xmlns:a14="http://schemas.microsoft.com/office/drawing/2010/main">
-        <mc:Choice Requires="a14">
-          <p:sp>
-            <p:nvSpPr>
-              <p:cNvPr id="104" name="Flussdiagramm: Prozess 103">
-                <a:extLst>
-                  <a:ext uri="{FF2B5EF4-FFF2-40B4-BE49-F238E27FC236}">
-                    <a16:creationId xmlns:a16="http://schemas.microsoft.com/office/drawing/2014/main" id="{254F2140-11CE-4F97-800B-9AD3A7B7DEA4}"/>
-                  </a:ext>
-                </a:extLst>
-              </p:cNvPr>
-              <p:cNvSpPr/>
-              <p:nvPr/>
-            </p:nvSpPr>
-            <p:spPr>
-              <a:xfrm>
-                <a:off x="5602830" y="1007496"/>
-                <a:ext cx="1026114" cy="648072"/>
-              </a:xfrm>
-              <a:prstGeom prst="flowChartProcess">
-                <a:avLst/>
-              </a:prstGeom>
-              <a:solidFill>
-                <a:schemeClr val="bg1"/>
-              </a:solidFill>
-              <a:ln w="12700">
-                <a:solidFill>
-                  <a:schemeClr val="tx1"/>
-                </a:solidFill>
-              </a:ln>
-            </p:spPr>
-            <p:style>
-              <a:lnRef idx="2">
-                <a:schemeClr val="accent1">
-                  <a:shade val="50000"/>
-                </a:schemeClr>
-              </a:lnRef>
-              <a:fillRef idx="1">
-                <a:schemeClr val="accent1"/>
-              </a:fillRef>
-              <a:effectRef idx="0">
-                <a:schemeClr val="accent1"/>
-              </a:effectRef>
-              <a:fontRef idx="minor">
-                <a:schemeClr val="lt1"/>
-              </a:fontRef>
-            </p:style>
-            <p:txBody>
-              <a:bodyPr rtlCol="0" anchor="ctr"/>
-              <a:lstStyle/>
-              <a:p>
-                <a:pPr algn="ctr"/>
-                <a:r>
-                  <a:rPr lang="en-US" sz="1050" dirty="0">
-                    <a:solidFill>
-                      <a:schemeClr val="tx1"/>
-                    </a:solidFill>
-                    <a:latin typeface="Futura"/>
-                    <a:cs typeface="Times New Roman" panose="02020603050405020304" pitchFamily="18" charset="0"/>
-                  </a:rPr>
-                  <a:t>select </a:t>
-                </a:r>
-                <a14:m>
-                  <m:oMath xmlns:m="http://schemas.openxmlformats.org/officeDocument/2006/math">
-                    <m:r>
-                      <a:rPr lang="en-US" sz="1050" i="1" dirty="0">
-                        <a:solidFill>
-                          <a:schemeClr val="tx1"/>
-                        </a:solidFill>
-                        <a:latin typeface="Cambria Math" panose="02040503050406030204" pitchFamily="18" charset="0"/>
-                        <a:cs typeface="Times New Roman" panose="02020603050405020304" pitchFamily="18" charset="0"/>
-                      </a:rPr>
-                      <m:t>𝑛</m:t>
-                    </m:r>
-                  </m:oMath>
-                </a14:m>
-                <a:r>
-                  <a:rPr lang="en-US" sz="1050" dirty="0">
-                    <a:solidFill>
-                      <a:schemeClr val="tx1"/>
-                    </a:solidFill>
-                    <a:latin typeface="Futura"/>
-                    <a:cs typeface="Times New Roman" panose="02020603050405020304" pitchFamily="18" charset="0"/>
-                  </a:rPr>
-                  <a:t> unlabeled samples</a:t>
-                </a:r>
-              </a:p>
-            </p:txBody>
-          </p:sp>
-        </mc:Choice>
-        <mc:Fallback xmlns="">
-          <p:sp>
-            <p:nvSpPr>
-              <p:cNvPr id="104" name="Flussdiagramm: Prozess 103">
-                <a:extLst>
-                  <a:ext uri="{FF2B5EF4-FFF2-40B4-BE49-F238E27FC236}">
-                    <a16:creationId xmlns:a16="http://schemas.microsoft.com/office/drawing/2014/main" id="{254F2140-11CE-4F97-800B-9AD3A7B7DEA4}"/>
-                  </a:ext>
-                </a:extLst>
-              </p:cNvPr>
-              <p:cNvSpPr>
-                <a:spLocks noRot="1" noChangeAspect="1" noMove="1" noResize="1" noEditPoints="1" noAdjustHandles="1" noChangeArrowheads="1" noChangeShapeType="1" noTextEdit="1"/>
-              </p:cNvSpPr>
-              <p:nvPr/>
-            </p:nvSpPr>
-            <p:spPr>
-              <a:xfrm>
-                <a:off x="5602830" y="1007496"/>
-                <a:ext cx="1026114" cy="648072"/>
-              </a:xfrm>
-              <a:prstGeom prst="flowChartProcess">
-                <a:avLst/>
-              </a:prstGeom>
-              <a:blipFill>
-                <a:blip r:embed="rId17"/>
-                <a:stretch>
-                  <a:fillRect t="-4587" b="-12844"/>
-                </a:stretch>
-              </a:blipFill>
-              <a:ln w="12700">
-                <a:solidFill>
-                  <a:schemeClr val="tx1"/>
-                </a:solidFill>
-              </a:ln>
-            </p:spPr>
-            <p:txBody>
-              <a:bodyPr/>
-              <a:lstStyle/>
-              <a:p>
-                <a:r>
-                  <a:rPr lang="en-GB">
-                    <a:noFill/>
-                  </a:rPr>
-                  <a:t> </a:t>
-                </a:r>
-              </a:p>
-            </p:txBody>
-          </p:sp>
-        </mc:Fallback>
-      </mc:AlternateContent>
-      <p:cxnSp>
-        <p:nvCxnSpPr>
-          <p:cNvPr id="105" name="Gerade Verbindung mit Pfeil 104">
-            <a:extLst>
-              <a:ext uri="{FF2B5EF4-FFF2-40B4-BE49-F238E27FC236}">
-                <a16:creationId xmlns:a16="http://schemas.microsoft.com/office/drawing/2014/main" id="{81CA1E20-4EEE-46B4-837C-5B810C89990A}"/>
-              </a:ext>
-            </a:extLst>
-          </p:cNvPr>
-          <p:cNvCxnSpPr>
-            <a:cxnSpLocks/>
-            <a:stCxn id="104" idx="3"/>
-            <a:endCxn id="103" idx="2"/>
-          </p:cNvCxnSpPr>
-          <p:nvPr/>
-        </p:nvCxnSpPr>
-        <p:spPr>
-          <a:xfrm flipV="1">
-            <a:off x="6628944" y="1328041"/>
-            <a:ext cx="348949" cy="3491"/>
-          </a:xfrm>
-          <a:prstGeom prst="straightConnector1">
-            <a:avLst/>
-          </a:prstGeom>
-          <a:ln w="12700">
-            <a:solidFill>
-              <a:schemeClr val="tx1"/>
-            </a:solidFill>
-            <a:headEnd type="triangle"/>
-            <a:tailEnd type="none"/>
-          </a:ln>
-        </p:spPr>
-        <p:style>
-          <a:lnRef idx="1">
-            <a:schemeClr val="accent1"/>
-          </a:lnRef>
-          <a:fillRef idx="0">
-            <a:schemeClr val="accent1"/>
-          </a:fillRef>
-          <a:effectRef idx="0">
-            <a:schemeClr val="accent1"/>
-          </a:effectRef>
-          <a:fontRef idx="minor">
-            <a:schemeClr val="tx1"/>
-          </a:fontRef>
-        </p:style>
-      </p:cxnSp>
-      <p:cxnSp>
-        <p:nvCxnSpPr>
-          <p:cNvPr id="106" name="Gerade Verbindung mit Pfeil 105">
-            <a:extLst>
-              <a:ext uri="{FF2B5EF4-FFF2-40B4-BE49-F238E27FC236}">
-                <a16:creationId xmlns:a16="http://schemas.microsoft.com/office/drawing/2014/main" id="{FDF030DB-65CC-4E06-B667-588BA33C66AE}"/>
-              </a:ext>
-            </a:extLst>
-          </p:cNvPr>
-          <p:cNvCxnSpPr>
-            <a:cxnSpLocks/>
-            <a:stCxn id="102" idx="4"/>
-            <a:endCxn id="104" idx="1"/>
-          </p:cNvCxnSpPr>
-          <p:nvPr/>
-        </p:nvCxnSpPr>
-        <p:spPr>
-          <a:xfrm>
-            <a:off x="5251651" y="1322304"/>
-            <a:ext cx="351179" cy="9229"/>
-          </a:xfrm>
-          <a:prstGeom prst="straightConnector1">
-            <a:avLst/>
-          </a:prstGeom>
-          <a:ln w="12700">
-            <a:solidFill>
-              <a:schemeClr val="tx1"/>
-            </a:solidFill>
-            <a:headEnd type="triangle"/>
-            <a:tailEnd type="none"/>
-          </a:ln>
-        </p:spPr>
-        <p:style>
-          <a:lnRef idx="1">
-            <a:schemeClr val="accent1"/>
-          </a:lnRef>
-          <a:fillRef idx="0">
-            <a:schemeClr val="accent1"/>
-          </a:fillRef>
-          <a:effectRef idx="0">
-            <a:schemeClr val="accent1"/>
-          </a:effectRef>
-          <a:fontRef idx="minor">
-            <a:schemeClr val="tx1"/>
-          </a:fontRef>
-        </p:style>
-      </p:cxnSp>
-      <p:cxnSp>
-        <p:nvCxnSpPr>
-          <p:cNvPr id="108" name="Gewinkelte Verbindung 40">
-            <a:extLst>
-              <a:ext uri="{FF2B5EF4-FFF2-40B4-BE49-F238E27FC236}">
-                <a16:creationId xmlns:a16="http://schemas.microsoft.com/office/drawing/2014/main" id="{6F61D788-EE7E-4646-9EEC-2BA832D3FF0A}"/>
-              </a:ext>
-            </a:extLst>
-          </p:cNvPr>
-          <p:cNvCxnSpPr>
-            <a:cxnSpLocks/>
-            <a:stCxn id="115" idx="3"/>
-            <a:endCxn id="112" idx="2"/>
-          </p:cNvCxnSpPr>
-          <p:nvPr/>
-        </p:nvCxnSpPr>
-        <p:spPr>
-          <a:xfrm flipV="1">
-            <a:off x="9496756" y="1322303"/>
-            <a:ext cx="787100" cy="2394"/>
-          </a:xfrm>
-          <a:prstGeom prst="bentConnector3">
-            <a:avLst>
-              <a:gd name="adj1" fmla="val 50000"/>
-            </a:avLst>
-          </a:prstGeom>
-          <a:ln w="12700">
-            <a:solidFill>
-              <a:schemeClr val="tx1"/>
-            </a:solidFill>
-            <a:tailEnd type="triangle"/>
-          </a:ln>
-        </p:spPr>
-        <p:style>
-          <a:lnRef idx="1">
-            <a:schemeClr val="accent1"/>
-          </a:lnRef>
-          <a:fillRef idx="0">
-            <a:schemeClr val="accent1"/>
-          </a:fillRef>
-          <a:effectRef idx="0">
-            <a:schemeClr val="accent1"/>
-          </a:effectRef>
-          <a:fontRef idx="minor">
-            <a:schemeClr val="tx1"/>
-          </a:fontRef>
-        </p:style>
-      </p:cxnSp>
       <p:sp>
         <p:nvSpPr>
           <p:cNvPr id="111" name="Flussdiagramm: Prozess 50">
@@ -16023,8 +15110,8 @@
         </p:nvSpPr>
         <p:spPr>
           <a:xfrm>
-            <a:off x="9244678" y="1857377"/>
-            <a:ext cx="3126070" cy="3171434"/>
+            <a:off x="7988038" y="1868182"/>
+            <a:ext cx="2755181" cy="3171434"/>
           </a:xfrm>
           <a:prstGeom prst="flowChartProcess">
             <a:avLst/>
@@ -16064,8 +15151,8 @@
           </a:p>
         </p:txBody>
       </p:sp>
-      <mc:AlternateContent xmlns:mc="http://schemas.openxmlformats.org/markup-compatibility/2006" xmlns:a14="http://schemas.microsoft.com/office/drawing/2010/main">
-        <mc:Choice Requires="a14">
+      <mc:AlternateContent xmlns:mc="http://schemas.openxmlformats.org/markup-compatibility/2006">
+        <mc:Choice xmlns:a14="http://schemas.microsoft.com/office/drawing/2010/main" Requires="a14">
           <p:sp>
             <p:nvSpPr>
               <p:cNvPr id="112" name="Zylinder 102">
@@ -16080,7 +15167,7 @@
             </p:nvSpPr>
             <p:spPr>
               <a:xfrm>
-                <a:off x="10283856" y="840789"/>
+                <a:off x="8656328" y="851594"/>
                 <a:ext cx="1080119" cy="963027"/>
               </a:xfrm>
               <a:prstGeom prst="can">
@@ -16152,13 +15239,13 @@
                       </m:e>
                       <m:sub>
                         <m:r>
-                          <a:rPr lang="it-IT" sz="1100" i="1">
+                          <a:rPr lang="it-IT" sz="1100" b="0" i="1" smtClean="0">
                             <a:solidFill>
                               <a:schemeClr val="tx1"/>
                             </a:solidFill>
                             <a:latin typeface="Cambria Math" panose="02040503050406030204" pitchFamily="18" charset="0"/>
                           </a:rPr>
-                          <m:t>𝑚</m:t>
+                          <m:t>𝑛</m:t>
                         </m:r>
                       </m:sub>
                     </m:sSub>
@@ -16175,7 +15262,7 @@
             </p:txBody>
           </p:sp>
         </mc:Choice>
-        <mc:Fallback xmlns="">
+        <mc:Fallback>
           <p:sp>
             <p:nvSpPr>
               <p:cNvPr id="112" name="Zylinder 102">
@@ -16192,14 +15279,14 @@
             </p:nvSpPr>
             <p:spPr>
               <a:xfrm>
-                <a:off x="10283856" y="840789"/>
+                <a:off x="8656328" y="851594"/>
                 <a:ext cx="1080119" cy="963027"/>
               </a:xfrm>
               <a:prstGeom prst="can">
                 <a:avLst/>
               </a:prstGeom>
               <a:blipFill>
-                <a:blip r:embed="rId18"/>
+                <a:blip r:embed="rId16"/>
                 <a:stretch>
                   <a:fillRect/>
                 </a:stretch>
@@ -16225,8 +15312,8 @@
           </p:sp>
         </mc:Fallback>
       </mc:AlternateContent>
-      <mc:AlternateContent xmlns:mc="http://schemas.openxmlformats.org/markup-compatibility/2006" xmlns:a14="http://schemas.microsoft.com/office/drawing/2010/main">
-        <mc:Choice Requires="a14">
+      <mc:AlternateContent xmlns:mc="http://schemas.openxmlformats.org/markup-compatibility/2006">
+        <mc:Choice xmlns:a14="http://schemas.microsoft.com/office/drawing/2010/main" Requires="a14">
           <p:sp>
             <p:nvSpPr>
               <p:cNvPr id="115" name="Flussdiagramm: Prozess 103">
@@ -16241,7 +15328,7 @@
             </p:nvSpPr>
             <p:spPr>
               <a:xfrm>
-                <a:off x="8342736" y="1000661"/>
+                <a:off x="6920551" y="1004247"/>
                 <a:ext cx="1154020" cy="648072"/>
               </a:xfrm>
               <a:prstGeom prst="flowChartProcess">
@@ -16297,26 +15384,6 @@
                         <a:latin typeface="Cambria Math" panose="02040503050406030204" pitchFamily="18" charset="0"/>
                         <a:cs typeface="Times New Roman" panose="02020603050405020304" pitchFamily="18" charset="0"/>
                       </a:rPr>
-                      <m:t>𝑚</m:t>
-                    </m:r>
-                    <m:r>
-                      <a:rPr lang="it-IT" sz="1100" i="1">
-                        <a:solidFill>
-                          <a:schemeClr val="tx1"/>
-                        </a:solidFill>
-                        <a:latin typeface="Cambria Math" panose="02040503050406030204" pitchFamily="18" charset="0"/>
-                        <a:cs typeface="Times New Roman" panose="02020603050405020304" pitchFamily="18" charset="0"/>
-                      </a:rPr>
-                      <m:t>≫</m:t>
-                    </m:r>
-                    <m:r>
-                      <a:rPr lang="it-IT" sz="1100" i="1">
-                        <a:solidFill>
-                          <a:schemeClr val="tx1"/>
-                        </a:solidFill>
-                        <a:latin typeface="Cambria Math" panose="02040503050406030204" pitchFamily="18" charset="0"/>
-                        <a:cs typeface="Times New Roman" panose="02020603050405020304" pitchFamily="18" charset="0"/>
-                      </a:rPr>
                       <m:t>𝑛</m:t>
                     </m:r>
                   </m:oMath>
@@ -16335,7 +15402,7 @@
             </p:txBody>
           </p:sp>
         </mc:Choice>
-        <mc:Fallback xmlns="">
+        <mc:Fallback>
           <p:sp>
             <p:nvSpPr>
               <p:cNvPr id="115" name="Flussdiagramm: Prozess 103">
@@ -16352,16 +15419,16 @@
             </p:nvSpPr>
             <p:spPr>
               <a:xfrm>
-                <a:off x="8342736" y="1000661"/>
+                <a:off x="6920551" y="1004247"/>
                 <a:ext cx="1154020" cy="648072"/>
               </a:xfrm>
               <a:prstGeom prst="flowChartProcess">
                 <a:avLst/>
               </a:prstGeom>
               <a:blipFill>
-                <a:blip r:embed="rId19"/>
+                <a:blip r:embed="rId17"/>
                 <a:stretch>
-                  <a:fillRect b="-1852"/>
+                  <a:fillRect b="-926"/>
                 </a:stretch>
               </a:blipFill>
               <a:ln w="12700">
@@ -16403,8 +15470,8 @@
         </p:nvCxnSpPr>
         <p:spPr>
           <a:xfrm flipV="1">
-            <a:off x="8058012" y="1324697"/>
-            <a:ext cx="284724" cy="3345"/>
+            <a:off x="6338795" y="1328283"/>
+            <a:ext cx="581756" cy="1508"/>
           </a:xfrm>
           <a:prstGeom prst="straightConnector1">
             <a:avLst/>
@@ -16445,8 +15512,8 @@
         </p:nvSpPr>
         <p:spPr>
           <a:xfrm>
-            <a:off x="7578157" y="1857377"/>
-            <a:ext cx="1666521" cy="1333226"/>
+            <a:off x="4879947" y="1866900"/>
+            <a:ext cx="3108090" cy="1472801"/>
           </a:xfrm>
           <a:prstGeom prst="flowChartProcess">
             <a:avLst/>
@@ -16500,8 +15567,8 @@
         </p:nvSpPr>
         <p:spPr>
           <a:xfrm>
-            <a:off x="7587333" y="1838037"/>
-            <a:ext cx="2565645" cy="261610"/>
+            <a:off x="9605636" y="1848053"/>
+            <a:ext cx="1220272" cy="253916"/>
           </a:xfrm>
           <a:prstGeom prst="rect">
             <a:avLst/>
@@ -16525,7 +15592,7 @@
                 <a:latin typeface="Futura"/>
                 <a:cs typeface="Times New Roman" panose="02020603050405020304" pitchFamily="18" charset="0"/>
               </a:rPr>
-              <a:t>iterative active learning method</a:t>
+              <a:t>active learning</a:t>
             </a:r>
           </a:p>
         </p:txBody>
@@ -16544,7 +15611,7 @@
         </p:nvSpPr>
         <p:spPr>
           <a:xfrm>
-            <a:off x="10486213" y="4024665"/>
+            <a:off x="8848347" y="3975417"/>
             <a:ext cx="968585" cy="712546"/>
           </a:xfrm>
           <a:prstGeom prst="flowChartAlternateProcess">
@@ -16598,7 +15665,7 @@
         </p:nvSpPr>
         <p:spPr>
           <a:xfrm>
-            <a:off x="10430763" y="4079260"/>
+            <a:off x="8792897" y="4030012"/>
             <a:ext cx="968585" cy="712546"/>
           </a:xfrm>
           <a:prstGeom prst="flowChartAlternateProcess">
@@ -16652,7 +15719,7 @@
         </p:nvSpPr>
         <p:spPr>
           <a:xfrm>
-            <a:off x="10379924" y="4133856"/>
+            <a:off x="8742058" y="4084608"/>
             <a:ext cx="968585" cy="712546"/>
           </a:xfrm>
           <a:prstGeom prst="flowChartAlternateProcess">
@@ -16715,7 +15782,7 @@
         </p:nvSpPr>
         <p:spPr>
           <a:xfrm>
-            <a:off x="9818496" y="2181088"/>
+            <a:off x="8190968" y="2191893"/>
             <a:ext cx="2023557" cy="648072"/>
           </a:xfrm>
           <a:prstGeom prst="flowChartProcess">
@@ -16824,135 +15891,6 @@
           </a:fontRef>
         </p:style>
       </p:cxnSp>
-      <mc:AlternateContent xmlns:mc="http://schemas.openxmlformats.org/markup-compatibility/2006" xmlns:a14="http://schemas.microsoft.com/office/drawing/2010/main">
-        <mc:Choice Requires="a14">
-          <p:sp>
-            <p:nvSpPr>
-              <p:cNvPr id="248" name="Textfeld 60">
-                <a:extLst>
-                  <a:ext uri="{FF2B5EF4-FFF2-40B4-BE49-F238E27FC236}">
-                    <a16:creationId xmlns:a16="http://schemas.microsoft.com/office/drawing/2014/main" id="{FD8C8F41-39F0-4E0C-B091-7DFA5AA5CA19}"/>
-                  </a:ext>
-                </a:extLst>
-              </p:cNvPr>
-              <p:cNvSpPr txBox="1"/>
-              <p:nvPr/>
-            </p:nvSpPr>
-            <p:spPr>
-              <a:xfrm>
-                <a:off x="8780978" y="2465596"/>
-                <a:ext cx="1065356" cy="261610"/>
-              </a:xfrm>
-              <a:prstGeom prst="rect">
-                <a:avLst/>
-              </a:prstGeom>
-              <a:noFill/>
-            </p:spPr>
-            <p:txBody>
-              <a:bodyPr wrap="none" rtlCol="0">
-                <a:spAutoFit/>
-              </a:bodyPr>
-              <a:lstStyle/>
-              <a:p>
-                <a:pPr/>
-                <a14:m>
-                  <m:oMathPara xmlns:m="http://schemas.openxmlformats.org/officeDocument/2006/math">
-                    <m:oMathParaPr>
-                      <m:jc m:val="centerGroup"/>
-                    </m:oMathParaPr>
-                    <m:oMath xmlns:m="http://schemas.openxmlformats.org/officeDocument/2006/math">
-                      <m:sSub>
-                        <m:sSubPr>
-                          <m:ctrlPr>
-                            <a:rPr lang="de-DE" sz="1100" i="1" smtClean="0">
-                              <a:latin typeface="Cambria Math" panose="02040503050406030204" pitchFamily="18" charset="0"/>
-                            </a:rPr>
-                          </m:ctrlPr>
-                        </m:sSubPr>
-                        <m:e>
-                          <m:r>
-                            <a:rPr lang="it-IT" sz="1100" i="1" smtClean="0">
-                              <a:latin typeface="Cambria Math" panose="02040503050406030204" pitchFamily="18" charset="0"/>
-                            </a:rPr>
-                            <m:t>𝑆</m:t>
-                          </m:r>
-                        </m:e>
-                        <m:sub>
-                          <m:r>
-                            <a:rPr lang="it-IT" sz="1100" i="1">
-                              <a:latin typeface="Cambria Math" panose="02040503050406030204" pitchFamily="18" charset="0"/>
-                            </a:rPr>
-                            <m:t>𝑚𝑜𝑠𝑡</m:t>
-                          </m:r>
-                          <m:r>
-                            <a:rPr lang="it-IT" sz="1100" i="1">
-                              <a:latin typeface="Cambria Math" panose="02040503050406030204" pitchFamily="18" charset="0"/>
-                            </a:rPr>
-                            <m:t>−</m:t>
-                          </m:r>
-                          <m:r>
-                            <a:rPr lang="it-IT" sz="1100" i="1">
-                              <a:latin typeface="Cambria Math" panose="02040503050406030204" pitchFamily="18" charset="0"/>
-                            </a:rPr>
-                            <m:t>𝑢𝑛𝑐𝑒𝑟𝑡𝑎𝑖𝑛</m:t>
-                          </m:r>
-                        </m:sub>
-                      </m:sSub>
-                    </m:oMath>
-                  </m:oMathPara>
-                </a14:m>
-                <a:endParaRPr lang="de-DE" sz="1350" dirty="0">
-                  <a:latin typeface="Futura"/>
-                </a:endParaRPr>
-              </a:p>
-            </p:txBody>
-          </p:sp>
-        </mc:Choice>
-        <mc:Fallback xmlns="">
-          <p:sp>
-            <p:nvSpPr>
-              <p:cNvPr id="248" name="Textfeld 60">
-                <a:extLst>
-                  <a:ext uri="{FF2B5EF4-FFF2-40B4-BE49-F238E27FC236}">
-                    <a16:creationId xmlns:a16="http://schemas.microsoft.com/office/drawing/2014/main" id="{FD8C8F41-39F0-4E0C-B091-7DFA5AA5CA19}"/>
-                  </a:ext>
-                </a:extLst>
-              </p:cNvPr>
-              <p:cNvSpPr txBox="1">
-                <a:spLocks noRot="1" noChangeAspect="1" noMove="1" noResize="1" noEditPoints="1" noAdjustHandles="1" noChangeArrowheads="1" noChangeShapeType="1" noTextEdit="1"/>
-              </p:cNvSpPr>
-              <p:nvPr/>
-            </p:nvSpPr>
-            <p:spPr>
-              <a:xfrm>
-                <a:off x="8780978" y="2465596"/>
-                <a:ext cx="1065356" cy="261610"/>
-              </a:xfrm>
-              <a:prstGeom prst="rect">
-                <a:avLst/>
-              </a:prstGeom>
-              <a:blipFill>
-                <a:blip r:embed="rId20"/>
-                <a:stretch>
-                  <a:fillRect/>
-                </a:stretch>
-              </a:blipFill>
-            </p:spPr>
-            <p:txBody>
-              <a:bodyPr/>
-              <a:lstStyle/>
-              <a:p>
-                <a:r>
-                  <a:rPr lang="en-GB">
-                    <a:noFill/>
-                  </a:rPr>
-                  <a:t> </a:t>
-                </a:r>
-              </a:p>
-            </p:txBody>
-          </p:sp>
-        </mc:Fallback>
-      </mc:AlternateContent>
       <p:cxnSp>
         <p:nvCxnSpPr>
           <p:cNvPr id="249" name="Gewinkelte Verbindung 27">
@@ -16971,12 +15909,12 @@
         </p:nvCxnSpPr>
         <p:spPr>
           <a:xfrm flipV="1">
-            <a:off x="11454798" y="2505124"/>
-            <a:ext cx="387255" cy="1875814"/>
+            <a:off x="9816932" y="2515929"/>
+            <a:ext cx="397593" cy="1815761"/>
           </a:xfrm>
           <a:prstGeom prst="bentConnector3">
             <a:avLst>
-              <a:gd name="adj1" fmla="val 159031"/>
+              <a:gd name="adj1" fmla="val 157496"/>
             </a:avLst>
           </a:prstGeom>
           <a:ln w="12700">
@@ -17019,8 +15957,8 @@
         </p:nvCxnSpPr>
         <p:spPr>
           <a:xfrm rot="10800000">
-            <a:off x="8714774" y="2504516"/>
-            <a:ext cx="1103722" cy="609"/>
+            <a:off x="6240478" y="2515491"/>
+            <a:ext cx="1950490" cy="438"/>
           </a:xfrm>
           <a:prstGeom prst="bentConnector3">
             <a:avLst>
@@ -17063,7 +16001,7 @@
         </p:nvSpPr>
         <p:spPr>
           <a:xfrm>
-            <a:off x="10006665" y="3052476"/>
+            <a:off x="8379137" y="3063281"/>
             <a:ext cx="1665162" cy="736564"/>
           </a:xfrm>
           <a:prstGeom prst="flowChartConnector">
@@ -17161,7 +16099,7 @@
         </p:nvSpPr>
         <p:spPr>
           <a:xfrm rot="16200000">
-            <a:off x="10771915" y="2828190"/>
+            <a:off x="9144387" y="2838995"/>
             <a:ext cx="1045393" cy="1094885"/>
           </a:xfrm>
           <a:prstGeom prst="curvedUpArrow">
@@ -17209,8 +16147,8 @@
           </a:p>
         </p:txBody>
       </p:sp>
-      <mc:AlternateContent xmlns:mc="http://schemas.openxmlformats.org/markup-compatibility/2006" xmlns:a14="http://schemas.microsoft.com/office/drawing/2010/main">
-        <mc:Choice Requires="a14">
+      <mc:AlternateContent xmlns:mc="http://schemas.openxmlformats.org/markup-compatibility/2006">
+        <mc:Choice xmlns:a14="http://schemas.microsoft.com/office/drawing/2010/main" Requires="a14">
           <p:sp>
             <p:nvSpPr>
               <p:cNvPr id="336" name="Textfeld 18">
@@ -17225,7 +16163,7 @@
             </p:nvSpPr>
             <p:spPr>
               <a:xfrm>
-                <a:off x="7352468" y="4470313"/>
+                <a:off x="7351142" y="4531612"/>
                 <a:ext cx="509050" cy="266163"/>
               </a:xfrm>
               <a:prstGeom prst="rect">
@@ -17293,7 +16231,7 @@
             </p:txBody>
           </p:sp>
         </mc:Choice>
-        <mc:Fallback xmlns="">
+        <mc:Fallback>
           <p:sp>
             <p:nvSpPr>
               <p:cNvPr id="336" name="Textfeld 18">
@@ -17310,155 +16248,14 @@
             </p:nvSpPr>
             <p:spPr>
               <a:xfrm>
-                <a:off x="7352468" y="4470313"/>
+                <a:off x="7351142" y="4531612"/>
                 <a:ext cx="509050" cy="266163"/>
               </a:xfrm>
               <a:prstGeom prst="rect">
                 <a:avLst/>
               </a:prstGeom>
               <a:blipFill>
-                <a:blip r:embed="rId21"/>
-                <a:stretch>
-                  <a:fillRect/>
-                </a:stretch>
-              </a:blipFill>
-            </p:spPr>
-            <p:txBody>
-              <a:bodyPr/>
-              <a:lstStyle/>
-              <a:p>
-                <a:r>
-                  <a:rPr lang="en-GB">
-                    <a:noFill/>
-                  </a:rPr>
-                  <a:t> </a:t>
-                </a:r>
-              </a:p>
-            </p:txBody>
-          </p:sp>
-        </mc:Fallback>
-      </mc:AlternateContent>
-      <mc:AlternateContent xmlns:mc="http://schemas.openxmlformats.org/markup-compatibility/2006" xmlns:a14="http://schemas.microsoft.com/office/drawing/2010/main">
-        <mc:Choice Requires="a14">
-          <p:sp>
-            <p:nvSpPr>
-              <p:cNvPr id="337" name="Textfeld 61">
-                <a:extLst>
-                  <a:ext uri="{FF2B5EF4-FFF2-40B4-BE49-F238E27FC236}">
-                    <a16:creationId xmlns:a16="http://schemas.microsoft.com/office/drawing/2014/main" id="{74A5BA45-0121-4277-B3BC-D9D36A3B21F3}"/>
-                  </a:ext>
-                </a:extLst>
-              </p:cNvPr>
-              <p:cNvSpPr txBox="1"/>
-              <p:nvPr/>
-            </p:nvSpPr>
-            <p:spPr>
-              <a:xfrm>
-                <a:off x="7364340" y="4204764"/>
-                <a:ext cx="959493" cy="266163"/>
-              </a:xfrm>
-              <a:prstGeom prst="rect">
-                <a:avLst/>
-              </a:prstGeom>
-              <a:noFill/>
-            </p:spPr>
-            <p:txBody>
-              <a:bodyPr wrap="none" rtlCol="0">
-                <a:spAutoFit/>
-              </a:bodyPr>
-              <a:lstStyle/>
-              <a:p>
-                <a:pPr/>
-                <a14:m>
-                  <m:oMathPara xmlns:m="http://schemas.openxmlformats.org/officeDocument/2006/math">
-                    <m:oMathParaPr>
-                      <m:jc m:val="centerGroup"/>
-                    </m:oMathParaPr>
-                    <m:oMath xmlns:m="http://schemas.openxmlformats.org/officeDocument/2006/math">
-                      <m:sSub>
-                        <m:sSubPr>
-                          <m:ctrlPr>
-                            <a:rPr lang="de-DE" sz="1100" i="1">
-                              <a:latin typeface="Cambria Math" panose="02040503050406030204" pitchFamily="18" charset="0"/>
-                            </a:rPr>
-                          </m:ctrlPr>
-                        </m:sSubPr>
-                        <m:e>
-                          <m:acc>
-                            <m:accPr>
-                              <m:chr m:val="̂"/>
-                              <m:ctrlPr>
-                                <a:rPr lang="de-DE" sz="1100" i="1">
-                                  <a:latin typeface="Cambria Math" panose="02040503050406030204" pitchFamily="18" charset="0"/>
-                                </a:rPr>
-                              </m:ctrlPr>
-                            </m:accPr>
-                            <m:e>
-                              <m:r>
-                                <a:rPr lang="en-US" sz="1100" i="1">
-                                  <a:latin typeface="Cambria Math" panose="02040503050406030204" pitchFamily="18" charset="0"/>
-                                </a:rPr>
-                                <m:t>𝑈</m:t>
-                              </m:r>
-                            </m:e>
-                          </m:acc>
-                        </m:e>
-                        <m:sub>
-                          <m:r>
-                            <a:rPr lang="en-US" sz="1100" i="1">
-                              <a:latin typeface="Cambria Math" panose="02040503050406030204" pitchFamily="18" charset="0"/>
-                            </a:rPr>
-                            <m:t>𝑠𝑒𝑚𝑖</m:t>
-                          </m:r>
-                          <m:r>
-                            <a:rPr lang="en-US" sz="1100" i="1">
-                              <a:latin typeface="Cambria Math" panose="02040503050406030204" pitchFamily="18" charset="0"/>
-                            </a:rPr>
-                            <m:t>−</m:t>
-                          </m:r>
-                          <m:r>
-                            <a:rPr lang="en-US" sz="1100" i="1">
-                              <a:latin typeface="Cambria Math" panose="02040503050406030204" pitchFamily="18" charset="0"/>
-                            </a:rPr>
-                            <m:t>𝑙𝑎𝑏𝑒𝑙𝑒𝑑</m:t>
-                          </m:r>
-                        </m:sub>
-                      </m:sSub>
-                    </m:oMath>
-                  </m:oMathPara>
-                </a14:m>
-                <a:endParaRPr lang="de-DE" sz="1350" dirty="0">
-                  <a:latin typeface="Futura"/>
-                </a:endParaRPr>
-              </a:p>
-            </p:txBody>
-          </p:sp>
-        </mc:Choice>
-        <mc:Fallback xmlns="">
-          <p:sp>
-            <p:nvSpPr>
-              <p:cNvPr id="337" name="Textfeld 61">
-                <a:extLst>
-                  <a:ext uri="{FF2B5EF4-FFF2-40B4-BE49-F238E27FC236}">
-                    <a16:creationId xmlns:a16="http://schemas.microsoft.com/office/drawing/2014/main" id="{74A5BA45-0121-4277-B3BC-D9D36A3B21F3}"/>
-                  </a:ext>
-                </a:extLst>
-              </p:cNvPr>
-              <p:cNvSpPr txBox="1">
-                <a:spLocks noRot="1" noChangeAspect="1" noMove="1" noResize="1" noEditPoints="1" noAdjustHandles="1" noChangeArrowheads="1" noChangeShapeType="1" noTextEdit="1"/>
-              </p:cNvSpPr>
-              <p:nvPr/>
-            </p:nvSpPr>
-            <p:spPr>
-              <a:xfrm>
-                <a:off x="7364340" y="4204764"/>
-                <a:ext cx="959493" cy="266163"/>
-              </a:xfrm>
-              <a:prstGeom prst="rect">
-                <a:avLst/>
-              </a:prstGeom>
-              <a:blipFill>
-                <a:blip r:embed="rId22"/>
+                <a:blip r:embed="rId18"/>
                 <a:stretch>
                   <a:fillRect/>
                 </a:stretch>
@@ -17497,8 +16294,8 @@
         </p:nvCxnSpPr>
         <p:spPr>
           <a:xfrm>
-            <a:off x="10864217" y="4846402"/>
-            <a:ext cx="1108" cy="516985"/>
+            <a:off x="9226351" y="4797154"/>
+            <a:ext cx="11446" cy="577038"/>
           </a:xfrm>
           <a:prstGeom prst="straightConnector1">
             <a:avLst/>
@@ -17539,7 +16336,7 @@
         </p:nvSpPr>
         <p:spPr>
           <a:xfrm>
-            <a:off x="7737163" y="2185639"/>
+            <a:off x="5262867" y="2196615"/>
             <a:ext cx="977611" cy="637751"/>
           </a:xfrm>
           <a:prstGeom prst="flowChartProcess">
@@ -17619,7 +16416,7 @@
         </p:nvCxnSpPr>
         <p:spPr>
           <a:xfrm flipH="1" flipV="1">
-            <a:off x="10823916" y="1803816"/>
+            <a:off x="9196388" y="1814621"/>
             <a:ext cx="6359" cy="377272"/>
           </a:xfrm>
           <a:prstGeom prst="straightConnector1">
@@ -17648,98 +16445,8 @@
           </a:fontRef>
         </p:style>
       </p:cxnSp>
-      <p:cxnSp>
-        <p:nvCxnSpPr>
-          <p:cNvPr id="156" name="Gewinkelte Verbindung 40">
-            <a:extLst>
-              <a:ext uri="{FF2B5EF4-FFF2-40B4-BE49-F238E27FC236}">
-                <a16:creationId xmlns:a16="http://schemas.microsoft.com/office/drawing/2014/main" id="{908E2C6B-326B-40CB-8469-E59FC77E37E2}"/>
-              </a:ext>
-            </a:extLst>
-          </p:cNvPr>
-          <p:cNvCxnSpPr>
-            <a:cxnSpLocks/>
-            <a:stCxn id="141" idx="2"/>
-          </p:cNvCxnSpPr>
-          <p:nvPr/>
-        </p:nvCxnSpPr>
-        <p:spPr>
-          <a:xfrm rot="16200000" flipH="1">
-            <a:off x="8160891" y="2888468"/>
-            <a:ext cx="1656478" cy="1526322"/>
-          </a:xfrm>
-          <a:prstGeom prst="bentConnector3">
-            <a:avLst>
-              <a:gd name="adj1" fmla="val 17032"/>
-            </a:avLst>
-          </a:prstGeom>
-          <a:ln w="12700">
-            <a:solidFill>
-              <a:schemeClr val="tx1"/>
-            </a:solidFill>
-            <a:tailEnd type="triangle"/>
-          </a:ln>
-        </p:spPr>
-        <p:style>
-          <a:lnRef idx="1">
-            <a:schemeClr val="accent1"/>
-          </a:lnRef>
-          <a:fillRef idx="0">
-            <a:schemeClr val="accent1"/>
-          </a:fillRef>
-          <a:effectRef idx="0">
-            <a:schemeClr val="accent1"/>
-          </a:effectRef>
-          <a:fontRef idx="minor">
-            <a:schemeClr val="tx1"/>
-          </a:fontRef>
-        </p:style>
-      </p:cxnSp>
-      <p:cxnSp>
-        <p:nvCxnSpPr>
-          <p:cNvPr id="205" name="Straight Connector 204">
-            <a:extLst>
-              <a:ext uri="{FF2B5EF4-FFF2-40B4-BE49-F238E27FC236}">
-                <a16:creationId xmlns:a16="http://schemas.microsoft.com/office/drawing/2014/main" id="{1B42B6B0-AAC9-4974-90A6-EDE17050CF91}"/>
-              </a:ext>
-            </a:extLst>
-          </p:cNvPr>
-          <p:cNvCxnSpPr>
-            <a:cxnSpLocks/>
-          </p:cNvCxnSpPr>
-          <p:nvPr/>
-        </p:nvCxnSpPr>
-        <p:spPr>
-          <a:xfrm flipV="1">
-            <a:off x="7407918" y="4493894"/>
-            <a:ext cx="1323703" cy="2585"/>
-          </a:xfrm>
-          <a:prstGeom prst="line">
-            <a:avLst/>
-          </a:prstGeom>
-          <a:ln>
-            <a:solidFill>
-              <a:schemeClr val="tx1"/>
-            </a:solidFill>
-          </a:ln>
-        </p:spPr>
-        <p:style>
-          <a:lnRef idx="1">
-            <a:schemeClr val="accent1"/>
-          </a:lnRef>
-          <a:fillRef idx="0">
-            <a:schemeClr val="accent1"/>
-          </a:fillRef>
-          <a:effectRef idx="0">
-            <a:schemeClr val="accent1"/>
-          </a:effectRef>
-          <a:fontRef idx="minor">
-            <a:schemeClr val="tx1"/>
-          </a:fontRef>
-        </p:style>
-      </p:cxnSp>
-      <mc:AlternateContent xmlns:mc="http://schemas.openxmlformats.org/markup-compatibility/2006" xmlns:a14="http://schemas.microsoft.com/office/drawing/2010/main">
-        <mc:Choice Requires="a14">
+      <mc:AlternateContent xmlns:mc="http://schemas.openxmlformats.org/markup-compatibility/2006">
+        <mc:Choice xmlns:a14="http://schemas.microsoft.com/office/drawing/2010/main" Requires="a14">
           <p:sp>
             <p:nvSpPr>
               <p:cNvPr id="161" name="Textfeld 60">
@@ -17754,8 +16461,8 @@
             </p:nvSpPr>
             <p:spPr>
               <a:xfrm>
-                <a:off x="7840326" y="2861231"/>
-                <a:ext cx="1856597" cy="253916"/>
+                <a:off x="6225258" y="2921090"/>
+                <a:ext cx="1719236" cy="253916"/>
               </a:xfrm>
               <a:prstGeom prst="rect">
                 <a:avLst/>
@@ -17763,7 +16470,7 @@
               <a:noFill/>
             </p:spPr>
             <p:txBody>
-              <a:bodyPr wrap="none" rtlCol="0">
+              <a:bodyPr wrap="square" rtlCol="0">
                 <a:spAutoFit/>
               </a:bodyPr>
               <a:lstStyle/>
@@ -17784,14 +16491,54 @@
                         </a:rPr>
                         <m:t>add</m:t>
                       </m:r>
+                      <m:sSub>
+                        <m:sSubPr>
+                          <m:ctrlPr>
+                            <a:rPr lang="de-DE" sz="1100" i="1">
+                              <a:solidFill>
+                                <a:prstClr val="black"/>
+                              </a:solidFill>
+                              <a:latin typeface="Cambria Math" panose="02040503050406030204" pitchFamily="18" charset="0"/>
+                            </a:rPr>
+                          </m:ctrlPr>
+                        </m:sSubPr>
+                        <m:e>
+                          <m:r>
+                            <a:rPr lang="it-IT" sz="1100" b="0" i="1" smtClean="0">
+                              <a:solidFill>
+                                <a:prstClr val="black"/>
+                              </a:solidFill>
+                              <a:latin typeface="Cambria Math" panose="02040503050406030204" pitchFamily="18" charset="0"/>
+                            </a:rPr>
+                            <m:t> </m:t>
+                          </m:r>
+                          <m:r>
+                            <a:rPr lang="it-IT" sz="1100" i="1">
+                              <a:solidFill>
+                                <a:prstClr val="black"/>
+                              </a:solidFill>
+                              <a:latin typeface="Cambria Math" panose="02040503050406030204" pitchFamily="18" charset="0"/>
+                            </a:rPr>
+                            <m:t>𝑆</m:t>
+                          </m:r>
+                        </m:e>
+                        <m:sub>
+                          <m:r>
+                            <a:rPr lang="it-IT" sz="1100" i="1">
+                              <a:solidFill>
+                                <a:prstClr val="black"/>
+                              </a:solidFill>
+                              <a:latin typeface="Cambria Math" panose="02040503050406030204" pitchFamily="18" charset="0"/>
+                            </a:rPr>
+                            <m:t>𝑛𝑒𝑤</m:t>
+                          </m:r>
+                        </m:sub>
+                      </m:sSub>
                       <m:r>
-                        <a:rPr lang="it-IT" sz="1050" i="0" smtClean="0">
-                          <a:latin typeface="Cambria Math" panose="02040503050406030204" pitchFamily="18" charset="0"/>
-                        </a:rPr>
-                        <m:t>             </m:t>
-                      </m:r>
-                      <m:r>
-                        <a:rPr lang="it-IT" sz="1050" b="0" i="0" smtClean="0">
+                        <a:rPr lang="it-IT" sz="1100" b="0" i="0" smtClean="0">
+                          <a:solidFill>
+                            <a:prstClr val="black"/>
+                          </a:solidFill>
                           <a:latin typeface="Cambria Math" panose="02040503050406030204" pitchFamily="18" charset="0"/>
                         </a:rPr>
                         <m:t> </m:t>
@@ -17860,7 +16607,7 @@
             </p:txBody>
           </p:sp>
         </mc:Choice>
-        <mc:Fallback xmlns="">
+        <mc:Fallback>
           <p:sp>
             <p:nvSpPr>
               <p:cNvPr id="161" name="Textfeld 60">
@@ -17877,14 +16624,14 @@
             </p:nvSpPr>
             <p:spPr>
               <a:xfrm>
-                <a:off x="7840326" y="2861231"/>
-                <a:ext cx="1856597" cy="253916"/>
+                <a:off x="6225258" y="2921090"/>
+                <a:ext cx="1719236" cy="253916"/>
               </a:xfrm>
               <a:prstGeom prst="rect">
                 <a:avLst/>
               </a:prstGeom>
               <a:blipFill>
-                <a:blip r:embed="rId23"/>
+                <a:blip r:embed="rId19"/>
                 <a:stretch>
                   <a:fillRect b="-4762"/>
                 </a:stretch>
@@ -17905,8 +16652,8 @@
           </p:sp>
         </mc:Fallback>
       </mc:AlternateContent>
-      <mc:AlternateContent xmlns:mc="http://schemas.openxmlformats.org/markup-compatibility/2006" xmlns:a14="http://schemas.microsoft.com/office/drawing/2010/main">
-        <mc:Choice Requires="a14">
+      <mc:AlternateContent xmlns:mc="http://schemas.openxmlformats.org/markup-compatibility/2006">
+        <mc:Choice xmlns:a14="http://schemas.microsoft.com/office/drawing/2010/main" Requires="a14">
           <p:sp>
             <p:nvSpPr>
               <p:cNvPr id="165" name="Textfeld 60">
@@ -17921,8 +16668,8 @@
             </p:nvSpPr>
             <p:spPr>
               <a:xfrm>
-                <a:off x="8934670" y="2269076"/>
-                <a:ext cx="551753" cy="253916"/>
+                <a:off x="6461679" y="2198701"/>
+                <a:ext cx="1476463" cy="469359"/>
               </a:xfrm>
               <a:prstGeom prst="rect">
                 <a:avLst/>
@@ -17930,29 +16677,95 @@
               <a:noFill/>
             </p:spPr>
             <p:txBody>
-              <a:bodyPr wrap="none" rtlCol="0">
+              <a:bodyPr wrap="square" rtlCol="0">
                 <a:spAutoFit/>
               </a:bodyPr>
               <a:lstStyle/>
               <a:p>
                 <a:pPr/>
                 <a14:m>
-                  <m:oMathPara xmlns:m="http://schemas.openxmlformats.org/officeDocument/2006/math">
-                    <m:oMathParaPr>
-                      <m:jc m:val="centerGroup"/>
-                    </m:oMathParaPr>
-                    <m:oMath xmlns:m="http://schemas.openxmlformats.org/officeDocument/2006/math">
-                      <m:r>
-                        <m:rPr>
-                          <m:sty m:val="p"/>
-                        </m:rPr>
-                        <a:rPr lang="it-IT" sz="1050" b="0" i="0" smtClean="0">
-                          <a:latin typeface="Cambria Math" panose="02040503050406030204" pitchFamily="18" charset="0"/>
-                        </a:rPr>
-                        <m:t>select</m:t>
-                      </m:r>
-                    </m:oMath>
-                  </m:oMathPara>
+                  <m:oMath xmlns:m="http://schemas.openxmlformats.org/officeDocument/2006/math">
+                    <m:r>
+                      <m:rPr>
+                        <m:sty m:val="p"/>
+                      </m:rPr>
+                      <a:rPr lang="it-IT" sz="1050" b="0" i="0" smtClean="0">
+                        <a:latin typeface="Cambria Math" panose="02040503050406030204" pitchFamily="18" charset="0"/>
+                      </a:rPr>
+                      <m:t>s</m:t>
+                    </m:r>
+                    <m:r>
+                      <m:rPr>
+                        <m:sty m:val="p"/>
+                      </m:rPr>
+                      <a:rPr lang="it-IT" sz="1050" b="0" i="0" smtClean="0">
+                        <a:latin typeface="Cambria Math" panose="02040503050406030204" pitchFamily="18" charset="0"/>
+                      </a:rPr>
+                      <m:t>elect</m:t>
+                    </m:r>
+                  </m:oMath>
+                </a14:m>
+                <a:r>
+                  <a:rPr lang="de-DE" sz="1350" dirty="0">
+                    <a:latin typeface="Futura"/>
+                  </a:rPr>
+                  <a:t> </a:t>
+                </a:r>
+                <a14:m>
+                  <m:oMath xmlns:m="http://schemas.openxmlformats.org/officeDocument/2006/math">
+                    <m:sSub>
+                      <m:sSubPr>
+                        <m:ctrlPr>
+                          <a:rPr lang="de-DE" sz="1100" i="1">
+                            <a:solidFill>
+                              <a:prstClr val="black"/>
+                            </a:solidFill>
+                            <a:latin typeface="Cambria Math" panose="02040503050406030204" pitchFamily="18" charset="0"/>
+                          </a:rPr>
+                        </m:ctrlPr>
+                      </m:sSubPr>
+                      <m:e>
+                        <m:r>
+                          <a:rPr lang="it-IT" sz="1100" i="1">
+                            <a:solidFill>
+                              <a:prstClr val="black"/>
+                            </a:solidFill>
+                            <a:latin typeface="Cambria Math" panose="02040503050406030204" pitchFamily="18" charset="0"/>
+                          </a:rPr>
+                          <m:t>𝑆</m:t>
+                        </m:r>
+                      </m:e>
+                      <m:sub>
+                        <m:r>
+                          <a:rPr lang="it-IT" sz="1100" i="1">
+                            <a:solidFill>
+                              <a:prstClr val="black"/>
+                            </a:solidFill>
+                            <a:latin typeface="Cambria Math" panose="02040503050406030204" pitchFamily="18" charset="0"/>
+                          </a:rPr>
+                          <m:t>𝑚𝑜𝑠𝑡</m:t>
+                        </m:r>
+                        <m:r>
+                          <a:rPr lang="it-IT" sz="1100" i="1">
+                            <a:solidFill>
+                              <a:prstClr val="black"/>
+                            </a:solidFill>
+                            <a:latin typeface="Cambria Math" panose="02040503050406030204" pitchFamily="18" charset="0"/>
+                          </a:rPr>
+                          <m:t>−</m:t>
+                        </m:r>
+                        <m:r>
+                          <a:rPr lang="it-IT" sz="1100" i="1">
+                            <a:solidFill>
+                              <a:prstClr val="black"/>
+                            </a:solidFill>
+                            <a:latin typeface="Cambria Math" panose="02040503050406030204" pitchFamily="18" charset="0"/>
+                          </a:rPr>
+                          <m:t>𝑢𝑛𝑐𝑒𝑟𝑡𝑎𝑖𝑛</m:t>
+                        </m:r>
+                      </m:sub>
+                    </m:sSub>
+                  </m:oMath>
                 </a14:m>
                 <a:endParaRPr lang="de-DE" sz="1350" dirty="0">
                   <a:latin typeface="Futura"/>
@@ -17961,7 +16774,7 @@
             </p:txBody>
           </p:sp>
         </mc:Choice>
-        <mc:Fallback xmlns="">
+        <mc:Fallback>
           <p:sp>
             <p:nvSpPr>
               <p:cNvPr id="165" name="Textfeld 60">
@@ -17978,14 +16791,14 @@
             </p:nvSpPr>
             <p:spPr>
               <a:xfrm>
-                <a:off x="8934670" y="2269076"/>
-                <a:ext cx="551753" cy="253916"/>
+                <a:off x="6461679" y="2198701"/>
+                <a:ext cx="1476463" cy="469359"/>
               </a:xfrm>
               <a:prstGeom prst="rect">
                 <a:avLst/>
               </a:prstGeom>
               <a:blipFill>
-                <a:blip r:embed="rId24"/>
+                <a:blip r:embed="rId20"/>
                 <a:stretch>
                   <a:fillRect/>
                 </a:stretch>
@@ -18006,123 +16819,229 @@
           </p:sp>
         </mc:Fallback>
       </mc:AlternateContent>
-      <mc:AlternateContent xmlns:mc="http://schemas.openxmlformats.org/markup-compatibility/2006" xmlns:a14="http://schemas.microsoft.com/office/drawing/2010/main">
-        <mc:Choice Requires="a14">
-          <p:sp>
-            <p:nvSpPr>
-              <p:cNvPr id="173" name="Textfeld 60">
-                <a:extLst>
-                  <a:ext uri="{FF2B5EF4-FFF2-40B4-BE49-F238E27FC236}">
-                    <a16:creationId xmlns:a16="http://schemas.microsoft.com/office/drawing/2014/main" id="{9719C256-0802-456D-9EF9-D0E24E54048D}"/>
-                  </a:ext>
-                </a:extLst>
-              </p:cNvPr>
-              <p:cNvSpPr txBox="1"/>
-              <p:nvPr/>
-            </p:nvSpPr>
-            <p:spPr>
-              <a:xfrm>
-                <a:off x="8151861" y="2858889"/>
-                <a:ext cx="509114" cy="261610"/>
-              </a:xfrm>
-              <a:prstGeom prst="rect">
-                <a:avLst/>
-              </a:prstGeom>
-              <a:noFill/>
-            </p:spPr>
-            <p:txBody>
-              <a:bodyPr wrap="none" rtlCol="0">
-                <a:spAutoFit/>
-              </a:bodyPr>
-              <a:lstStyle/>
-              <a:p>
-                <a:pPr/>
-                <a14:m>
-                  <m:oMathPara xmlns:m="http://schemas.openxmlformats.org/officeDocument/2006/math">
-                    <m:oMathParaPr>
-                      <m:jc m:val="centerGroup"/>
-                    </m:oMathParaPr>
-                    <m:oMath xmlns:m="http://schemas.openxmlformats.org/officeDocument/2006/math">
-                      <m:sSub>
-                        <m:sSubPr>
-                          <m:ctrlPr>
-                            <a:rPr lang="de-DE" sz="1100" i="1" smtClean="0">
-                              <a:latin typeface="Cambria Math" panose="02040503050406030204" pitchFamily="18" charset="0"/>
-                            </a:rPr>
-                          </m:ctrlPr>
-                        </m:sSubPr>
-                        <m:e>
-                          <m:r>
-                            <a:rPr lang="it-IT" sz="1100" i="1" smtClean="0">
-                              <a:latin typeface="Cambria Math" panose="02040503050406030204" pitchFamily="18" charset="0"/>
-                            </a:rPr>
-                            <m:t>𝑆</m:t>
-                          </m:r>
-                        </m:e>
-                        <m:sub>
-                          <m:r>
-                            <a:rPr lang="it-IT" sz="1100" b="0" i="1" smtClean="0">
-                              <a:latin typeface="Cambria Math" panose="02040503050406030204" pitchFamily="18" charset="0"/>
-                            </a:rPr>
-                            <m:t>𝑛𝑒𝑤</m:t>
-                          </m:r>
-                        </m:sub>
-                      </m:sSub>
-                    </m:oMath>
-                  </m:oMathPara>
-                </a14:m>
-                <a:endParaRPr lang="de-DE" sz="1350" dirty="0">
-                  <a:latin typeface="Futura"/>
-                </a:endParaRPr>
-              </a:p>
-            </p:txBody>
-          </p:sp>
-        </mc:Choice>
-        <mc:Fallback xmlns="">
-          <p:sp>
-            <p:nvSpPr>
-              <p:cNvPr id="173" name="Textfeld 60">
-                <a:extLst>
-                  <a:ext uri="{FF2B5EF4-FFF2-40B4-BE49-F238E27FC236}">
-                    <a16:creationId xmlns:a16="http://schemas.microsoft.com/office/drawing/2014/main" id="{9719C256-0802-456D-9EF9-D0E24E54048D}"/>
-                  </a:ext>
-                </a:extLst>
-              </p:cNvPr>
-              <p:cNvSpPr txBox="1">
-                <a:spLocks noRot="1" noChangeAspect="1" noMove="1" noResize="1" noEditPoints="1" noAdjustHandles="1" noChangeArrowheads="1" noChangeShapeType="1" noTextEdit="1"/>
-              </p:cNvSpPr>
-              <p:nvPr/>
-            </p:nvSpPr>
-            <p:spPr>
-              <a:xfrm>
-                <a:off x="8151861" y="2858889"/>
-                <a:ext cx="509114" cy="261610"/>
-              </a:xfrm>
-              <a:prstGeom prst="rect">
-                <a:avLst/>
-              </a:prstGeom>
-              <a:blipFill>
-                <a:blip r:embed="rId25"/>
-                <a:stretch>
-                  <a:fillRect/>
-                </a:stretch>
-              </a:blipFill>
-            </p:spPr>
-            <p:txBody>
-              <a:bodyPr/>
-              <a:lstStyle/>
-              <a:p>
-                <a:r>
-                  <a:rPr lang="en-GB">
-                    <a:noFill/>
-                  </a:rPr>
-                  <a:t> </a:t>
-                </a:r>
-              </a:p>
-            </p:txBody>
-          </p:sp>
-        </mc:Fallback>
-      </mc:AlternateContent>
+      <p:cxnSp>
+        <p:nvCxnSpPr>
+          <p:cNvPr id="109" name="Gerade Verbindung mit Pfeil 69">
+            <a:extLst>
+              <a:ext uri="{FF2B5EF4-FFF2-40B4-BE49-F238E27FC236}">
+                <a16:creationId xmlns:a16="http://schemas.microsoft.com/office/drawing/2014/main" id="{1699A4F2-6735-41BD-B99E-135F28B94023}"/>
+              </a:ext>
+            </a:extLst>
+          </p:cNvPr>
+          <p:cNvCxnSpPr>
+            <a:cxnSpLocks/>
+          </p:cNvCxnSpPr>
+          <p:nvPr/>
+        </p:nvCxnSpPr>
+        <p:spPr>
+          <a:xfrm>
+            <a:off x="7400986" y="4553920"/>
+            <a:ext cx="1321096" cy="2608"/>
+          </a:xfrm>
+          <a:prstGeom prst="straightConnector1">
+            <a:avLst/>
+          </a:prstGeom>
+          <a:ln w="12700">
+            <a:solidFill>
+              <a:schemeClr val="tx1"/>
+            </a:solidFill>
+            <a:tailEnd type="triangle"/>
+          </a:ln>
+        </p:spPr>
+        <p:style>
+          <a:lnRef idx="1">
+            <a:schemeClr val="accent1"/>
+          </a:lnRef>
+          <a:fillRef idx="0">
+            <a:schemeClr val="accent1"/>
+          </a:fillRef>
+          <a:effectRef idx="0">
+            <a:schemeClr val="accent1"/>
+          </a:effectRef>
+          <a:fontRef idx="minor">
+            <a:schemeClr val="tx1"/>
+          </a:fontRef>
+        </p:style>
+      </p:cxnSp>
+      <p:cxnSp>
+        <p:nvCxnSpPr>
+          <p:cNvPr id="113" name="Gewinkelte Verbindung 40">
+            <a:extLst>
+              <a:ext uri="{FF2B5EF4-FFF2-40B4-BE49-F238E27FC236}">
+                <a16:creationId xmlns:a16="http://schemas.microsoft.com/office/drawing/2014/main" id="{F1A3E4B9-D271-4C99-95D5-7909449FDA90}"/>
+              </a:ext>
+            </a:extLst>
+          </p:cNvPr>
+          <p:cNvCxnSpPr>
+            <a:cxnSpLocks/>
+            <a:stCxn id="13" idx="3"/>
+          </p:cNvCxnSpPr>
+          <p:nvPr/>
+        </p:nvCxnSpPr>
+        <p:spPr>
+          <a:xfrm>
+            <a:off x="3875993" y="3591018"/>
+            <a:ext cx="4847406" cy="848863"/>
+          </a:xfrm>
+          <a:prstGeom prst="bentConnector3">
+            <a:avLst>
+              <a:gd name="adj1" fmla="val 83011"/>
+            </a:avLst>
+          </a:prstGeom>
+          <a:ln w="12700">
+            <a:solidFill>
+              <a:schemeClr val="tx1"/>
+            </a:solidFill>
+            <a:tailEnd type="triangle"/>
+          </a:ln>
+        </p:spPr>
+        <p:style>
+          <a:lnRef idx="1">
+            <a:schemeClr val="accent1"/>
+          </a:lnRef>
+          <a:fillRef idx="0">
+            <a:schemeClr val="accent1"/>
+          </a:fillRef>
+          <a:effectRef idx="0">
+            <a:schemeClr val="accent1"/>
+          </a:effectRef>
+          <a:fontRef idx="minor">
+            <a:schemeClr val="tx1"/>
+          </a:fontRef>
+        </p:style>
+      </p:cxnSp>
+      <p:cxnSp>
+        <p:nvCxnSpPr>
+          <p:cNvPr id="177" name="Gerade Verbindung mit Pfeil 32">
+            <a:extLst>
+              <a:ext uri="{FF2B5EF4-FFF2-40B4-BE49-F238E27FC236}">
+                <a16:creationId xmlns:a16="http://schemas.microsoft.com/office/drawing/2014/main" id="{FF439C12-7007-4E31-A4E2-3C05BE9BADBF}"/>
+              </a:ext>
+            </a:extLst>
+          </p:cNvPr>
+          <p:cNvCxnSpPr>
+            <a:cxnSpLocks/>
+            <a:stCxn id="115" idx="3"/>
+            <a:endCxn id="112" idx="2"/>
+          </p:cNvCxnSpPr>
+          <p:nvPr/>
+        </p:nvCxnSpPr>
+        <p:spPr>
+          <a:xfrm>
+            <a:off x="8074571" y="1328283"/>
+            <a:ext cx="581757" cy="4825"/>
+          </a:xfrm>
+          <a:prstGeom prst="straightConnector1">
+            <a:avLst/>
+          </a:prstGeom>
+          <a:ln w="12700">
+            <a:solidFill>
+              <a:schemeClr val="tx1"/>
+            </a:solidFill>
+            <a:tailEnd type="triangle"/>
+          </a:ln>
+        </p:spPr>
+        <p:style>
+          <a:lnRef idx="1">
+            <a:schemeClr val="accent1"/>
+          </a:lnRef>
+          <a:fillRef idx="0">
+            <a:schemeClr val="accent1"/>
+          </a:fillRef>
+          <a:effectRef idx="0">
+            <a:schemeClr val="accent1"/>
+          </a:effectRef>
+          <a:fontRef idx="minor">
+            <a:schemeClr val="tx1"/>
+          </a:fontRef>
+        </p:style>
+      </p:cxnSp>
+      <p:cxnSp>
+        <p:nvCxnSpPr>
+          <p:cNvPr id="212" name="Gewinkelte Verbindung 40">
+            <a:extLst>
+              <a:ext uri="{FF2B5EF4-FFF2-40B4-BE49-F238E27FC236}">
+                <a16:creationId xmlns:a16="http://schemas.microsoft.com/office/drawing/2014/main" id="{5FA82AFC-A589-4732-9D33-E7B6F78A2859}"/>
+              </a:ext>
+            </a:extLst>
+          </p:cNvPr>
+          <p:cNvCxnSpPr>
+            <a:cxnSpLocks/>
+          </p:cNvCxnSpPr>
+          <p:nvPr/>
+        </p:nvCxnSpPr>
+        <p:spPr>
+          <a:xfrm>
+            <a:off x="5749234" y="3175351"/>
+            <a:ext cx="2972848" cy="1151231"/>
+          </a:xfrm>
+          <a:prstGeom prst="bentConnector3">
+            <a:avLst>
+              <a:gd name="adj1" fmla="val 79156"/>
+            </a:avLst>
+          </a:prstGeom>
+          <a:ln w="12700">
+            <a:solidFill>
+              <a:schemeClr val="tx1"/>
+            </a:solidFill>
+            <a:tailEnd type="triangle"/>
+          </a:ln>
+        </p:spPr>
+        <p:style>
+          <a:lnRef idx="1">
+            <a:schemeClr val="accent1"/>
+          </a:lnRef>
+          <a:fillRef idx="0">
+            <a:schemeClr val="accent1"/>
+          </a:fillRef>
+          <a:effectRef idx="0">
+            <a:schemeClr val="accent1"/>
+          </a:effectRef>
+          <a:fontRef idx="minor">
+            <a:schemeClr val="tx1"/>
+          </a:fontRef>
+        </p:style>
+      </p:cxnSp>
+      <p:cxnSp>
+        <p:nvCxnSpPr>
+          <p:cNvPr id="229" name="Straight Connector 228">
+            <a:extLst>
+              <a:ext uri="{FF2B5EF4-FFF2-40B4-BE49-F238E27FC236}">
+                <a16:creationId xmlns:a16="http://schemas.microsoft.com/office/drawing/2014/main" id="{30BF35B8-14A5-4989-BB05-887BFC645B74}"/>
+              </a:ext>
+            </a:extLst>
+          </p:cNvPr>
+          <p:cNvCxnSpPr>
+            <a:cxnSpLocks/>
+            <a:stCxn id="141" idx="2"/>
+          </p:cNvCxnSpPr>
+          <p:nvPr/>
+        </p:nvCxnSpPr>
+        <p:spPr>
+          <a:xfrm>
+            <a:off x="5751673" y="2834366"/>
+            <a:ext cx="0" cy="348232"/>
+          </a:xfrm>
+          <a:prstGeom prst="line">
+            <a:avLst/>
+          </a:prstGeom>
+          <a:ln w="12700"/>
+        </p:spPr>
+        <p:style>
+          <a:lnRef idx="1">
+            <a:schemeClr val="dk1"/>
+          </a:lnRef>
+          <a:fillRef idx="0">
+            <a:schemeClr val="dk1"/>
+          </a:fillRef>
+          <a:effectRef idx="0">
+            <a:schemeClr val="dk1"/>
+          </a:effectRef>
+          <a:fontRef idx="minor">
+            <a:schemeClr val="tx1"/>
+          </a:fontRef>
+        </p:style>
+      </p:cxnSp>
     </p:spTree>
     <p:extLst>
       <p:ext uri="{BB962C8B-B14F-4D97-AF65-F5344CB8AC3E}">

--- a/images/block_scheme.pptx
+++ b/images/block_scheme.pptx
@@ -5,7 +5,7 @@
     <p:sldMasterId id="2147483648" r:id="rId1"/>
   </p:sldMasterIdLst>
   <p:notesMasterIdLst>
-    <p:notesMasterId r:id="rId8"/>
+    <p:notesMasterId r:id="rId9"/>
   </p:notesMasterIdLst>
   <p:sldIdLst>
     <p:sldId id="256" r:id="rId2"/>
@@ -14,6 +14,7 @@
     <p:sldId id="259" r:id="rId5"/>
     <p:sldId id="262" r:id="rId6"/>
     <p:sldId id="260" r:id="rId7"/>
+    <p:sldId id="263" r:id="rId8"/>
   </p:sldIdLst>
   <p:sldSz cx="9144000" cy="6858000" type="screen4x3"/>
   <p:notesSz cx="6858000" cy="9144000"/>
@@ -217,7 +218,7 @@
           <a:p>
             <a:fld id="{2F6F1BCE-1FE9-4644-9CDB-12C2BD4EE37B}" type="datetimeFigureOut">
               <a:rPr lang="de-DE" smtClean="0"/>
-              <a:t>20.06.2024</a:t>
+              <a:t>28.06.2024</a:t>
             </a:fld>
             <a:endParaRPr lang="de-DE"/>
           </a:p>
@@ -652,6 +653,90 @@
 </p:notes>
 </file>
 
+<file path=ppt/notesSlides/notesSlide3.xml><?xml version="1.0" encoding="utf-8"?>
+<p:notes xmlns:a="http://schemas.openxmlformats.org/drawingml/2006/main" xmlns:r="http://schemas.openxmlformats.org/officeDocument/2006/relationships" xmlns:p="http://schemas.openxmlformats.org/presentationml/2006/main">
+  <p:cSld>
+    <p:spTree>
+      <p:nvGrpSpPr>
+        <p:cNvPr id="1" name=""/>
+        <p:cNvGrpSpPr/>
+        <p:nvPr/>
+      </p:nvGrpSpPr>
+      <p:grpSpPr>
+        <a:xfrm>
+          <a:off x="0" y="0"/>
+          <a:ext cx="0" cy="0"/>
+          <a:chOff x="0" y="0"/>
+          <a:chExt cx="0" cy="0"/>
+        </a:xfrm>
+      </p:grpSpPr>
+      <p:sp>
+        <p:nvSpPr>
+          <p:cNvPr id="2" name="Folienbildplatzhalter 1"/>
+          <p:cNvSpPr>
+            <a:spLocks noGrp="1" noRot="1" noChangeAspect="1"/>
+          </p:cNvSpPr>
+          <p:nvPr>
+            <p:ph type="sldImg"/>
+          </p:nvPr>
+        </p:nvSpPr>
+        <p:spPr/>
+      </p:sp>
+      <p:sp>
+        <p:nvSpPr>
+          <p:cNvPr id="3" name="Notizenplatzhalter 2"/>
+          <p:cNvSpPr>
+            <a:spLocks noGrp="1"/>
+          </p:cNvSpPr>
+          <p:nvPr>
+            <p:ph type="body" idx="1"/>
+          </p:nvPr>
+        </p:nvSpPr>
+        <p:spPr/>
+        <p:txBody>
+          <a:bodyPr/>
+          <a:lstStyle/>
+          <a:p>
+            <a:endParaRPr lang="de-DE" dirty="0"/>
+          </a:p>
+        </p:txBody>
+      </p:sp>
+      <p:sp>
+        <p:nvSpPr>
+          <p:cNvPr id="4" name="Foliennummernplatzhalter 3"/>
+          <p:cNvSpPr>
+            <a:spLocks noGrp="1"/>
+          </p:cNvSpPr>
+          <p:nvPr>
+            <p:ph type="sldNum" sz="quarter" idx="10"/>
+          </p:nvPr>
+        </p:nvSpPr>
+        <p:spPr/>
+        <p:txBody>
+          <a:bodyPr/>
+          <a:lstStyle/>
+          <a:p>
+            <a:fld id="{F0D5CDD0-9C4D-485B-A4B3-1655DD65D0FD}" type="slidenum">
+              <a:rPr lang="de-DE" smtClean="0"/>
+              <a:t>7</a:t>
+            </a:fld>
+            <a:endParaRPr lang="de-DE"/>
+          </a:p>
+        </p:txBody>
+      </p:sp>
+    </p:spTree>
+    <p:extLst>
+      <p:ext uri="{BB962C8B-B14F-4D97-AF65-F5344CB8AC3E}">
+        <p14:creationId xmlns:p14="http://schemas.microsoft.com/office/powerpoint/2010/main" val="3740456093"/>
+      </p:ext>
+    </p:extLst>
+  </p:cSld>
+  <p:clrMapOvr>
+    <a:masterClrMapping/>
+  </p:clrMapOvr>
+</p:notes>
+</file>
+
 <file path=ppt/slideLayouts/slideLayout1.xml><?xml version="1.0" encoding="utf-8"?>
 <p:sldLayout xmlns:a="http://schemas.openxmlformats.org/drawingml/2006/main" xmlns:r="http://schemas.openxmlformats.org/officeDocument/2006/relationships" xmlns:p="http://schemas.openxmlformats.org/presentationml/2006/main" type="title" preserve="1">
   <p:cSld name="Titelfolie">
@@ -831,7 +916,7 @@
           <a:p>
             <a:fld id="{68096437-929F-41B4-A44E-96A3364BC2EF}" type="datetimeFigureOut">
               <a:rPr lang="de-DE" smtClean="0"/>
-              <a:t>20.06.2024</a:t>
+              <a:t>28.06.2024</a:t>
             </a:fld>
             <a:endParaRPr lang="de-DE"/>
           </a:p>
@@ -999,7 +1084,7 @@
           <a:p>
             <a:fld id="{68096437-929F-41B4-A44E-96A3364BC2EF}" type="datetimeFigureOut">
               <a:rPr lang="de-DE" smtClean="0"/>
-              <a:t>20.06.2024</a:t>
+              <a:t>28.06.2024</a:t>
             </a:fld>
             <a:endParaRPr lang="de-DE"/>
           </a:p>
@@ -1177,7 +1262,7 @@
           <a:p>
             <a:fld id="{68096437-929F-41B4-A44E-96A3364BC2EF}" type="datetimeFigureOut">
               <a:rPr lang="de-DE" smtClean="0"/>
-              <a:t>20.06.2024</a:t>
+              <a:t>28.06.2024</a:t>
             </a:fld>
             <a:endParaRPr lang="de-DE"/>
           </a:p>
@@ -1345,7 +1430,7 @@
           <a:p>
             <a:fld id="{68096437-929F-41B4-A44E-96A3364BC2EF}" type="datetimeFigureOut">
               <a:rPr lang="de-DE" smtClean="0"/>
-              <a:t>20.06.2024</a:t>
+              <a:t>28.06.2024</a:t>
             </a:fld>
             <a:endParaRPr lang="de-DE"/>
           </a:p>
@@ -1590,7 +1675,7 @@
           <a:p>
             <a:fld id="{68096437-929F-41B4-A44E-96A3364BC2EF}" type="datetimeFigureOut">
               <a:rPr lang="de-DE" smtClean="0"/>
-              <a:t>20.06.2024</a:t>
+              <a:t>28.06.2024</a:t>
             </a:fld>
             <a:endParaRPr lang="de-DE"/>
           </a:p>
@@ -1875,7 +1960,7 @@
           <a:p>
             <a:fld id="{68096437-929F-41B4-A44E-96A3364BC2EF}" type="datetimeFigureOut">
               <a:rPr lang="de-DE" smtClean="0"/>
-              <a:t>20.06.2024</a:t>
+              <a:t>28.06.2024</a:t>
             </a:fld>
             <a:endParaRPr lang="de-DE"/>
           </a:p>
@@ -2294,7 +2379,7 @@
           <a:p>
             <a:fld id="{68096437-929F-41B4-A44E-96A3364BC2EF}" type="datetimeFigureOut">
               <a:rPr lang="de-DE" smtClean="0"/>
-              <a:t>20.06.2024</a:t>
+              <a:t>28.06.2024</a:t>
             </a:fld>
             <a:endParaRPr lang="de-DE"/>
           </a:p>
@@ -2411,7 +2496,7 @@
           <a:p>
             <a:fld id="{68096437-929F-41B4-A44E-96A3364BC2EF}" type="datetimeFigureOut">
               <a:rPr lang="de-DE" smtClean="0"/>
-              <a:t>20.06.2024</a:t>
+              <a:t>28.06.2024</a:t>
             </a:fld>
             <a:endParaRPr lang="de-DE"/>
           </a:p>
@@ -2506,7 +2591,7 @@
           <a:p>
             <a:fld id="{68096437-929F-41B4-A44E-96A3364BC2EF}" type="datetimeFigureOut">
               <a:rPr lang="de-DE" smtClean="0"/>
-              <a:t>20.06.2024</a:t>
+              <a:t>28.06.2024</a:t>
             </a:fld>
             <a:endParaRPr lang="de-DE"/>
           </a:p>
@@ -2781,7 +2866,7 @@
           <a:p>
             <a:fld id="{68096437-929F-41B4-A44E-96A3364BC2EF}" type="datetimeFigureOut">
               <a:rPr lang="de-DE" smtClean="0"/>
-              <a:t>20.06.2024</a:t>
+              <a:t>28.06.2024</a:t>
             </a:fld>
             <a:endParaRPr lang="de-DE"/>
           </a:p>
@@ -3033,7 +3118,7 @@
           <a:p>
             <a:fld id="{68096437-929F-41B4-A44E-96A3364BC2EF}" type="datetimeFigureOut">
               <a:rPr lang="de-DE" smtClean="0"/>
-              <a:t>20.06.2024</a:t>
+              <a:t>28.06.2024</a:t>
             </a:fld>
             <a:endParaRPr lang="de-DE"/>
           </a:p>
@@ -3244,7 +3329,7 @@
           <a:p>
             <a:fld id="{68096437-929F-41B4-A44E-96A3364BC2EF}" type="datetimeFigureOut">
               <a:rPr lang="de-DE" smtClean="0"/>
-              <a:t>20.06.2024</a:t>
+              <a:t>28.06.2024</a:t>
             </a:fld>
             <a:endParaRPr lang="de-DE"/>
           </a:p>
@@ -10516,8 +10601,8 @@
           </a:p>
         </p:txBody>
       </p:sp>
-      <mc:AlternateContent xmlns:mc="http://schemas.openxmlformats.org/markup-compatibility/2006">
-        <mc:Choice xmlns:a14="http://schemas.microsoft.com/office/drawing/2010/main" Requires="a14">
+      <mc:AlternateContent xmlns:mc="http://schemas.openxmlformats.org/markup-compatibility/2006" xmlns:a14="http://schemas.microsoft.com/office/drawing/2010/main">
+        <mc:Choice Requires="a14">
           <p:sp>
             <p:nvSpPr>
               <p:cNvPr id="4" name="Textfeld 3"/>
@@ -10582,7 +10667,7 @@
             </p:txBody>
           </p:sp>
         </mc:Choice>
-        <mc:Fallback>
+        <mc:Fallback xmlns="">
           <p:sp>
             <p:nvSpPr>
               <p:cNvPr id="4" name="Textfeld 3"/>
@@ -11217,8 +11302,8 @@
           </a:p>
         </p:txBody>
       </p:sp>
-      <mc:AlternateContent xmlns:mc="http://schemas.openxmlformats.org/markup-compatibility/2006">
-        <mc:Choice xmlns:a14="http://schemas.microsoft.com/office/drawing/2010/main" Requires="a14">
+      <mc:AlternateContent xmlns:mc="http://schemas.openxmlformats.org/markup-compatibility/2006" xmlns:a14="http://schemas.microsoft.com/office/drawing/2010/main">
+        <mc:Choice Requires="a14">
           <p:sp>
             <p:nvSpPr>
               <p:cNvPr id="18" name="Textfeld 17"/>
@@ -11283,7 +11368,7 @@
             </p:txBody>
           </p:sp>
         </mc:Choice>
-        <mc:Fallback>
+        <mc:Fallback xmlns="">
           <p:sp>
             <p:nvSpPr>
               <p:cNvPr id="18" name="Textfeld 17"/>
@@ -14806,8 +14891,8 @@
           </a:p>
         </p:txBody>
       </p:sp>
-      <mc:AlternateContent xmlns:mc="http://schemas.openxmlformats.org/markup-compatibility/2006">
-        <mc:Choice xmlns:a14="http://schemas.microsoft.com/office/drawing/2010/main" Requires="a14">
+      <mc:AlternateContent xmlns:mc="http://schemas.openxmlformats.org/markup-compatibility/2006" xmlns:a14="http://schemas.microsoft.com/office/drawing/2010/main">
+        <mc:Choice Requires="a14">
           <p:sp>
             <p:nvSpPr>
               <p:cNvPr id="101" name="Zylinder 100">
@@ -14893,7 +14978,7 @@
             </p:txBody>
           </p:sp>
         </mc:Choice>
-        <mc:Fallback>
+        <mc:Fallback xmlns="">
           <p:sp>
             <p:nvSpPr>
               <p:cNvPr id="101" name="Zylinder 100">
@@ -14943,8 +15028,8 @@
           </p:sp>
         </mc:Fallback>
       </mc:AlternateContent>
-      <mc:AlternateContent xmlns:mc="http://schemas.openxmlformats.org/markup-compatibility/2006">
-        <mc:Choice xmlns:a14="http://schemas.microsoft.com/office/drawing/2010/main" Requires="a14">
+      <mc:AlternateContent xmlns:mc="http://schemas.openxmlformats.org/markup-compatibility/2006" xmlns:a14="http://schemas.microsoft.com/office/drawing/2010/main">
+        <mc:Choice Requires="a14">
           <p:sp>
             <p:nvSpPr>
               <p:cNvPr id="103" name="Zylinder 102">
@@ -15046,7 +15131,7 @@
             </p:txBody>
           </p:sp>
         </mc:Choice>
-        <mc:Fallback>
+        <mc:Fallback xmlns="">
           <p:sp>
             <p:nvSpPr>
               <p:cNvPr id="103" name="Zylinder 102">
@@ -15151,8 +15236,8 @@
           </a:p>
         </p:txBody>
       </p:sp>
-      <mc:AlternateContent xmlns:mc="http://schemas.openxmlformats.org/markup-compatibility/2006">
-        <mc:Choice xmlns:a14="http://schemas.microsoft.com/office/drawing/2010/main" Requires="a14">
+      <mc:AlternateContent xmlns:mc="http://schemas.openxmlformats.org/markup-compatibility/2006" xmlns:a14="http://schemas.microsoft.com/office/drawing/2010/main">
+        <mc:Choice Requires="a14">
           <p:sp>
             <p:nvSpPr>
               <p:cNvPr id="112" name="Zylinder 102">
@@ -15262,7 +15347,7 @@
             </p:txBody>
           </p:sp>
         </mc:Choice>
-        <mc:Fallback>
+        <mc:Fallback xmlns="">
           <p:sp>
             <p:nvSpPr>
               <p:cNvPr id="112" name="Zylinder 102">
@@ -15312,8 +15397,8 @@
           </p:sp>
         </mc:Fallback>
       </mc:AlternateContent>
-      <mc:AlternateContent xmlns:mc="http://schemas.openxmlformats.org/markup-compatibility/2006">
-        <mc:Choice xmlns:a14="http://schemas.microsoft.com/office/drawing/2010/main" Requires="a14">
+      <mc:AlternateContent xmlns:mc="http://schemas.openxmlformats.org/markup-compatibility/2006" xmlns:a14="http://schemas.microsoft.com/office/drawing/2010/main">
+        <mc:Choice Requires="a14">
           <p:sp>
             <p:nvSpPr>
               <p:cNvPr id="115" name="Flussdiagramm: Prozess 103">
@@ -15402,7 +15487,7 @@
             </p:txBody>
           </p:sp>
         </mc:Choice>
-        <mc:Fallback>
+        <mc:Fallback xmlns="">
           <p:sp>
             <p:nvSpPr>
               <p:cNvPr id="115" name="Flussdiagramm: Prozess 103">
@@ -16147,8 +16232,8 @@
           </a:p>
         </p:txBody>
       </p:sp>
-      <mc:AlternateContent xmlns:mc="http://schemas.openxmlformats.org/markup-compatibility/2006">
-        <mc:Choice xmlns:a14="http://schemas.microsoft.com/office/drawing/2010/main" Requires="a14">
+      <mc:AlternateContent xmlns:mc="http://schemas.openxmlformats.org/markup-compatibility/2006" xmlns:a14="http://schemas.microsoft.com/office/drawing/2010/main">
+        <mc:Choice Requires="a14">
           <p:sp>
             <p:nvSpPr>
               <p:cNvPr id="336" name="Textfeld 18">
@@ -16231,7 +16316,7 @@
             </p:txBody>
           </p:sp>
         </mc:Choice>
-        <mc:Fallback>
+        <mc:Fallback xmlns="">
           <p:sp>
             <p:nvSpPr>
               <p:cNvPr id="336" name="Textfeld 18">
@@ -16445,8 +16530,8 @@
           </a:fontRef>
         </p:style>
       </p:cxnSp>
-      <mc:AlternateContent xmlns:mc="http://schemas.openxmlformats.org/markup-compatibility/2006">
-        <mc:Choice xmlns:a14="http://schemas.microsoft.com/office/drawing/2010/main" Requires="a14">
+      <mc:AlternateContent xmlns:mc="http://schemas.openxmlformats.org/markup-compatibility/2006" xmlns:a14="http://schemas.microsoft.com/office/drawing/2010/main">
+        <mc:Choice Requires="a14">
           <p:sp>
             <p:nvSpPr>
               <p:cNvPr id="161" name="Textfeld 60">
@@ -16607,7 +16692,7 @@
             </p:txBody>
           </p:sp>
         </mc:Choice>
-        <mc:Fallback>
+        <mc:Fallback xmlns="">
           <p:sp>
             <p:nvSpPr>
               <p:cNvPr id="161" name="Textfeld 60">
@@ -16652,8 +16737,8 @@
           </p:sp>
         </mc:Fallback>
       </mc:AlternateContent>
-      <mc:AlternateContent xmlns:mc="http://schemas.openxmlformats.org/markup-compatibility/2006">
-        <mc:Choice xmlns:a14="http://schemas.microsoft.com/office/drawing/2010/main" Requires="a14">
+      <mc:AlternateContent xmlns:mc="http://schemas.openxmlformats.org/markup-compatibility/2006" xmlns:a14="http://schemas.microsoft.com/office/drawing/2010/main">
+        <mc:Choice Requires="a14">
           <p:sp>
             <p:nvSpPr>
               <p:cNvPr id="165" name="Textfeld 60">
@@ -16682,7 +16767,6 @@
               </a:bodyPr>
               <a:lstStyle/>
               <a:p>
-                <a:pPr/>
                 <a14:m>
                   <m:oMath xmlns:m="http://schemas.openxmlformats.org/officeDocument/2006/math">
                     <m:r>
@@ -16692,16 +16776,7 @@
                       <a:rPr lang="it-IT" sz="1050" b="0" i="0" smtClean="0">
                         <a:latin typeface="Cambria Math" panose="02040503050406030204" pitchFamily="18" charset="0"/>
                       </a:rPr>
-                      <m:t>s</m:t>
-                    </m:r>
-                    <m:r>
-                      <m:rPr>
-                        <m:sty m:val="p"/>
-                      </m:rPr>
-                      <a:rPr lang="it-IT" sz="1050" b="0" i="0" smtClean="0">
-                        <a:latin typeface="Cambria Math" panose="02040503050406030204" pitchFamily="18" charset="0"/>
-                      </a:rPr>
-                      <m:t>elect</m:t>
+                      <m:t>select</m:t>
                     </m:r>
                   </m:oMath>
                 </a14:m>
@@ -16774,7 +16849,7 @@
             </p:txBody>
           </p:sp>
         </mc:Choice>
-        <mc:Fallback>
+        <mc:Fallback xmlns="">
           <p:sp>
             <p:nvSpPr>
               <p:cNvPr id="165" name="Textfeld 60">
@@ -17046,6 +17121,6508 @@
     <p:extLst>
       <p:ext uri="{BB962C8B-B14F-4D97-AF65-F5344CB8AC3E}">
         <p14:creationId xmlns:p14="http://schemas.microsoft.com/office/powerpoint/2010/main" val="3504538753"/>
+      </p:ext>
+    </p:extLst>
+  </p:cSld>
+  <p:clrMapOvr>
+    <a:masterClrMapping/>
+  </p:clrMapOvr>
+</p:sld>
+</file>
+
+<file path=ppt/slides/slide7.xml><?xml version="1.0" encoding="utf-8"?>
+<p:sld xmlns:a="http://schemas.openxmlformats.org/drawingml/2006/main" xmlns:r="http://schemas.openxmlformats.org/officeDocument/2006/relationships" xmlns:p="http://schemas.openxmlformats.org/presentationml/2006/main">
+  <p:cSld>
+    <p:spTree>
+      <p:nvGrpSpPr>
+        <p:cNvPr id="1" name=""/>
+        <p:cNvGrpSpPr/>
+        <p:nvPr/>
+      </p:nvGrpSpPr>
+      <p:grpSpPr>
+        <a:xfrm>
+          <a:off x="0" y="0"/>
+          <a:ext cx="0" cy="0"/>
+          <a:chOff x="0" y="0"/>
+          <a:chExt cx="0" cy="0"/>
+        </a:xfrm>
+      </p:grpSpPr>
+      <p:sp>
+        <p:nvSpPr>
+          <p:cNvPr id="20" name="Flussdiagramm: Prozess 19"/>
+          <p:cNvSpPr/>
+          <p:nvPr/>
+        </p:nvSpPr>
+        <p:spPr>
+          <a:xfrm>
+            <a:off x="-504564" y="2092705"/>
+            <a:ext cx="9648564" cy="2686445"/>
+          </a:xfrm>
+          <a:prstGeom prst="flowChartProcess">
+            <a:avLst/>
+          </a:prstGeom>
+          <a:solidFill>
+            <a:srgbClr val="FFFF00">
+              <a:alpha val="40000"/>
+            </a:srgbClr>
+          </a:solidFill>
+          <a:ln>
+            <a:noFill/>
+          </a:ln>
+        </p:spPr>
+        <p:style>
+          <a:lnRef idx="2">
+            <a:schemeClr val="accent1">
+              <a:shade val="50000"/>
+            </a:schemeClr>
+          </a:lnRef>
+          <a:fillRef idx="1">
+            <a:schemeClr val="accent1"/>
+          </a:fillRef>
+          <a:effectRef idx="0">
+            <a:schemeClr val="accent1"/>
+          </a:effectRef>
+          <a:fontRef idx="minor">
+            <a:schemeClr val="lt1"/>
+          </a:fontRef>
+        </p:style>
+        <p:txBody>
+          <a:bodyPr rtlCol="0" anchor="ctr"/>
+          <a:lstStyle/>
+          <a:p>
+            <a:pPr algn="ctr"/>
+            <a:endParaRPr lang="de-DE" sz="1350" dirty="0"/>
+          </a:p>
+        </p:txBody>
+      </p:sp>
+      <p:sp>
+        <p:nvSpPr>
+          <p:cNvPr id="21" name="Flussdiagramm: Prozess 20"/>
+          <p:cNvSpPr/>
+          <p:nvPr/>
+        </p:nvSpPr>
+        <p:spPr>
+          <a:xfrm>
+            <a:off x="-504564" y="3993202"/>
+            <a:ext cx="5708547" cy="1035609"/>
+          </a:xfrm>
+          <a:prstGeom prst="flowChartProcess">
+            <a:avLst/>
+          </a:prstGeom>
+          <a:solidFill>
+            <a:schemeClr val="accent2">
+              <a:lumMod val="75000"/>
+              <a:alpha val="40000"/>
+            </a:schemeClr>
+          </a:solidFill>
+          <a:ln>
+            <a:noFill/>
+          </a:ln>
+        </p:spPr>
+        <p:style>
+          <a:lnRef idx="2">
+            <a:schemeClr val="accent1">
+              <a:shade val="50000"/>
+            </a:schemeClr>
+          </a:lnRef>
+          <a:fillRef idx="1">
+            <a:schemeClr val="accent1"/>
+          </a:fillRef>
+          <a:effectRef idx="0">
+            <a:schemeClr val="accent1"/>
+          </a:effectRef>
+          <a:fontRef idx="minor">
+            <a:schemeClr val="lt1"/>
+          </a:fontRef>
+        </p:style>
+        <p:txBody>
+          <a:bodyPr rtlCol="0" anchor="ctr"/>
+          <a:lstStyle/>
+          <a:p>
+            <a:pPr algn="ctr"/>
+            <a:endParaRPr lang="de-DE" sz="1350"/>
+          </a:p>
+        </p:txBody>
+      </p:sp>
+      <mc:AlternateContent xmlns:mc="http://schemas.openxmlformats.org/markup-compatibility/2006" xmlns:a14="http://schemas.microsoft.com/office/drawing/2010/main">
+        <mc:Choice Requires="a14">
+          <p:sp>
+            <p:nvSpPr>
+              <p:cNvPr id="4" name="Textfeld 3"/>
+              <p:cNvSpPr txBox="1"/>
+              <p:nvPr/>
+            </p:nvSpPr>
+            <p:spPr>
+              <a:xfrm>
+                <a:off x="3827934" y="3586689"/>
+                <a:ext cx="452303" cy="265457"/>
+              </a:xfrm>
+              <a:prstGeom prst="rect">
+                <a:avLst/>
+              </a:prstGeom>
+              <a:noFill/>
+            </p:spPr>
+            <p:txBody>
+              <a:bodyPr wrap="square" rtlCol="0">
+                <a:spAutoFit/>
+              </a:bodyPr>
+              <a:lstStyle/>
+              <a:p>
+                <a:pPr/>
+                <a14:m>
+                  <m:oMathPara xmlns:m="http://schemas.openxmlformats.org/officeDocument/2006/math">
+                    <m:oMathParaPr>
+                      <m:jc m:val="centerGroup"/>
+                    </m:oMathParaPr>
+                    <m:oMath xmlns:m="http://schemas.openxmlformats.org/officeDocument/2006/math">
+                      <m:sSup>
+                        <m:sSupPr>
+                          <m:ctrlPr>
+                            <a:rPr lang="de-DE" sz="1100" i="1">
+                              <a:latin typeface="Cambria Math" panose="02040503050406030204" pitchFamily="18" charset="0"/>
+                            </a:rPr>
+                          </m:ctrlPr>
+                        </m:sSupPr>
+                        <m:e>
+                          <m:r>
+                            <a:rPr lang="de-DE" sz="1100" i="1">
+                              <a:latin typeface="Cambria Math" panose="02040503050406030204" pitchFamily="18" charset="0"/>
+                            </a:rPr>
+                            <m:t>𝑋</m:t>
+                          </m:r>
+                        </m:e>
+                        <m:sup>
+                          <m:r>
+                            <a:rPr lang="de-DE" sz="1100" i="1">
+                              <a:latin typeface="Cambria Math" panose="02040503050406030204" pitchFamily="18" charset="0"/>
+                            </a:rPr>
+                            <m:t>𝑆𝑉</m:t>
+                          </m:r>
+                        </m:sup>
+                      </m:sSup>
+                    </m:oMath>
+                  </m:oMathPara>
+                </a14:m>
+                <a:endParaRPr lang="de-DE" sz="1350" dirty="0">
+                  <a:latin typeface="Futura"/>
+                </a:endParaRPr>
+              </a:p>
+            </p:txBody>
+          </p:sp>
+        </mc:Choice>
+        <mc:Fallback xmlns="">
+          <p:sp>
+            <p:nvSpPr>
+              <p:cNvPr id="4" name="Textfeld 3"/>
+              <p:cNvSpPr txBox="1">
+                <a:spLocks noRot="1" noChangeAspect="1" noMove="1" noResize="1" noEditPoints="1" noAdjustHandles="1" noChangeArrowheads="1" noChangeShapeType="1" noTextEdit="1"/>
+              </p:cNvSpPr>
+              <p:nvPr/>
+            </p:nvSpPr>
+            <p:spPr>
+              <a:xfrm>
+                <a:off x="3827934" y="3586689"/>
+                <a:ext cx="452303" cy="265457"/>
+              </a:xfrm>
+              <a:prstGeom prst="rect">
+                <a:avLst/>
+              </a:prstGeom>
+              <a:blipFill>
+                <a:blip r:embed="rId3"/>
+                <a:stretch>
+                  <a:fillRect/>
+                </a:stretch>
+              </a:blipFill>
+            </p:spPr>
+            <p:txBody>
+              <a:bodyPr/>
+              <a:lstStyle/>
+              <a:p>
+                <a:r>
+                  <a:rPr lang="en-GB">
+                    <a:noFill/>
+                  </a:rPr>
+                  <a:t> </a:t>
+                </a:r>
+              </a:p>
+            </p:txBody>
+          </p:sp>
+        </mc:Fallback>
+      </mc:AlternateContent>
+      <p:sp>
+        <p:nvSpPr>
+          <p:cNvPr id="7" name="Flussdiagramm: Prozess 6"/>
+          <p:cNvSpPr/>
+          <p:nvPr/>
+        </p:nvSpPr>
+        <p:spPr>
+          <a:xfrm>
+            <a:off x="270169" y="2186616"/>
+            <a:ext cx="1337674" cy="648072"/>
+          </a:xfrm>
+          <a:prstGeom prst="flowChartProcess">
+            <a:avLst/>
+          </a:prstGeom>
+          <a:solidFill>
+            <a:schemeClr val="bg1"/>
+          </a:solidFill>
+          <a:ln w="12700">
+            <a:solidFill>
+              <a:schemeClr val="tx1"/>
+            </a:solidFill>
+          </a:ln>
+        </p:spPr>
+        <p:style>
+          <a:lnRef idx="2">
+            <a:schemeClr val="accent1">
+              <a:shade val="50000"/>
+            </a:schemeClr>
+          </a:lnRef>
+          <a:fillRef idx="1">
+            <a:schemeClr val="accent1"/>
+          </a:fillRef>
+          <a:effectRef idx="0">
+            <a:schemeClr val="accent1"/>
+          </a:effectRef>
+          <a:fontRef idx="minor">
+            <a:schemeClr val="lt1"/>
+          </a:fontRef>
+        </p:style>
+        <p:txBody>
+          <a:bodyPr rtlCol="0" anchor="ctr"/>
+          <a:lstStyle/>
+          <a:p>
+            <a:pPr algn="ctr"/>
+            <a:r>
+              <a:rPr lang="en-US" sz="1050" dirty="0">
+                <a:solidFill>
+                  <a:schemeClr val="tx1"/>
+                </a:solidFill>
+                <a:latin typeface="Futura"/>
+                <a:cs typeface="Times New Roman" panose="02020603050405020304" pitchFamily="18" charset="0"/>
+              </a:rPr>
+              <a:t>segmentation with initial parameterization</a:t>
+            </a:r>
+          </a:p>
+        </p:txBody>
+      </p:sp>
+      <p:sp>
+        <p:nvSpPr>
+          <p:cNvPr id="8" name="Flussdiagramm: Karte 7"/>
+          <p:cNvSpPr/>
+          <p:nvPr/>
+        </p:nvSpPr>
+        <p:spPr>
+          <a:xfrm>
+            <a:off x="8687741" y="5101411"/>
+            <a:ext cx="1026114" cy="702078"/>
+          </a:xfrm>
+          <a:prstGeom prst="flowChartPunchedCard">
+            <a:avLst/>
+          </a:prstGeom>
+          <a:solidFill>
+            <a:schemeClr val="bg1"/>
+          </a:solidFill>
+          <a:ln>
+            <a:solidFill>
+              <a:schemeClr val="tx1"/>
+            </a:solidFill>
+          </a:ln>
+        </p:spPr>
+        <p:style>
+          <a:lnRef idx="2">
+            <a:schemeClr val="accent1">
+              <a:shade val="50000"/>
+            </a:schemeClr>
+          </a:lnRef>
+          <a:fillRef idx="1">
+            <a:schemeClr val="accent1"/>
+          </a:fillRef>
+          <a:effectRef idx="0">
+            <a:schemeClr val="accent1"/>
+          </a:effectRef>
+          <a:fontRef idx="minor">
+            <a:schemeClr val="lt1"/>
+          </a:fontRef>
+        </p:style>
+        <p:txBody>
+          <a:bodyPr rot="0" spcFirstLastPara="0" vertOverflow="overflow" horzOverflow="overflow" vert="horz" wrap="square" lIns="68580" tIns="34290" rIns="68580" bIns="34290" numCol="1" spcCol="0" rtlCol="0" fromWordArt="0" anchor="ctr" anchorCtr="0" forceAA="0" compatLnSpc="1">
+            <a:prstTxWarp prst="textNoShape">
+              <a:avLst/>
+            </a:prstTxWarp>
+            <a:noAutofit/>
+          </a:bodyPr>
+          <a:lstStyle/>
+          <a:p>
+            <a:pPr algn="ctr"/>
+            <a:r>
+              <a:rPr lang="en-US" sz="1100" dirty="0">
+                <a:solidFill>
+                  <a:schemeClr val="tx1"/>
+                </a:solidFill>
+                <a:latin typeface="Futura"/>
+                <a:cs typeface="Times New Roman" panose="02020603050405020304" pitchFamily="18" charset="0"/>
+              </a:rPr>
+              <a:t>thematic</a:t>
+            </a:r>
+            <a:r>
+              <a:rPr lang="de-DE" sz="1100" dirty="0">
+                <a:solidFill>
+                  <a:schemeClr val="tx1"/>
+                </a:solidFill>
+                <a:latin typeface="Futura"/>
+                <a:cs typeface="Times New Roman" panose="02020603050405020304" pitchFamily="18" charset="0"/>
+              </a:rPr>
+              <a:t> </a:t>
+            </a:r>
+            <a:r>
+              <a:rPr lang="en-US" sz="1100" dirty="0">
+                <a:solidFill>
+                  <a:schemeClr val="tx1"/>
+                </a:solidFill>
+                <a:latin typeface="Futura"/>
+                <a:cs typeface="Times New Roman" panose="02020603050405020304" pitchFamily="18" charset="0"/>
+              </a:rPr>
+              <a:t>map</a:t>
+            </a:r>
+          </a:p>
+        </p:txBody>
+      </p:sp>
+      <p:sp>
+        <p:nvSpPr>
+          <p:cNvPr id="9" name="Flussdiagramm: Prozess 8"/>
+          <p:cNvSpPr/>
+          <p:nvPr/>
+        </p:nvSpPr>
+        <p:spPr>
+          <a:xfrm>
+            <a:off x="311596" y="4108142"/>
+            <a:ext cx="1375257" cy="648072"/>
+          </a:xfrm>
+          <a:prstGeom prst="flowChartProcess">
+            <a:avLst/>
+          </a:prstGeom>
+          <a:solidFill>
+            <a:schemeClr val="bg1"/>
+          </a:solidFill>
+          <a:ln w="12700">
+            <a:solidFill>
+              <a:schemeClr val="tx1"/>
+            </a:solidFill>
+          </a:ln>
+        </p:spPr>
+        <p:style>
+          <a:lnRef idx="2">
+            <a:schemeClr val="accent1">
+              <a:shade val="50000"/>
+            </a:schemeClr>
+          </a:lnRef>
+          <a:fillRef idx="1">
+            <a:schemeClr val="accent1"/>
+          </a:fillRef>
+          <a:effectRef idx="0">
+            <a:schemeClr val="accent1"/>
+          </a:effectRef>
+          <a:fontRef idx="minor">
+            <a:schemeClr val="lt1"/>
+          </a:fontRef>
+        </p:style>
+        <p:txBody>
+          <a:bodyPr rtlCol="0" anchor="ctr"/>
+          <a:lstStyle/>
+          <a:p>
+            <a:pPr algn="ctr"/>
+            <a:r>
+              <a:rPr lang="en-US" sz="1100" dirty="0">
+                <a:solidFill>
+                  <a:schemeClr val="tx1"/>
+                </a:solidFill>
+                <a:latin typeface="Futura"/>
+                <a:cs typeface="Times New Roman" panose="02020603050405020304" pitchFamily="18" charset="0"/>
+              </a:rPr>
+              <a:t>segmentation with altered parameterization</a:t>
+            </a:r>
+          </a:p>
+        </p:txBody>
+      </p:sp>
+      <p:sp>
+        <p:nvSpPr>
+          <p:cNvPr id="10" name="Flussdiagramm: Prozess 9"/>
+          <p:cNvSpPr/>
+          <p:nvPr/>
+        </p:nvSpPr>
+        <p:spPr>
+          <a:xfrm>
+            <a:off x="1769759" y="2186862"/>
+            <a:ext cx="918102" cy="648072"/>
+          </a:xfrm>
+          <a:prstGeom prst="flowChartProcess">
+            <a:avLst/>
+          </a:prstGeom>
+          <a:solidFill>
+            <a:schemeClr val="bg1"/>
+          </a:solidFill>
+          <a:ln w="12700">
+            <a:solidFill>
+              <a:schemeClr val="tx1"/>
+            </a:solidFill>
+          </a:ln>
+        </p:spPr>
+        <p:style>
+          <a:lnRef idx="2">
+            <a:schemeClr val="accent1">
+              <a:shade val="50000"/>
+            </a:schemeClr>
+          </a:lnRef>
+          <a:fillRef idx="1">
+            <a:schemeClr val="accent1"/>
+          </a:fillRef>
+          <a:effectRef idx="0">
+            <a:schemeClr val="accent1"/>
+          </a:effectRef>
+          <a:fontRef idx="minor">
+            <a:schemeClr val="lt1"/>
+          </a:fontRef>
+        </p:style>
+        <p:txBody>
+          <a:bodyPr rtlCol="0" anchor="ctr"/>
+          <a:lstStyle/>
+          <a:p>
+            <a:pPr algn="ctr"/>
+            <a:r>
+              <a:rPr lang="en-US" sz="1100" dirty="0">
+                <a:solidFill>
+                  <a:schemeClr val="tx1"/>
+                </a:solidFill>
+                <a:latin typeface="Futura"/>
+                <a:cs typeface="Times New Roman" panose="02020603050405020304" pitchFamily="18" charset="0"/>
+              </a:rPr>
+              <a:t>compute</a:t>
+            </a:r>
+          </a:p>
+          <a:p>
+            <a:pPr algn="ctr"/>
+            <a:r>
+              <a:rPr lang="en-US" sz="1100" dirty="0">
+                <a:solidFill>
+                  <a:schemeClr val="tx1"/>
+                </a:solidFill>
+                <a:latin typeface="Futura"/>
+                <a:cs typeface="Times New Roman" panose="02020603050405020304" pitchFamily="18" charset="0"/>
+              </a:rPr>
+              <a:t>object features</a:t>
+            </a:r>
+          </a:p>
+        </p:txBody>
+      </p:sp>
+      <p:sp>
+        <p:nvSpPr>
+          <p:cNvPr id="11" name="Flussdiagramm: Prozess 10"/>
+          <p:cNvSpPr/>
+          <p:nvPr/>
+        </p:nvSpPr>
+        <p:spPr>
+          <a:xfrm>
+            <a:off x="3984005" y="4108142"/>
+            <a:ext cx="918102" cy="648072"/>
+          </a:xfrm>
+          <a:prstGeom prst="flowChartProcess">
+            <a:avLst/>
+          </a:prstGeom>
+          <a:solidFill>
+            <a:schemeClr val="bg1"/>
+          </a:solidFill>
+          <a:ln w="12700">
+            <a:solidFill>
+              <a:schemeClr val="tx1"/>
+            </a:solidFill>
+          </a:ln>
+        </p:spPr>
+        <p:style>
+          <a:lnRef idx="2">
+            <a:schemeClr val="accent1">
+              <a:shade val="50000"/>
+            </a:schemeClr>
+          </a:lnRef>
+          <a:fillRef idx="1">
+            <a:schemeClr val="accent1"/>
+          </a:fillRef>
+          <a:effectRef idx="0">
+            <a:schemeClr val="accent1"/>
+          </a:effectRef>
+          <a:fontRef idx="minor">
+            <a:schemeClr val="lt1"/>
+          </a:fontRef>
+        </p:style>
+        <p:txBody>
+          <a:bodyPr rtlCol="0" anchor="ctr"/>
+          <a:lstStyle/>
+          <a:p>
+            <a:pPr algn="ctr"/>
+            <a:r>
+              <a:rPr lang="en-US" sz="1100" dirty="0">
+                <a:solidFill>
+                  <a:schemeClr val="tx1"/>
+                </a:solidFill>
+                <a:latin typeface="Futura"/>
+                <a:cs typeface="Times New Roman" panose="02020603050405020304" pitchFamily="18" charset="0"/>
+              </a:rPr>
+              <a:t>compute</a:t>
+            </a:r>
+          </a:p>
+          <a:p>
+            <a:pPr algn="ctr"/>
+            <a:r>
+              <a:rPr lang="en-US" sz="1100" dirty="0">
+                <a:solidFill>
+                  <a:schemeClr val="tx1"/>
+                </a:solidFill>
+                <a:latin typeface="Futura"/>
+                <a:cs typeface="Times New Roman" panose="02020603050405020304" pitchFamily="18" charset="0"/>
+              </a:rPr>
+              <a:t>object</a:t>
+            </a:r>
+          </a:p>
+          <a:p>
+            <a:pPr algn="ctr"/>
+            <a:r>
+              <a:rPr lang="en-US" sz="1100" dirty="0">
+                <a:solidFill>
+                  <a:schemeClr val="tx1"/>
+                </a:solidFill>
+                <a:latin typeface="Futura"/>
+                <a:cs typeface="Times New Roman" panose="02020603050405020304" pitchFamily="18" charset="0"/>
+              </a:rPr>
+              <a:t>features</a:t>
+            </a:r>
+          </a:p>
+        </p:txBody>
+      </p:sp>
+      <p:sp>
+        <p:nvSpPr>
+          <p:cNvPr id="13" name="Flussdiagramm: Prozess 12"/>
+          <p:cNvSpPr/>
+          <p:nvPr/>
+        </p:nvSpPr>
+        <p:spPr>
+          <a:xfrm>
+            <a:off x="2849879" y="3266982"/>
+            <a:ext cx="1026114" cy="648072"/>
+          </a:xfrm>
+          <a:prstGeom prst="flowChartProcess">
+            <a:avLst/>
+          </a:prstGeom>
+          <a:solidFill>
+            <a:schemeClr val="bg1"/>
+          </a:solidFill>
+          <a:ln w="12700">
+            <a:solidFill>
+              <a:schemeClr val="tx1"/>
+            </a:solidFill>
+          </a:ln>
+        </p:spPr>
+        <p:style>
+          <a:lnRef idx="2">
+            <a:schemeClr val="accent1">
+              <a:shade val="50000"/>
+            </a:schemeClr>
+          </a:lnRef>
+          <a:fillRef idx="1">
+            <a:schemeClr val="accent1"/>
+          </a:fillRef>
+          <a:effectRef idx="0">
+            <a:schemeClr val="accent1"/>
+          </a:effectRef>
+          <a:fontRef idx="minor">
+            <a:schemeClr val="lt1"/>
+          </a:fontRef>
+        </p:style>
+        <p:txBody>
+          <a:bodyPr rtlCol="0" anchor="ctr"/>
+          <a:lstStyle/>
+          <a:p>
+            <a:pPr algn="ctr"/>
+            <a:r>
+              <a:rPr lang="en-US" sz="1100" dirty="0">
+                <a:solidFill>
+                  <a:schemeClr val="tx1"/>
+                </a:solidFill>
+                <a:latin typeface="Futura"/>
+                <a:cs typeface="Times New Roman" panose="02020603050405020304" pitchFamily="18" charset="0"/>
+              </a:rPr>
+              <a:t>extract</a:t>
+            </a:r>
+          </a:p>
+          <a:p>
+            <a:pPr algn="ctr"/>
+            <a:r>
+              <a:rPr lang="en-US" sz="1100" dirty="0">
+                <a:solidFill>
+                  <a:schemeClr val="tx1"/>
+                </a:solidFill>
+                <a:latin typeface="Futura"/>
+                <a:cs typeface="Times New Roman" panose="02020603050405020304" pitchFamily="18" charset="0"/>
+              </a:rPr>
+              <a:t>SVs</a:t>
+            </a:r>
+          </a:p>
+        </p:txBody>
+      </p:sp>
+      <p:sp>
+        <p:nvSpPr>
+          <p:cNvPr id="14" name="Flussdiagramm: Prozess 13"/>
+          <p:cNvSpPr/>
+          <p:nvPr/>
+        </p:nvSpPr>
+        <p:spPr>
+          <a:xfrm>
+            <a:off x="2849879" y="4108142"/>
+            <a:ext cx="1026114" cy="648072"/>
+          </a:xfrm>
+          <a:prstGeom prst="flowChartProcess">
+            <a:avLst/>
+          </a:prstGeom>
+          <a:solidFill>
+            <a:schemeClr val="bg1"/>
+          </a:solidFill>
+          <a:ln w="12700">
+            <a:solidFill>
+              <a:schemeClr val="tx1"/>
+            </a:solidFill>
+          </a:ln>
+        </p:spPr>
+        <p:style>
+          <a:lnRef idx="2">
+            <a:schemeClr val="accent1">
+              <a:shade val="50000"/>
+            </a:schemeClr>
+          </a:lnRef>
+          <a:fillRef idx="1">
+            <a:schemeClr val="accent1"/>
+          </a:fillRef>
+          <a:effectRef idx="0">
+            <a:schemeClr val="accent1"/>
+          </a:effectRef>
+          <a:fontRef idx="minor">
+            <a:schemeClr val="lt1"/>
+          </a:fontRef>
+        </p:style>
+        <p:txBody>
+          <a:bodyPr rtlCol="0" anchor="ctr"/>
+          <a:lstStyle/>
+          <a:p>
+            <a:pPr algn="ctr"/>
+            <a:r>
+              <a:rPr lang="en-US" sz="1100" dirty="0">
+                <a:solidFill>
+                  <a:schemeClr val="tx1"/>
+                </a:solidFill>
+                <a:latin typeface="Futura"/>
+                <a:cs typeface="Times New Roman" panose="02020603050405020304" pitchFamily="18" charset="0"/>
+              </a:rPr>
+              <a:t>identify virtual samples</a:t>
+            </a:r>
+          </a:p>
+        </p:txBody>
+      </p:sp>
+      <mc:AlternateContent xmlns:mc="http://schemas.openxmlformats.org/markup-compatibility/2006" xmlns:a14="http://schemas.microsoft.com/office/drawing/2010/main">
+        <mc:Choice Requires="a14">
+          <p:sp>
+            <p:nvSpPr>
+              <p:cNvPr id="18" name="Textfeld 17"/>
+              <p:cNvSpPr txBox="1"/>
+              <p:nvPr/>
+            </p:nvSpPr>
+            <p:spPr>
+              <a:xfrm>
+                <a:off x="4869590" y="4421192"/>
+                <a:ext cx="450123" cy="265457"/>
+              </a:xfrm>
+              <a:prstGeom prst="rect">
+                <a:avLst/>
+              </a:prstGeom>
+              <a:noFill/>
+            </p:spPr>
+            <p:txBody>
+              <a:bodyPr wrap="square" rtlCol="0">
+                <a:spAutoFit/>
+              </a:bodyPr>
+              <a:lstStyle/>
+              <a:p>
+                <a:pPr/>
+                <a14:m>
+                  <m:oMathPara xmlns:m="http://schemas.openxmlformats.org/officeDocument/2006/math">
+                    <m:oMathParaPr>
+                      <m:jc m:val="centerGroup"/>
+                    </m:oMathParaPr>
+                    <m:oMath xmlns:m="http://schemas.openxmlformats.org/officeDocument/2006/math">
+                      <m:sSup>
+                        <m:sSupPr>
+                          <m:ctrlPr>
+                            <a:rPr lang="de-DE" sz="1100" i="1" dirty="0">
+                              <a:latin typeface="Cambria Math" panose="02040503050406030204" pitchFamily="18" charset="0"/>
+                            </a:rPr>
+                          </m:ctrlPr>
+                        </m:sSupPr>
+                        <m:e>
+                          <m:r>
+                            <a:rPr lang="de-DE" sz="1100" i="1" dirty="0">
+                              <a:latin typeface="Cambria Math" panose="02040503050406030204" pitchFamily="18" charset="0"/>
+                            </a:rPr>
+                            <m:t>𝑉</m:t>
+                          </m:r>
+                        </m:e>
+                        <m:sup>
+                          <m:r>
+                            <a:rPr lang="de-DE" sz="1100" i="1" dirty="0">
+                              <a:latin typeface="Cambria Math" panose="02040503050406030204" pitchFamily="18" charset="0"/>
+                            </a:rPr>
+                            <m:t>𝑆𝑉</m:t>
+                          </m:r>
+                        </m:sup>
+                      </m:sSup>
+                    </m:oMath>
+                  </m:oMathPara>
+                </a14:m>
+                <a:endParaRPr lang="de-DE" sz="1350" dirty="0">
+                  <a:latin typeface="Futura"/>
+                </a:endParaRPr>
+              </a:p>
+            </p:txBody>
+          </p:sp>
+        </mc:Choice>
+        <mc:Fallback xmlns="">
+          <p:sp>
+            <p:nvSpPr>
+              <p:cNvPr id="18" name="Textfeld 17"/>
+              <p:cNvSpPr txBox="1">
+                <a:spLocks noRot="1" noChangeAspect="1" noMove="1" noResize="1" noEditPoints="1" noAdjustHandles="1" noChangeArrowheads="1" noChangeShapeType="1" noTextEdit="1"/>
+              </p:cNvSpPr>
+              <p:nvPr/>
+            </p:nvSpPr>
+            <p:spPr>
+              <a:xfrm>
+                <a:off x="4869590" y="4421192"/>
+                <a:ext cx="450123" cy="265457"/>
+              </a:xfrm>
+              <a:prstGeom prst="rect">
+                <a:avLst/>
+              </a:prstGeom>
+              <a:blipFill>
+                <a:blip r:embed="rId4"/>
+                <a:stretch>
+                  <a:fillRect/>
+                </a:stretch>
+              </a:blipFill>
+            </p:spPr>
+            <p:txBody>
+              <a:bodyPr/>
+              <a:lstStyle/>
+              <a:p>
+                <a:r>
+                  <a:rPr lang="en-GB">
+                    <a:noFill/>
+                  </a:rPr>
+                  <a:t> </a:t>
+                </a:r>
+              </a:p>
+            </p:txBody>
+          </p:sp>
+        </mc:Fallback>
+      </mc:AlternateContent>
+      <p:sp>
+        <p:nvSpPr>
+          <p:cNvPr id="24" name="Textfeld 23"/>
+          <p:cNvSpPr txBox="1"/>
+          <p:nvPr/>
+        </p:nvSpPr>
+        <p:spPr>
+          <a:xfrm>
+            <a:off x="-524930" y="2092705"/>
+            <a:ext cx="583814" cy="577081"/>
+          </a:xfrm>
+          <a:prstGeom prst="rect">
+            <a:avLst/>
+          </a:prstGeom>
+          <a:noFill/>
+        </p:spPr>
+        <p:txBody>
+          <a:bodyPr wrap="square" rtlCol="0">
+            <a:spAutoFit/>
+          </a:bodyPr>
+          <a:lstStyle/>
+          <a:p>
+            <a:r>
+              <a:rPr lang="en-US" sz="1050" b="1" dirty="0">
+                <a:solidFill>
+                  <a:schemeClr val="tx1">
+                    <a:lumMod val="75000"/>
+                    <a:lumOff val="25000"/>
+                  </a:schemeClr>
+                </a:solidFill>
+                <a:latin typeface="Futura"/>
+                <a:cs typeface="Times New Roman" panose="02020603050405020304" pitchFamily="18" charset="0"/>
+              </a:rPr>
+              <a:t>VSVM</a:t>
+            </a:r>
+            <a:endParaRPr lang="en-US" sz="1350" b="1" dirty="0">
+              <a:solidFill>
+                <a:schemeClr val="tx1">
+                  <a:lumMod val="75000"/>
+                  <a:lumOff val="25000"/>
+                </a:schemeClr>
+              </a:solidFill>
+              <a:latin typeface="Futura"/>
+              <a:cs typeface="Times New Roman" panose="02020603050405020304" pitchFamily="18" charset="0"/>
+            </a:endParaRPr>
+          </a:p>
+        </p:txBody>
+      </p:sp>
+      <p:cxnSp>
+        <p:nvCxnSpPr>
+          <p:cNvPr id="26" name="Gewinkelte Verbindung 25"/>
+          <p:cNvCxnSpPr>
+            <a:cxnSpLocks/>
+          </p:cNvCxnSpPr>
+          <p:nvPr/>
+        </p:nvCxnSpPr>
+        <p:spPr>
+          <a:xfrm rot="5400000">
+            <a:off x="791256" y="2014007"/>
+            <a:ext cx="349332" cy="1"/>
+          </a:xfrm>
+          <a:prstGeom prst="bentConnector3">
+            <a:avLst>
+              <a:gd name="adj1" fmla="val 50000"/>
+            </a:avLst>
+          </a:prstGeom>
+          <a:ln w="12700">
+            <a:solidFill>
+              <a:schemeClr val="tx1"/>
+            </a:solidFill>
+            <a:tailEnd type="triangle"/>
+          </a:ln>
+        </p:spPr>
+        <p:style>
+          <a:lnRef idx="1">
+            <a:schemeClr val="accent1"/>
+          </a:lnRef>
+          <a:fillRef idx="0">
+            <a:schemeClr val="accent1"/>
+          </a:fillRef>
+          <a:effectRef idx="0">
+            <a:schemeClr val="accent1"/>
+          </a:effectRef>
+          <a:fontRef idx="minor">
+            <a:schemeClr val="tx1"/>
+          </a:fontRef>
+        </p:style>
+      </p:cxnSp>
+      <p:cxnSp>
+        <p:nvCxnSpPr>
+          <p:cNvPr id="31" name="Gerade Verbindung mit Pfeil 30"/>
+          <p:cNvCxnSpPr>
+            <a:cxnSpLocks/>
+            <a:stCxn id="7" idx="3"/>
+          </p:cNvCxnSpPr>
+          <p:nvPr/>
+        </p:nvCxnSpPr>
+        <p:spPr>
+          <a:xfrm>
+            <a:off x="1607843" y="2510652"/>
+            <a:ext cx="127285" cy="0"/>
+          </a:xfrm>
+          <a:prstGeom prst="straightConnector1">
+            <a:avLst/>
+          </a:prstGeom>
+          <a:ln w="12700">
+            <a:solidFill>
+              <a:schemeClr val="tx1"/>
+            </a:solidFill>
+            <a:tailEnd type="triangle"/>
+          </a:ln>
+        </p:spPr>
+        <p:style>
+          <a:lnRef idx="1">
+            <a:schemeClr val="accent1"/>
+          </a:lnRef>
+          <a:fillRef idx="0">
+            <a:schemeClr val="accent1"/>
+          </a:fillRef>
+          <a:effectRef idx="0">
+            <a:schemeClr val="accent1"/>
+          </a:effectRef>
+          <a:fontRef idx="minor">
+            <a:schemeClr val="tx1"/>
+          </a:fontRef>
+        </p:style>
+      </p:cxnSp>
+      <p:cxnSp>
+        <p:nvCxnSpPr>
+          <p:cNvPr id="33" name="Gerade Verbindung mit Pfeil 32"/>
+          <p:cNvCxnSpPr>
+            <a:stCxn id="10" idx="3"/>
+            <a:endCxn id="12" idx="1"/>
+          </p:cNvCxnSpPr>
+          <p:nvPr/>
+        </p:nvCxnSpPr>
+        <p:spPr>
+          <a:xfrm>
+            <a:off x="2687861" y="2510898"/>
+            <a:ext cx="161839" cy="0"/>
+          </a:xfrm>
+          <a:prstGeom prst="straightConnector1">
+            <a:avLst/>
+          </a:prstGeom>
+          <a:ln w="12700">
+            <a:solidFill>
+              <a:schemeClr val="tx1"/>
+            </a:solidFill>
+            <a:tailEnd type="triangle"/>
+          </a:ln>
+        </p:spPr>
+        <p:style>
+          <a:lnRef idx="1">
+            <a:schemeClr val="accent1"/>
+          </a:lnRef>
+          <a:fillRef idx="0">
+            <a:schemeClr val="accent1"/>
+          </a:fillRef>
+          <a:effectRef idx="0">
+            <a:schemeClr val="accent1"/>
+          </a:effectRef>
+          <a:fontRef idx="minor">
+            <a:schemeClr val="tx1"/>
+          </a:fontRef>
+        </p:style>
+      </p:cxnSp>
+      <p:cxnSp>
+        <p:nvCxnSpPr>
+          <p:cNvPr id="53" name="Gerade Verbindung mit Pfeil 52"/>
+          <p:cNvCxnSpPr>
+            <a:cxnSpLocks/>
+            <a:stCxn id="12" idx="0"/>
+            <a:endCxn id="101" idx="3"/>
+          </p:cNvCxnSpPr>
+          <p:nvPr/>
+        </p:nvCxnSpPr>
+        <p:spPr>
+          <a:xfrm flipV="1">
+            <a:off x="3362756" y="1811737"/>
+            <a:ext cx="0" cy="375125"/>
+          </a:xfrm>
+          <a:prstGeom prst="straightConnector1">
+            <a:avLst/>
+          </a:prstGeom>
+          <a:ln w="12700">
+            <a:solidFill>
+              <a:schemeClr val="tx1"/>
+            </a:solidFill>
+            <a:headEnd type="triangle"/>
+            <a:tailEnd type="none"/>
+          </a:ln>
+        </p:spPr>
+        <p:style>
+          <a:lnRef idx="1">
+            <a:schemeClr val="accent1"/>
+          </a:lnRef>
+          <a:fillRef idx="0">
+            <a:schemeClr val="accent1"/>
+          </a:fillRef>
+          <a:effectRef idx="0">
+            <a:schemeClr val="accent1"/>
+          </a:effectRef>
+          <a:fontRef idx="minor">
+            <a:schemeClr val="tx1"/>
+          </a:fontRef>
+        </p:style>
+      </p:cxnSp>
+      <p:cxnSp>
+        <p:nvCxnSpPr>
+          <p:cNvPr id="56" name="Gerade Verbindung mit Pfeil 55"/>
+          <p:cNvCxnSpPr>
+            <a:cxnSpLocks/>
+            <a:stCxn id="12" idx="2"/>
+            <a:endCxn id="13" idx="0"/>
+          </p:cNvCxnSpPr>
+          <p:nvPr/>
+        </p:nvCxnSpPr>
+        <p:spPr>
+          <a:xfrm>
+            <a:off x="3362757" y="2834934"/>
+            <a:ext cx="179" cy="432048"/>
+          </a:xfrm>
+          <a:prstGeom prst="straightConnector1">
+            <a:avLst/>
+          </a:prstGeom>
+          <a:ln w="12700">
+            <a:solidFill>
+              <a:schemeClr val="tx1"/>
+            </a:solidFill>
+            <a:tailEnd type="triangle"/>
+          </a:ln>
+        </p:spPr>
+        <p:style>
+          <a:lnRef idx="1">
+            <a:schemeClr val="accent1"/>
+          </a:lnRef>
+          <a:fillRef idx="0">
+            <a:schemeClr val="accent1"/>
+          </a:fillRef>
+          <a:effectRef idx="0">
+            <a:schemeClr val="accent1"/>
+          </a:effectRef>
+          <a:fontRef idx="minor">
+            <a:schemeClr val="tx1"/>
+          </a:fontRef>
+        </p:style>
+      </p:cxnSp>
+      <p:cxnSp>
+        <p:nvCxnSpPr>
+          <p:cNvPr id="58" name="Gerade Verbindung mit Pfeil 57"/>
+          <p:cNvCxnSpPr>
+            <a:stCxn id="13" idx="2"/>
+            <a:endCxn id="14" idx="0"/>
+          </p:cNvCxnSpPr>
+          <p:nvPr/>
+        </p:nvCxnSpPr>
+        <p:spPr>
+          <a:xfrm>
+            <a:off x="3362936" y="3915054"/>
+            <a:ext cx="0" cy="193088"/>
+          </a:xfrm>
+          <a:prstGeom prst="straightConnector1">
+            <a:avLst/>
+          </a:prstGeom>
+          <a:ln w="12700">
+            <a:solidFill>
+              <a:schemeClr val="tx1"/>
+            </a:solidFill>
+            <a:tailEnd type="triangle"/>
+          </a:ln>
+        </p:spPr>
+        <p:style>
+          <a:lnRef idx="1">
+            <a:schemeClr val="accent1"/>
+          </a:lnRef>
+          <a:fillRef idx="0">
+            <a:schemeClr val="accent1"/>
+          </a:fillRef>
+          <a:effectRef idx="0">
+            <a:schemeClr val="accent1"/>
+          </a:effectRef>
+          <a:fontRef idx="minor">
+            <a:schemeClr val="tx1"/>
+          </a:fontRef>
+        </p:style>
+      </p:cxnSp>
+      <p:cxnSp>
+        <p:nvCxnSpPr>
+          <p:cNvPr id="63" name="Gerade Verbindung mit Pfeil 62"/>
+          <p:cNvCxnSpPr>
+            <a:cxnSpLocks/>
+            <a:stCxn id="9" idx="3"/>
+            <a:endCxn id="14" idx="1"/>
+          </p:cNvCxnSpPr>
+          <p:nvPr/>
+        </p:nvCxnSpPr>
+        <p:spPr>
+          <a:xfrm>
+            <a:off x="1686853" y="4432178"/>
+            <a:ext cx="1163026" cy="0"/>
+          </a:xfrm>
+          <a:prstGeom prst="straightConnector1">
+            <a:avLst/>
+          </a:prstGeom>
+          <a:ln w="12700">
+            <a:solidFill>
+              <a:schemeClr val="tx1"/>
+            </a:solidFill>
+            <a:tailEnd type="triangle"/>
+          </a:ln>
+        </p:spPr>
+        <p:style>
+          <a:lnRef idx="1">
+            <a:schemeClr val="accent1"/>
+          </a:lnRef>
+          <a:fillRef idx="0">
+            <a:schemeClr val="accent1"/>
+          </a:fillRef>
+          <a:effectRef idx="0">
+            <a:schemeClr val="accent1"/>
+          </a:effectRef>
+          <a:fontRef idx="minor">
+            <a:schemeClr val="tx1"/>
+          </a:fontRef>
+        </p:style>
+      </p:cxnSp>
+      <p:cxnSp>
+        <p:nvCxnSpPr>
+          <p:cNvPr id="66" name="Gerade Verbindung mit Pfeil 65"/>
+          <p:cNvCxnSpPr>
+            <a:stCxn id="14" idx="3"/>
+            <a:endCxn id="11" idx="1"/>
+          </p:cNvCxnSpPr>
+          <p:nvPr/>
+        </p:nvCxnSpPr>
+        <p:spPr>
+          <a:xfrm>
+            <a:off x="3875993" y="4432178"/>
+            <a:ext cx="108012" cy="0"/>
+          </a:xfrm>
+          <a:prstGeom prst="straightConnector1">
+            <a:avLst/>
+          </a:prstGeom>
+          <a:ln w="12700">
+            <a:solidFill>
+              <a:schemeClr val="tx1"/>
+            </a:solidFill>
+            <a:tailEnd type="triangle"/>
+          </a:ln>
+        </p:spPr>
+        <p:style>
+          <a:lnRef idx="1">
+            <a:schemeClr val="accent1"/>
+          </a:lnRef>
+          <a:fillRef idx="0">
+            <a:schemeClr val="accent1"/>
+          </a:fillRef>
+          <a:effectRef idx="0">
+            <a:schemeClr val="accent1"/>
+          </a:effectRef>
+          <a:fontRef idx="minor">
+            <a:schemeClr val="tx1"/>
+          </a:fontRef>
+        </p:style>
+      </p:cxnSp>
+      <p:cxnSp>
+        <p:nvCxnSpPr>
+          <p:cNvPr id="68" name="Gerade Verbindung mit Pfeil 67"/>
+          <p:cNvCxnSpPr>
+            <a:cxnSpLocks/>
+            <a:stCxn id="11" idx="3"/>
+            <a:endCxn id="124" idx="1"/>
+          </p:cNvCxnSpPr>
+          <p:nvPr/>
+        </p:nvCxnSpPr>
+        <p:spPr>
+          <a:xfrm flipV="1">
+            <a:off x="4902107" y="4426574"/>
+            <a:ext cx="645573" cy="5604"/>
+          </a:xfrm>
+          <a:prstGeom prst="straightConnector1">
+            <a:avLst/>
+          </a:prstGeom>
+          <a:ln w="12700">
+            <a:solidFill>
+              <a:schemeClr val="tx1"/>
+            </a:solidFill>
+            <a:tailEnd type="triangle"/>
+          </a:ln>
+        </p:spPr>
+        <p:style>
+          <a:lnRef idx="1">
+            <a:schemeClr val="accent1"/>
+          </a:lnRef>
+          <a:fillRef idx="0">
+            <a:schemeClr val="accent1"/>
+          </a:fillRef>
+          <a:effectRef idx="0">
+            <a:schemeClr val="accent1"/>
+          </a:effectRef>
+          <a:fontRef idx="minor">
+            <a:schemeClr val="tx1"/>
+          </a:fontRef>
+        </p:style>
+      </p:cxnSp>
+      <p:sp>
+        <p:nvSpPr>
+          <p:cNvPr id="78" name="Textfeld 77"/>
+          <p:cNvSpPr txBox="1"/>
+          <p:nvPr/>
+        </p:nvSpPr>
+        <p:spPr>
+          <a:xfrm>
+            <a:off x="-504564" y="4779150"/>
+            <a:ext cx="1766830" cy="415498"/>
+          </a:xfrm>
+          <a:prstGeom prst="rect">
+            <a:avLst/>
+          </a:prstGeom>
+          <a:noFill/>
+        </p:spPr>
+        <p:txBody>
+          <a:bodyPr wrap="square" rtlCol="0">
+            <a:spAutoFit/>
+          </a:bodyPr>
+          <a:lstStyle/>
+          <a:p>
+            <a:r>
+              <a:rPr lang="en-US" sz="1050" b="1" dirty="0">
+                <a:solidFill>
+                  <a:schemeClr val="tx1">
+                    <a:lumMod val="75000"/>
+                    <a:lumOff val="25000"/>
+                  </a:schemeClr>
+                </a:solidFill>
+                <a:latin typeface="Futura"/>
+                <a:cs typeface="Times New Roman" panose="02020603050405020304" pitchFamily="18" charset="0"/>
+              </a:rPr>
+              <a:t>encoding of invariances</a:t>
+            </a:r>
+          </a:p>
+        </p:txBody>
+      </p:sp>
+      <p:sp>
+        <p:nvSpPr>
+          <p:cNvPr id="12" name="Flussdiagramm: Prozess 11"/>
+          <p:cNvSpPr/>
+          <p:nvPr/>
+        </p:nvSpPr>
+        <p:spPr>
+          <a:xfrm>
+            <a:off x="2849699" y="2186862"/>
+            <a:ext cx="1026114" cy="648072"/>
+          </a:xfrm>
+          <a:prstGeom prst="flowChartProcess">
+            <a:avLst/>
+          </a:prstGeom>
+          <a:solidFill>
+            <a:schemeClr val="bg1"/>
+          </a:solidFill>
+          <a:ln w="12700">
+            <a:solidFill>
+              <a:schemeClr val="tx1"/>
+            </a:solidFill>
+          </a:ln>
+        </p:spPr>
+        <p:style>
+          <a:lnRef idx="2">
+            <a:schemeClr val="accent1">
+              <a:shade val="50000"/>
+            </a:schemeClr>
+          </a:lnRef>
+          <a:fillRef idx="1">
+            <a:schemeClr val="accent1"/>
+          </a:fillRef>
+          <a:effectRef idx="0">
+            <a:schemeClr val="accent1"/>
+          </a:effectRef>
+          <a:fontRef idx="minor">
+            <a:schemeClr val="lt1"/>
+          </a:fontRef>
+        </p:style>
+        <p:txBody>
+          <a:bodyPr rtlCol="0" anchor="ctr"/>
+          <a:lstStyle/>
+          <a:p>
+            <a:pPr algn="ctr"/>
+            <a:r>
+              <a:rPr lang="en-US" sz="1100" dirty="0">
+                <a:solidFill>
+                  <a:schemeClr val="tx1"/>
+                </a:solidFill>
+                <a:latin typeface="Futura"/>
+                <a:cs typeface="Times New Roman" panose="02020603050405020304" pitchFamily="18" charset="0"/>
+              </a:rPr>
+              <a:t>learn SVM model</a:t>
+            </a:r>
+          </a:p>
+        </p:txBody>
+      </p:sp>
+      <p:cxnSp>
+        <p:nvCxnSpPr>
+          <p:cNvPr id="49" name="Gerade Verbindung mit Pfeil 48">
+            <a:extLst>
+              <a:ext uri="{FF2B5EF4-FFF2-40B4-BE49-F238E27FC236}">
+                <a16:creationId xmlns:a16="http://schemas.microsoft.com/office/drawing/2014/main" id="{999CDCA6-59FC-4F9C-B8E6-1B82F8CFE245}"/>
+              </a:ext>
+            </a:extLst>
+          </p:cNvPr>
+          <p:cNvCxnSpPr>
+            <a:cxnSpLocks/>
+          </p:cNvCxnSpPr>
+          <p:nvPr/>
+        </p:nvCxnSpPr>
+        <p:spPr>
+          <a:xfrm>
+            <a:off x="8986890" y="9995520"/>
+            <a:ext cx="179" cy="447583"/>
+          </a:xfrm>
+          <a:prstGeom prst="straightConnector1">
+            <a:avLst/>
+          </a:prstGeom>
+          <a:ln w="12700">
+            <a:solidFill>
+              <a:schemeClr val="tx1"/>
+            </a:solidFill>
+            <a:tailEnd type="triangle"/>
+          </a:ln>
+        </p:spPr>
+        <p:style>
+          <a:lnRef idx="1">
+            <a:schemeClr val="accent1"/>
+          </a:lnRef>
+          <a:fillRef idx="0">
+            <a:schemeClr val="accent1"/>
+          </a:fillRef>
+          <a:effectRef idx="0">
+            <a:schemeClr val="accent1"/>
+          </a:effectRef>
+          <a:fontRef idx="minor">
+            <a:schemeClr val="tx1"/>
+          </a:fontRef>
+        </p:style>
+      </p:cxnSp>
+      <p:sp>
+        <p:nvSpPr>
+          <p:cNvPr id="50" name="Flussdiagramm: Prozess 49">
+            <a:extLst>
+              <a:ext uri="{FF2B5EF4-FFF2-40B4-BE49-F238E27FC236}">
+                <a16:creationId xmlns:a16="http://schemas.microsoft.com/office/drawing/2014/main" id="{10B7371E-024A-43E8-8A01-27AD89F8B319}"/>
+              </a:ext>
+            </a:extLst>
+          </p:cNvPr>
+          <p:cNvSpPr/>
+          <p:nvPr/>
+        </p:nvSpPr>
+        <p:spPr>
+          <a:xfrm>
+            <a:off x="1602571" y="9098356"/>
+            <a:ext cx="6648486" cy="2089292"/>
+          </a:xfrm>
+          <a:prstGeom prst="flowChartProcess">
+            <a:avLst/>
+          </a:prstGeom>
+          <a:solidFill>
+            <a:srgbClr val="FF66FF">
+              <a:alpha val="40000"/>
+            </a:srgbClr>
+          </a:solidFill>
+          <a:ln>
+            <a:noFill/>
+          </a:ln>
+        </p:spPr>
+        <p:style>
+          <a:lnRef idx="2">
+            <a:schemeClr val="accent1">
+              <a:shade val="50000"/>
+            </a:schemeClr>
+          </a:lnRef>
+          <a:fillRef idx="1">
+            <a:schemeClr val="accent1"/>
+          </a:fillRef>
+          <a:effectRef idx="0">
+            <a:schemeClr val="accent1"/>
+          </a:effectRef>
+          <a:fontRef idx="minor">
+            <a:schemeClr val="lt1"/>
+          </a:fontRef>
+        </p:style>
+        <p:txBody>
+          <a:bodyPr rtlCol="0" anchor="ctr"/>
+          <a:lstStyle/>
+          <a:p>
+            <a:pPr algn="ctr"/>
+            <a:endParaRPr lang="de-DE" sz="1350"/>
+          </a:p>
+        </p:txBody>
+      </p:sp>
+      <p:sp>
+        <p:nvSpPr>
+          <p:cNvPr id="51" name="Flussdiagramm: Prozess 50">
+            <a:extLst>
+              <a:ext uri="{FF2B5EF4-FFF2-40B4-BE49-F238E27FC236}">
+                <a16:creationId xmlns:a16="http://schemas.microsoft.com/office/drawing/2014/main" id="{22E67981-1696-41DA-8FA4-C90D6AAB7742}"/>
+              </a:ext>
+            </a:extLst>
+          </p:cNvPr>
+          <p:cNvSpPr/>
+          <p:nvPr/>
+        </p:nvSpPr>
+        <p:spPr>
+          <a:xfrm>
+            <a:off x="4933333" y="10152048"/>
+            <a:ext cx="3317725" cy="1309532"/>
+          </a:xfrm>
+          <a:prstGeom prst="flowChartProcess">
+            <a:avLst/>
+          </a:prstGeom>
+          <a:solidFill>
+            <a:srgbClr val="0070C0">
+              <a:alpha val="40000"/>
+            </a:srgbClr>
+          </a:solidFill>
+          <a:ln>
+            <a:noFill/>
+          </a:ln>
+        </p:spPr>
+        <p:style>
+          <a:lnRef idx="2">
+            <a:schemeClr val="accent1">
+              <a:shade val="50000"/>
+            </a:schemeClr>
+          </a:lnRef>
+          <a:fillRef idx="1">
+            <a:schemeClr val="accent1"/>
+          </a:fillRef>
+          <a:effectRef idx="0">
+            <a:schemeClr val="accent1"/>
+          </a:effectRef>
+          <a:fontRef idx="minor">
+            <a:schemeClr val="lt1"/>
+          </a:fontRef>
+        </p:style>
+        <p:txBody>
+          <a:bodyPr rtlCol="0" anchor="ctr"/>
+          <a:lstStyle/>
+          <a:p>
+            <a:pPr algn="ctr"/>
+            <a:endParaRPr lang="de-DE" sz="1350"/>
+          </a:p>
+        </p:txBody>
+      </p:sp>
+      <p:sp>
+        <p:nvSpPr>
+          <p:cNvPr id="55" name="Flussdiagramm: Prozess 54">
+            <a:extLst>
+              <a:ext uri="{FF2B5EF4-FFF2-40B4-BE49-F238E27FC236}">
+                <a16:creationId xmlns:a16="http://schemas.microsoft.com/office/drawing/2014/main" id="{2814EF7E-C5A4-4B09-8087-AE0FCCCCDC86}"/>
+              </a:ext>
+            </a:extLst>
+          </p:cNvPr>
+          <p:cNvSpPr/>
+          <p:nvPr/>
+        </p:nvSpPr>
+        <p:spPr>
+          <a:xfrm>
+            <a:off x="1602570" y="10152050"/>
+            <a:ext cx="3277377" cy="1316999"/>
+          </a:xfrm>
+          <a:prstGeom prst="flowChartProcess">
+            <a:avLst/>
+          </a:prstGeom>
+          <a:solidFill>
+            <a:schemeClr val="accent2">
+              <a:lumMod val="75000"/>
+              <a:alpha val="40000"/>
+            </a:schemeClr>
+          </a:solidFill>
+          <a:ln>
+            <a:noFill/>
+          </a:ln>
+        </p:spPr>
+        <p:style>
+          <a:lnRef idx="2">
+            <a:schemeClr val="accent1">
+              <a:shade val="50000"/>
+            </a:schemeClr>
+          </a:lnRef>
+          <a:fillRef idx="1">
+            <a:schemeClr val="accent1"/>
+          </a:fillRef>
+          <a:effectRef idx="0">
+            <a:schemeClr val="accent1"/>
+          </a:effectRef>
+          <a:fontRef idx="minor">
+            <a:schemeClr val="lt1"/>
+          </a:fontRef>
+        </p:style>
+        <p:txBody>
+          <a:bodyPr rtlCol="0" anchor="ctr"/>
+          <a:lstStyle/>
+          <a:p>
+            <a:pPr algn="ctr"/>
+            <a:endParaRPr lang="de-DE" sz="1350"/>
+          </a:p>
+        </p:txBody>
+      </p:sp>
+      <mc:AlternateContent xmlns:mc="http://schemas.openxmlformats.org/markup-compatibility/2006" xmlns:a14="http://schemas.microsoft.com/office/drawing/2010/main">
+        <mc:Choice Requires="a14">
+          <p:sp>
+            <p:nvSpPr>
+              <p:cNvPr id="57" name="Textfeld 56">
+                <a:extLst>
+                  <a:ext uri="{FF2B5EF4-FFF2-40B4-BE49-F238E27FC236}">
+                    <a16:creationId xmlns:a16="http://schemas.microsoft.com/office/drawing/2014/main" id="{BE0A9CDD-4C6C-44EF-906E-C1679CEE106F}"/>
+                  </a:ext>
+                </a:extLst>
+              </p:cNvPr>
+              <p:cNvSpPr txBox="1"/>
+              <p:nvPr/>
+            </p:nvSpPr>
+            <p:spPr>
+              <a:xfrm>
+                <a:off x="7218294" y="7723955"/>
+                <a:ext cx="510974" cy="300852"/>
+              </a:xfrm>
+              <a:prstGeom prst="rect">
+                <a:avLst/>
+              </a:prstGeom>
+              <a:noFill/>
+            </p:spPr>
+            <p:txBody>
+              <a:bodyPr wrap="none" rtlCol="0">
+                <a:spAutoFit/>
+              </a:bodyPr>
+              <a:lstStyle/>
+              <a:p>
+                <a:pPr/>
+                <a14:m>
+                  <m:oMathPara xmlns:m="http://schemas.openxmlformats.org/officeDocument/2006/math">
+                    <m:oMathParaPr>
+                      <m:jc m:val="centerGroup"/>
+                    </m:oMathParaPr>
+                    <m:oMath xmlns:m="http://schemas.openxmlformats.org/officeDocument/2006/math">
+                      <m:sSup>
+                        <m:sSupPr>
+                          <m:ctrlPr>
+                            <a:rPr lang="de-DE" sz="1350" i="1">
+                              <a:latin typeface="Cambria Math" panose="02040503050406030204" pitchFamily="18" charset="0"/>
+                            </a:rPr>
+                          </m:ctrlPr>
+                        </m:sSupPr>
+                        <m:e>
+                          <m:r>
+                            <a:rPr lang="de-DE" sz="1350" i="1">
+                              <a:latin typeface="Cambria Math"/>
+                            </a:rPr>
+                            <m:t>𝑋</m:t>
+                          </m:r>
+                        </m:e>
+                        <m:sup>
+                          <m:r>
+                            <a:rPr lang="de-DE" sz="1350" i="1">
+                              <a:latin typeface="Cambria Math"/>
+                            </a:rPr>
+                            <m:t>𝑆𝑉</m:t>
+                          </m:r>
+                        </m:sup>
+                      </m:sSup>
+                    </m:oMath>
+                  </m:oMathPara>
+                </a14:m>
+                <a:endParaRPr lang="de-DE" sz="1350" dirty="0"/>
+              </a:p>
+            </p:txBody>
+          </p:sp>
+        </mc:Choice>
+        <mc:Fallback xmlns="">
+          <p:sp>
+            <p:nvSpPr>
+              <p:cNvPr id="57" name="Textfeld 56">
+                <a:extLst>
+                  <a:ext uri="{FF2B5EF4-FFF2-40B4-BE49-F238E27FC236}">
+                    <a16:creationId xmlns:a16="http://schemas.microsoft.com/office/drawing/2014/main" id="{BE0A9CDD-4C6C-44EF-906E-C1679CEE106F}"/>
+                  </a:ext>
+                </a:extLst>
+              </p:cNvPr>
+              <p:cNvSpPr txBox="1">
+                <a:spLocks noRot="1" noChangeAspect="1" noMove="1" noResize="1" noEditPoints="1" noAdjustHandles="1" noChangeArrowheads="1" noChangeShapeType="1" noTextEdit="1"/>
+              </p:cNvSpPr>
+              <p:nvPr/>
+            </p:nvSpPr>
+            <p:spPr>
+              <a:xfrm>
+                <a:off x="7218294" y="7723955"/>
+                <a:ext cx="510974" cy="300852"/>
+              </a:xfrm>
+              <a:prstGeom prst="rect">
+                <a:avLst/>
+              </a:prstGeom>
+              <a:blipFill>
+                <a:blip r:embed="rId6"/>
+                <a:stretch>
+                  <a:fillRect/>
+                </a:stretch>
+              </a:blipFill>
+            </p:spPr>
+            <p:txBody>
+              <a:bodyPr/>
+              <a:lstStyle/>
+              <a:p>
+                <a:r>
+                  <a:rPr lang="en-GB">
+                    <a:noFill/>
+                  </a:rPr>
+                  <a:t> </a:t>
+                </a:r>
+              </a:p>
+            </p:txBody>
+          </p:sp>
+        </mc:Fallback>
+      </mc:AlternateContent>
+      <p:sp>
+        <p:nvSpPr>
+          <p:cNvPr id="67" name="Flussdiagramm: Karte 66">
+            <a:extLst>
+              <a:ext uri="{FF2B5EF4-FFF2-40B4-BE49-F238E27FC236}">
+                <a16:creationId xmlns:a16="http://schemas.microsoft.com/office/drawing/2014/main" id="{3A3DA22A-A62A-4D93-8915-2412FF911852}"/>
+              </a:ext>
+            </a:extLst>
+          </p:cNvPr>
+          <p:cNvSpPr/>
+          <p:nvPr/>
+        </p:nvSpPr>
+        <p:spPr>
+          <a:xfrm>
+            <a:off x="8470642" y="11541902"/>
+            <a:ext cx="1026114" cy="702078"/>
+          </a:xfrm>
+          <a:prstGeom prst="flowChartPunchedCard">
+            <a:avLst/>
+          </a:prstGeom>
+          <a:solidFill>
+            <a:schemeClr val="bg1"/>
+          </a:solidFill>
+          <a:ln>
+            <a:solidFill>
+              <a:schemeClr val="tx1"/>
+            </a:solidFill>
+          </a:ln>
+        </p:spPr>
+        <p:style>
+          <a:lnRef idx="2">
+            <a:schemeClr val="accent1">
+              <a:shade val="50000"/>
+            </a:schemeClr>
+          </a:lnRef>
+          <a:fillRef idx="1">
+            <a:schemeClr val="accent1"/>
+          </a:fillRef>
+          <a:effectRef idx="0">
+            <a:schemeClr val="accent1"/>
+          </a:effectRef>
+          <a:fontRef idx="minor">
+            <a:schemeClr val="lt1"/>
+          </a:fontRef>
+        </p:style>
+        <p:txBody>
+          <a:bodyPr rot="0" spcFirstLastPara="0" vertOverflow="overflow" horzOverflow="overflow" vert="horz" wrap="square" lIns="68580" tIns="34290" rIns="68580" bIns="34290" numCol="1" spcCol="0" rtlCol="0" fromWordArt="0" anchor="ctr" anchorCtr="0" forceAA="0" compatLnSpc="1">
+            <a:prstTxWarp prst="textNoShape">
+              <a:avLst/>
+            </a:prstTxWarp>
+            <a:noAutofit/>
+          </a:bodyPr>
+          <a:lstStyle/>
+          <a:p>
+            <a:pPr algn="ctr"/>
+            <a:r>
+              <a:rPr lang="en-US" sz="1350">
+                <a:solidFill>
+                  <a:schemeClr val="tx1"/>
+                </a:solidFill>
+                <a:latin typeface="Times New Roman" panose="02020603050405020304" pitchFamily="18" charset="0"/>
+                <a:cs typeface="Times New Roman" panose="02020603050405020304" pitchFamily="18" charset="0"/>
+              </a:rPr>
+              <a:t>thematic</a:t>
+            </a:r>
+            <a:r>
+              <a:rPr lang="de-DE" sz="1350">
+                <a:solidFill>
+                  <a:schemeClr val="tx1"/>
+                </a:solidFill>
+                <a:latin typeface="Times New Roman" panose="02020603050405020304" pitchFamily="18" charset="0"/>
+                <a:cs typeface="Times New Roman" panose="02020603050405020304" pitchFamily="18" charset="0"/>
+              </a:rPr>
+              <a:t> </a:t>
+            </a:r>
+            <a:r>
+              <a:rPr lang="en-US" sz="1350" dirty="0">
+                <a:solidFill>
+                  <a:schemeClr val="tx1"/>
+                </a:solidFill>
+                <a:latin typeface="Times New Roman" panose="02020603050405020304" pitchFamily="18" charset="0"/>
+                <a:cs typeface="Times New Roman" panose="02020603050405020304" pitchFamily="18" charset="0"/>
+              </a:rPr>
+              <a:t>map</a:t>
+            </a:r>
+          </a:p>
+        </p:txBody>
+      </p:sp>
+      <p:sp>
+        <p:nvSpPr>
+          <p:cNvPr id="69" name="Flussdiagramm: Prozess 68">
+            <a:extLst>
+              <a:ext uri="{FF2B5EF4-FFF2-40B4-BE49-F238E27FC236}">
+                <a16:creationId xmlns:a16="http://schemas.microsoft.com/office/drawing/2014/main" id="{73A76B9E-D5FC-4E42-8FC6-08CB1DDCDE73}"/>
+              </a:ext>
+            </a:extLst>
+          </p:cNvPr>
+          <p:cNvSpPr/>
+          <p:nvPr/>
+        </p:nvSpPr>
+        <p:spPr>
+          <a:xfrm>
+            <a:off x="8421866" y="8257432"/>
+            <a:ext cx="918102" cy="648072"/>
+          </a:xfrm>
+          <a:prstGeom prst="flowChartProcess">
+            <a:avLst/>
+          </a:prstGeom>
+          <a:solidFill>
+            <a:schemeClr val="bg1"/>
+          </a:solidFill>
+          <a:ln w="12700">
+            <a:solidFill>
+              <a:schemeClr val="tx1"/>
+            </a:solidFill>
+          </a:ln>
+        </p:spPr>
+        <p:style>
+          <a:lnRef idx="2">
+            <a:schemeClr val="accent1">
+              <a:shade val="50000"/>
+            </a:schemeClr>
+          </a:lnRef>
+          <a:fillRef idx="1">
+            <a:schemeClr val="accent1"/>
+          </a:fillRef>
+          <a:effectRef idx="0">
+            <a:schemeClr val="accent1"/>
+          </a:effectRef>
+          <a:fontRef idx="minor">
+            <a:schemeClr val="lt1"/>
+          </a:fontRef>
+        </p:style>
+        <p:txBody>
+          <a:bodyPr rtlCol="0" anchor="ctr"/>
+          <a:lstStyle/>
+          <a:p>
+            <a:pPr algn="ctr"/>
+            <a:r>
+              <a:rPr lang="en-US" sz="1350" dirty="0">
+                <a:solidFill>
+                  <a:schemeClr val="tx1"/>
+                </a:solidFill>
+                <a:latin typeface="Times New Roman" panose="02020603050405020304" pitchFamily="18" charset="0"/>
+                <a:cs typeface="Times New Roman" panose="02020603050405020304" pitchFamily="18" charset="0"/>
+              </a:rPr>
+              <a:t>relearn model</a:t>
+            </a:r>
+          </a:p>
+        </p:txBody>
+      </p:sp>
+      <mc:AlternateContent xmlns:mc="http://schemas.openxmlformats.org/markup-compatibility/2006" xmlns:a14="http://schemas.microsoft.com/office/drawing/2010/main">
+        <mc:Choice Requires="a14">
+          <p:sp>
+            <p:nvSpPr>
+              <p:cNvPr id="71" name="Textfeld 70">
+                <a:extLst>
+                  <a:ext uri="{FF2B5EF4-FFF2-40B4-BE49-F238E27FC236}">
+                    <a16:creationId xmlns:a16="http://schemas.microsoft.com/office/drawing/2014/main" id="{4369A2E7-EBF5-49C3-95E7-59F9CA722968}"/>
+                  </a:ext>
+                </a:extLst>
+              </p:cNvPr>
+              <p:cNvSpPr txBox="1"/>
+              <p:nvPr/>
+            </p:nvSpPr>
+            <p:spPr>
+              <a:xfrm>
+                <a:off x="7234427" y="8707108"/>
+                <a:ext cx="509050" cy="305725"/>
+              </a:xfrm>
+              <a:prstGeom prst="rect">
+                <a:avLst/>
+              </a:prstGeom>
+              <a:noFill/>
+            </p:spPr>
+            <p:txBody>
+              <a:bodyPr wrap="none" rtlCol="0">
+                <a:spAutoFit/>
+              </a:bodyPr>
+              <a:lstStyle/>
+              <a:p>
+                <a:pPr/>
+                <a14:m>
+                  <m:oMathPara xmlns:m="http://schemas.openxmlformats.org/officeDocument/2006/math">
+                    <m:oMathParaPr>
+                      <m:jc m:val="centerGroup"/>
+                    </m:oMathParaPr>
+                    <m:oMath xmlns:m="http://schemas.openxmlformats.org/officeDocument/2006/math">
+                      <m:sSup>
+                        <m:sSupPr>
+                          <m:ctrlPr>
+                            <a:rPr lang="de-DE" sz="1350" i="1">
+                              <a:latin typeface="Cambria Math" panose="02040503050406030204" pitchFamily="18" charset="0"/>
+                            </a:rPr>
+                          </m:ctrlPr>
+                        </m:sSupPr>
+                        <m:e>
+                          <m:acc>
+                            <m:accPr>
+                              <m:chr m:val="̂"/>
+                              <m:ctrlPr>
+                                <a:rPr lang="de-DE" sz="1350" i="1">
+                                  <a:latin typeface="Cambria Math" panose="02040503050406030204" pitchFamily="18" charset="0"/>
+                                </a:rPr>
+                              </m:ctrlPr>
+                            </m:accPr>
+                            <m:e>
+                              <m:r>
+                                <a:rPr lang="de-DE" sz="1350" i="1">
+                                  <a:latin typeface="Cambria Math"/>
+                                </a:rPr>
+                                <m:t>𝑉</m:t>
+                              </m:r>
+                            </m:e>
+                          </m:acc>
+                        </m:e>
+                        <m:sup>
+                          <m:r>
+                            <a:rPr lang="de-DE" sz="1350" i="1">
+                              <a:latin typeface="Cambria Math"/>
+                            </a:rPr>
+                            <m:t>𝑆𝑉</m:t>
+                          </m:r>
+                        </m:sup>
+                      </m:sSup>
+                    </m:oMath>
+                  </m:oMathPara>
+                </a14:m>
+                <a:endParaRPr lang="de-DE" sz="1350" dirty="0"/>
+              </a:p>
+            </p:txBody>
+          </p:sp>
+        </mc:Choice>
+        <mc:Fallback xmlns="">
+          <p:sp>
+            <p:nvSpPr>
+              <p:cNvPr id="71" name="Textfeld 70">
+                <a:extLst>
+                  <a:ext uri="{FF2B5EF4-FFF2-40B4-BE49-F238E27FC236}">
+                    <a16:creationId xmlns:a16="http://schemas.microsoft.com/office/drawing/2014/main" id="{4369A2E7-EBF5-49C3-95E7-59F9CA722968}"/>
+                  </a:ext>
+                </a:extLst>
+              </p:cNvPr>
+              <p:cNvSpPr txBox="1">
+                <a:spLocks noRot="1" noChangeAspect="1" noMove="1" noResize="1" noEditPoints="1" noAdjustHandles="1" noChangeArrowheads="1" noChangeShapeType="1" noTextEdit="1"/>
+              </p:cNvSpPr>
+              <p:nvPr/>
+            </p:nvSpPr>
+            <p:spPr>
+              <a:xfrm>
+                <a:off x="7234427" y="8707108"/>
+                <a:ext cx="509050" cy="305725"/>
+              </a:xfrm>
+              <a:prstGeom prst="rect">
+                <a:avLst/>
+              </a:prstGeom>
+              <a:blipFill>
+                <a:blip r:embed="rId7"/>
+                <a:stretch>
+                  <a:fillRect t="-2000"/>
+                </a:stretch>
+              </a:blipFill>
+            </p:spPr>
+            <p:txBody>
+              <a:bodyPr/>
+              <a:lstStyle/>
+              <a:p>
+                <a:r>
+                  <a:rPr lang="en-GB">
+                    <a:noFill/>
+                  </a:rPr>
+                  <a:t> </a:t>
+                </a:r>
+              </a:p>
+            </p:txBody>
+          </p:sp>
+        </mc:Fallback>
+      </mc:AlternateContent>
+      <p:cxnSp>
+        <p:nvCxnSpPr>
+          <p:cNvPr id="72" name="Gewinkelte Verbindung 40">
+            <a:extLst>
+              <a:ext uri="{FF2B5EF4-FFF2-40B4-BE49-F238E27FC236}">
+                <a16:creationId xmlns:a16="http://schemas.microsoft.com/office/drawing/2014/main" id="{ACC94A70-C78B-48C5-A975-C7633D9592DC}"/>
+              </a:ext>
+            </a:extLst>
+          </p:cNvPr>
+          <p:cNvCxnSpPr>
+            <a:cxnSpLocks/>
+            <a:endCxn id="69" idx="0"/>
+          </p:cNvCxnSpPr>
+          <p:nvPr/>
+        </p:nvCxnSpPr>
+        <p:spPr>
+          <a:xfrm>
+            <a:off x="6144740" y="7775122"/>
+            <a:ext cx="2736177" cy="482310"/>
+          </a:xfrm>
+          <a:prstGeom prst="bentConnector2">
+            <a:avLst/>
+          </a:prstGeom>
+          <a:ln w="12700">
+            <a:solidFill>
+              <a:schemeClr val="tx1"/>
+            </a:solidFill>
+            <a:tailEnd type="triangle"/>
+          </a:ln>
+        </p:spPr>
+        <p:style>
+          <a:lnRef idx="1">
+            <a:schemeClr val="accent1"/>
+          </a:lnRef>
+          <a:fillRef idx="0">
+            <a:schemeClr val="accent1"/>
+          </a:fillRef>
+          <a:effectRef idx="0">
+            <a:schemeClr val="accent1"/>
+          </a:effectRef>
+          <a:fontRef idx="minor">
+            <a:schemeClr val="tx1"/>
+          </a:fontRef>
+        </p:style>
+      </p:cxnSp>
+      <p:sp>
+        <p:nvSpPr>
+          <p:cNvPr id="73" name="Textfeld 72">
+            <a:extLst>
+              <a:ext uri="{FF2B5EF4-FFF2-40B4-BE49-F238E27FC236}">
+                <a16:creationId xmlns:a16="http://schemas.microsoft.com/office/drawing/2014/main" id="{4ADD0D47-CD7A-41C5-B1A4-AE05DBCC7037}"/>
+              </a:ext>
+            </a:extLst>
+          </p:cNvPr>
+          <p:cNvSpPr txBox="1"/>
+          <p:nvPr/>
+        </p:nvSpPr>
+        <p:spPr>
+          <a:xfrm>
+            <a:off x="1601671" y="11184581"/>
+            <a:ext cx="1925527" cy="300082"/>
+          </a:xfrm>
+          <a:prstGeom prst="rect">
+            <a:avLst/>
+          </a:prstGeom>
+          <a:noFill/>
+        </p:spPr>
+        <p:txBody>
+          <a:bodyPr wrap="none" rtlCol="0">
+            <a:spAutoFit/>
+          </a:bodyPr>
+          <a:lstStyle/>
+          <a:p>
+            <a:r>
+              <a:rPr lang="en-US" sz="1350" b="1" dirty="0">
+                <a:solidFill>
+                  <a:schemeClr val="tx1">
+                    <a:lumMod val="75000"/>
+                    <a:lumOff val="25000"/>
+                  </a:schemeClr>
+                </a:solidFill>
+                <a:latin typeface="Times New Roman" panose="02020603050405020304" pitchFamily="18" charset="0"/>
+                <a:cs typeface="Times New Roman" panose="02020603050405020304" pitchFamily="18" charset="0"/>
+              </a:rPr>
+              <a:t>encoding of invariances</a:t>
+            </a:r>
+          </a:p>
+        </p:txBody>
+      </p:sp>
+      <p:sp>
+        <p:nvSpPr>
+          <p:cNvPr id="74" name="Textfeld 73">
+            <a:extLst>
+              <a:ext uri="{FF2B5EF4-FFF2-40B4-BE49-F238E27FC236}">
+                <a16:creationId xmlns:a16="http://schemas.microsoft.com/office/drawing/2014/main" id="{F0D2AE11-074D-46B6-BD8F-7B1C25AF1930}"/>
+              </a:ext>
+            </a:extLst>
+          </p:cNvPr>
+          <p:cNvSpPr txBox="1"/>
+          <p:nvPr/>
+        </p:nvSpPr>
+        <p:spPr>
+          <a:xfrm>
+            <a:off x="4940604" y="11179168"/>
+            <a:ext cx="1747594" cy="300082"/>
+          </a:xfrm>
+          <a:prstGeom prst="rect">
+            <a:avLst/>
+          </a:prstGeom>
+          <a:noFill/>
+        </p:spPr>
+        <p:txBody>
+          <a:bodyPr wrap="none" rtlCol="0">
+            <a:spAutoFit/>
+          </a:bodyPr>
+          <a:lstStyle/>
+          <a:p>
+            <a:r>
+              <a:rPr lang="en-US" sz="1350" b="1" dirty="0">
+                <a:solidFill>
+                  <a:schemeClr val="tx1">
+                    <a:lumMod val="75000"/>
+                    <a:lumOff val="25000"/>
+                  </a:schemeClr>
+                </a:solidFill>
+                <a:latin typeface="Times New Roman" panose="02020603050405020304" pitchFamily="18" charset="0"/>
+                <a:cs typeface="Times New Roman" panose="02020603050405020304" pitchFamily="18" charset="0"/>
+              </a:rPr>
+              <a:t>self-learning strategy</a:t>
+            </a:r>
+          </a:p>
+        </p:txBody>
+      </p:sp>
+      <mc:AlternateContent xmlns:mc="http://schemas.openxmlformats.org/markup-compatibility/2006" xmlns:a14="http://schemas.microsoft.com/office/drawing/2010/main">
+        <mc:Choice Requires="a14">
+          <p:sp>
+            <p:nvSpPr>
+              <p:cNvPr id="75" name="Textfeld 74">
+                <a:extLst>
+                  <a:ext uri="{FF2B5EF4-FFF2-40B4-BE49-F238E27FC236}">
+                    <a16:creationId xmlns:a16="http://schemas.microsoft.com/office/drawing/2014/main" id="{5209587B-F018-4E30-8F4C-47DB319279E4}"/>
+                  </a:ext>
+                </a:extLst>
+              </p:cNvPr>
+              <p:cNvSpPr txBox="1"/>
+              <p:nvPr/>
+            </p:nvSpPr>
+            <p:spPr>
+              <a:xfrm>
+                <a:off x="7237344" y="8133209"/>
+                <a:ext cx="1193084" cy="305725"/>
+              </a:xfrm>
+              <a:prstGeom prst="rect">
+                <a:avLst/>
+              </a:prstGeom>
+              <a:noFill/>
+            </p:spPr>
+            <p:txBody>
+              <a:bodyPr wrap="none" rtlCol="0">
+                <a:spAutoFit/>
+              </a:bodyPr>
+              <a:lstStyle/>
+              <a:p>
+                <a:pPr/>
+                <a14:m>
+                  <m:oMathPara xmlns:m="http://schemas.openxmlformats.org/officeDocument/2006/math">
+                    <m:oMathParaPr>
+                      <m:jc m:val="centerGroup"/>
+                    </m:oMathParaPr>
+                    <m:oMath xmlns:m="http://schemas.openxmlformats.org/officeDocument/2006/math">
+                      <m:sSub>
+                        <m:sSubPr>
+                          <m:ctrlPr>
+                            <a:rPr lang="de-DE" sz="1350" i="1">
+                              <a:latin typeface="Cambria Math" panose="02040503050406030204" pitchFamily="18" charset="0"/>
+                            </a:rPr>
+                          </m:ctrlPr>
+                        </m:sSubPr>
+                        <m:e>
+                          <m:acc>
+                            <m:accPr>
+                              <m:chr m:val="̂"/>
+                              <m:ctrlPr>
+                                <a:rPr lang="de-DE" sz="1350" i="1">
+                                  <a:latin typeface="Cambria Math" panose="02040503050406030204" pitchFamily="18" charset="0"/>
+                                </a:rPr>
+                              </m:ctrlPr>
+                            </m:accPr>
+                            <m:e>
+                              <m:r>
+                                <a:rPr lang="en-US" sz="1350" i="1">
+                                  <a:latin typeface="Cambria Math" panose="02040503050406030204" pitchFamily="18" charset="0"/>
+                                </a:rPr>
+                                <m:t>𝑈</m:t>
+                              </m:r>
+                            </m:e>
+                          </m:acc>
+                        </m:e>
+                        <m:sub>
+                          <m:r>
+                            <a:rPr lang="en-US" sz="1350" i="1">
+                              <a:latin typeface="Cambria Math" panose="02040503050406030204" pitchFamily="18" charset="0"/>
+                            </a:rPr>
+                            <m:t>𝑠𝑒𝑚𝑖</m:t>
+                          </m:r>
+                          <m:r>
+                            <a:rPr lang="en-US" sz="1350" i="1">
+                              <a:latin typeface="Cambria Math" panose="02040503050406030204" pitchFamily="18" charset="0"/>
+                            </a:rPr>
+                            <m:t>−</m:t>
+                          </m:r>
+                          <m:r>
+                            <a:rPr lang="en-US" sz="1350" i="1">
+                              <a:latin typeface="Cambria Math" panose="02040503050406030204" pitchFamily="18" charset="0"/>
+                            </a:rPr>
+                            <m:t>𝑙𝑎𝑏𝑒𝑙𝑒𝑑</m:t>
+                          </m:r>
+                        </m:sub>
+                      </m:sSub>
+                    </m:oMath>
+                  </m:oMathPara>
+                </a14:m>
+                <a:endParaRPr lang="de-DE" sz="1350" dirty="0"/>
+              </a:p>
+            </p:txBody>
+          </p:sp>
+        </mc:Choice>
+        <mc:Fallback xmlns="">
+          <p:sp>
+            <p:nvSpPr>
+              <p:cNvPr id="75" name="Textfeld 74">
+                <a:extLst>
+                  <a:ext uri="{FF2B5EF4-FFF2-40B4-BE49-F238E27FC236}">
+                    <a16:creationId xmlns:a16="http://schemas.microsoft.com/office/drawing/2014/main" id="{5209587B-F018-4E30-8F4C-47DB319279E4}"/>
+                  </a:ext>
+                </a:extLst>
+              </p:cNvPr>
+              <p:cNvSpPr txBox="1">
+                <a:spLocks noRot="1" noChangeAspect="1" noMove="1" noResize="1" noEditPoints="1" noAdjustHandles="1" noChangeArrowheads="1" noChangeShapeType="1" noTextEdit="1"/>
+              </p:cNvSpPr>
+              <p:nvPr/>
+            </p:nvSpPr>
+            <p:spPr>
+              <a:xfrm>
+                <a:off x="7237344" y="8133209"/>
+                <a:ext cx="1193084" cy="305725"/>
+              </a:xfrm>
+              <a:prstGeom prst="rect">
+                <a:avLst/>
+              </a:prstGeom>
+              <a:blipFill>
+                <a:blip r:embed="rId8"/>
+                <a:stretch>
+                  <a:fillRect t="-2000"/>
+                </a:stretch>
+              </a:blipFill>
+            </p:spPr>
+            <p:txBody>
+              <a:bodyPr/>
+              <a:lstStyle/>
+              <a:p>
+                <a:r>
+                  <a:rPr lang="en-GB">
+                    <a:noFill/>
+                  </a:rPr>
+                  <a:t> </a:t>
+                </a:r>
+              </a:p>
+            </p:txBody>
+          </p:sp>
+        </mc:Fallback>
+      </mc:AlternateContent>
+      <p:sp>
+        <p:nvSpPr>
+          <p:cNvPr id="76" name="Textfeld 75">
+            <a:extLst>
+              <a:ext uri="{FF2B5EF4-FFF2-40B4-BE49-F238E27FC236}">
+                <a16:creationId xmlns:a16="http://schemas.microsoft.com/office/drawing/2014/main" id="{554AD4D9-56C8-4D86-8BED-C31CA37C1D48}"/>
+              </a:ext>
+            </a:extLst>
+          </p:cNvPr>
+          <p:cNvSpPr txBox="1"/>
+          <p:nvPr/>
+        </p:nvSpPr>
+        <p:spPr>
+          <a:xfrm>
+            <a:off x="1601670" y="9102680"/>
+            <a:ext cx="2268252" cy="300082"/>
+          </a:xfrm>
+          <a:prstGeom prst="rect">
+            <a:avLst/>
+          </a:prstGeom>
+          <a:noFill/>
+        </p:spPr>
+        <p:txBody>
+          <a:bodyPr wrap="square" rtlCol="0">
+            <a:spAutoFit/>
+          </a:bodyPr>
+          <a:lstStyle/>
+          <a:p>
+            <a:r>
+              <a:rPr lang="en-US" sz="1350" b="1" dirty="0">
+                <a:solidFill>
+                  <a:schemeClr val="tx1">
+                    <a:lumMod val="75000"/>
+                    <a:lumOff val="25000"/>
+                  </a:schemeClr>
+                </a:solidFill>
+                <a:latin typeface="Times New Roman" panose="02020603050405020304" pitchFamily="18" charset="0"/>
+                <a:cs typeface="Times New Roman" panose="02020603050405020304" pitchFamily="18" charset="0"/>
+              </a:rPr>
+              <a:t>virtual semi-labeled samples</a:t>
+            </a:r>
+          </a:p>
+        </p:txBody>
+      </p:sp>
+      <p:cxnSp>
+        <p:nvCxnSpPr>
+          <p:cNvPr id="80" name="Gerade Verbindung mit Pfeil 79">
+            <a:extLst>
+              <a:ext uri="{FF2B5EF4-FFF2-40B4-BE49-F238E27FC236}">
+                <a16:creationId xmlns:a16="http://schemas.microsoft.com/office/drawing/2014/main" id="{64EEF807-9291-427F-A163-053E10A45ED1}"/>
+              </a:ext>
+            </a:extLst>
+          </p:cNvPr>
+          <p:cNvCxnSpPr>
+            <a:cxnSpLocks/>
+          </p:cNvCxnSpPr>
+          <p:nvPr/>
+        </p:nvCxnSpPr>
+        <p:spPr>
+          <a:xfrm>
+            <a:off x="7272300" y="8697082"/>
+            <a:ext cx="1134000" cy="0"/>
+          </a:xfrm>
+          <a:prstGeom prst="straightConnector1">
+            <a:avLst/>
+          </a:prstGeom>
+          <a:ln w="12700">
+            <a:solidFill>
+              <a:schemeClr val="tx1"/>
+            </a:solidFill>
+            <a:tailEnd type="triangle"/>
+          </a:ln>
+        </p:spPr>
+        <p:style>
+          <a:lnRef idx="1">
+            <a:schemeClr val="accent1"/>
+          </a:lnRef>
+          <a:fillRef idx="0">
+            <a:schemeClr val="accent1"/>
+          </a:fillRef>
+          <a:effectRef idx="0">
+            <a:schemeClr val="accent1"/>
+          </a:effectRef>
+          <a:fontRef idx="minor">
+            <a:schemeClr val="tx1"/>
+          </a:fontRef>
+        </p:style>
+      </p:cxnSp>
+      <p:cxnSp>
+        <p:nvCxnSpPr>
+          <p:cNvPr id="81" name="Gerade Verbindung mit Pfeil 80">
+            <a:extLst>
+              <a:ext uri="{FF2B5EF4-FFF2-40B4-BE49-F238E27FC236}">
+                <a16:creationId xmlns:a16="http://schemas.microsoft.com/office/drawing/2014/main" id="{A743B3E2-F9D3-4F72-A73F-E415BC624AA8}"/>
+              </a:ext>
+            </a:extLst>
+          </p:cNvPr>
+          <p:cNvCxnSpPr>
+            <a:cxnSpLocks/>
+          </p:cNvCxnSpPr>
+          <p:nvPr/>
+        </p:nvCxnSpPr>
+        <p:spPr>
+          <a:xfrm>
+            <a:off x="7272426" y="8417527"/>
+            <a:ext cx="1134000" cy="0"/>
+          </a:xfrm>
+          <a:prstGeom prst="straightConnector1">
+            <a:avLst/>
+          </a:prstGeom>
+          <a:ln w="12700">
+            <a:solidFill>
+              <a:schemeClr val="tx1"/>
+            </a:solidFill>
+            <a:tailEnd type="triangle"/>
+          </a:ln>
+        </p:spPr>
+        <p:style>
+          <a:lnRef idx="1">
+            <a:schemeClr val="accent1"/>
+          </a:lnRef>
+          <a:fillRef idx="0">
+            <a:schemeClr val="accent1"/>
+          </a:fillRef>
+          <a:effectRef idx="0">
+            <a:schemeClr val="accent1"/>
+          </a:effectRef>
+          <a:fontRef idx="minor">
+            <a:schemeClr val="tx1"/>
+          </a:fontRef>
+        </p:style>
+      </p:cxnSp>
+      <mc:AlternateContent xmlns:mc="http://schemas.openxmlformats.org/markup-compatibility/2006" xmlns:a14="http://schemas.microsoft.com/office/drawing/2010/main">
+        <mc:Choice Requires="a14">
+          <p:sp>
+            <p:nvSpPr>
+              <p:cNvPr id="82" name="Flussdiagramm: Prozess 81">
+                <a:extLst>
+                  <a:ext uri="{FF2B5EF4-FFF2-40B4-BE49-F238E27FC236}">
+                    <a16:creationId xmlns:a16="http://schemas.microsoft.com/office/drawing/2014/main" id="{3F28CB1B-5AC5-4CB5-A742-459B3FED254A}"/>
+                  </a:ext>
+                </a:extLst>
+              </p:cNvPr>
+              <p:cNvSpPr/>
+              <p:nvPr/>
+            </p:nvSpPr>
+            <p:spPr>
+              <a:xfrm>
+                <a:off x="7056276" y="9290129"/>
+                <a:ext cx="1026114" cy="648072"/>
+              </a:xfrm>
+              <a:prstGeom prst="flowChartProcess">
+                <a:avLst/>
+              </a:prstGeom>
+              <a:solidFill>
+                <a:schemeClr val="bg1"/>
+              </a:solidFill>
+              <a:ln w="12700">
+                <a:solidFill>
+                  <a:schemeClr val="tx1"/>
+                </a:solidFill>
+              </a:ln>
+            </p:spPr>
+            <p:style>
+              <a:lnRef idx="2">
+                <a:schemeClr val="accent1">
+                  <a:shade val="50000"/>
+                </a:schemeClr>
+              </a:lnRef>
+              <a:fillRef idx="1">
+                <a:schemeClr val="accent1"/>
+              </a:fillRef>
+              <a:effectRef idx="0">
+                <a:schemeClr val="accent1"/>
+              </a:effectRef>
+              <a:fontRef idx="minor">
+                <a:schemeClr val="lt1"/>
+              </a:fontRef>
+            </p:style>
+            <p:txBody>
+              <a:bodyPr rtlCol="0" anchor="ctr"/>
+              <a:lstStyle/>
+              <a:p>
+                <a:pPr algn="ctr"/>
+                <a:r>
+                  <a:rPr lang="en-US" sz="1350" dirty="0">
+                    <a:solidFill>
+                      <a:schemeClr val="tx1"/>
+                    </a:solidFill>
+                    <a:latin typeface="Times New Roman" panose="02020603050405020304" pitchFamily="18" charset="0"/>
+                    <a:cs typeface="Times New Roman" panose="02020603050405020304" pitchFamily="18" charset="0"/>
+                  </a:rPr>
+                  <a:t>extract</a:t>
+                </a:r>
+              </a:p>
+              <a:p>
+                <a:pPr algn="ctr"/>
+                <a:r>
+                  <a:rPr lang="en-US" sz="1350" dirty="0">
+                    <a:solidFill>
+                      <a:schemeClr val="tx1"/>
+                    </a:solidFill>
+                    <a:latin typeface="Times New Roman" panose="02020603050405020304" pitchFamily="18" charset="0"/>
+                    <a:cs typeface="Times New Roman" panose="02020603050405020304" pitchFamily="18" charset="0"/>
+                  </a:rPr>
+                  <a:t>SVs of </a:t>
+                </a:r>
+                <a14:m>
+                  <m:oMath xmlns:m="http://schemas.openxmlformats.org/officeDocument/2006/math">
+                    <m:sSub>
+                      <m:sSubPr>
+                        <m:ctrlPr>
+                          <a:rPr lang="de-DE" sz="1350" i="1">
+                            <a:solidFill>
+                              <a:schemeClr val="tx1"/>
+                            </a:solidFill>
+                            <a:latin typeface="Cambria Math" panose="02040503050406030204" pitchFamily="18" charset="0"/>
+                          </a:rPr>
+                        </m:ctrlPr>
+                      </m:sSubPr>
+                      <m:e>
+                        <m:acc>
+                          <m:accPr>
+                            <m:chr m:val="̂"/>
+                            <m:ctrlPr>
+                              <a:rPr lang="de-DE" sz="1350" i="1">
+                                <a:solidFill>
+                                  <a:schemeClr val="tx1"/>
+                                </a:solidFill>
+                                <a:latin typeface="Cambria Math" panose="02040503050406030204" pitchFamily="18" charset="0"/>
+                              </a:rPr>
+                            </m:ctrlPr>
+                          </m:accPr>
+                          <m:e>
+                            <m:r>
+                              <a:rPr lang="en-US" sz="1350" i="1">
+                                <a:solidFill>
+                                  <a:schemeClr val="tx1"/>
+                                </a:solidFill>
+                                <a:latin typeface="Cambria Math" panose="02040503050406030204" pitchFamily="18" charset="0"/>
+                              </a:rPr>
+                              <m:t>𝑈</m:t>
+                            </m:r>
+                          </m:e>
+                        </m:acc>
+                      </m:e>
+                      <m:sub>
+                        <m:r>
+                          <a:rPr lang="en-US" sz="1350" i="1">
+                            <a:solidFill>
+                              <a:schemeClr val="tx1"/>
+                            </a:solidFill>
+                            <a:latin typeface="Cambria Math" panose="02040503050406030204" pitchFamily="18" charset="0"/>
+                          </a:rPr>
+                          <m:t>𝑠𝑒𝑚𝑖</m:t>
+                        </m:r>
+                        <m:r>
+                          <a:rPr lang="en-US" sz="1350" i="1">
+                            <a:solidFill>
+                              <a:schemeClr val="tx1"/>
+                            </a:solidFill>
+                            <a:latin typeface="Cambria Math" panose="02040503050406030204" pitchFamily="18" charset="0"/>
+                          </a:rPr>
+                          <m:t>−</m:t>
+                        </m:r>
+                        <m:r>
+                          <a:rPr lang="en-US" sz="1350" i="1">
+                            <a:solidFill>
+                              <a:schemeClr val="tx1"/>
+                            </a:solidFill>
+                            <a:latin typeface="Cambria Math" panose="02040503050406030204" pitchFamily="18" charset="0"/>
+                          </a:rPr>
+                          <m:t>𝑙𝑎𝑏𝑒𝑙𝑒𝑑</m:t>
+                        </m:r>
+                      </m:sub>
+                    </m:sSub>
+                  </m:oMath>
+                </a14:m>
+                <a:r>
+                  <a:rPr lang="en-US" sz="1350" dirty="0">
+                    <a:solidFill>
+                      <a:schemeClr val="tx1"/>
+                    </a:solidFill>
+                  </a:rPr>
+                  <a:t> </a:t>
+                </a:r>
+                <a:endParaRPr lang="en-US" sz="1350" dirty="0">
+                  <a:solidFill>
+                    <a:schemeClr val="tx1"/>
+                  </a:solidFill>
+                  <a:latin typeface="Times New Roman" panose="02020603050405020304" pitchFamily="18" charset="0"/>
+                  <a:cs typeface="Times New Roman" panose="02020603050405020304" pitchFamily="18" charset="0"/>
+                </a:endParaRPr>
+              </a:p>
+            </p:txBody>
+          </p:sp>
+        </mc:Choice>
+        <mc:Fallback xmlns="">
+          <p:sp>
+            <p:nvSpPr>
+              <p:cNvPr id="82" name="Flussdiagramm: Prozess 81">
+                <a:extLst>
+                  <a:ext uri="{FF2B5EF4-FFF2-40B4-BE49-F238E27FC236}">
+                    <a16:creationId xmlns:a16="http://schemas.microsoft.com/office/drawing/2014/main" id="{3F28CB1B-5AC5-4CB5-A742-459B3FED254A}"/>
+                  </a:ext>
+                </a:extLst>
+              </p:cNvPr>
+              <p:cNvSpPr>
+                <a:spLocks noRot="1" noChangeAspect="1" noMove="1" noResize="1" noEditPoints="1" noAdjustHandles="1" noChangeArrowheads="1" noChangeShapeType="1" noTextEdit="1"/>
+              </p:cNvSpPr>
+              <p:nvPr/>
+            </p:nvSpPr>
+            <p:spPr>
+              <a:xfrm>
+                <a:off x="7056276" y="9290129"/>
+                <a:ext cx="1026114" cy="648072"/>
+              </a:xfrm>
+              <a:prstGeom prst="flowChartProcess">
+                <a:avLst/>
+              </a:prstGeom>
+              <a:blipFill>
+                <a:blip r:embed="rId9"/>
+                <a:stretch>
+                  <a:fillRect l="-2353" t="-5556" b="-3704"/>
+                </a:stretch>
+              </a:blipFill>
+              <a:ln w="12700">
+                <a:solidFill>
+                  <a:schemeClr val="tx1"/>
+                </a:solidFill>
+              </a:ln>
+            </p:spPr>
+            <p:txBody>
+              <a:bodyPr/>
+              <a:lstStyle/>
+              <a:p>
+                <a:r>
+                  <a:rPr lang="en-GB">
+                    <a:noFill/>
+                  </a:rPr>
+                  <a:t> </a:t>
+                </a:r>
+              </a:p>
+            </p:txBody>
+          </p:sp>
+        </mc:Fallback>
+      </mc:AlternateContent>
+      <p:cxnSp>
+        <p:nvCxnSpPr>
+          <p:cNvPr id="83" name="Gerade Verbindung mit Pfeil 82">
+            <a:extLst>
+              <a:ext uri="{FF2B5EF4-FFF2-40B4-BE49-F238E27FC236}">
+                <a16:creationId xmlns:a16="http://schemas.microsoft.com/office/drawing/2014/main" id="{A19FD576-056F-47CC-B96B-AD1950DFA757}"/>
+              </a:ext>
+            </a:extLst>
+          </p:cNvPr>
+          <p:cNvCxnSpPr>
+            <a:cxnSpLocks/>
+          </p:cNvCxnSpPr>
+          <p:nvPr/>
+        </p:nvCxnSpPr>
+        <p:spPr>
+          <a:xfrm>
+            <a:off x="8983520" y="8915400"/>
+            <a:ext cx="179" cy="447583"/>
+          </a:xfrm>
+          <a:prstGeom prst="straightConnector1">
+            <a:avLst/>
+          </a:prstGeom>
+          <a:ln w="12700">
+            <a:solidFill>
+              <a:schemeClr val="tx1"/>
+            </a:solidFill>
+            <a:tailEnd type="triangle"/>
+          </a:ln>
+        </p:spPr>
+        <p:style>
+          <a:lnRef idx="1">
+            <a:schemeClr val="accent1"/>
+          </a:lnRef>
+          <a:fillRef idx="0">
+            <a:schemeClr val="accent1"/>
+          </a:fillRef>
+          <a:effectRef idx="0">
+            <a:schemeClr val="accent1"/>
+          </a:effectRef>
+          <a:fontRef idx="minor">
+            <a:schemeClr val="tx1"/>
+          </a:fontRef>
+        </p:style>
+      </p:cxnSp>
+      <p:sp>
+        <p:nvSpPr>
+          <p:cNvPr id="84" name="Flussdiagramm: Prozess 83">
+            <a:extLst>
+              <a:ext uri="{FF2B5EF4-FFF2-40B4-BE49-F238E27FC236}">
+                <a16:creationId xmlns:a16="http://schemas.microsoft.com/office/drawing/2014/main" id="{C0F20B66-B7F8-4A93-ABDA-ECBBBA590C5C}"/>
+              </a:ext>
+            </a:extLst>
+          </p:cNvPr>
+          <p:cNvSpPr/>
+          <p:nvPr/>
+        </p:nvSpPr>
+        <p:spPr>
+          <a:xfrm>
+            <a:off x="3005826" y="10228892"/>
+            <a:ext cx="918102" cy="867868"/>
+          </a:xfrm>
+          <a:prstGeom prst="flowChartProcess">
+            <a:avLst/>
+          </a:prstGeom>
+          <a:solidFill>
+            <a:schemeClr val="bg1"/>
+          </a:solidFill>
+          <a:ln w="12700">
+            <a:solidFill>
+              <a:schemeClr val="tx1"/>
+            </a:solidFill>
+          </a:ln>
+        </p:spPr>
+        <p:style>
+          <a:lnRef idx="2">
+            <a:schemeClr val="accent1">
+              <a:shade val="50000"/>
+            </a:schemeClr>
+          </a:lnRef>
+          <a:fillRef idx="1">
+            <a:schemeClr val="accent1"/>
+          </a:fillRef>
+          <a:effectRef idx="0">
+            <a:schemeClr val="accent1"/>
+          </a:effectRef>
+          <a:fontRef idx="minor">
+            <a:schemeClr val="lt1"/>
+          </a:fontRef>
+        </p:style>
+        <p:txBody>
+          <a:bodyPr rtlCol="0" anchor="ctr"/>
+          <a:lstStyle/>
+          <a:p>
+            <a:pPr algn="ctr"/>
+            <a:r>
+              <a:rPr lang="en-US" sz="1350" dirty="0">
+                <a:solidFill>
+                  <a:schemeClr val="tx1"/>
+                </a:solidFill>
+                <a:latin typeface="Times New Roman" panose="02020603050405020304" pitchFamily="18" charset="0"/>
+                <a:cs typeface="Times New Roman" panose="02020603050405020304" pitchFamily="18" charset="0"/>
+              </a:rPr>
+              <a:t>compute</a:t>
+            </a:r>
+          </a:p>
+          <a:p>
+            <a:pPr algn="ctr"/>
+            <a:r>
+              <a:rPr lang="en-US" sz="1350" dirty="0">
+                <a:solidFill>
+                  <a:schemeClr val="tx1"/>
+                </a:solidFill>
+                <a:latin typeface="Times New Roman" panose="02020603050405020304" pitchFamily="18" charset="0"/>
+                <a:cs typeface="Times New Roman" panose="02020603050405020304" pitchFamily="18" charset="0"/>
+              </a:rPr>
+              <a:t>object</a:t>
+            </a:r>
+          </a:p>
+          <a:p>
+            <a:pPr algn="ctr"/>
+            <a:r>
+              <a:rPr lang="en-US" sz="1350" dirty="0">
+                <a:solidFill>
+                  <a:schemeClr val="tx1"/>
+                </a:solidFill>
+                <a:latin typeface="Times New Roman" panose="02020603050405020304" pitchFamily="18" charset="0"/>
+                <a:cs typeface="Times New Roman" panose="02020603050405020304" pitchFamily="18" charset="0"/>
+              </a:rPr>
+              <a:t>features</a:t>
+            </a:r>
+          </a:p>
+        </p:txBody>
+      </p:sp>
+      <p:sp>
+        <p:nvSpPr>
+          <p:cNvPr id="85" name="Flussdiagramm: Prozess 84">
+            <a:extLst>
+              <a:ext uri="{FF2B5EF4-FFF2-40B4-BE49-F238E27FC236}">
+                <a16:creationId xmlns:a16="http://schemas.microsoft.com/office/drawing/2014/main" id="{C1D26FF9-66A6-4EB7-AAD2-77C4F4367DFF}"/>
+              </a:ext>
+            </a:extLst>
+          </p:cNvPr>
+          <p:cNvSpPr/>
+          <p:nvPr/>
+        </p:nvSpPr>
+        <p:spPr>
+          <a:xfrm>
+            <a:off x="1871700" y="10228893"/>
+            <a:ext cx="1026114" cy="867869"/>
+          </a:xfrm>
+          <a:prstGeom prst="flowChartProcess">
+            <a:avLst/>
+          </a:prstGeom>
+          <a:solidFill>
+            <a:schemeClr val="bg1"/>
+          </a:solidFill>
+          <a:ln w="12700">
+            <a:solidFill>
+              <a:schemeClr val="tx1"/>
+            </a:solidFill>
+          </a:ln>
+        </p:spPr>
+        <p:style>
+          <a:lnRef idx="2">
+            <a:schemeClr val="accent1">
+              <a:shade val="50000"/>
+            </a:schemeClr>
+          </a:lnRef>
+          <a:fillRef idx="1">
+            <a:schemeClr val="accent1"/>
+          </a:fillRef>
+          <a:effectRef idx="0">
+            <a:schemeClr val="accent1"/>
+          </a:effectRef>
+          <a:fontRef idx="minor">
+            <a:schemeClr val="lt1"/>
+          </a:fontRef>
+        </p:style>
+        <p:txBody>
+          <a:bodyPr rtlCol="0" anchor="ctr"/>
+          <a:lstStyle/>
+          <a:p>
+            <a:pPr algn="ctr"/>
+            <a:r>
+              <a:rPr lang="en-US" sz="1350" dirty="0">
+                <a:solidFill>
+                  <a:schemeClr val="tx1"/>
+                </a:solidFill>
+                <a:latin typeface="Times New Roman" panose="02020603050405020304" pitchFamily="18" charset="0"/>
+                <a:cs typeface="Times New Roman" panose="02020603050405020304" pitchFamily="18" charset="0"/>
+              </a:rPr>
+              <a:t>identify virtual semi- labeled samples</a:t>
+            </a:r>
+          </a:p>
+        </p:txBody>
+      </p:sp>
+      <p:sp>
+        <p:nvSpPr>
+          <p:cNvPr id="86" name="Flussdiagramm: Prozess 85">
+            <a:extLst>
+              <a:ext uri="{FF2B5EF4-FFF2-40B4-BE49-F238E27FC236}">
+                <a16:creationId xmlns:a16="http://schemas.microsoft.com/office/drawing/2014/main" id="{A52E7B69-60BF-47F2-89CD-5DC909160E44}"/>
+              </a:ext>
+            </a:extLst>
+          </p:cNvPr>
+          <p:cNvSpPr/>
+          <p:nvPr/>
+        </p:nvSpPr>
+        <p:spPr>
+          <a:xfrm>
+            <a:off x="5065008" y="10228892"/>
+            <a:ext cx="918102" cy="867866"/>
+          </a:xfrm>
+          <a:prstGeom prst="flowChartProcess">
+            <a:avLst/>
+          </a:prstGeom>
+          <a:solidFill>
+            <a:schemeClr val="bg1"/>
+          </a:solidFill>
+          <a:ln w="12700">
+            <a:solidFill>
+              <a:schemeClr val="tx1"/>
+            </a:solidFill>
+          </a:ln>
+        </p:spPr>
+        <p:style>
+          <a:lnRef idx="2">
+            <a:schemeClr val="accent1">
+              <a:shade val="50000"/>
+            </a:schemeClr>
+          </a:lnRef>
+          <a:fillRef idx="1">
+            <a:schemeClr val="accent1"/>
+          </a:fillRef>
+          <a:effectRef idx="0">
+            <a:schemeClr val="accent1"/>
+          </a:effectRef>
+          <a:fontRef idx="minor">
+            <a:schemeClr val="lt1"/>
+          </a:fontRef>
+        </p:style>
+        <p:txBody>
+          <a:bodyPr rtlCol="0" anchor="ctr"/>
+          <a:lstStyle/>
+          <a:p>
+            <a:pPr algn="ctr"/>
+            <a:r>
+              <a:rPr lang="en-US" sz="1350" dirty="0">
+                <a:solidFill>
+                  <a:schemeClr val="tx1"/>
+                </a:solidFill>
+                <a:latin typeface="Times New Roman" panose="02020603050405020304" pitchFamily="18" charset="0"/>
+                <a:cs typeface="Times New Roman" panose="02020603050405020304" pitchFamily="18" charset="0"/>
+              </a:rPr>
+              <a:t>similarity constraint</a:t>
+            </a:r>
+          </a:p>
+        </p:txBody>
+      </p:sp>
+      <p:sp>
+        <p:nvSpPr>
+          <p:cNvPr id="87" name="Flussdiagramm: Prozess 86">
+            <a:extLst>
+              <a:ext uri="{FF2B5EF4-FFF2-40B4-BE49-F238E27FC236}">
+                <a16:creationId xmlns:a16="http://schemas.microsoft.com/office/drawing/2014/main" id="{84A22CD0-8B1C-4075-8C71-9E18C0769E1B}"/>
+              </a:ext>
+            </a:extLst>
+          </p:cNvPr>
+          <p:cNvSpPr/>
+          <p:nvPr/>
+        </p:nvSpPr>
+        <p:spPr>
+          <a:xfrm>
+            <a:off x="6091122" y="10228892"/>
+            <a:ext cx="918102" cy="867863"/>
+          </a:xfrm>
+          <a:prstGeom prst="flowChartProcess">
+            <a:avLst/>
+          </a:prstGeom>
+          <a:solidFill>
+            <a:schemeClr val="bg1"/>
+          </a:solidFill>
+          <a:ln w="12700">
+            <a:solidFill>
+              <a:schemeClr val="tx1"/>
+            </a:solidFill>
+          </a:ln>
+        </p:spPr>
+        <p:style>
+          <a:lnRef idx="2">
+            <a:schemeClr val="accent1">
+              <a:shade val="50000"/>
+            </a:schemeClr>
+          </a:lnRef>
+          <a:fillRef idx="1">
+            <a:schemeClr val="accent1"/>
+          </a:fillRef>
+          <a:effectRef idx="0">
+            <a:schemeClr val="accent1"/>
+          </a:effectRef>
+          <a:fontRef idx="minor">
+            <a:schemeClr val="lt1"/>
+          </a:fontRef>
+        </p:style>
+        <p:txBody>
+          <a:bodyPr rtlCol="0" anchor="ctr"/>
+          <a:lstStyle/>
+          <a:p>
+            <a:pPr algn="ctr"/>
+            <a:r>
+              <a:rPr lang="en-US" sz="1350" dirty="0">
+                <a:solidFill>
+                  <a:schemeClr val="tx1"/>
+                </a:solidFill>
+                <a:latin typeface="Times New Roman" panose="02020603050405020304" pitchFamily="18" charset="0"/>
+                <a:cs typeface="Times New Roman" panose="02020603050405020304" pitchFamily="18" charset="0"/>
+              </a:rPr>
+              <a:t>margin sampling constraint</a:t>
+            </a:r>
+          </a:p>
+        </p:txBody>
+      </p:sp>
+      <p:cxnSp>
+        <p:nvCxnSpPr>
+          <p:cNvPr id="88" name="Gerade Verbindung mit Pfeil 87">
+            <a:extLst>
+              <a:ext uri="{FF2B5EF4-FFF2-40B4-BE49-F238E27FC236}">
+                <a16:creationId xmlns:a16="http://schemas.microsoft.com/office/drawing/2014/main" id="{B0516AE1-995B-47C5-A79C-CFB5771AAD1C}"/>
+              </a:ext>
+            </a:extLst>
+          </p:cNvPr>
+          <p:cNvCxnSpPr>
+            <a:cxnSpLocks/>
+            <a:stCxn id="85" idx="3"/>
+            <a:endCxn id="84" idx="1"/>
+          </p:cNvCxnSpPr>
+          <p:nvPr/>
+        </p:nvCxnSpPr>
+        <p:spPr>
+          <a:xfrm flipV="1">
+            <a:off x="2897814" y="10662827"/>
+            <a:ext cx="108012" cy="1"/>
+          </a:xfrm>
+          <a:prstGeom prst="straightConnector1">
+            <a:avLst/>
+          </a:prstGeom>
+          <a:ln w="12700">
+            <a:solidFill>
+              <a:schemeClr val="tx1"/>
+            </a:solidFill>
+            <a:tailEnd type="triangle"/>
+          </a:ln>
+        </p:spPr>
+        <p:style>
+          <a:lnRef idx="1">
+            <a:schemeClr val="accent1"/>
+          </a:lnRef>
+          <a:fillRef idx="0">
+            <a:schemeClr val="accent1"/>
+          </a:fillRef>
+          <a:effectRef idx="0">
+            <a:schemeClr val="accent1"/>
+          </a:effectRef>
+          <a:fontRef idx="minor">
+            <a:schemeClr val="tx1"/>
+          </a:fontRef>
+        </p:style>
+      </p:cxnSp>
+      <p:cxnSp>
+        <p:nvCxnSpPr>
+          <p:cNvPr id="89" name="Gerade Verbindung mit Pfeil 88">
+            <a:extLst>
+              <a:ext uri="{FF2B5EF4-FFF2-40B4-BE49-F238E27FC236}">
+                <a16:creationId xmlns:a16="http://schemas.microsoft.com/office/drawing/2014/main" id="{EC878848-EC95-4D2E-BF8F-3DAC60BB8F6B}"/>
+              </a:ext>
+            </a:extLst>
+          </p:cNvPr>
+          <p:cNvCxnSpPr>
+            <a:cxnSpLocks/>
+          </p:cNvCxnSpPr>
+          <p:nvPr/>
+        </p:nvCxnSpPr>
+        <p:spPr>
+          <a:xfrm>
+            <a:off x="3923928" y="10670759"/>
+            <a:ext cx="1141080" cy="0"/>
+          </a:xfrm>
+          <a:prstGeom prst="straightConnector1">
+            <a:avLst/>
+          </a:prstGeom>
+          <a:ln w="12700">
+            <a:solidFill>
+              <a:schemeClr val="tx1"/>
+            </a:solidFill>
+            <a:tailEnd type="triangle"/>
+          </a:ln>
+        </p:spPr>
+        <p:style>
+          <a:lnRef idx="1">
+            <a:schemeClr val="accent1"/>
+          </a:lnRef>
+          <a:fillRef idx="0">
+            <a:schemeClr val="accent1"/>
+          </a:fillRef>
+          <a:effectRef idx="0">
+            <a:schemeClr val="accent1"/>
+          </a:effectRef>
+          <a:fontRef idx="minor">
+            <a:schemeClr val="tx1"/>
+          </a:fontRef>
+        </p:style>
+      </p:cxnSp>
+      <p:cxnSp>
+        <p:nvCxnSpPr>
+          <p:cNvPr id="90" name="Gerade Verbindung mit Pfeil 89">
+            <a:extLst>
+              <a:ext uri="{FF2B5EF4-FFF2-40B4-BE49-F238E27FC236}">
+                <a16:creationId xmlns:a16="http://schemas.microsoft.com/office/drawing/2014/main" id="{53374B81-F6C8-4B7D-B399-03C727580D7B}"/>
+              </a:ext>
+            </a:extLst>
+          </p:cNvPr>
+          <p:cNvCxnSpPr>
+            <a:cxnSpLocks/>
+          </p:cNvCxnSpPr>
+          <p:nvPr/>
+        </p:nvCxnSpPr>
+        <p:spPr>
+          <a:xfrm>
+            <a:off x="5983110" y="10670759"/>
+            <a:ext cx="108012" cy="0"/>
+          </a:xfrm>
+          <a:prstGeom prst="straightConnector1">
+            <a:avLst/>
+          </a:prstGeom>
+          <a:ln w="12700">
+            <a:solidFill>
+              <a:schemeClr val="tx1"/>
+            </a:solidFill>
+            <a:tailEnd type="triangle"/>
+          </a:ln>
+        </p:spPr>
+        <p:style>
+          <a:lnRef idx="1">
+            <a:schemeClr val="accent1"/>
+          </a:lnRef>
+          <a:fillRef idx="0">
+            <a:schemeClr val="accent1"/>
+          </a:fillRef>
+          <a:effectRef idx="0">
+            <a:schemeClr val="accent1"/>
+          </a:effectRef>
+          <a:fontRef idx="minor">
+            <a:schemeClr val="tx1"/>
+          </a:fontRef>
+        </p:style>
+      </p:cxnSp>
+      <mc:AlternateContent xmlns:mc="http://schemas.openxmlformats.org/markup-compatibility/2006" xmlns:a14="http://schemas.microsoft.com/office/drawing/2010/main">
+        <mc:Choice Requires="a14">
+          <p:sp>
+            <p:nvSpPr>
+              <p:cNvPr id="91" name="Textfeld 90">
+                <a:extLst>
+                  <a:ext uri="{FF2B5EF4-FFF2-40B4-BE49-F238E27FC236}">
+                    <a16:creationId xmlns:a16="http://schemas.microsoft.com/office/drawing/2014/main" id="{EB74F641-71FD-4329-BDF1-EBBCD6C2E81F}"/>
+                  </a:ext>
+                </a:extLst>
+              </p:cNvPr>
+              <p:cNvSpPr txBox="1"/>
+              <p:nvPr/>
+            </p:nvSpPr>
+            <p:spPr>
+              <a:xfrm>
+                <a:off x="3872461" y="10670759"/>
+                <a:ext cx="1171026" cy="312843"/>
+              </a:xfrm>
+              <a:prstGeom prst="rect">
+                <a:avLst/>
+              </a:prstGeom>
+              <a:noFill/>
+            </p:spPr>
+            <p:txBody>
+              <a:bodyPr wrap="none" rtlCol="0">
+                <a:spAutoFit/>
+              </a:bodyPr>
+              <a:lstStyle/>
+              <a:p>
+                <a:pPr/>
+                <a14:m>
+                  <m:oMathPara xmlns:m="http://schemas.openxmlformats.org/officeDocument/2006/math">
+                    <m:oMathParaPr>
+                      <m:jc m:val="centerGroup"/>
+                    </m:oMathParaPr>
+                    <m:oMath xmlns:m="http://schemas.openxmlformats.org/officeDocument/2006/math">
+                      <m:sSubSup>
+                        <m:sSubSupPr>
+                          <m:ctrlPr>
+                            <a:rPr lang="de-DE" sz="1350" i="1">
+                              <a:latin typeface="Cambria Math" panose="02040503050406030204" pitchFamily="18" charset="0"/>
+                            </a:rPr>
+                          </m:ctrlPr>
+                        </m:sSubSupPr>
+                        <m:e>
+                          <m:r>
+                            <a:rPr lang="en-US" sz="1350" i="1">
+                              <a:latin typeface="Cambria Math" panose="02040503050406030204" pitchFamily="18" charset="0"/>
+                            </a:rPr>
+                            <m:t>𝑉</m:t>
+                          </m:r>
+                        </m:e>
+                        <m:sub>
+                          <m:r>
+                            <a:rPr lang="en-US" sz="1350" i="1">
+                              <a:latin typeface="Cambria Math" panose="02040503050406030204" pitchFamily="18" charset="0"/>
+                            </a:rPr>
+                            <m:t>𝑠𝑒𝑚𝑖</m:t>
+                          </m:r>
+                          <m:r>
+                            <a:rPr lang="en-US" sz="1350" i="1">
+                              <a:latin typeface="Cambria Math" panose="02040503050406030204" pitchFamily="18" charset="0"/>
+                            </a:rPr>
+                            <m:t>−</m:t>
+                          </m:r>
+                          <m:r>
+                            <a:rPr lang="en-US" sz="1350" i="1">
+                              <a:latin typeface="Cambria Math" panose="02040503050406030204" pitchFamily="18" charset="0"/>
+                            </a:rPr>
+                            <m:t>𝑙𝑎𝑏𝑒𝑙𝑒𝑑</m:t>
+                          </m:r>
+                        </m:sub>
+                        <m:sup>
+                          <m:r>
+                            <a:rPr lang="en-US" sz="1350" i="1">
+                              <a:latin typeface="Cambria Math" panose="02040503050406030204" pitchFamily="18" charset="0"/>
+                            </a:rPr>
+                            <m:t>𝑈</m:t>
+                          </m:r>
+                        </m:sup>
+                      </m:sSubSup>
+                    </m:oMath>
+                  </m:oMathPara>
+                </a14:m>
+                <a:endParaRPr lang="de-DE" sz="1350" dirty="0"/>
+              </a:p>
+            </p:txBody>
+          </p:sp>
+        </mc:Choice>
+        <mc:Fallback xmlns="">
+          <p:sp>
+            <p:nvSpPr>
+              <p:cNvPr id="91" name="Textfeld 90">
+                <a:extLst>
+                  <a:ext uri="{FF2B5EF4-FFF2-40B4-BE49-F238E27FC236}">
+                    <a16:creationId xmlns:a16="http://schemas.microsoft.com/office/drawing/2014/main" id="{EB74F641-71FD-4329-BDF1-EBBCD6C2E81F}"/>
+                  </a:ext>
+                </a:extLst>
+              </p:cNvPr>
+              <p:cNvSpPr txBox="1">
+                <a:spLocks noRot="1" noChangeAspect="1" noMove="1" noResize="1" noEditPoints="1" noAdjustHandles="1" noChangeArrowheads="1" noChangeShapeType="1" noTextEdit="1"/>
+              </p:cNvSpPr>
+              <p:nvPr/>
+            </p:nvSpPr>
+            <p:spPr>
+              <a:xfrm>
+                <a:off x="3872461" y="10670759"/>
+                <a:ext cx="1171026" cy="312843"/>
+              </a:xfrm>
+              <a:prstGeom prst="rect">
+                <a:avLst/>
+              </a:prstGeom>
+              <a:blipFill>
+                <a:blip r:embed="rId10"/>
+                <a:stretch>
+                  <a:fillRect/>
+                </a:stretch>
+              </a:blipFill>
+            </p:spPr>
+            <p:txBody>
+              <a:bodyPr/>
+              <a:lstStyle/>
+              <a:p>
+                <a:r>
+                  <a:rPr lang="en-GB">
+                    <a:noFill/>
+                  </a:rPr>
+                  <a:t> </a:t>
+                </a:r>
+              </a:p>
+            </p:txBody>
+          </p:sp>
+        </mc:Fallback>
+      </mc:AlternateContent>
+      <mc:AlternateContent xmlns:mc="http://schemas.openxmlformats.org/markup-compatibility/2006" xmlns:a14="http://schemas.microsoft.com/office/drawing/2010/main">
+        <mc:Choice Requires="a14">
+          <p:sp>
+            <p:nvSpPr>
+              <p:cNvPr id="92" name="Textfeld 91">
+                <a:extLst>
+                  <a:ext uri="{FF2B5EF4-FFF2-40B4-BE49-F238E27FC236}">
+                    <a16:creationId xmlns:a16="http://schemas.microsoft.com/office/drawing/2014/main" id="{005CED5F-3D49-4D14-A74A-82040A2B6336}"/>
+                  </a:ext>
+                </a:extLst>
+              </p:cNvPr>
+              <p:cNvSpPr txBox="1"/>
+              <p:nvPr/>
+            </p:nvSpPr>
+            <p:spPr>
+              <a:xfrm>
+                <a:off x="6976869" y="10677110"/>
+                <a:ext cx="1171026" cy="312843"/>
+              </a:xfrm>
+              <a:prstGeom prst="rect">
+                <a:avLst/>
+              </a:prstGeom>
+              <a:noFill/>
+            </p:spPr>
+            <p:txBody>
+              <a:bodyPr wrap="none" rtlCol="0">
+                <a:spAutoFit/>
+              </a:bodyPr>
+              <a:lstStyle/>
+              <a:p>
+                <a:pPr/>
+                <a14:m>
+                  <m:oMathPara xmlns:m="http://schemas.openxmlformats.org/officeDocument/2006/math">
+                    <m:oMathParaPr>
+                      <m:jc m:val="centerGroup"/>
+                    </m:oMathParaPr>
+                    <m:oMath xmlns:m="http://schemas.openxmlformats.org/officeDocument/2006/math">
+                      <m:sSubSup>
+                        <m:sSubSupPr>
+                          <m:ctrlPr>
+                            <a:rPr lang="de-DE" sz="1350" i="1">
+                              <a:latin typeface="Cambria Math" panose="02040503050406030204" pitchFamily="18" charset="0"/>
+                            </a:rPr>
+                          </m:ctrlPr>
+                        </m:sSubSupPr>
+                        <m:e>
+                          <m:acc>
+                            <m:accPr>
+                              <m:chr m:val="̂"/>
+                              <m:ctrlPr>
+                                <a:rPr lang="de-DE" sz="1350" i="1">
+                                  <a:latin typeface="Cambria Math" panose="02040503050406030204" pitchFamily="18" charset="0"/>
+                                </a:rPr>
+                              </m:ctrlPr>
+                            </m:accPr>
+                            <m:e>
+                              <m:r>
+                                <a:rPr lang="en-US" sz="1350" i="1">
+                                  <a:latin typeface="Cambria Math" panose="02040503050406030204" pitchFamily="18" charset="0"/>
+                                </a:rPr>
+                                <m:t>𝑉</m:t>
+                              </m:r>
+                            </m:e>
+                          </m:acc>
+                        </m:e>
+                        <m:sub>
+                          <m:r>
+                            <a:rPr lang="en-US" sz="1350" i="1">
+                              <a:latin typeface="Cambria Math" panose="02040503050406030204" pitchFamily="18" charset="0"/>
+                            </a:rPr>
+                            <m:t>𝑠𝑒𝑚𝑖</m:t>
+                          </m:r>
+                          <m:r>
+                            <a:rPr lang="en-US" sz="1350" i="1">
+                              <a:latin typeface="Cambria Math" panose="02040503050406030204" pitchFamily="18" charset="0"/>
+                            </a:rPr>
+                            <m:t>−</m:t>
+                          </m:r>
+                          <m:r>
+                            <a:rPr lang="en-US" sz="1350" i="1">
+                              <a:latin typeface="Cambria Math" panose="02040503050406030204" pitchFamily="18" charset="0"/>
+                            </a:rPr>
+                            <m:t>𝑙𝑎𝑏𝑒𝑙𝑒𝑑</m:t>
+                          </m:r>
+                        </m:sub>
+                        <m:sup>
+                          <m:r>
+                            <a:rPr lang="en-US" sz="1350" i="1">
+                              <a:latin typeface="Cambria Math" panose="02040503050406030204" pitchFamily="18" charset="0"/>
+                            </a:rPr>
+                            <m:t>𝑈</m:t>
+                          </m:r>
+                        </m:sup>
+                      </m:sSubSup>
+                    </m:oMath>
+                  </m:oMathPara>
+                </a14:m>
+                <a:endParaRPr lang="de-DE" sz="1350" dirty="0"/>
+              </a:p>
+            </p:txBody>
+          </p:sp>
+        </mc:Choice>
+        <mc:Fallback xmlns="">
+          <p:sp>
+            <p:nvSpPr>
+              <p:cNvPr id="92" name="Textfeld 91">
+                <a:extLst>
+                  <a:ext uri="{FF2B5EF4-FFF2-40B4-BE49-F238E27FC236}">
+                    <a16:creationId xmlns:a16="http://schemas.microsoft.com/office/drawing/2014/main" id="{005CED5F-3D49-4D14-A74A-82040A2B6336}"/>
+                  </a:ext>
+                </a:extLst>
+              </p:cNvPr>
+              <p:cNvSpPr txBox="1">
+                <a:spLocks noRot="1" noChangeAspect="1" noMove="1" noResize="1" noEditPoints="1" noAdjustHandles="1" noChangeArrowheads="1" noChangeShapeType="1" noTextEdit="1"/>
+              </p:cNvSpPr>
+              <p:nvPr/>
+            </p:nvSpPr>
+            <p:spPr>
+              <a:xfrm>
+                <a:off x="6976869" y="10677110"/>
+                <a:ext cx="1171026" cy="312843"/>
+              </a:xfrm>
+              <a:prstGeom prst="rect">
+                <a:avLst/>
+              </a:prstGeom>
+              <a:blipFill>
+                <a:blip r:embed="rId11"/>
+                <a:stretch>
+                  <a:fillRect/>
+                </a:stretch>
+              </a:blipFill>
+            </p:spPr>
+            <p:txBody>
+              <a:bodyPr/>
+              <a:lstStyle/>
+              <a:p>
+                <a:r>
+                  <a:rPr lang="en-GB">
+                    <a:noFill/>
+                  </a:rPr>
+                  <a:t> </a:t>
+                </a:r>
+              </a:p>
+            </p:txBody>
+          </p:sp>
+        </mc:Fallback>
+      </mc:AlternateContent>
+      <mc:AlternateContent xmlns:mc="http://schemas.openxmlformats.org/markup-compatibility/2006" xmlns:a14="http://schemas.microsoft.com/office/drawing/2010/main">
+        <mc:Choice Requires="a14">
+          <p:sp>
+            <p:nvSpPr>
+              <p:cNvPr id="93" name="Flussdiagramm: Prozess 92">
+                <a:extLst>
+                  <a:ext uri="{FF2B5EF4-FFF2-40B4-BE49-F238E27FC236}">
+                    <a16:creationId xmlns:a16="http://schemas.microsoft.com/office/drawing/2014/main" id="{18C1B24D-87CE-4569-A048-B41B2E310372}"/>
+                  </a:ext>
+                </a:extLst>
+              </p:cNvPr>
+              <p:cNvSpPr/>
+              <p:nvPr/>
+            </p:nvSpPr>
+            <p:spPr>
+              <a:xfrm>
+                <a:off x="8470642" y="9362983"/>
+                <a:ext cx="1026114" cy="648072"/>
+              </a:xfrm>
+              <a:prstGeom prst="flowChartProcess">
+                <a:avLst/>
+              </a:prstGeom>
+              <a:solidFill>
+                <a:schemeClr val="bg1"/>
+              </a:solidFill>
+              <a:ln w="12700">
+                <a:solidFill>
+                  <a:schemeClr val="tx1"/>
+                </a:solidFill>
+              </a:ln>
+            </p:spPr>
+            <p:style>
+              <a:lnRef idx="2">
+                <a:schemeClr val="accent1">
+                  <a:shade val="50000"/>
+                </a:schemeClr>
+              </a:lnRef>
+              <a:fillRef idx="1">
+                <a:schemeClr val="accent1"/>
+              </a:fillRef>
+              <a:effectRef idx="0">
+                <a:schemeClr val="accent1"/>
+              </a:effectRef>
+              <a:fontRef idx="minor">
+                <a:schemeClr val="lt1"/>
+              </a:fontRef>
+            </p:style>
+            <p:txBody>
+              <a:bodyPr rtlCol="0" anchor="ctr"/>
+              <a:lstStyle/>
+              <a:p>
+                <a:pPr algn="ctr"/>
+                <a:r>
+                  <a:rPr lang="en-US" sz="1350" dirty="0">
+                    <a:solidFill>
+                      <a:schemeClr val="tx1"/>
+                    </a:solidFill>
+                    <a:latin typeface="Times New Roman" panose="02020603050405020304" pitchFamily="18" charset="0"/>
+                    <a:cs typeface="Times New Roman" panose="02020603050405020304" pitchFamily="18" charset="0"/>
+                  </a:rPr>
+                  <a:t>retain</a:t>
+                </a:r>
+              </a:p>
+              <a:p>
+                <a:pPr algn="ctr"/>
+                <a14:m>
+                  <m:oMath xmlns:m="http://schemas.openxmlformats.org/officeDocument/2006/math">
+                    <m:sSup>
+                      <m:sSupPr>
+                        <m:ctrlPr>
+                          <a:rPr lang="de-DE" sz="1350" i="1">
+                            <a:solidFill>
+                              <a:schemeClr val="tx1"/>
+                            </a:solidFill>
+                            <a:latin typeface="Cambria Math" panose="02040503050406030204" pitchFamily="18" charset="0"/>
+                          </a:rPr>
+                        </m:ctrlPr>
+                      </m:sSupPr>
+                      <m:e>
+                        <m:r>
+                          <a:rPr lang="de-DE" sz="1350" i="1">
+                            <a:solidFill>
+                              <a:schemeClr val="tx1"/>
+                            </a:solidFill>
+                            <a:latin typeface="Cambria Math"/>
+                          </a:rPr>
+                          <m:t>𝑋</m:t>
+                        </m:r>
+                      </m:e>
+                      <m:sup>
+                        <m:r>
+                          <a:rPr lang="de-DE" sz="1350" i="1">
+                            <a:solidFill>
+                              <a:schemeClr val="tx1"/>
+                            </a:solidFill>
+                            <a:latin typeface="Cambria Math"/>
+                          </a:rPr>
+                          <m:t>𝑆𝑉</m:t>
+                        </m:r>
+                      </m:sup>
+                    </m:sSup>
+                  </m:oMath>
+                </a14:m>
+                <a:r>
+                  <a:rPr lang="de-DE" sz="1350" dirty="0">
+                    <a:solidFill>
+                      <a:schemeClr val="tx1"/>
+                    </a:solidFill>
+                  </a:rPr>
+                  <a:t>, </a:t>
+                </a:r>
+                <a14:m>
+                  <m:oMath xmlns:m="http://schemas.openxmlformats.org/officeDocument/2006/math">
+                    <m:sSup>
+                      <m:sSupPr>
+                        <m:ctrlPr>
+                          <a:rPr lang="de-DE" sz="1350" i="1">
+                            <a:solidFill>
+                              <a:schemeClr val="tx1"/>
+                            </a:solidFill>
+                            <a:latin typeface="Cambria Math" panose="02040503050406030204" pitchFamily="18" charset="0"/>
+                          </a:rPr>
+                        </m:ctrlPr>
+                      </m:sSupPr>
+                      <m:e>
+                        <m:acc>
+                          <m:accPr>
+                            <m:chr m:val="̂"/>
+                            <m:ctrlPr>
+                              <a:rPr lang="de-DE" sz="1350" i="1">
+                                <a:solidFill>
+                                  <a:schemeClr val="tx1"/>
+                                </a:solidFill>
+                                <a:latin typeface="Cambria Math" panose="02040503050406030204" pitchFamily="18" charset="0"/>
+                              </a:rPr>
+                            </m:ctrlPr>
+                          </m:accPr>
+                          <m:e>
+                            <m:r>
+                              <a:rPr lang="de-DE" sz="1350" i="1">
+                                <a:solidFill>
+                                  <a:schemeClr val="tx1"/>
+                                </a:solidFill>
+                                <a:latin typeface="Cambria Math"/>
+                              </a:rPr>
+                              <m:t>𝑉</m:t>
+                            </m:r>
+                          </m:e>
+                        </m:acc>
+                      </m:e>
+                      <m:sup>
+                        <m:r>
+                          <a:rPr lang="de-DE" sz="1350" i="1">
+                            <a:solidFill>
+                              <a:schemeClr val="tx1"/>
+                            </a:solidFill>
+                            <a:latin typeface="Cambria Math"/>
+                          </a:rPr>
+                          <m:t>𝑆𝑉</m:t>
+                        </m:r>
+                      </m:sup>
+                    </m:sSup>
+                  </m:oMath>
+                </a14:m>
+                <a:r>
+                  <a:rPr lang="de-DE" sz="1350" dirty="0">
+                    <a:solidFill>
+                      <a:schemeClr val="tx1"/>
+                    </a:solidFill>
+                  </a:rPr>
+                  <a:t>,</a:t>
+                </a:r>
+              </a:p>
+              <a:p>
+                <a:pPr algn="ctr"/>
+                <a14:m>
+                  <m:oMath xmlns:m="http://schemas.openxmlformats.org/officeDocument/2006/math">
+                    <m:sSub>
+                      <m:sSubPr>
+                        <m:ctrlPr>
+                          <a:rPr lang="de-DE" sz="1350" i="1">
+                            <a:solidFill>
+                              <a:schemeClr val="tx1"/>
+                            </a:solidFill>
+                            <a:latin typeface="Cambria Math" panose="02040503050406030204" pitchFamily="18" charset="0"/>
+                          </a:rPr>
+                        </m:ctrlPr>
+                      </m:sSubPr>
+                      <m:e>
+                        <m:acc>
+                          <m:accPr>
+                            <m:chr m:val="̂"/>
+                            <m:ctrlPr>
+                              <a:rPr lang="de-DE" sz="1350" i="1">
+                                <a:solidFill>
+                                  <a:schemeClr val="tx1"/>
+                                </a:solidFill>
+                                <a:latin typeface="Cambria Math" panose="02040503050406030204" pitchFamily="18" charset="0"/>
+                              </a:rPr>
+                            </m:ctrlPr>
+                          </m:accPr>
+                          <m:e>
+                            <m:r>
+                              <a:rPr lang="en-US" sz="1350" i="1">
+                                <a:solidFill>
+                                  <a:schemeClr val="tx1"/>
+                                </a:solidFill>
+                                <a:latin typeface="Cambria Math" panose="02040503050406030204" pitchFamily="18" charset="0"/>
+                              </a:rPr>
+                              <m:t>𝑈</m:t>
+                            </m:r>
+                          </m:e>
+                        </m:acc>
+                      </m:e>
+                      <m:sub>
+                        <m:r>
+                          <a:rPr lang="en-US" sz="1350" i="1">
+                            <a:solidFill>
+                              <a:schemeClr val="tx1"/>
+                            </a:solidFill>
+                            <a:latin typeface="Cambria Math" panose="02040503050406030204" pitchFamily="18" charset="0"/>
+                          </a:rPr>
+                          <m:t>𝑠𝑒𝑚𝑖</m:t>
+                        </m:r>
+                        <m:r>
+                          <a:rPr lang="en-US" sz="1350" i="1">
+                            <a:solidFill>
+                              <a:schemeClr val="tx1"/>
+                            </a:solidFill>
+                            <a:latin typeface="Cambria Math" panose="02040503050406030204" pitchFamily="18" charset="0"/>
+                          </a:rPr>
+                          <m:t>−</m:t>
+                        </m:r>
+                        <m:r>
+                          <a:rPr lang="en-US" sz="1350" i="1">
+                            <a:solidFill>
+                              <a:schemeClr val="tx1"/>
+                            </a:solidFill>
+                            <a:latin typeface="Cambria Math" panose="02040503050406030204" pitchFamily="18" charset="0"/>
+                          </a:rPr>
+                          <m:t>𝑙𝑎𝑏𝑒𝑙𝑒𝑑</m:t>
+                        </m:r>
+                      </m:sub>
+                    </m:sSub>
+                  </m:oMath>
+                </a14:m>
+                <a:r>
+                  <a:rPr lang="en-US" sz="1350" dirty="0">
+                    <a:solidFill>
+                      <a:schemeClr val="tx1"/>
+                    </a:solidFill>
+                  </a:rPr>
+                  <a:t> </a:t>
+                </a:r>
+                <a:endParaRPr lang="en-US" sz="1350" dirty="0">
+                  <a:solidFill>
+                    <a:schemeClr val="tx1"/>
+                  </a:solidFill>
+                  <a:latin typeface="Times New Roman" panose="02020603050405020304" pitchFamily="18" charset="0"/>
+                  <a:cs typeface="Times New Roman" panose="02020603050405020304" pitchFamily="18" charset="0"/>
+                </a:endParaRPr>
+              </a:p>
+            </p:txBody>
+          </p:sp>
+        </mc:Choice>
+        <mc:Fallback xmlns="">
+          <p:sp>
+            <p:nvSpPr>
+              <p:cNvPr id="93" name="Flussdiagramm: Prozess 92">
+                <a:extLst>
+                  <a:ext uri="{FF2B5EF4-FFF2-40B4-BE49-F238E27FC236}">
+                    <a16:creationId xmlns:a16="http://schemas.microsoft.com/office/drawing/2014/main" id="{18C1B24D-87CE-4569-A048-B41B2E310372}"/>
+                  </a:ext>
+                </a:extLst>
+              </p:cNvPr>
+              <p:cNvSpPr>
+                <a:spLocks noRot="1" noChangeAspect="1" noMove="1" noResize="1" noEditPoints="1" noAdjustHandles="1" noChangeArrowheads="1" noChangeShapeType="1" noTextEdit="1"/>
+              </p:cNvSpPr>
+              <p:nvPr/>
+            </p:nvSpPr>
+            <p:spPr>
+              <a:xfrm>
+                <a:off x="8470642" y="9362983"/>
+                <a:ext cx="1026114" cy="648072"/>
+              </a:xfrm>
+              <a:prstGeom prst="flowChartProcess">
+                <a:avLst/>
+              </a:prstGeom>
+              <a:blipFill>
+                <a:blip r:embed="rId12"/>
+                <a:stretch>
+                  <a:fillRect l="-2353" t="-5556" b="-3704"/>
+                </a:stretch>
+              </a:blipFill>
+              <a:ln w="12700">
+                <a:solidFill>
+                  <a:schemeClr val="tx1"/>
+                </a:solidFill>
+              </a:ln>
+            </p:spPr>
+            <p:txBody>
+              <a:bodyPr/>
+              <a:lstStyle/>
+              <a:p>
+                <a:r>
+                  <a:rPr lang="en-GB">
+                    <a:noFill/>
+                  </a:rPr>
+                  <a:t> </a:t>
+                </a:r>
+              </a:p>
+            </p:txBody>
+          </p:sp>
+        </mc:Fallback>
+      </mc:AlternateContent>
+      <p:cxnSp>
+        <p:nvCxnSpPr>
+          <p:cNvPr id="94" name="Verbinder: gewinkelt 93">
+            <a:extLst>
+              <a:ext uri="{FF2B5EF4-FFF2-40B4-BE49-F238E27FC236}">
+                <a16:creationId xmlns:a16="http://schemas.microsoft.com/office/drawing/2014/main" id="{E1E51C9C-C866-45D4-A813-3E45EA4AFB2C}"/>
+              </a:ext>
+            </a:extLst>
+          </p:cNvPr>
+          <p:cNvCxnSpPr>
+            <a:cxnSpLocks/>
+            <a:stCxn id="82" idx="1"/>
+            <a:endCxn id="85" idx="1"/>
+          </p:cNvCxnSpPr>
+          <p:nvPr/>
+        </p:nvCxnSpPr>
+        <p:spPr>
+          <a:xfrm rot="10800000" flipV="1">
+            <a:off x="1871700" y="9614165"/>
+            <a:ext cx="5184576" cy="1048662"/>
+          </a:xfrm>
+          <a:prstGeom prst="bentConnector3">
+            <a:avLst>
+              <a:gd name="adj1" fmla="val 102866"/>
+            </a:avLst>
+          </a:prstGeom>
+          <a:ln w="12700">
+            <a:solidFill>
+              <a:schemeClr val="tx1"/>
+            </a:solidFill>
+            <a:tailEnd type="triangle"/>
+          </a:ln>
+        </p:spPr>
+        <p:style>
+          <a:lnRef idx="1">
+            <a:schemeClr val="accent1"/>
+          </a:lnRef>
+          <a:fillRef idx="0">
+            <a:schemeClr val="accent1"/>
+          </a:fillRef>
+          <a:effectRef idx="0">
+            <a:schemeClr val="accent1"/>
+          </a:effectRef>
+          <a:fontRef idx="minor">
+            <a:schemeClr val="tx1"/>
+          </a:fontRef>
+        </p:style>
+      </p:cxnSp>
+      <p:sp>
+        <p:nvSpPr>
+          <p:cNvPr id="95" name="Flussdiagramm: Prozess 94">
+            <a:extLst>
+              <a:ext uri="{FF2B5EF4-FFF2-40B4-BE49-F238E27FC236}">
+                <a16:creationId xmlns:a16="http://schemas.microsoft.com/office/drawing/2014/main" id="{E0C04230-C47F-4086-B3B8-4F8DB95C645F}"/>
+              </a:ext>
+            </a:extLst>
+          </p:cNvPr>
+          <p:cNvSpPr/>
+          <p:nvPr/>
+        </p:nvSpPr>
+        <p:spPr>
+          <a:xfrm>
+            <a:off x="8524648" y="10440927"/>
+            <a:ext cx="918102" cy="648072"/>
+          </a:xfrm>
+          <a:prstGeom prst="flowChartProcess">
+            <a:avLst/>
+          </a:prstGeom>
+          <a:solidFill>
+            <a:schemeClr val="bg1"/>
+          </a:solidFill>
+          <a:ln w="12700">
+            <a:solidFill>
+              <a:schemeClr val="tx1"/>
+            </a:solidFill>
+          </a:ln>
+        </p:spPr>
+        <p:style>
+          <a:lnRef idx="2">
+            <a:schemeClr val="accent1">
+              <a:shade val="50000"/>
+            </a:schemeClr>
+          </a:lnRef>
+          <a:fillRef idx="1">
+            <a:schemeClr val="accent1"/>
+          </a:fillRef>
+          <a:effectRef idx="0">
+            <a:schemeClr val="accent1"/>
+          </a:effectRef>
+          <a:fontRef idx="minor">
+            <a:schemeClr val="lt1"/>
+          </a:fontRef>
+        </p:style>
+        <p:txBody>
+          <a:bodyPr rtlCol="0" anchor="ctr"/>
+          <a:lstStyle/>
+          <a:p>
+            <a:pPr algn="ctr"/>
+            <a:r>
+              <a:rPr lang="en-US" sz="1350" dirty="0">
+                <a:solidFill>
+                  <a:schemeClr val="tx1"/>
+                </a:solidFill>
+                <a:latin typeface="Times New Roman" panose="02020603050405020304" pitchFamily="18" charset="0"/>
+                <a:cs typeface="Times New Roman" panose="02020603050405020304" pitchFamily="18" charset="0"/>
+              </a:rPr>
+              <a:t>relearn model</a:t>
+            </a:r>
+          </a:p>
+        </p:txBody>
+      </p:sp>
+      <mc:AlternateContent xmlns:mc="http://schemas.openxmlformats.org/markup-compatibility/2006" xmlns:a14="http://schemas.microsoft.com/office/drawing/2010/main">
+        <mc:Choice Requires="a14">
+          <p:sp>
+            <p:nvSpPr>
+              <p:cNvPr id="96" name="Textfeld 95">
+                <a:extLst>
+                  <a:ext uri="{FF2B5EF4-FFF2-40B4-BE49-F238E27FC236}">
+                    <a16:creationId xmlns:a16="http://schemas.microsoft.com/office/drawing/2014/main" id="{5778818A-D4BC-4EE0-AC7F-CF983E61CAB1}"/>
+                  </a:ext>
+                </a:extLst>
+              </p:cNvPr>
+              <p:cNvSpPr txBox="1"/>
+              <p:nvPr/>
+            </p:nvSpPr>
+            <p:spPr>
+              <a:xfrm>
+                <a:off x="5975451" y="9320609"/>
+                <a:ext cx="1193084" cy="314060"/>
+              </a:xfrm>
+              <a:prstGeom prst="rect">
+                <a:avLst/>
+              </a:prstGeom>
+              <a:noFill/>
+            </p:spPr>
+            <p:txBody>
+              <a:bodyPr wrap="none" rtlCol="0">
+                <a:spAutoFit/>
+              </a:bodyPr>
+              <a:lstStyle/>
+              <a:p>
+                <a:pPr/>
+                <a14:m>
+                  <m:oMathPara xmlns:m="http://schemas.openxmlformats.org/officeDocument/2006/math">
+                    <m:oMathParaPr>
+                      <m:jc m:val="centerGroup"/>
+                    </m:oMathParaPr>
+                    <m:oMath xmlns:m="http://schemas.openxmlformats.org/officeDocument/2006/math">
+                      <m:sSubSup>
+                        <m:sSubSupPr>
+                          <m:ctrlPr>
+                            <a:rPr lang="de-DE" sz="1350" i="1">
+                              <a:latin typeface="Cambria Math" panose="02040503050406030204" pitchFamily="18" charset="0"/>
+                            </a:rPr>
+                          </m:ctrlPr>
+                        </m:sSubSupPr>
+                        <m:e>
+                          <m:acc>
+                            <m:accPr>
+                              <m:chr m:val="̂"/>
+                              <m:ctrlPr>
+                                <a:rPr lang="de-DE" sz="1350" i="1">
+                                  <a:latin typeface="Cambria Math" panose="02040503050406030204" pitchFamily="18" charset="0"/>
+                                </a:rPr>
+                              </m:ctrlPr>
+                            </m:accPr>
+                            <m:e>
+                              <m:r>
+                                <a:rPr lang="en-US" sz="1350" i="1">
+                                  <a:latin typeface="Cambria Math" panose="02040503050406030204" pitchFamily="18" charset="0"/>
+                                </a:rPr>
+                                <m:t>𝑈</m:t>
+                              </m:r>
+                            </m:e>
+                          </m:acc>
+                        </m:e>
+                        <m:sub>
+                          <m:r>
+                            <a:rPr lang="en-US" sz="1350" i="1">
+                              <a:latin typeface="Cambria Math" panose="02040503050406030204" pitchFamily="18" charset="0"/>
+                            </a:rPr>
+                            <m:t>𝑠𝑒𝑚𝑖</m:t>
+                          </m:r>
+                          <m:r>
+                            <a:rPr lang="en-US" sz="1350" i="1">
+                              <a:latin typeface="Cambria Math" panose="02040503050406030204" pitchFamily="18" charset="0"/>
+                            </a:rPr>
+                            <m:t>−</m:t>
+                          </m:r>
+                          <m:r>
+                            <a:rPr lang="en-US" sz="1350" i="1">
+                              <a:latin typeface="Cambria Math" panose="02040503050406030204" pitchFamily="18" charset="0"/>
+                            </a:rPr>
+                            <m:t>𝑙𝑎𝑏𝑒𝑙𝑒𝑑</m:t>
+                          </m:r>
+                        </m:sub>
+                        <m:sup>
+                          <m:r>
+                            <a:rPr lang="en-US" sz="1350" i="1">
+                              <a:latin typeface="Cambria Math" panose="02040503050406030204" pitchFamily="18" charset="0"/>
+                            </a:rPr>
+                            <m:t>𝑆𝑉</m:t>
+                          </m:r>
+                        </m:sup>
+                      </m:sSubSup>
+                    </m:oMath>
+                  </m:oMathPara>
+                </a14:m>
+                <a:endParaRPr lang="de-DE" sz="1350" dirty="0"/>
+              </a:p>
+            </p:txBody>
+          </p:sp>
+        </mc:Choice>
+        <mc:Fallback xmlns="">
+          <p:sp>
+            <p:nvSpPr>
+              <p:cNvPr id="96" name="Textfeld 95">
+                <a:extLst>
+                  <a:ext uri="{FF2B5EF4-FFF2-40B4-BE49-F238E27FC236}">
+                    <a16:creationId xmlns:a16="http://schemas.microsoft.com/office/drawing/2014/main" id="{5778818A-D4BC-4EE0-AC7F-CF983E61CAB1}"/>
+                  </a:ext>
+                </a:extLst>
+              </p:cNvPr>
+              <p:cNvSpPr txBox="1">
+                <a:spLocks noRot="1" noChangeAspect="1" noMove="1" noResize="1" noEditPoints="1" noAdjustHandles="1" noChangeArrowheads="1" noChangeShapeType="1" noTextEdit="1"/>
+              </p:cNvSpPr>
+              <p:nvPr/>
+            </p:nvSpPr>
+            <p:spPr>
+              <a:xfrm>
+                <a:off x="5975451" y="9320609"/>
+                <a:ext cx="1193084" cy="314060"/>
+              </a:xfrm>
+              <a:prstGeom prst="rect">
+                <a:avLst/>
+              </a:prstGeom>
+              <a:blipFill>
+                <a:blip r:embed="rId13"/>
+                <a:stretch>
+                  <a:fillRect/>
+                </a:stretch>
+              </a:blipFill>
+            </p:spPr>
+            <p:txBody>
+              <a:bodyPr/>
+              <a:lstStyle/>
+              <a:p>
+                <a:r>
+                  <a:rPr lang="en-GB">
+                    <a:noFill/>
+                  </a:rPr>
+                  <a:t> </a:t>
+                </a:r>
+              </a:p>
+            </p:txBody>
+          </p:sp>
+        </mc:Fallback>
+      </mc:AlternateContent>
+      <p:cxnSp>
+        <p:nvCxnSpPr>
+          <p:cNvPr id="97" name="Verbinder: gewinkelt 96">
+            <a:extLst>
+              <a:ext uri="{FF2B5EF4-FFF2-40B4-BE49-F238E27FC236}">
+                <a16:creationId xmlns:a16="http://schemas.microsoft.com/office/drawing/2014/main" id="{AE778281-4692-47A8-8AC0-8BB39DCBA92F}"/>
+              </a:ext>
+            </a:extLst>
+          </p:cNvPr>
+          <p:cNvCxnSpPr>
+            <a:cxnSpLocks/>
+            <a:stCxn id="69" idx="2"/>
+            <a:endCxn id="82" idx="0"/>
+          </p:cNvCxnSpPr>
+          <p:nvPr/>
+        </p:nvCxnSpPr>
+        <p:spPr>
+          <a:xfrm rot="5400000">
+            <a:off x="8032812" y="8442025"/>
+            <a:ext cx="384626" cy="1311584"/>
+          </a:xfrm>
+          <a:prstGeom prst="bentConnector3">
+            <a:avLst>
+              <a:gd name="adj1" fmla="val 50000"/>
+            </a:avLst>
+          </a:prstGeom>
+          <a:ln w="12700">
+            <a:solidFill>
+              <a:schemeClr val="tx1"/>
+            </a:solidFill>
+            <a:tailEnd type="triangle"/>
+          </a:ln>
+        </p:spPr>
+        <p:style>
+          <a:lnRef idx="1">
+            <a:schemeClr val="accent1"/>
+          </a:lnRef>
+          <a:fillRef idx="0">
+            <a:schemeClr val="accent1"/>
+          </a:fillRef>
+          <a:effectRef idx="0">
+            <a:schemeClr val="accent1"/>
+          </a:effectRef>
+          <a:fontRef idx="minor">
+            <a:schemeClr val="tx1"/>
+          </a:fontRef>
+        </p:style>
+      </p:cxnSp>
+      <p:cxnSp>
+        <p:nvCxnSpPr>
+          <p:cNvPr id="98" name="Gerade Verbindung mit Pfeil 97">
+            <a:extLst>
+              <a:ext uri="{FF2B5EF4-FFF2-40B4-BE49-F238E27FC236}">
+                <a16:creationId xmlns:a16="http://schemas.microsoft.com/office/drawing/2014/main" id="{4DB35442-16A4-4261-A7C5-9037F0FD9050}"/>
+              </a:ext>
+            </a:extLst>
+          </p:cNvPr>
+          <p:cNvCxnSpPr>
+            <a:cxnSpLocks/>
+          </p:cNvCxnSpPr>
+          <p:nvPr/>
+        </p:nvCxnSpPr>
+        <p:spPr>
+          <a:xfrm>
+            <a:off x="7009890" y="10670759"/>
+            <a:ext cx="1404000" cy="0"/>
+          </a:xfrm>
+          <a:prstGeom prst="straightConnector1">
+            <a:avLst/>
+          </a:prstGeom>
+          <a:ln w="12700">
+            <a:solidFill>
+              <a:schemeClr val="tx1"/>
+            </a:solidFill>
+            <a:tailEnd type="triangle"/>
+          </a:ln>
+        </p:spPr>
+        <p:style>
+          <a:lnRef idx="1">
+            <a:schemeClr val="accent1"/>
+          </a:lnRef>
+          <a:fillRef idx="0">
+            <a:schemeClr val="accent1"/>
+          </a:fillRef>
+          <a:effectRef idx="0">
+            <a:schemeClr val="accent1"/>
+          </a:effectRef>
+          <a:fontRef idx="minor">
+            <a:schemeClr val="tx1"/>
+          </a:fontRef>
+        </p:style>
+      </p:cxnSp>
+      <p:cxnSp>
+        <p:nvCxnSpPr>
+          <p:cNvPr id="99" name="Gerade Verbindung mit Pfeil 98">
+            <a:extLst>
+              <a:ext uri="{FF2B5EF4-FFF2-40B4-BE49-F238E27FC236}">
+                <a16:creationId xmlns:a16="http://schemas.microsoft.com/office/drawing/2014/main" id="{890E4EEC-71D1-4D2F-BE60-6D6C7D94DA73}"/>
+              </a:ext>
+            </a:extLst>
+          </p:cNvPr>
+          <p:cNvCxnSpPr>
+            <a:cxnSpLocks/>
+          </p:cNvCxnSpPr>
+          <p:nvPr/>
+        </p:nvCxnSpPr>
+        <p:spPr>
+          <a:xfrm>
+            <a:off x="8985271" y="11094319"/>
+            <a:ext cx="179" cy="447583"/>
+          </a:xfrm>
+          <a:prstGeom prst="straightConnector1">
+            <a:avLst/>
+          </a:prstGeom>
+          <a:ln w="12700">
+            <a:solidFill>
+              <a:schemeClr val="tx1"/>
+            </a:solidFill>
+            <a:tailEnd type="triangle"/>
+          </a:ln>
+        </p:spPr>
+        <p:style>
+          <a:lnRef idx="1">
+            <a:schemeClr val="accent1"/>
+          </a:lnRef>
+          <a:fillRef idx="0">
+            <a:schemeClr val="accent1"/>
+          </a:fillRef>
+          <a:effectRef idx="0">
+            <a:schemeClr val="accent1"/>
+          </a:effectRef>
+          <a:fontRef idx="minor">
+            <a:schemeClr val="tx1"/>
+          </a:fontRef>
+        </p:style>
+      </p:cxnSp>
+      <p:cxnSp>
+        <p:nvCxnSpPr>
+          <p:cNvPr id="3" name="Gerader Verbinder 2">
+            <a:extLst>
+              <a:ext uri="{FF2B5EF4-FFF2-40B4-BE49-F238E27FC236}">
+                <a16:creationId xmlns:a16="http://schemas.microsoft.com/office/drawing/2014/main" id="{A469AAB8-4BFA-4189-8E8F-90B04B4E6410}"/>
+              </a:ext>
+            </a:extLst>
+          </p:cNvPr>
+          <p:cNvCxnSpPr/>
+          <p:nvPr/>
+        </p:nvCxnSpPr>
+        <p:spPr>
+          <a:xfrm>
+            <a:off x="-558570" y="7109153"/>
+            <a:ext cx="9937104" cy="0"/>
+          </a:xfrm>
+          <a:prstGeom prst="line">
+            <a:avLst/>
+          </a:prstGeom>
+          <a:ln w="38100">
+            <a:solidFill>
+              <a:schemeClr val="tx1"/>
+            </a:solidFill>
+          </a:ln>
+        </p:spPr>
+        <p:style>
+          <a:lnRef idx="1">
+            <a:schemeClr val="accent1"/>
+          </a:lnRef>
+          <a:fillRef idx="0">
+            <a:schemeClr val="accent1"/>
+          </a:fillRef>
+          <a:effectRef idx="0">
+            <a:schemeClr val="accent1"/>
+          </a:effectRef>
+          <a:fontRef idx="minor">
+            <a:schemeClr val="tx1"/>
+          </a:fontRef>
+        </p:style>
+      </p:cxnSp>
+      <p:sp>
+        <p:nvSpPr>
+          <p:cNvPr id="5" name="Textfeld 4">
+            <a:extLst>
+              <a:ext uri="{FF2B5EF4-FFF2-40B4-BE49-F238E27FC236}">
+                <a16:creationId xmlns:a16="http://schemas.microsoft.com/office/drawing/2014/main" id="{FE8A2EF2-EE99-4ED8-8AB3-F417D10DD3D8}"/>
+              </a:ext>
+            </a:extLst>
+          </p:cNvPr>
+          <p:cNvSpPr txBox="1"/>
+          <p:nvPr/>
+        </p:nvSpPr>
+        <p:spPr>
+          <a:xfrm>
+            <a:off x="-523787" y="7202574"/>
+            <a:ext cx="9978437" cy="369332"/>
+          </a:xfrm>
+          <a:prstGeom prst="rect">
+            <a:avLst/>
+          </a:prstGeom>
+          <a:noFill/>
+        </p:spPr>
+        <p:txBody>
+          <a:bodyPr wrap="none" rtlCol="0">
+            <a:spAutoFit/>
+          </a:bodyPr>
+          <a:lstStyle/>
+          <a:p>
+            <a:r>
+              <a:rPr lang="de-DE" b="1" dirty="0">
+                <a:latin typeface="Times New Roman" panose="02020603050405020304" pitchFamily="18" charset="0"/>
+                <a:cs typeface="Times New Roman" panose="02020603050405020304" pitchFamily="18" charset="0"/>
+              </a:rPr>
+              <a:t>(b) </a:t>
+            </a:r>
+            <a:r>
+              <a:rPr lang="en-US" b="1" dirty="0">
+                <a:latin typeface="Times New Roman" panose="02020603050405020304" pitchFamily="18" charset="0"/>
+                <a:cs typeface="Times New Roman" panose="02020603050405020304" pitchFamily="18" charset="0"/>
+              </a:rPr>
+              <a:t>Virtual Support Vector Machine with self-learning constraints and virtual semi-labeled samples</a:t>
+            </a:r>
+            <a:r>
+              <a:rPr lang="de-DE" b="1" dirty="0">
+                <a:latin typeface="Times New Roman" panose="02020603050405020304" pitchFamily="18" charset="0"/>
+                <a:cs typeface="Times New Roman" panose="02020603050405020304" pitchFamily="18" charset="0"/>
+              </a:rPr>
+              <a:t> </a:t>
+            </a:r>
+          </a:p>
+        </p:txBody>
+      </p:sp>
+      <p:sp>
+        <p:nvSpPr>
+          <p:cNvPr id="100" name="Textfeld 99">
+            <a:extLst>
+              <a:ext uri="{FF2B5EF4-FFF2-40B4-BE49-F238E27FC236}">
+                <a16:creationId xmlns:a16="http://schemas.microsoft.com/office/drawing/2014/main" id="{FEB7460F-EA71-4E85-80CF-6CE363E10C88}"/>
+              </a:ext>
+            </a:extLst>
+          </p:cNvPr>
+          <p:cNvSpPr txBox="1"/>
+          <p:nvPr/>
+        </p:nvSpPr>
+        <p:spPr>
+          <a:xfrm>
+            <a:off x="-504564" y="-463103"/>
+            <a:ext cx="11247783" cy="353943"/>
+          </a:xfrm>
+          <a:prstGeom prst="rect">
+            <a:avLst/>
+          </a:prstGeom>
+          <a:noFill/>
+        </p:spPr>
+        <p:txBody>
+          <a:bodyPr wrap="square" rtlCol="0">
+            <a:spAutoFit/>
+          </a:bodyPr>
+          <a:lstStyle/>
+          <a:p>
+            <a:r>
+              <a:rPr lang="en-US" sz="1700" b="1" dirty="0">
+                <a:latin typeface="Futura"/>
+                <a:cs typeface="Times New Roman" panose="02020603050405020304" pitchFamily="18" charset="0"/>
+              </a:rPr>
+              <a:t>Active learning method</a:t>
+            </a:r>
+            <a:r>
+              <a:rPr lang="de-DE" sz="1700" b="1" dirty="0">
+                <a:latin typeface="Futura"/>
+                <a:cs typeface="Times New Roman" panose="02020603050405020304" pitchFamily="18" charset="0"/>
+              </a:rPr>
+              <a:t> </a:t>
+            </a:r>
+            <a:r>
+              <a:rPr lang="en-US" sz="1700" b="1" dirty="0">
+                <a:latin typeface="Futura"/>
+                <a:cs typeface="Times New Roman" panose="02020603050405020304" pitchFamily="18" charset="0"/>
+              </a:rPr>
+              <a:t>with</a:t>
+            </a:r>
+            <a:r>
+              <a:rPr lang="de-DE" sz="1700" b="1" dirty="0">
+                <a:latin typeface="Futura"/>
+                <a:cs typeface="Times New Roman" panose="02020603050405020304" pitchFamily="18" charset="0"/>
+              </a:rPr>
+              <a:t> </a:t>
+            </a:r>
+            <a:r>
+              <a:rPr lang="en-US" sz="1700" b="1" dirty="0">
+                <a:latin typeface="Futura"/>
+                <a:cs typeface="Times New Roman" panose="02020603050405020304" pitchFamily="18" charset="0"/>
+              </a:rPr>
+              <a:t>constrained</a:t>
+            </a:r>
+            <a:r>
+              <a:rPr lang="de-DE" sz="1700" b="1" dirty="0">
+                <a:latin typeface="Futura"/>
+                <a:cs typeface="Times New Roman" panose="02020603050405020304" pitchFamily="18" charset="0"/>
+              </a:rPr>
+              <a:t> </a:t>
+            </a:r>
+            <a:r>
+              <a:rPr lang="en-US" sz="1700" b="1" dirty="0">
+                <a:latin typeface="Futura"/>
+                <a:cs typeface="Times New Roman" panose="02020603050405020304" pitchFamily="18" charset="0"/>
+              </a:rPr>
+              <a:t>Virtual Support Vector Machine</a:t>
+            </a:r>
+            <a:endParaRPr lang="de-DE" sz="1700" b="1" dirty="0">
+              <a:latin typeface="Futura"/>
+              <a:cs typeface="Times New Roman" panose="02020603050405020304" pitchFamily="18" charset="0"/>
+            </a:endParaRPr>
+          </a:p>
+        </p:txBody>
+      </p:sp>
+      <p:sp>
+        <p:nvSpPr>
+          <p:cNvPr id="2" name="Zylinder 1">
+            <a:extLst>
+              <a:ext uri="{FF2B5EF4-FFF2-40B4-BE49-F238E27FC236}">
+                <a16:creationId xmlns:a16="http://schemas.microsoft.com/office/drawing/2014/main" id="{7FC7301F-2494-4D15-88B6-3B540EB335BB}"/>
+              </a:ext>
+            </a:extLst>
+          </p:cNvPr>
+          <p:cNvSpPr/>
+          <p:nvPr/>
+        </p:nvSpPr>
+        <p:spPr>
+          <a:xfrm>
+            <a:off x="419609" y="875441"/>
+            <a:ext cx="1059008" cy="963900"/>
+          </a:xfrm>
+          <a:prstGeom prst="can">
+            <a:avLst/>
+          </a:prstGeom>
+          <a:solidFill>
+            <a:schemeClr val="bg1"/>
+          </a:solidFill>
+          <a:ln>
+            <a:solidFill>
+              <a:schemeClr val="tx1"/>
+            </a:solidFill>
+          </a:ln>
+        </p:spPr>
+        <p:style>
+          <a:lnRef idx="2">
+            <a:schemeClr val="accent1">
+              <a:shade val="50000"/>
+            </a:schemeClr>
+          </a:lnRef>
+          <a:fillRef idx="1">
+            <a:schemeClr val="accent1"/>
+          </a:fillRef>
+          <a:effectRef idx="0">
+            <a:schemeClr val="accent1"/>
+          </a:effectRef>
+          <a:fontRef idx="minor">
+            <a:schemeClr val="lt1"/>
+          </a:fontRef>
+        </p:style>
+        <p:txBody>
+          <a:bodyPr rtlCol="0" anchor="ctr"/>
+          <a:lstStyle/>
+          <a:p>
+            <a:pPr algn="ctr"/>
+            <a:r>
+              <a:rPr lang="en-US" sz="1050" dirty="0">
+                <a:solidFill>
+                  <a:schemeClr val="tx1"/>
+                </a:solidFill>
+                <a:latin typeface="Futura"/>
+                <a:cs typeface="Times New Roman" panose="02020603050405020304" pitchFamily="18" charset="0"/>
+              </a:rPr>
+              <a:t>image</a:t>
+            </a:r>
+          </a:p>
+        </p:txBody>
+      </p:sp>
+      <mc:AlternateContent xmlns:mc="http://schemas.openxmlformats.org/markup-compatibility/2006" xmlns:a14="http://schemas.microsoft.com/office/drawing/2010/main">
+        <mc:Choice Requires="a14">
+          <p:sp>
+            <p:nvSpPr>
+              <p:cNvPr id="101" name="Zylinder 100">
+                <a:extLst>
+                  <a:ext uri="{FF2B5EF4-FFF2-40B4-BE49-F238E27FC236}">
+                    <a16:creationId xmlns:a16="http://schemas.microsoft.com/office/drawing/2014/main" id="{745F9C84-726B-4DBD-8F2E-76240AC2FE56}"/>
+                  </a:ext>
+                </a:extLst>
+              </p:cNvPr>
+              <p:cNvSpPr/>
+              <p:nvPr/>
+            </p:nvSpPr>
+            <p:spPr>
+              <a:xfrm>
+                <a:off x="2822697" y="847837"/>
+                <a:ext cx="1080119" cy="963900"/>
+              </a:xfrm>
+              <a:prstGeom prst="can">
+                <a:avLst/>
+              </a:prstGeom>
+              <a:solidFill>
+                <a:schemeClr val="bg1"/>
+              </a:solidFill>
+              <a:ln>
+                <a:solidFill>
+                  <a:schemeClr val="tx1"/>
+                </a:solidFill>
+              </a:ln>
+            </p:spPr>
+            <p:style>
+              <a:lnRef idx="2">
+                <a:schemeClr val="accent1">
+                  <a:shade val="50000"/>
+                </a:schemeClr>
+              </a:lnRef>
+              <a:fillRef idx="1">
+                <a:schemeClr val="accent1"/>
+              </a:fillRef>
+              <a:effectRef idx="0">
+                <a:schemeClr val="accent1"/>
+              </a:effectRef>
+              <a:fontRef idx="minor">
+                <a:schemeClr val="lt1"/>
+              </a:fontRef>
+            </p:style>
+            <p:txBody>
+              <a:bodyPr rtlCol="0" anchor="ctr"/>
+              <a:lstStyle/>
+              <a:p>
+                <a:pPr algn="ctr"/>
+                <a:r>
+                  <a:rPr lang="en-US" sz="1050" dirty="0">
+                    <a:solidFill>
+                      <a:schemeClr val="tx1"/>
+                    </a:solidFill>
+                    <a:latin typeface="Futura"/>
+                    <a:cs typeface="Times New Roman" panose="02020603050405020304" pitchFamily="18" charset="0"/>
+                  </a:rPr>
+                  <a:t>labeled samples </a:t>
+                </a:r>
+                <a14:m>
+                  <m:oMath xmlns:m="http://schemas.openxmlformats.org/officeDocument/2006/math">
+                    <m:r>
+                      <a:rPr lang="en-US" sz="1050" i="1">
+                        <a:solidFill>
+                          <a:schemeClr val="tx1"/>
+                        </a:solidFill>
+                        <a:latin typeface="Cambria Math" panose="02040503050406030204" pitchFamily="18" charset="0"/>
+                        <a:cs typeface="Times New Roman" panose="02020603050405020304" pitchFamily="18" charset="0"/>
+                      </a:rPr>
+                      <m:t>𝑋</m:t>
+                    </m:r>
+                  </m:oMath>
+                </a14:m>
+                <a:endParaRPr lang="en-US" sz="1050" dirty="0">
+                  <a:solidFill>
+                    <a:schemeClr val="tx1"/>
+                  </a:solidFill>
+                  <a:latin typeface="Futura"/>
+                  <a:cs typeface="Times New Roman" panose="02020603050405020304" pitchFamily="18" charset="0"/>
+                </a:endParaRPr>
+              </a:p>
+            </p:txBody>
+          </p:sp>
+        </mc:Choice>
+        <mc:Fallback xmlns="">
+          <p:sp>
+            <p:nvSpPr>
+              <p:cNvPr id="101" name="Zylinder 100">
+                <a:extLst>
+                  <a:ext uri="{FF2B5EF4-FFF2-40B4-BE49-F238E27FC236}">
+                    <a16:creationId xmlns:a16="http://schemas.microsoft.com/office/drawing/2014/main" id="{745F9C84-726B-4DBD-8F2E-76240AC2FE56}"/>
+                  </a:ext>
+                </a:extLst>
+              </p:cNvPr>
+              <p:cNvSpPr>
+                <a:spLocks noRot="1" noChangeAspect="1" noMove="1" noResize="1" noEditPoints="1" noAdjustHandles="1" noChangeArrowheads="1" noChangeShapeType="1" noTextEdit="1"/>
+              </p:cNvSpPr>
+              <p:nvPr/>
+            </p:nvSpPr>
+            <p:spPr>
+              <a:xfrm>
+                <a:off x="2822697" y="847837"/>
+                <a:ext cx="1080119" cy="963900"/>
+              </a:xfrm>
+              <a:prstGeom prst="can">
+                <a:avLst/>
+              </a:prstGeom>
+              <a:blipFill>
+                <a:blip r:embed="rId14"/>
+                <a:stretch>
+                  <a:fillRect/>
+                </a:stretch>
+              </a:blipFill>
+              <a:ln>
+                <a:solidFill>
+                  <a:schemeClr val="tx1"/>
+                </a:solidFill>
+              </a:ln>
+            </p:spPr>
+            <p:txBody>
+              <a:bodyPr/>
+              <a:lstStyle/>
+              <a:p>
+                <a:r>
+                  <a:rPr lang="en-GB">
+                    <a:noFill/>
+                  </a:rPr>
+                  <a:t> </a:t>
+                </a:r>
+              </a:p>
+            </p:txBody>
+          </p:sp>
+        </mc:Fallback>
+      </mc:AlternateContent>
+      <mc:AlternateContent xmlns:mc="http://schemas.openxmlformats.org/markup-compatibility/2006">
+        <mc:Choice xmlns:a14="http://schemas.microsoft.com/office/drawing/2010/main" Requires="a14">
+          <p:sp>
+            <p:nvSpPr>
+              <p:cNvPr id="103" name="Zylinder 102">
+                <a:extLst>
+                  <a:ext uri="{FF2B5EF4-FFF2-40B4-BE49-F238E27FC236}">
+                    <a16:creationId xmlns:a16="http://schemas.microsoft.com/office/drawing/2014/main" id="{FB57FE56-DDB0-4D71-9998-2808DD09E0E0}"/>
+                  </a:ext>
+                </a:extLst>
+              </p:cNvPr>
+              <p:cNvSpPr/>
+              <p:nvPr/>
+            </p:nvSpPr>
+            <p:spPr>
+              <a:xfrm>
+                <a:off x="5496635" y="862345"/>
+                <a:ext cx="1080119" cy="963027"/>
+              </a:xfrm>
+              <a:prstGeom prst="can">
+                <a:avLst/>
+              </a:prstGeom>
+              <a:solidFill>
+                <a:schemeClr val="bg1"/>
+              </a:solidFill>
+              <a:ln>
+                <a:solidFill>
+                  <a:schemeClr val="tx1"/>
+                </a:solidFill>
+              </a:ln>
+            </p:spPr>
+            <p:style>
+              <a:lnRef idx="2">
+                <a:schemeClr val="accent1">
+                  <a:shade val="50000"/>
+                </a:schemeClr>
+              </a:lnRef>
+              <a:fillRef idx="1">
+                <a:schemeClr val="accent1"/>
+              </a:fillRef>
+              <a:effectRef idx="0">
+                <a:schemeClr val="accent1"/>
+              </a:effectRef>
+              <a:fontRef idx="minor">
+                <a:schemeClr val="lt1"/>
+              </a:fontRef>
+            </p:style>
+            <p:txBody>
+              <a:bodyPr rtlCol="0" anchor="ctr"/>
+              <a:lstStyle/>
+              <a:p>
+                <a:pPr algn="ctr"/>
+                <a:r>
+                  <a:rPr lang="en-US" sz="1050" dirty="0">
+                    <a:solidFill>
+                      <a:schemeClr val="tx1"/>
+                    </a:solidFill>
+                    <a:latin typeface="Futura"/>
+                    <a:cs typeface="Times New Roman" panose="02020603050405020304" pitchFamily="18" charset="0"/>
+                  </a:rPr>
+                  <a:t>pool of unlabeled samples </a:t>
+                </a:r>
+                <a14:m>
+                  <m:oMath xmlns:m="http://schemas.openxmlformats.org/officeDocument/2006/math">
+                    <m:acc>
+                      <m:accPr>
+                        <m:chr m:val="̃"/>
+                        <m:ctrlPr>
+                          <a:rPr lang="en-US" sz="1050" i="1">
+                            <a:solidFill>
+                              <a:schemeClr val="tx1"/>
+                            </a:solidFill>
+                            <a:latin typeface="Cambria Math" panose="02040503050406030204" pitchFamily="18" charset="0"/>
+                            <a:cs typeface="Times New Roman" panose="02020603050405020304" pitchFamily="18" charset="0"/>
+                          </a:rPr>
+                        </m:ctrlPr>
+                      </m:accPr>
+                      <m:e>
+                        <m:r>
+                          <a:rPr lang="en-US" sz="1050" i="1">
+                            <a:solidFill>
+                              <a:schemeClr val="tx1"/>
+                            </a:solidFill>
+                            <a:latin typeface="Cambria Math" panose="02040503050406030204" pitchFamily="18" charset="0"/>
+                            <a:cs typeface="Times New Roman" panose="02020603050405020304" pitchFamily="18" charset="0"/>
+                          </a:rPr>
+                          <m:t>𝑈</m:t>
+                        </m:r>
+                      </m:e>
+                    </m:acc>
+                  </m:oMath>
+                </a14:m>
+                <a:endParaRPr lang="en-US" sz="1050" dirty="0">
+                  <a:solidFill>
+                    <a:schemeClr val="tx1"/>
+                  </a:solidFill>
+                  <a:latin typeface="Futura"/>
+                  <a:cs typeface="Times New Roman" panose="02020603050405020304" pitchFamily="18" charset="0"/>
+                </a:endParaRPr>
+              </a:p>
+            </p:txBody>
+          </p:sp>
+        </mc:Choice>
+        <mc:Fallback>
+          <p:sp>
+            <p:nvSpPr>
+              <p:cNvPr id="103" name="Zylinder 102">
+                <a:extLst>
+                  <a:ext uri="{FF2B5EF4-FFF2-40B4-BE49-F238E27FC236}">
+                    <a16:creationId xmlns:a16="http://schemas.microsoft.com/office/drawing/2014/main" id="{FB57FE56-DDB0-4D71-9998-2808DD09E0E0}"/>
+                  </a:ext>
+                </a:extLst>
+              </p:cNvPr>
+              <p:cNvSpPr>
+                <a:spLocks noRot="1" noChangeAspect="1" noMove="1" noResize="1" noEditPoints="1" noAdjustHandles="1" noChangeArrowheads="1" noChangeShapeType="1" noTextEdit="1"/>
+              </p:cNvSpPr>
+              <p:nvPr/>
+            </p:nvSpPr>
+            <p:spPr>
+              <a:xfrm>
+                <a:off x="5496635" y="862345"/>
+                <a:ext cx="1080119" cy="963027"/>
+              </a:xfrm>
+              <a:prstGeom prst="can">
+                <a:avLst/>
+              </a:prstGeom>
+              <a:blipFill>
+                <a:blip r:embed="rId15"/>
+                <a:stretch>
+                  <a:fillRect r="-4972"/>
+                </a:stretch>
+              </a:blipFill>
+              <a:ln>
+                <a:solidFill>
+                  <a:schemeClr val="tx1"/>
+                </a:solidFill>
+              </a:ln>
+            </p:spPr>
+            <p:txBody>
+              <a:bodyPr/>
+              <a:lstStyle/>
+              <a:p>
+                <a:r>
+                  <a:rPr lang="en-GB">
+                    <a:noFill/>
+                  </a:rPr>
+                  <a:t> </a:t>
+                </a:r>
+              </a:p>
+            </p:txBody>
+          </p:sp>
+        </mc:Fallback>
+      </mc:AlternateContent>
+      <p:sp>
+        <p:nvSpPr>
+          <p:cNvPr id="111" name="Flussdiagramm: Prozess 50">
+            <a:extLst>
+              <a:ext uri="{FF2B5EF4-FFF2-40B4-BE49-F238E27FC236}">
+                <a16:creationId xmlns:a16="http://schemas.microsoft.com/office/drawing/2014/main" id="{3BE30CFD-4A5B-46B4-8D93-061A04ADE04A}"/>
+              </a:ext>
+            </a:extLst>
+          </p:cNvPr>
+          <p:cNvSpPr/>
+          <p:nvPr/>
+        </p:nvSpPr>
+        <p:spPr>
+          <a:xfrm>
+            <a:off x="8071525" y="1868182"/>
+            <a:ext cx="2405131" cy="1471519"/>
+          </a:xfrm>
+          <a:prstGeom prst="flowChartProcess">
+            <a:avLst/>
+          </a:prstGeom>
+          <a:solidFill>
+            <a:schemeClr val="bg2">
+              <a:lumMod val="50000"/>
+              <a:alpha val="40000"/>
+            </a:schemeClr>
+          </a:solidFill>
+          <a:ln>
+            <a:noFill/>
+          </a:ln>
+        </p:spPr>
+        <p:style>
+          <a:lnRef idx="2">
+            <a:schemeClr val="accent1">
+              <a:shade val="50000"/>
+            </a:schemeClr>
+          </a:lnRef>
+          <a:fillRef idx="1">
+            <a:schemeClr val="accent1"/>
+          </a:fillRef>
+          <a:effectRef idx="0">
+            <a:schemeClr val="accent1"/>
+          </a:effectRef>
+          <a:fontRef idx="minor">
+            <a:schemeClr val="lt1"/>
+          </a:fontRef>
+        </p:style>
+        <p:txBody>
+          <a:bodyPr rtlCol="0" anchor="ctr"/>
+          <a:lstStyle/>
+          <a:p>
+            <a:pPr algn="ctr"/>
+            <a:endParaRPr lang="de-DE" sz="1350" dirty="0"/>
+          </a:p>
+        </p:txBody>
+      </p:sp>
+      <mc:AlternateContent xmlns:mc="http://schemas.openxmlformats.org/markup-compatibility/2006">
+        <mc:Choice xmlns:a14="http://schemas.microsoft.com/office/drawing/2010/main" Requires="a14">
+          <p:sp>
+            <p:nvSpPr>
+              <p:cNvPr id="112" name="Zylinder 102">
+                <a:extLst>
+                  <a:ext uri="{FF2B5EF4-FFF2-40B4-BE49-F238E27FC236}">
+                    <a16:creationId xmlns:a16="http://schemas.microsoft.com/office/drawing/2014/main" id="{1475BEBA-E10D-4242-8695-D0F6D2C12075}"/>
+                  </a:ext>
+                </a:extLst>
+              </p:cNvPr>
+              <p:cNvSpPr/>
+              <p:nvPr/>
+            </p:nvSpPr>
+            <p:spPr>
+              <a:xfrm>
+                <a:off x="8660738" y="862345"/>
+                <a:ext cx="1080119" cy="963027"/>
+              </a:xfrm>
+              <a:prstGeom prst="can">
+                <a:avLst/>
+              </a:prstGeom>
+              <a:solidFill>
+                <a:schemeClr val="bg1"/>
+              </a:solidFill>
+              <a:ln>
+                <a:solidFill>
+                  <a:schemeClr val="tx1"/>
+                </a:solidFill>
+              </a:ln>
+            </p:spPr>
+            <p:style>
+              <a:lnRef idx="2">
+                <a:schemeClr val="accent1">
+                  <a:shade val="50000"/>
+                </a:schemeClr>
+              </a:lnRef>
+              <a:fillRef idx="1">
+                <a:schemeClr val="accent1"/>
+              </a:fillRef>
+              <a:effectRef idx="0">
+                <a:schemeClr val="accent1"/>
+              </a:effectRef>
+              <a:fontRef idx="minor">
+                <a:schemeClr val="lt1"/>
+              </a:fontRef>
+            </p:style>
+            <p:txBody>
+              <a:bodyPr rtlCol="0" anchor="ctr"/>
+              <a:lstStyle/>
+              <a:p>
+                <a:pPr algn="ctr"/>
+                <a:r>
+                  <a:rPr lang="en-US" sz="1100" dirty="0">
+                    <a:solidFill>
+                      <a:schemeClr val="tx1"/>
+                    </a:solidFill>
+                    <a:latin typeface="Futura"/>
+                    <a:cs typeface="Times New Roman" panose="02020603050405020304" pitchFamily="18" charset="0"/>
+                  </a:rPr>
+                  <a:t>subset of unlabeled samples </a:t>
+                </a:r>
+                <a14:m>
+                  <m:oMath xmlns:m="http://schemas.openxmlformats.org/officeDocument/2006/math">
+                    <m:sSub>
+                      <m:sSubPr>
+                        <m:ctrlPr>
+                          <a:rPr lang="de-DE" sz="1100" i="1">
+                            <a:solidFill>
+                              <a:schemeClr val="tx1"/>
+                            </a:solidFill>
+                            <a:latin typeface="Cambria Math" panose="02040503050406030204" pitchFamily="18" charset="0"/>
+                          </a:rPr>
+                        </m:ctrlPr>
+                      </m:sSubPr>
+                      <m:e>
+                        <m:r>
+                          <a:rPr lang="en-US" sz="1100" i="1">
+                            <a:solidFill>
+                              <a:schemeClr val="tx1"/>
+                            </a:solidFill>
+                            <a:latin typeface="Cambria Math" panose="02040503050406030204" pitchFamily="18" charset="0"/>
+                          </a:rPr>
+                          <m:t>𝑈</m:t>
+                        </m:r>
+                      </m:e>
+                      <m:sub>
+                        <m:r>
+                          <a:rPr lang="it-IT" sz="1100" b="0" i="1" smtClean="0">
+                            <a:solidFill>
+                              <a:schemeClr val="tx1"/>
+                            </a:solidFill>
+                            <a:latin typeface="Cambria Math" panose="02040503050406030204" pitchFamily="18" charset="0"/>
+                          </a:rPr>
+                          <m:t>𝑛</m:t>
+                        </m:r>
+                      </m:sub>
+                    </m:sSub>
+                  </m:oMath>
+                </a14:m>
+                <a:endParaRPr lang="en-US" sz="1100" dirty="0">
+                  <a:solidFill>
+                    <a:schemeClr val="tx1"/>
+                  </a:solidFill>
+                  <a:latin typeface="Futura"/>
+                  <a:cs typeface="Times New Roman" panose="02020603050405020304" pitchFamily="18" charset="0"/>
+                </a:endParaRPr>
+              </a:p>
+            </p:txBody>
+          </p:sp>
+        </mc:Choice>
+        <mc:Fallback>
+          <p:sp>
+            <p:nvSpPr>
+              <p:cNvPr id="112" name="Zylinder 102">
+                <a:extLst>
+                  <a:ext uri="{FF2B5EF4-FFF2-40B4-BE49-F238E27FC236}">
+                    <a16:creationId xmlns:a16="http://schemas.microsoft.com/office/drawing/2014/main" id="{1475BEBA-E10D-4242-8695-D0F6D2C12075}"/>
+                  </a:ext>
+                </a:extLst>
+              </p:cNvPr>
+              <p:cNvSpPr>
+                <a:spLocks noRot="1" noChangeAspect="1" noMove="1" noResize="1" noEditPoints="1" noAdjustHandles="1" noChangeArrowheads="1" noChangeShapeType="1" noTextEdit="1"/>
+              </p:cNvSpPr>
+              <p:nvPr/>
+            </p:nvSpPr>
+            <p:spPr>
+              <a:xfrm>
+                <a:off x="8660738" y="862345"/>
+                <a:ext cx="1080119" cy="963027"/>
+              </a:xfrm>
+              <a:prstGeom prst="can">
+                <a:avLst/>
+              </a:prstGeom>
+              <a:blipFill>
+                <a:blip r:embed="rId16"/>
+                <a:stretch>
+                  <a:fillRect/>
+                </a:stretch>
+              </a:blipFill>
+              <a:ln>
+                <a:solidFill>
+                  <a:schemeClr val="tx1"/>
+                </a:solidFill>
+              </a:ln>
+            </p:spPr>
+            <p:txBody>
+              <a:bodyPr/>
+              <a:lstStyle/>
+              <a:p>
+                <a:r>
+                  <a:rPr lang="en-GB">
+                    <a:noFill/>
+                  </a:rPr>
+                  <a:t> </a:t>
+                </a:r>
+              </a:p>
+            </p:txBody>
+          </p:sp>
+        </mc:Fallback>
+      </mc:AlternateContent>
+      <mc:AlternateContent xmlns:mc="http://schemas.openxmlformats.org/markup-compatibility/2006">
+        <mc:Choice xmlns:a14="http://schemas.microsoft.com/office/drawing/2010/main" Requires="a14">
+          <p:sp>
+            <p:nvSpPr>
+              <p:cNvPr id="115" name="Flussdiagramm: Prozess 103">
+                <a:extLst>
+                  <a:ext uri="{FF2B5EF4-FFF2-40B4-BE49-F238E27FC236}">
+                    <a16:creationId xmlns:a16="http://schemas.microsoft.com/office/drawing/2014/main" id="{576AD799-AD09-4F63-9518-44EBCD870A16}"/>
+                  </a:ext>
+                </a:extLst>
+              </p:cNvPr>
+              <p:cNvSpPr/>
+              <p:nvPr/>
+            </p:nvSpPr>
+            <p:spPr>
+              <a:xfrm>
+                <a:off x="7056276" y="1021399"/>
+                <a:ext cx="1154020" cy="648072"/>
+              </a:xfrm>
+              <a:prstGeom prst="flowChartProcess">
+                <a:avLst/>
+              </a:prstGeom>
+              <a:solidFill>
+                <a:schemeClr val="bg1"/>
+              </a:solidFill>
+              <a:ln w="12700">
+                <a:solidFill>
+                  <a:schemeClr val="tx1"/>
+                </a:solidFill>
+              </a:ln>
+            </p:spPr>
+            <p:style>
+              <a:lnRef idx="2">
+                <a:schemeClr val="accent1">
+                  <a:shade val="50000"/>
+                </a:schemeClr>
+              </a:lnRef>
+              <a:fillRef idx="1">
+                <a:schemeClr val="accent1"/>
+              </a:fillRef>
+              <a:effectRef idx="0">
+                <a:schemeClr val="accent1"/>
+              </a:effectRef>
+              <a:fontRef idx="minor">
+                <a:schemeClr val="lt1"/>
+              </a:fontRef>
+            </p:style>
+            <p:txBody>
+              <a:bodyPr rtlCol="0" anchor="ctr"/>
+              <a:lstStyle/>
+              <a:p>
+                <a:pPr algn="ctr"/>
+                <a:r>
+                  <a:rPr lang="en-US" sz="1100" dirty="0">
+                    <a:solidFill>
+                      <a:schemeClr val="tx1"/>
+                    </a:solidFill>
+                    <a:latin typeface="Futura"/>
+                    <a:cs typeface="Times New Roman" panose="02020603050405020304" pitchFamily="18" charset="0"/>
+                  </a:rPr>
+                  <a:t>select </a:t>
+                </a:r>
+                <a14:m>
+                  <m:oMath xmlns:m="http://schemas.openxmlformats.org/officeDocument/2006/math">
+                    <m:r>
+                      <a:rPr lang="it-IT" sz="1100" i="1">
+                        <a:solidFill>
+                          <a:schemeClr val="tx1"/>
+                        </a:solidFill>
+                        <a:latin typeface="Cambria Math" panose="02040503050406030204" pitchFamily="18" charset="0"/>
+                        <a:cs typeface="Times New Roman" panose="02020603050405020304" pitchFamily="18" charset="0"/>
+                      </a:rPr>
+                      <m:t>𝑛</m:t>
+                    </m:r>
+                  </m:oMath>
+                </a14:m>
+                <a:r>
+                  <a:rPr lang="en-US" sz="1100" dirty="0">
+                    <a:solidFill>
+                      <a:schemeClr val="tx1"/>
+                    </a:solidFill>
+                    <a:latin typeface="Futura"/>
+                    <a:cs typeface="Times New Roman" panose="02020603050405020304" pitchFamily="18" charset="0"/>
+                  </a:rPr>
+                  <a:t> unlabeled samples</a:t>
+                </a:r>
+              </a:p>
+            </p:txBody>
+          </p:sp>
+        </mc:Choice>
+        <mc:Fallback>
+          <p:sp>
+            <p:nvSpPr>
+              <p:cNvPr id="115" name="Flussdiagramm: Prozess 103">
+                <a:extLst>
+                  <a:ext uri="{FF2B5EF4-FFF2-40B4-BE49-F238E27FC236}">
+                    <a16:creationId xmlns:a16="http://schemas.microsoft.com/office/drawing/2014/main" id="{576AD799-AD09-4F63-9518-44EBCD870A16}"/>
+                  </a:ext>
+                </a:extLst>
+              </p:cNvPr>
+              <p:cNvSpPr>
+                <a:spLocks noRot="1" noChangeAspect="1" noMove="1" noResize="1" noEditPoints="1" noAdjustHandles="1" noChangeArrowheads="1" noChangeShapeType="1" noTextEdit="1"/>
+              </p:cNvSpPr>
+              <p:nvPr/>
+            </p:nvSpPr>
+            <p:spPr>
+              <a:xfrm>
+                <a:off x="7056276" y="1021399"/>
+                <a:ext cx="1154020" cy="648072"/>
+              </a:xfrm>
+              <a:prstGeom prst="flowChartProcess">
+                <a:avLst/>
+              </a:prstGeom>
+              <a:blipFill>
+                <a:blip r:embed="rId17"/>
+                <a:stretch>
+                  <a:fillRect b="-926"/>
+                </a:stretch>
+              </a:blipFill>
+              <a:ln w="12700">
+                <a:solidFill>
+                  <a:schemeClr val="tx1"/>
+                </a:solidFill>
+              </a:ln>
+            </p:spPr>
+            <p:txBody>
+              <a:bodyPr/>
+              <a:lstStyle/>
+              <a:p>
+                <a:r>
+                  <a:rPr lang="en-GB">
+                    <a:noFill/>
+                  </a:rPr>
+                  <a:t> </a:t>
+                </a:r>
+              </a:p>
+            </p:txBody>
+          </p:sp>
+        </mc:Fallback>
+      </mc:AlternateContent>
+      <p:cxnSp>
+        <p:nvCxnSpPr>
+          <p:cNvPr id="116" name="Gerade Verbindung mit Pfeil 32">
+            <a:extLst>
+              <a:ext uri="{FF2B5EF4-FFF2-40B4-BE49-F238E27FC236}">
+                <a16:creationId xmlns:a16="http://schemas.microsoft.com/office/drawing/2014/main" id="{FA2A9ACF-225C-44BE-A6F2-5FC0D91CAC69}"/>
+              </a:ext>
+            </a:extLst>
+          </p:cNvPr>
+          <p:cNvCxnSpPr>
+            <a:cxnSpLocks/>
+            <a:stCxn id="103" idx="4"/>
+            <a:endCxn id="115" idx="1"/>
+          </p:cNvCxnSpPr>
+          <p:nvPr/>
+        </p:nvCxnSpPr>
+        <p:spPr>
+          <a:xfrm>
+            <a:off x="6576754" y="1343859"/>
+            <a:ext cx="479522" cy="1576"/>
+          </a:xfrm>
+          <a:prstGeom prst="straightConnector1">
+            <a:avLst/>
+          </a:prstGeom>
+          <a:ln w="12700">
+            <a:solidFill>
+              <a:schemeClr val="tx1"/>
+            </a:solidFill>
+            <a:tailEnd type="triangle"/>
+          </a:ln>
+        </p:spPr>
+        <p:style>
+          <a:lnRef idx="1">
+            <a:schemeClr val="accent1"/>
+          </a:lnRef>
+          <a:fillRef idx="0">
+            <a:schemeClr val="accent1"/>
+          </a:fillRef>
+          <a:effectRef idx="0">
+            <a:schemeClr val="accent1"/>
+          </a:effectRef>
+          <a:fontRef idx="minor">
+            <a:schemeClr val="tx1"/>
+          </a:fontRef>
+        </p:style>
+      </p:cxnSp>
+      <p:sp>
+        <p:nvSpPr>
+          <p:cNvPr id="140" name="Flussdiagramm: Prozess 50">
+            <a:extLst>
+              <a:ext uri="{FF2B5EF4-FFF2-40B4-BE49-F238E27FC236}">
+                <a16:creationId xmlns:a16="http://schemas.microsoft.com/office/drawing/2014/main" id="{11E8D23C-BCD8-410A-8EBB-723FC60C2727}"/>
+              </a:ext>
+            </a:extLst>
+          </p:cNvPr>
+          <p:cNvSpPr/>
+          <p:nvPr/>
+        </p:nvSpPr>
+        <p:spPr>
+          <a:xfrm>
+            <a:off x="5374491" y="1867674"/>
+            <a:ext cx="2698128" cy="3217510"/>
+          </a:xfrm>
+          <a:prstGeom prst="flowChartProcess">
+            <a:avLst/>
+          </a:prstGeom>
+          <a:solidFill>
+            <a:schemeClr val="bg2">
+              <a:lumMod val="50000"/>
+              <a:alpha val="40000"/>
+            </a:schemeClr>
+          </a:solidFill>
+          <a:ln>
+            <a:noFill/>
+          </a:ln>
+        </p:spPr>
+        <p:style>
+          <a:lnRef idx="2">
+            <a:schemeClr val="accent1">
+              <a:shade val="50000"/>
+            </a:schemeClr>
+          </a:lnRef>
+          <a:fillRef idx="1">
+            <a:schemeClr val="accent1"/>
+          </a:fillRef>
+          <a:effectRef idx="0">
+            <a:schemeClr val="accent1"/>
+          </a:effectRef>
+          <a:fontRef idx="minor">
+            <a:schemeClr val="lt1"/>
+          </a:fontRef>
+        </p:style>
+        <p:txBody>
+          <a:bodyPr rtlCol="0" anchor="ctr"/>
+          <a:lstStyle/>
+          <a:p>
+            <a:pPr algn="ctr"/>
+            <a:endParaRPr lang="de-DE" sz="1350" dirty="0"/>
+          </a:p>
+        </p:txBody>
+      </p:sp>
+      <p:sp>
+        <p:nvSpPr>
+          <p:cNvPr id="209" name="Textfeld 64">
+            <a:extLst>
+              <a:ext uri="{FF2B5EF4-FFF2-40B4-BE49-F238E27FC236}">
+                <a16:creationId xmlns:a16="http://schemas.microsoft.com/office/drawing/2014/main" id="{90BE4522-8B58-4A93-B1B1-B95C41BD39B6}"/>
+              </a:ext>
+            </a:extLst>
+          </p:cNvPr>
+          <p:cNvSpPr txBox="1"/>
+          <p:nvPr/>
+        </p:nvSpPr>
+        <p:spPr>
+          <a:xfrm>
+            <a:off x="9313642" y="3084486"/>
+            <a:ext cx="1220272" cy="253916"/>
+          </a:xfrm>
+          <a:prstGeom prst="rect">
+            <a:avLst/>
+          </a:prstGeom>
+          <a:noFill/>
+        </p:spPr>
+        <p:txBody>
+          <a:bodyPr wrap="square" rtlCol="0">
+            <a:spAutoFit/>
+          </a:bodyPr>
+          <a:lstStyle/>
+          <a:p>
+            <a:r>
+              <a:rPr lang="en-US" sz="1050" b="1" dirty="0">
+                <a:solidFill>
+                  <a:schemeClr val="tx1">
+                    <a:lumMod val="75000"/>
+                    <a:lumOff val="25000"/>
+                  </a:schemeClr>
+                </a:solidFill>
+                <a:latin typeface="Futura"/>
+                <a:cs typeface="Times New Roman" panose="02020603050405020304" pitchFamily="18" charset="0"/>
+              </a:rPr>
+              <a:t>active learning</a:t>
+            </a:r>
+          </a:p>
+        </p:txBody>
+      </p:sp>
+      <p:sp>
+        <p:nvSpPr>
+          <p:cNvPr id="227" name="Flussdiagramm: Prozess 12">
+            <a:extLst>
+              <a:ext uri="{FF2B5EF4-FFF2-40B4-BE49-F238E27FC236}">
+                <a16:creationId xmlns:a16="http://schemas.microsoft.com/office/drawing/2014/main" id="{AF461EC1-A5A6-422B-B120-A9BF6F191BED}"/>
+              </a:ext>
+            </a:extLst>
+          </p:cNvPr>
+          <p:cNvSpPr/>
+          <p:nvPr/>
+        </p:nvSpPr>
+        <p:spPr>
+          <a:xfrm>
+            <a:off x="8190968" y="2191893"/>
+            <a:ext cx="2023557" cy="648072"/>
+          </a:xfrm>
+          <a:prstGeom prst="flowChartProcess">
+            <a:avLst/>
+          </a:prstGeom>
+          <a:solidFill>
+            <a:schemeClr val="bg1"/>
+          </a:solidFill>
+          <a:ln w="12700">
+            <a:solidFill>
+              <a:schemeClr val="tx1"/>
+            </a:solidFill>
+          </a:ln>
+        </p:spPr>
+        <p:style>
+          <a:lnRef idx="2">
+            <a:schemeClr val="accent1">
+              <a:shade val="50000"/>
+            </a:schemeClr>
+          </a:lnRef>
+          <a:fillRef idx="1">
+            <a:schemeClr val="accent1"/>
+          </a:fillRef>
+          <a:effectRef idx="0">
+            <a:schemeClr val="accent1"/>
+          </a:effectRef>
+          <a:fontRef idx="minor">
+            <a:schemeClr val="lt1"/>
+          </a:fontRef>
+        </p:style>
+        <p:txBody>
+          <a:bodyPr rtlCol="0" anchor="ctr"/>
+          <a:lstStyle/>
+          <a:p>
+            <a:pPr algn="ctr"/>
+            <a:r>
+              <a:rPr lang="en-US" sz="1100" dirty="0">
+                <a:solidFill>
+                  <a:schemeClr val="tx1"/>
+                </a:solidFill>
+                <a:latin typeface="Futura"/>
+                <a:cs typeface="Times New Roman" panose="02020603050405020304" pitchFamily="18" charset="0"/>
+              </a:rPr>
+              <a:t>uncertainty-distance </a:t>
+            </a:r>
+          </a:p>
+          <a:p>
+            <a:pPr algn="ctr"/>
+            <a:r>
+              <a:rPr lang="en-US" sz="1100" dirty="0">
+                <a:solidFill>
+                  <a:schemeClr val="tx1"/>
+                </a:solidFill>
+                <a:latin typeface="Futura"/>
+                <a:cs typeface="Times New Roman" panose="02020603050405020304" pitchFamily="18" charset="0"/>
+              </a:rPr>
+              <a:t>function with clustering </a:t>
+            </a:r>
+          </a:p>
+        </p:txBody>
+      </p:sp>
+      <p:cxnSp>
+        <p:nvCxnSpPr>
+          <p:cNvPr id="234" name="Gewinkelte Verbindung 27">
+            <a:extLst>
+              <a:ext uri="{FF2B5EF4-FFF2-40B4-BE49-F238E27FC236}">
+                <a16:creationId xmlns:a16="http://schemas.microsoft.com/office/drawing/2014/main" id="{65FF37ED-D4BD-441C-8BB5-6E2BDEE63AF7}"/>
+              </a:ext>
+            </a:extLst>
+          </p:cNvPr>
+          <p:cNvCxnSpPr>
+            <a:cxnSpLocks/>
+          </p:cNvCxnSpPr>
+          <p:nvPr/>
+        </p:nvCxnSpPr>
+        <p:spPr>
+          <a:xfrm rot="5400000">
+            <a:off x="-790094" y="2923164"/>
+            <a:ext cx="2610705" cy="407323"/>
+          </a:xfrm>
+          <a:prstGeom prst="bentConnector4">
+            <a:avLst>
+              <a:gd name="adj1" fmla="val 6169"/>
+              <a:gd name="adj2" fmla="val 141080"/>
+            </a:avLst>
+          </a:prstGeom>
+          <a:ln w="12700">
+            <a:solidFill>
+              <a:schemeClr val="tx1"/>
+            </a:solidFill>
+            <a:tailEnd type="triangle"/>
+          </a:ln>
+        </p:spPr>
+        <p:style>
+          <a:lnRef idx="1">
+            <a:schemeClr val="accent1"/>
+          </a:lnRef>
+          <a:fillRef idx="0">
+            <a:schemeClr val="accent1"/>
+          </a:fillRef>
+          <a:effectRef idx="0">
+            <a:schemeClr val="accent1"/>
+          </a:effectRef>
+          <a:fontRef idx="minor">
+            <a:schemeClr val="tx1"/>
+          </a:fontRef>
+        </p:style>
+      </p:cxnSp>
+      <p:cxnSp>
+        <p:nvCxnSpPr>
+          <p:cNvPr id="292" name="Gewinkelte Verbindung 27">
+            <a:extLst>
+              <a:ext uri="{FF2B5EF4-FFF2-40B4-BE49-F238E27FC236}">
+                <a16:creationId xmlns:a16="http://schemas.microsoft.com/office/drawing/2014/main" id="{EA57D31A-05F9-417D-9938-75AB56C29EA6}"/>
+              </a:ext>
+            </a:extLst>
+          </p:cNvPr>
+          <p:cNvCxnSpPr>
+            <a:cxnSpLocks/>
+            <a:stCxn id="227" idx="1"/>
+            <a:endCxn id="141" idx="3"/>
+          </p:cNvCxnSpPr>
+          <p:nvPr/>
+        </p:nvCxnSpPr>
+        <p:spPr>
+          <a:xfrm rot="10800000">
+            <a:off x="6519650" y="2515813"/>
+            <a:ext cx="1671318" cy="116"/>
+          </a:xfrm>
+          <a:prstGeom prst="bentConnector3">
+            <a:avLst>
+              <a:gd name="adj1" fmla="val 50000"/>
+            </a:avLst>
+          </a:prstGeom>
+          <a:ln w="12700">
+            <a:solidFill>
+              <a:schemeClr val="tx1"/>
+            </a:solidFill>
+            <a:tailEnd type="triangle"/>
+          </a:ln>
+        </p:spPr>
+        <p:style>
+          <a:lnRef idx="1">
+            <a:schemeClr val="accent1"/>
+          </a:lnRef>
+          <a:fillRef idx="0">
+            <a:schemeClr val="accent1"/>
+          </a:fillRef>
+          <a:effectRef idx="0">
+            <a:schemeClr val="accent1"/>
+          </a:effectRef>
+          <a:fontRef idx="minor">
+            <a:schemeClr val="tx1"/>
+          </a:fontRef>
+        </p:style>
+      </p:cxnSp>
+      <p:cxnSp>
+        <p:nvCxnSpPr>
+          <p:cNvPr id="364" name="Gerade Verbindung mit Pfeil 98">
+            <a:extLst>
+              <a:ext uri="{FF2B5EF4-FFF2-40B4-BE49-F238E27FC236}">
+                <a16:creationId xmlns:a16="http://schemas.microsoft.com/office/drawing/2014/main" id="{3EA6BF85-25D4-4C10-B8DB-668CEC8831A0}"/>
+              </a:ext>
+            </a:extLst>
+          </p:cNvPr>
+          <p:cNvCxnSpPr>
+            <a:cxnSpLocks/>
+            <a:stCxn id="117" idx="2"/>
+            <a:endCxn id="8" idx="0"/>
+          </p:cNvCxnSpPr>
+          <p:nvPr/>
+        </p:nvCxnSpPr>
+        <p:spPr>
+          <a:xfrm>
+            <a:off x="9200798" y="4754033"/>
+            <a:ext cx="0" cy="347378"/>
+          </a:xfrm>
+          <a:prstGeom prst="straightConnector1">
+            <a:avLst/>
+          </a:prstGeom>
+          <a:ln w="12700">
+            <a:solidFill>
+              <a:schemeClr val="tx1"/>
+            </a:solidFill>
+            <a:tailEnd type="triangle"/>
+          </a:ln>
+        </p:spPr>
+        <p:style>
+          <a:lnRef idx="1">
+            <a:schemeClr val="accent1"/>
+          </a:lnRef>
+          <a:fillRef idx="0">
+            <a:schemeClr val="accent1"/>
+          </a:fillRef>
+          <a:effectRef idx="0">
+            <a:schemeClr val="accent1"/>
+          </a:effectRef>
+          <a:fontRef idx="minor">
+            <a:schemeClr val="tx1"/>
+          </a:fontRef>
+        </p:style>
+      </p:cxnSp>
+      <p:sp>
+        <p:nvSpPr>
+          <p:cNvPr id="141" name="Flussdiagramm: Prozess 12">
+            <a:extLst>
+              <a:ext uri="{FF2B5EF4-FFF2-40B4-BE49-F238E27FC236}">
+                <a16:creationId xmlns:a16="http://schemas.microsoft.com/office/drawing/2014/main" id="{2BA6DF8F-25C5-4C11-BE0F-341DB75B537E}"/>
+              </a:ext>
+            </a:extLst>
+          </p:cNvPr>
+          <p:cNvSpPr/>
+          <p:nvPr/>
+        </p:nvSpPr>
+        <p:spPr>
+          <a:xfrm>
+            <a:off x="5545454" y="2196937"/>
+            <a:ext cx="974196" cy="637751"/>
+          </a:xfrm>
+          <a:prstGeom prst="flowChartProcess">
+            <a:avLst/>
+          </a:prstGeom>
+          <a:solidFill>
+            <a:schemeClr val="bg1"/>
+          </a:solidFill>
+          <a:ln w="12700">
+            <a:solidFill>
+              <a:schemeClr val="tx1"/>
+            </a:solidFill>
+          </a:ln>
+        </p:spPr>
+        <p:style>
+          <a:lnRef idx="2">
+            <a:schemeClr val="accent1">
+              <a:shade val="50000"/>
+            </a:schemeClr>
+          </a:lnRef>
+          <a:fillRef idx="1">
+            <a:schemeClr val="accent1"/>
+          </a:fillRef>
+          <a:effectRef idx="0">
+            <a:schemeClr val="accent1"/>
+          </a:effectRef>
+          <a:fontRef idx="minor">
+            <a:schemeClr val="lt1"/>
+          </a:fontRef>
+        </p:style>
+        <p:txBody>
+          <a:bodyPr rtlCol="0" anchor="ctr"/>
+          <a:lstStyle/>
+          <a:p>
+            <a:pPr algn="ctr"/>
+            <a:r>
+              <a:rPr lang="en-US" sz="1100" dirty="0">
+                <a:solidFill>
+                  <a:schemeClr val="tx1"/>
+                </a:solidFill>
+                <a:latin typeface="Futura"/>
+                <a:cs typeface="Times New Roman" panose="02020603050405020304" pitchFamily="18" charset="0"/>
+              </a:rPr>
+              <a:t>relabeling</a:t>
+            </a:r>
+          </a:p>
+          <a:p>
+            <a:pPr algn="ctr"/>
+            <a:r>
+              <a:rPr lang="en-US" sz="1100" dirty="0">
+                <a:solidFill>
+                  <a:schemeClr val="tx1"/>
+                </a:solidFill>
+                <a:latin typeface="Futura"/>
+                <a:cs typeface="Times New Roman" panose="02020603050405020304" pitchFamily="18" charset="0"/>
+              </a:rPr>
+              <a:t>candidates</a:t>
+            </a:r>
+          </a:p>
+        </p:txBody>
+      </p:sp>
+      <p:cxnSp>
+        <p:nvCxnSpPr>
+          <p:cNvPr id="149" name="Gerade Verbindung mit Pfeil 42">
+            <a:extLst>
+              <a:ext uri="{FF2B5EF4-FFF2-40B4-BE49-F238E27FC236}">
+                <a16:creationId xmlns:a16="http://schemas.microsoft.com/office/drawing/2014/main" id="{7DAD0877-0710-4853-89F9-273CEE2FABE2}"/>
+              </a:ext>
+            </a:extLst>
+          </p:cNvPr>
+          <p:cNvCxnSpPr>
+            <a:cxnSpLocks/>
+            <a:stCxn id="227" idx="0"/>
+            <a:endCxn id="112" idx="3"/>
+          </p:cNvCxnSpPr>
+          <p:nvPr/>
+        </p:nvCxnSpPr>
+        <p:spPr>
+          <a:xfrm flipH="1" flipV="1">
+            <a:off x="9200798" y="1825372"/>
+            <a:ext cx="1949" cy="366521"/>
+          </a:xfrm>
+          <a:prstGeom prst="straightConnector1">
+            <a:avLst/>
+          </a:prstGeom>
+          <a:ln w="12700">
+            <a:solidFill>
+              <a:schemeClr val="tx1"/>
+            </a:solidFill>
+            <a:headEnd type="triangle"/>
+            <a:tailEnd type="none"/>
+          </a:ln>
+        </p:spPr>
+        <p:style>
+          <a:lnRef idx="1">
+            <a:schemeClr val="accent1"/>
+          </a:lnRef>
+          <a:fillRef idx="0">
+            <a:schemeClr val="accent1"/>
+          </a:fillRef>
+          <a:effectRef idx="0">
+            <a:schemeClr val="accent1"/>
+          </a:effectRef>
+          <a:fontRef idx="minor">
+            <a:schemeClr val="tx1"/>
+          </a:fontRef>
+        </p:style>
+      </p:cxnSp>
+      <mc:AlternateContent xmlns:mc="http://schemas.openxmlformats.org/markup-compatibility/2006">
+        <mc:Choice xmlns:a14="http://schemas.microsoft.com/office/drawing/2010/main" Requires="a14">
+          <p:sp>
+            <p:nvSpPr>
+              <p:cNvPr id="165" name="Textfeld 60">
+                <a:extLst>
+                  <a:ext uri="{FF2B5EF4-FFF2-40B4-BE49-F238E27FC236}">
+                    <a16:creationId xmlns:a16="http://schemas.microsoft.com/office/drawing/2014/main" id="{64CAEF2F-7591-49CE-8AD8-ABE8B25A1418}"/>
+                  </a:ext>
+                </a:extLst>
+              </p:cNvPr>
+              <p:cNvSpPr txBox="1"/>
+              <p:nvPr/>
+            </p:nvSpPr>
+            <p:spPr>
+              <a:xfrm>
+                <a:off x="6816515" y="2464430"/>
+                <a:ext cx="1085368" cy="261610"/>
+              </a:xfrm>
+              <a:prstGeom prst="rect">
+                <a:avLst/>
+              </a:prstGeom>
+              <a:noFill/>
+            </p:spPr>
+            <p:txBody>
+              <a:bodyPr wrap="square" rtlCol="0">
+                <a:spAutoFit/>
+              </a:bodyPr>
+              <a:lstStyle/>
+              <a:p>
+                <a14:m>
+                  <m:oMathPara xmlns:m="http://schemas.openxmlformats.org/officeDocument/2006/math">
+                    <m:oMathParaPr>
+                      <m:jc m:val="centerGroup"/>
+                    </m:oMathParaPr>
+                    <m:oMath xmlns:m="http://schemas.openxmlformats.org/officeDocument/2006/math">
+                      <m:sSub>
+                        <m:sSubPr>
+                          <m:ctrlPr>
+                            <a:rPr lang="de-DE" sz="1100" i="1">
+                              <a:solidFill>
+                                <a:prstClr val="black"/>
+                              </a:solidFill>
+                              <a:latin typeface="Cambria Math" panose="02040503050406030204" pitchFamily="18" charset="0"/>
+                            </a:rPr>
+                          </m:ctrlPr>
+                        </m:sSubPr>
+                        <m:e>
+                          <m:r>
+                            <a:rPr lang="it-IT" sz="1100" b="0" i="1" smtClean="0">
+                              <a:solidFill>
+                                <a:prstClr val="black"/>
+                              </a:solidFill>
+                              <a:latin typeface="Cambria Math" panose="02040503050406030204" pitchFamily="18" charset="0"/>
+                            </a:rPr>
+                            <m:t>𝑈</m:t>
+                          </m:r>
+                        </m:e>
+                        <m:sub>
+                          <m:r>
+                            <a:rPr lang="it-IT" sz="1100" i="1">
+                              <a:solidFill>
+                                <a:prstClr val="black"/>
+                              </a:solidFill>
+                              <a:latin typeface="Cambria Math" panose="02040503050406030204" pitchFamily="18" charset="0"/>
+                            </a:rPr>
+                            <m:t>𝑚𝑜𝑠𝑡</m:t>
+                          </m:r>
+                          <m:r>
+                            <a:rPr lang="it-IT" sz="1100" i="1">
+                              <a:solidFill>
+                                <a:prstClr val="black"/>
+                              </a:solidFill>
+                              <a:latin typeface="Cambria Math" panose="02040503050406030204" pitchFamily="18" charset="0"/>
+                            </a:rPr>
+                            <m:t>−</m:t>
+                          </m:r>
+                          <m:r>
+                            <a:rPr lang="it-IT" sz="1100" i="1">
+                              <a:solidFill>
+                                <a:prstClr val="black"/>
+                              </a:solidFill>
+                              <a:latin typeface="Cambria Math" panose="02040503050406030204" pitchFamily="18" charset="0"/>
+                            </a:rPr>
+                            <m:t>𝑢𝑛𝑐𝑒𝑟𝑡𝑎𝑖𝑛</m:t>
+                          </m:r>
+                        </m:sub>
+                      </m:sSub>
+                    </m:oMath>
+                  </m:oMathPara>
+                </a14:m>
+                <a:endParaRPr lang="de-DE" sz="1350" dirty="0">
+                  <a:latin typeface="Futura"/>
+                </a:endParaRPr>
+              </a:p>
+            </p:txBody>
+          </p:sp>
+        </mc:Choice>
+        <mc:Fallback>
+          <p:sp>
+            <p:nvSpPr>
+              <p:cNvPr id="165" name="Textfeld 60">
+                <a:extLst>
+                  <a:ext uri="{FF2B5EF4-FFF2-40B4-BE49-F238E27FC236}">
+                    <a16:creationId xmlns:a16="http://schemas.microsoft.com/office/drawing/2014/main" id="{64CAEF2F-7591-49CE-8AD8-ABE8B25A1418}"/>
+                  </a:ext>
+                </a:extLst>
+              </p:cNvPr>
+              <p:cNvSpPr txBox="1">
+                <a:spLocks noRot="1" noChangeAspect="1" noMove="1" noResize="1" noEditPoints="1" noAdjustHandles="1" noChangeArrowheads="1" noChangeShapeType="1" noTextEdit="1"/>
+              </p:cNvSpPr>
+              <p:nvPr/>
+            </p:nvSpPr>
+            <p:spPr>
+              <a:xfrm>
+                <a:off x="6816515" y="2464430"/>
+                <a:ext cx="1085368" cy="261610"/>
+              </a:xfrm>
+              <a:prstGeom prst="rect">
+                <a:avLst/>
+              </a:prstGeom>
+              <a:blipFill>
+                <a:blip r:embed="rId18"/>
+                <a:stretch>
+                  <a:fillRect/>
+                </a:stretch>
+              </a:blipFill>
+            </p:spPr>
+            <p:txBody>
+              <a:bodyPr/>
+              <a:lstStyle/>
+              <a:p>
+                <a:r>
+                  <a:rPr lang="en-GB">
+                    <a:noFill/>
+                  </a:rPr>
+                  <a:t> </a:t>
+                </a:r>
+              </a:p>
+            </p:txBody>
+          </p:sp>
+        </mc:Fallback>
+      </mc:AlternateContent>
+      <p:cxnSp>
+        <p:nvCxnSpPr>
+          <p:cNvPr id="109" name="Gerade Verbindung mit Pfeil 69">
+            <a:extLst>
+              <a:ext uri="{FF2B5EF4-FFF2-40B4-BE49-F238E27FC236}">
+                <a16:creationId xmlns:a16="http://schemas.microsoft.com/office/drawing/2014/main" id="{1699A4F2-6735-41BD-B99E-135F28B94023}"/>
+              </a:ext>
+            </a:extLst>
+          </p:cNvPr>
+          <p:cNvCxnSpPr>
+            <a:cxnSpLocks/>
+          </p:cNvCxnSpPr>
+          <p:nvPr/>
+        </p:nvCxnSpPr>
+        <p:spPr>
+          <a:xfrm>
+            <a:off x="7678767" y="4556528"/>
+            <a:ext cx="1008974" cy="0"/>
+          </a:xfrm>
+          <a:prstGeom prst="straightConnector1">
+            <a:avLst/>
+          </a:prstGeom>
+          <a:ln w="12700">
+            <a:solidFill>
+              <a:schemeClr val="tx1"/>
+            </a:solidFill>
+            <a:tailEnd type="triangle"/>
+          </a:ln>
+        </p:spPr>
+        <p:style>
+          <a:lnRef idx="1">
+            <a:schemeClr val="accent1"/>
+          </a:lnRef>
+          <a:fillRef idx="0">
+            <a:schemeClr val="accent1"/>
+          </a:fillRef>
+          <a:effectRef idx="0">
+            <a:schemeClr val="accent1"/>
+          </a:effectRef>
+          <a:fontRef idx="minor">
+            <a:schemeClr val="tx1"/>
+          </a:fontRef>
+        </p:style>
+      </p:cxnSp>
+      <p:cxnSp>
+        <p:nvCxnSpPr>
+          <p:cNvPr id="113" name="Gewinkelte Verbindung 40">
+            <a:extLst>
+              <a:ext uri="{FF2B5EF4-FFF2-40B4-BE49-F238E27FC236}">
+                <a16:creationId xmlns:a16="http://schemas.microsoft.com/office/drawing/2014/main" id="{F1A3E4B9-D271-4C99-95D5-7909449FDA90}"/>
+              </a:ext>
+            </a:extLst>
+          </p:cNvPr>
+          <p:cNvCxnSpPr>
+            <a:cxnSpLocks/>
+            <a:stCxn id="13" idx="3"/>
+            <a:endCxn id="117" idx="0"/>
+          </p:cNvCxnSpPr>
+          <p:nvPr/>
+        </p:nvCxnSpPr>
+        <p:spPr>
+          <a:xfrm>
+            <a:off x="3875993" y="3591018"/>
+            <a:ext cx="5324805" cy="514943"/>
+          </a:xfrm>
+          <a:prstGeom prst="bentConnector2">
+            <a:avLst/>
+          </a:prstGeom>
+          <a:ln w="12700">
+            <a:solidFill>
+              <a:schemeClr val="tx1"/>
+            </a:solidFill>
+            <a:tailEnd type="triangle"/>
+          </a:ln>
+        </p:spPr>
+        <p:style>
+          <a:lnRef idx="1">
+            <a:schemeClr val="accent1"/>
+          </a:lnRef>
+          <a:fillRef idx="0">
+            <a:schemeClr val="accent1"/>
+          </a:fillRef>
+          <a:effectRef idx="0">
+            <a:schemeClr val="accent1"/>
+          </a:effectRef>
+          <a:fontRef idx="minor">
+            <a:schemeClr val="tx1"/>
+          </a:fontRef>
+        </p:style>
+      </p:cxnSp>
+      <p:cxnSp>
+        <p:nvCxnSpPr>
+          <p:cNvPr id="177" name="Gerade Verbindung mit Pfeil 32">
+            <a:extLst>
+              <a:ext uri="{FF2B5EF4-FFF2-40B4-BE49-F238E27FC236}">
+                <a16:creationId xmlns:a16="http://schemas.microsoft.com/office/drawing/2014/main" id="{FF439C12-7007-4E31-A4E2-3C05BE9BADBF}"/>
+              </a:ext>
+            </a:extLst>
+          </p:cNvPr>
+          <p:cNvCxnSpPr>
+            <a:cxnSpLocks/>
+            <a:stCxn id="115" idx="3"/>
+            <a:endCxn id="112" idx="2"/>
+          </p:cNvCxnSpPr>
+          <p:nvPr/>
+        </p:nvCxnSpPr>
+        <p:spPr>
+          <a:xfrm flipV="1">
+            <a:off x="8210296" y="1343859"/>
+            <a:ext cx="450442" cy="1576"/>
+          </a:xfrm>
+          <a:prstGeom prst="straightConnector1">
+            <a:avLst/>
+          </a:prstGeom>
+          <a:ln w="12700">
+            <a:solidFill>
+              <a:schemeClr val="tx1"/>
+            </a:solidFill>
+            <a:tailEnd type="triangle"/>
+          </a:ln>
+        </p:spPr>
+        <p:style>
+          <a:lnRef idx="1">
+            <a:schemeClr val="accent1"/>
+          </a:lnRef>
+          <a:fillRef idx="0">
+            <a:schemeClr val="accent1"/>
+          </a:fillRef>
+          <a:effectRef idx="0">
+            <a:schemeClr val="accent1"/>
+          </a:effectRef>
+          <a:fontRef idx="minor">
+            <a:schemeClr val="tx1"/>
+          </a:fontRef>
+        </p:style>
+      </p:cxnSp>
+      <p:cxnSp>
+        <p:nvCxnSpPr>
+          <p:cNvPr id="108" name="Gerade Verbindung mit Pfeil 55">
+            <a:extLst>
+              <a:ext uri="{FF2B5EF4-FFF2-40B4-BE49-F238E27FC236}">
+                <a16:creationId xmlns:a16="http://schemas.microsoft.com/office/drawing/2014/main" id="{38B210E6-761C-4CFE-97C1-8ECD5BF6D49A}"/>
+              </a:ext>
+            </a:extLst>
+          </p:cNvPr>
+          <p:cNvCxnSpPr>
+            <a:cxnSpLocks/>
+            <a:stCxn id="141" idx="2"/>
+            <a:endCxn id="124" idx="0"/>
+          </p:cNvCxnSpPr>
+          <p:nvPr/>
+        </p:nvCxnSpPr>
+        <p:spPr>
+          <a:xfrm>
+            <a:off x="6032552" y="2834688"/>
+            <a:ext cx="195" cy="1267850"/>
+          </a:xfrm>
+          <a:prstGeom prst="straightConnector1">
+            <a:avLst/>
+          </a:prstGeom>
+          <a:ln w="12700">
+            <a:solidFill>
+              <a:schemeClr val="tx1"/>
+            </a:solidFill>
+            <a:tailEnd type="triangle"/>
+          </a:ln>
+        </p:spPr>
+        <p:style>
+          <a:lnRef idx="1">
+            <a:schemeClr val="accent1"/>
+          </a:lnRef>
+          <a:fillRef idx="0">
+            <a:schemeClr val="accent1"/>
+          </a:fillRef>
+          <a:effectRef idx="0">
+            <a:schemeClr val="accent1"/>
+          </a:effectRef>
+          <a:fontRef idx="minor">
+            <a:schemeClr val="tx1"/>
+          </a:fontRef>
+        </p:style>
+      </p:cxnSp>
+      <p:sp>
+        <p:nvSpPr>
+          <p:cNvPr id="117" name="Flussdiagramm: Prozess 11">
+            <a:extLst>
+              <a:ext uri="{FF2B5EF4-FFF2-40B4-BE49-F238E27FC236}">
+                <a16:creationId xmlns:a16="http://schemas.microsoft.com/office/drawing/2014/main" id="{EC6121D2-1900-470B-BB40-E7BD127E401D}"/>
+              </a:ext>
+            </a:extLst>
+          </p:cNvPr>
+          <p:cNvSpPr/>
+          <p:nvPr/>
+        </p:nvSpPr>
+        <p:spPr>
+          <a:xfrm>
+            <a:off x="8687741" y="4105961"/>
+            <a:ext cx="1026114" cy="648072"/>
+          </a:xfrm>
+          <a:prstGeom prst="flowChartProcess">
+            <a:avLst/>
+          </a:prstGeom>
+          <a:solidFill>
+            <a:schemeClr val="bg1"/>
+          </a:solidFill>
+          <a:ln w="12700">
+            <a:solidFill>
+              <a:schemeClr val="tx1"/>
+            </a:solidFill>
+          </a:ln>
+        </p:spPr>
+        <p:style>
+          <a:lnRef idx="2">
+            <a:schemeClr val="accent1">
+              <a:shade val="50000"/>
+            </a:schemeClr>
+          </a:lnRef>
+          <a:fillRef idx="1">
+            <a:schemeClr val="accent1"/>
+          </a:fillRef>
+          <a:effectRef idx="0">
+            <a:schemeClr val="accent1"/>
+          </a:effectRef>
+          <a:fontRef idx="minor">
+            <a:schemeClr val="lt1"/>
+          </a:fontRef>
+        </p:style>
+        <p:txBody>
+          <a:bodyPr rtlCol="0" anchor="ctr"/>
+          <a:lstStyle/>
+          <a:p>
+            <a:pPr algn="ctr"/>
+            <a:r>
+              <a:rPr lang="en-US" sz="1100" dirty="0">
+                <a:solidFill>
+                  <a:schemeClr val="tx1"/>
+                </a:solidFill>
+                <a:latin typeface="Futura"/>
+                <a:cs typeface="Times New Roman" panose="02020603050405020304" pitchFamily="18" charset="0"/>
+              </a:rPr>
+              <a:t>relearn SVM model</a:t>
+            </a:r>
+          </a:p>
+        </p:txBody>
+      </p:sp>
+      <p:sp>
+        <p:nvSpPr>
+          <p:cNvPr id="123" name="Flussdiagramm: Prozess 21">
+            <a:extLst>
+              <a:ext uri="{FF2B5EF4-FFF2-40B4-BE49-F238E27FC236}">
+                <a16:creationId xmlns:a16="http://schemas.microsoft.com/office/drawing/2014/main" id="{2A706D72-0E57-490A-AF66-DB01038BAA16}"/>
+              </a:ext>
+            </a:extLst>
+          </p:cNvPr>
+          <p:cNvSpPr/>
+          <p:nvPr/>
+        </p:nvSpPr>
+        <p:spPr>
+          <a:xfrm>
+            <a:off x="5453868" y="3979770"/>
+            <a:ext cx="2539374" cy="1035609"/>
+          </a:xfrm>
+          <a:prstGeom prst="flowChartProcess">
+            <a:avLst/>
+          </a:prstGeom>
+          <a:solidFill>
+            <a:srgbClr val="0070C0">
+              <a:alpha val="40000"/>
+            </a:srgbClr>
+          </a:solidFill>
+          <a:ln>
+            <a:noFill/>
+          </a:ln>
+        </p:spPr>
+        <p:style>
+          <a:lnRef idx="2">
+            <a:schemeClr val="accent1">
+              <a:shade val="50000"/>
+            </a:schemeClr>
+          </a:lnRef>
+          <a:fillRef idx="1">
+            <a:schemeClr val="accent1"/>
+          </a:fillRef>
+          <a:effectRef idx="0">
+            <a:schemeClr val="accent1"/>
+          </a:effectRef>
+          <a:fontRef idx="minor">
+            <a:schemeClr val="lt1"/>
+          </a:fontRef>
+        </p:style>
+        <p:txBody>
+          <a:bodyPr rtlCol="0" anchor="ctr"/>
+          <a:lstStyle/>
+          <a:p>
+            <a:pPr algn="ctr"/>
+            <a:endParaRPr lang="de-DE" sz="1350"/>
+          </a:p>
+        </p:txBody>
+      </p:sp>
+      <p:sp>
+        <p:nvSpPr>
+          <p:cNvPr id="124" name="Flussdiagramm: Prozess 14">
+            <a:extLst>
+              <a:ext uri="{FF2B5EF4-FFF2-40B4-BE49-F238E27FC236}">
+                <a16:creationId xmlns:a16="http://schemas.microsoft.com/office/drawing/2014/main" id="{782E5C0A-26C1-4B82-925B-A1051EB5F941}"/>
+              </a:ext>
+            </a:extLst>
+          </p:cNvPr>
+          <p:cNvSpPr/>
+          <p:nvPr/>
+        </p:nvSpPr>
+        <p:spPr>
+          <a:xfrm>
+            <a:off x="5547680" y="4102538"/>
+            <a:ext cx="970133" cy="648072"/>
+          </a:xfrm>
+          <a:prstGeom prst="flowChartProcess">
+            <a:avLst/>
+          </a:prstGeom>
+          <a:solidFill>
+            <a:schemeClr val="bg1"/>
+          </a:solidFill>
+          <a:ln w="12700">
+            <a:solidFill>
+              <a:schemeClr val="tx1"/>
+            </a:solidFill>
+          </a:ln>
+        </p:spPr>
+        <p:style>
+          <a:lnRef idx="2">
+            <a:schemeClr val="accent1">
+              <a:shade val="50000"/>
+            </a:schemeClr>
+          </a:lnRef>
+          <a:fillRef idx="1">
+            <a:schemeClr val="accent1"/>
+          </a:fillRef>
+          <a:effectRef idx="0">
+            <a:schemeClr val="accent1"/>
+          </a:effectRef>
+          <a:fontRef idx="minor">
+            <a:schemeClr val="lt1"/>
+          </a:fontRef>
+        </p:style>
+        <p:txBody>
+          <a:bodyPr rtlCol="0" anchor="ctr"/>
+          <a:lstStyle/>
+          <a:p>
+            <a:pPr algn="ctr"/>
+            <a:r>
+              <a:rPr lang="en-US" sz="1100" dirty="0">
+                <a:solidFill>
+                  <a:schemeClr val="tx1"/>
+                </a:solidFill>
+                <a:latin typeface="Futura"/>
+                <a:cs typeface="Times New Roman" panose="02020603050405020304" pitchFamily="18" charset="0"/>
+              </a:rPr>
+              <a:t>similarity constraint</a:t>
+            </a:r>
+          </a:p>
+        </p:txBody>
+      </p:sp>
+      <p:sp>
+        <p:nvSpPr>
+          <p:cNvPr id="125" name="Flussdiagramm: Prozess 15">
+            <a:extLst>
+              <a:ext uri="{FF2B5EF4-FFF2-40B4-BE49-F238E27FC236}">
+                <a16:creationId xmlns:a16="http://schemas.microsoft.com/office/drawing/2014/main" id="{EA968BFF-F511-41E0-9AFE-F99D212740C1}"/>
+              </a:ext>
+            </a:extLst>
+          </p:cNvPr>
+          <p:cNvSpPr/>
+          <p:nvPr/>
+        </p:nvSpPr>
+        <p:spPr>
+          <a:xfrm>
+            <a:off x="6764530" y="4108142"/>
+            <a:ext cx="918102" cy="648072"/>
+          </a:xfrm>
+          <a:prstGeom prst="flowChartProcess">
+            <a:avLst/>
+          </a:prstGeom>
+          <a:solidFill>
+            <a:schemeClr val="bg1"/>
+          </a:solidFill>
+          <a:ln w="12700">
+            <a:solidFill>
+              <a:schemeClr val="tx1"/>
+            </a:solidFill>
+          </a:ln>
+          <a:effectLst/>
+          <a:scene3d>
+            <a:camera prst="orthographicFront"/>
+            <a:lightRig rig="threePt" dir="t"/>
+          </a:scene3d>
+          <a:sp3d prstMaterial="matte"/>
+        </p:spPr>
+        <p:style>
+          <a:lnRef idx="2">
+            <a:schemeClr val="accent1">
+              <a:shade val="50000"/>
+            </a:schemeClr>
+          </a:lnRef>
+          <a:fillRef idx="1">
+            <a:schemeClr val="accent1"/>
+          </a:fillRef>
+          <a:effectRef idx="0">
+            <a:schemeClr val="accent1"/>
+          </a:effectRef>
+          <a:fontRef idx="minor">
+            <a:schemeClr val="lt1"/>
+          </a:fontRef>
+        </p:style>
+        <p:txBody>
+          <a:bodyPr rtlCol="0" anchor="ctr"/>
+          <a:lstStyle/>
+          <a:p>
+            <a:pPr algn="ctr"/>
+            <a:r>
+              <a:rPr lang="en-US" sz="1100" dirty="0">
+                <a:solidFill>
+                  <a:schemeClr val="tx1"/>
+                </a:solidFill>
+                <a:latin typeface="Futura"/>
+                <a:cs typeface="Times New Roman" panose="02020603050405020304" pitchFamily="18" charset="0"/>
+              </a:rPr>
+              <a:t>margin sampling constraint</a:t>
+            </a:r>
+          </a:p>
+        </p:txBody>
+      </p:sp>
+      <p:cxnSp>
+        <p:nvCxnSpPr>
+          <p:cNvPr id="126" name="Gerade Verbindung mit Pfeil 69">
+            <a:extLst>
+              <a:ext uri="{FF2B5EF4-FFF2-40B4-BE49-F238E27FC236}">
+                <a16:creationId xmlns:a16="http://schemas.microsoft.com/office/drawing/2014/main" id="{DF0EDA5A-BD1A-4DFA-BC63-56A50EC0A540}"/>
+              </a:ext>
+            </a:extLst>
+          </p:cNvPr>
+          <p:cNvCxnSpPr>
+            <a:cxnSpLocks/>
+            <a:stCxn id="124" idx="3"/>
+            <a:endCxn id="125" idx="1"/>
+          </p:cNvCxnSpPr>
+          <p:nvPr/>
+        </p:nvCxnSpPr>
+        <p:spPr>
+          <a:xfrm>
+            <a:off x="6517813" y="4426574"/>
+            <a:ext cx="246717" cy="5604"/>
+          </a:xfrm>
+          <a:prstGeom prst="straightConnector1">
+            <a:avLst/>
+          </a:prstGeom>
+          <a:ln w="12700">
+            <a:solidFill>
+              <a:schemeClr val="tx1"/>
+            </a:solidFill>
+            <a:tailEnd type="triangle"/>
+          </a:ln>
+        </p:spPr>
+        <p:style>
+          <a:lnRef idx="1">
+            <a:schemeClr val="accent1"/>
+          </a:lnRef>
+          <a:fillRef idx="0">
+            <a:schemeClr val="accent1"/>
+          </a:fillRef>
+          <a:effectRef idx="0">
+            <a:schemeClr val="accent1"/>
+          </a:effectRef>
+          <a:fontRef idx="minor">
+            <a:schemeClr val="tx1"/>
+          </a:fontRef>
+        </p:style>
+      </p:cxnSp>
+      <p:sp>
+        <p:nvSpPr>
+          <p:cNvPr id="127" name="Textfeld 78">
+            <a:extLst>
+              <a:ext uri="{FF2B5EF4-FFF2-40B4-BE49-F238E27FC236}">
+                <a16:creationId xmlns:a16="http://schemas.microsoft.com/office/drawing/2014/main" id="{B5EB9A09-F4FD-41BB-A412-FA8ABD3028DB}"/>
+              </a:ext>
+            </a:extLst>
+          </p:cNvPr>
+          <p:cNvSpPr txBox="1"/>
+          <p:nvPr/>
+        </p:nvSpPr>
+        <p:spPr>
+          <a:xfrm>
+            <a:off x="5410981" y="4751778"/>
+            <a:ext cx="1550424" cy="415498"/>
+          </a:xfrm>
+          <a:prstGeom prst="rect">
+            <a:avLst/>
+          </a:prstGeom>
+          <a:noFill/>
+        </p:spPr>
+        <p:txBody>
+          <a:bodyPr wrap="square" rtlCol="0">
+            <a:spAutoFit/>
+          </a:bodyPr>
+          <a:lstStyle/>
+          <a:p>
+            <a:r>
+              <a:rPr lang="en-US" sz="1050" b="1" dirty="0">
+                <a:solidFill>
+                  <a:schemeClr val="tx1">
+                    <a:lumMod val="75000"/>
+                    <a:lumOff val="25000"/>
+                  </a:schemeClr>
+                </a:solidFill>
+                <a:latin typeface="Futura"/>
+                <a:cs typeface="Times New Roman" panose="02020603050405020304" pitchFamily="18" charset="0"/>
+              </a:rPr>
+              <a:t>self-learning strategy</a:t>
+            </a:r>
+          </a:p>
+        </p:txBody>
+      </p:sp>
+      <mc:AlternateContent xmlns:mc="http://schemas.openxmlformats.org/markup-compatibility/2006">
+        <mc:Choice xmlns:a14="http://schemas.microsoft.com/office/drawing/2010/main" Requires="a14">
+          <p:sp>
+            <p:nvSpPr>
+              <p:cNvPr id="128" name="Textfeld 18">
+                <a:extLst>
+                  <a:ext uri="{FF2B5EF4-FFF2-40B4-BE49-F238E27FC236}">
+                    <a16:creationId xmlns:a16="http://schemas.microsoft.com/office/drawing/2014/main" id="{0E369AFF-F5F6-4635-A774-A326CF31B49B}"/>
+                  </a:ext>
+                </a:extLst>
+              </p:cNvPr>
+              <p:cNvSpPr txBox="1"/>
+              <p:nvPr/>
+            </p:nvSpPr>
+            <p:spPr>
+              <a:xfrm>
+                <a:off x="7606456" y="4531097"/>
+                <a:ext cx="509050" cy="266163"/>
+              </a:xfrm>
+              <a:prstGeom prst="rect">
+                <a:avLst/>
+              </a:prstGeom>
+              <a:noFill/>
+            </p:spPr>
+            <p:txBody>
+              <a:bodyPr wrap="square" rtlCol="0">
+                <a:spAutoFit/>
+              </a:bodyPr>
+              <a:lstStyle/>
+              <a:p>
+                <a:pPr/>
+                <a14:m>
+                  <m:oMathPara xmlns:m="http://schemas.openxmlformats.org/officeDocument/2006/math">
+                    <m:oMathParaPr>
+                      <m:jc m:val="centerGroup"/>
+                    </m:oMathParaPr>
+                    <m:oMath xmlns:m="http://schemas.openxmlformats.org/officeDocument/2006/math">
+                      <m:sSup>
+                        <m:sSupPr>
+                          <m:ctrlPr>
+                            <a:rPr lang="de-DE" sz="1100" i="1">
+                              <a:latin typeface="Cambria Math" panose="02040503050406030204" pitchFamily="18" charset="0"/>
+                            </a:rPr>
+                          </m:ctrlPr>
+                        </m:sSupPr>
+                        <m:e>
+                          <m:acc>
+                            <m:accPr>
+                              <m:chr m:val="̂"/>
+                              <m:ctrlPr>
+                                <a:rPr lang="de-DE" sz="1100" i="1">
+                                  <a:latin typeface="Cambria Math" panose="02040503050406030204" pitchFamily="18" charset="0"/>
+                                </a:rPr>
+                              </m:ctrlPr>
+                            </m:accPr>
+                            <m:e>
+                              <m:r>
+                                <a:rPr lang="de-DE" sz="1100" i="1">
+                                  <a:latin typeface="Cambria Math" panose="02040503050406030204" pitchFamily="18" charset="0"/>
+                                </a:rPr>
+                                <m:t>𝑉</m:t>
+                              </m:r>
+                            </m:e>
+                          </m:acc>
+                        </m:e>
+                        <m:sup>
+                          <m:r>
+                            <a:rPr lang="de-DE" sz="1100" i="1">
+                              <a:latin typeface="Cambria Math" panose="02040503050406030204" pitchFamily="18" charset="0"/>
+                            </a:rPr>
+                            <m:t>𝑆𝑉</m:t>
+                          </m:r>
+                        </m:sup>
+                      </m:sSup>
+                    </m:oMath>
+                  </m:oMathPara>
+                </a14:m>
+                <a:endParaRPr lang="de-DE" sz="1350" dirty="0">
+                  <a:latin typeface="Futura"/>
+                </a:endParaRPr>
+              </a:p>
+            </p:txBody>
+          </p:sp>
+        </mc:Choice>
+        <mc:Fallback>
+          <p:sp>
+            <p:nvSpPr>
+              <p:cNvPr id="128" name="Textfeld 18">
+                <a:extLst>
+                  <a:ext uri="{FF2B5EF4-FFF2-40B4-BE49-F238E27FC236}">
+                    <a16:creationId xmlns:a16="http://schemas.microsoft.com/office/drawing/2014/main" id="{0E369AFF-F5F6-4635-A774-A326CF31B49B}"/>
+                  </a:ext>
+                </a:extLst>
+              </p:cNvPr>
+              <p:cNvSpPr txBox="1">
+                <a:spLocks noRot="1" noChangeAspect="1" noMove="1" noResize="1" noEditPoints="1" noAdjustHandles="1" noChangeArrowheads="1" noChangeShapeType="1" noTextEdit="1"/>
+              </p:cNvSpPr>
+              <p:nvPr/>
+            </p:nvSpPr>
+            <p:spPr>
+              <a:xfrm>
+                <a:off x="7606456" y="4531097"/>
+                <a:ext cx="509050" cy="266163"/>
+              </a:xfrm>
+              <a:prstGeom prst="rect">
+                <a:avLst/>
+              </a:prstGeom>
+              <a:blipFill>
+                <a:blip r:embed="rId19"/>
+                <a:stretch>
+                  <a:fillRect/>
+                </a:stretch>
+              </a:blipFill>
+            </p:spPr>
+            <p:txBody>
+              <a:bodyPr/>
+              <a:lstStyle/>
+              <a:p>
+                <a:r>
+                  <a:rPr lang="en-GB">
+                    <a:noFill/>
+                  </a:rPr>
+                  <a:t> </a:t>
+                </a:r>
+              </a:p>
+            </p:txBody>
+          </p:sp>
+        </mc:Fallback>
+      </mc:AlternateContent>
+      <p:cxnSp>
+        <p:nvCxnSpPr>
+          <p:cNvPr id="139" name="Gewinkelte Verbindung 40">
+            <a:extLst>
+              <a:ext uri="{FF2B5EF4-FFF2-40B4-BE49-F238E27FC236}">
+                <a16:creationId xmlns:a16="http://schemas.microsoft.com/office/drawing/2014/main" id="{4509A903-70D7-481A-AFD1-C4E0C3073ACB}"/>
+              </a:ext>
+            </a:extLst>
+          </p:cNvPr>
+          <p:cNvCxnSpPr>
+            <a:cxnSpLocks/>
+            <a:stCxn id="12" idx="3"/>
+            <a:endCxn id="227" idx="2"/>
+          </p:cNvCxnSpPr>
+          <p:nvPr/>
+        </p:nvCxnSpPr>
+        <p:spPr>
+          <a:xfrm>
+            <a:off x="3875813" y="2510898"/>
+            <a:ext cx="5326934" cy="329067"/>
+          </a:xfrm>
+          <a:prstGeom prst="bentConnector4">
+            <a:avLst>
+              <a:gd name="adj1" fmla="val 12986"/>
+              <a:gd name="adj2" fmla="val 218256"/>
+            </a:avLst>
+          </a:prstGeom>
+          <a:ln w="12700">
+            <a:solidFill>
+              <a:schemeClr val="tx1"/>
+            </a:solidFill>
+            <a:tailEnd type="triangle"/>
+          </a:ln>
+        </p:spPr>
+        <p:style>
+          <a:lnRef idx="1">
+            <a:schemeClr val="accent1"/>
+          </a:lnRef>
+          <a:fillRef idx="0">
+            <a:schemeClr val="accent1"/>
+          </a:fillRef>
+          <a:effectRef idx="0">
+            <a:schemeClr val="accent1"/>
+          </a:effectRef>
+          <a:fontRef idx="minor">
+            <a:schemeClr val="tx1"/>
+          </a:fontRef>
+        </p:style>
+      </p:cxnSp>
+      <mc:AlternateContent xmlns:mc="http://schemas.openxmlformats.org/markup-compatibility/2006">
+        <mc:Choice xmlns:a14="http://schemas.microsoft.com/office/drawing/2010/main" Requires="a14">
+          <p:sp>
+            <p:nvSpPr>
+              <p:cNvPr id="162" name="Textfeld 60">
+                <a:extLst>
+                  <a:ext uri="{FF2B5EF4-FFF2-40B4-BE49-F238E27FC236}">
+                    <a16:creationId xmlns:a16="http://schemas.microsoft.com/office/drawing/2014/main" id="{15E12CA4-1E56-4785-ADE0-337000A006EF}"/>
+                  </a:ext>
+                </a:extLst>
+              </p:cNvPr>
+              <p:cNvSpPr txBox="1"/>
+              <p:nvPr/>
+            </p:nvSpPr>
+            <p:spPr>
+              <a:xfrm>
+                <a:off x="5975451" y="2809485"/>
+                <a:ext cx="1009444" cy="261610"/>
+              </a:xfrm>
+              <a:prstGeom prst="rect">
+                <a:avLst/>
+              </a:prstGeom>
+              <a:noFill/>
+            </p:spPr>
+            <p:txBody>
+              <a:bodyPr wrap="none" rtlCol="0">
+                <a:spAutoFit/>
+              </a:bodyPr>
+              <a:lstStyle/>
+              <a:p>
+                <a:pPr/>
+                <a14:m>
+                  <m:oMathPara xmlns:m="http://schemas.openxmlformats.org/officeDocument/2006/math">
+                    <m:oMathParaPr>
+                      <m:jc m:val="centerGroup"/>
+                    </m:oMathParaPr>
+                    <m:oMath xmlns:m="http://schemas.openxmlformats.org/officeDocument/2006/math">
+                      <m:sSub>
+                        <m:sSubPr>
+                          <m:ctrlPr>
+                            <a:rPr lang="de-DE" sz="1100" i="1">
+                              <a:latin typeface="Cambria Math" panose="02040503050406030204" pitchFamily="18" charset="0"/>
+                            </a:rPr>
+                          </m:ctrlPr>
+                        </m:sSubPr>
+                        <m:e>
+                          <m:r>
+                            <a:rPr lang="en-US" sz="1100" i="1">
+                              <a:latin typeface="Cambria Math" panose="02040503050406030204" pitchFamily="18" charset="0"/>
+                            </a:rPr>
+                            <m:t>𝑈</m:t>
+                          </m:r>
+                        </m:e>
+                        <m:sub>
+                          <m:r>
+                            <a:rPr lang="en-US" sz="1100" i="1">
+                              <a:latin typeface="Cambria Math" panose="02040503050406030204" pitchFamily="18" charset="0"/>
+                            </a:rPr>
+                            <m:t>𝑠𝑒𝑚𝑖</m:t>
+                          </m:r>
+                          <m:r>
+                            <a:rPr lang="en-US" sz="1100" i="1">
+                              <a:latin typeface="Cambria Math" panose="02040503050406030204" pitchFamily="18" charset="0"/>
+                            </a:rPr>
+                            <m:t>−</m:t>
+                          </m:r>
+                          <m:r>
+                            <a:rPr lang="en-US" sz="1100" i="1">
+                              <a:latin typeface="Cambria Math" panose="02040503050406030204" pitchFamily="18" charset="0"/>
+                            </a:rPr>
+                            <m:t>𝑙𝑎𝑏𝑒𝑙𝑒𝑑</m:t>
+                          </m:r>
+                        </m:sub>
+                      </m:sSub>
+                    </m:oMath>
+                  </m:oMathPara>
+                </a14:m>
+                <a:endParaRPr lang="de-DE" dirty="0"/>
+              </a:p>
+            </p:txBody>
+          </p:sp>
+        </mc:Choice>
+        <mc:Fallback>
+          <p:sp>
+            <p:nvSpPr>
+              <p:cNvPr id="162" name="Textfeld 60">
+                <a:extLst>
+                  <a:ext uri="{FF2B5EF4-FFF2-40B4-BE49-F238E27FC236}">
+                    <a16:creationId xmlns:a16="http://schemas.microsoft.com/office/drawing/2014/main" id="{15E12CA4-1E56-4785-ADE0-337000A006EF}"/>
+                  </a:ext>
+                </a:extLst>
+              </p:cNvPr>
+              <p:cNvSpPr txBox="1">
+                <a:spLocks noRot="1" noChangeAspect="1" noMove="1" noResize="1" noEditPoints="1" noAdjustHandles="1" noChangeArrowheads="1" noChangeShapeType="1" noTextEdit="1"/>
+              </p:cNvSpPr>
+              <p:nvPr/>
+            </p:nvSpPr>
+            <p:spPr>
+              <a:xfrm>
+                <a:off x="5975451" y="2809485"/>
+                <a:ext cx="1009444" cy="261610"/>
+              </a:xfrm>
+              <a:prstGeom prst="rect">
+                <a:avLst/>
+              </a:prstGeom>
+              <a:blipFill>
+                <a:blip r:embed="rId20"/>
+                <a:stretch>
+                  <a:fillRect/>
+                </a:stretch>
+              </a:blipFill>
+            </p:spPr>
+            <p:txBody>
+              <a:bodyPr/>
+              <a:lstStyle/>
+              <a:p>
+                <a:r>
+                  <a:rPr lang="en-GB">
+                    <a:noFill/>
+                  </a:rPr>
+                  <a:t> </a:t>
+                </a:r>
+              </a:p>
+            </p:txBody>
+          </p:sp>
+        </mc:Fallback>
+      </mc:AlternateContent>
+      <mc:AlternateContent xmlns:mc="http://schemas.openxmlformats.org/markup-compatibility/2006">
+        <mc:Choice xmlns:a14="http://schemas.microsoft.com/office/drawing/2010/main" Requires="a14">
+          <p:sp>
+            <p:nvSpPr>
+              <p:cNvPr id="163" name="Textfeld 61">
+                <a:extLst>
+                  <a:ext uri="{FF2B5EF4-FFF2-40B4-BE49-F238E27FC236}">
+                    <a16:creationId xmlns:a16="http://schemas.microsoft.com/office/drawing/2014/main" id="{A5A2CF92-B1E6-4500-B95C-130908AA7127}"/>
+                  </a:ext>
+                </a:extLst>
+              </p:cNvPr>
+              <p:cNvSpPr txBox="1"/>
+              <p:nvPr/>
+            </p:nvSpPr>
+            <p:spPr>
+              <a:xfrm>
+                <a:off x="7640158" y="4261495"/>
+                <a:ext cx="1009444" cy="266163"/>
+              </a:xfrm>
+              <a:prstGeom prst="rect">
+                <a:avLst/>
+              </a:prstGeom>
+              <a:noFill/>
+            </p:spPr>
+            <p:txBody>
+              <a:bodyPr wrap="none" rtlCol="0">
+                <a:spAutoFit/>
+              </a:bodyPr>
+              <a:lstStyle/>
+              <a:p>
+                <a:pPr/>
+                <a14:m>
+                  <m:oMathPara xmlns:m="http://schemas.openxmlformats.org/officeDocument/2006/math">
+                    <m:oMathParaPr>
+                      <m:jc m:val="centerGroup"/>
+                    </m:oMathParaPr>
+                    <m:oMath xmlns:m="http://schemas.openxmlformats.org/officeDocument/2006/math">
+                      <m:sSub>
+                        <m:sSubPr>
+                          <m:ctrlPr>
+                            <a:rPr lang="de-DE" sz="1100" i="1">
+                              <a:latin typeface="Cambria Math" panose="02040503050406030204" pitchFamily="18" charset="0"/>
+                            </a:rPr>
+                          </m:ctrlPr>
+                        </m:sSubPr>
+                        <m:e>
+                          <m:acc>
+                            <m:accPr>
+                              <m:chr m:val="̂"/>
+                              <m:ctrlPr>
+                                <a:rPr lang="de-DE" sz="1100" i="1">
+                                  <a:latin typeface="Cambria Math" panose="02040503050406030204" pitchFamily="18" charset="0"/>
+                                </a:rPr>
+                              </m:ctrlPr>
+                            </m:accPr>
+                            <m:e>
+                              <m:r>
+                                <a:rPr lang="en-US" sz="1100" i="1">
+                                  <a:latin typeface="Cambria Math" panose="02040503050406030204" pitchFamily="18" charset="0"/>
+                                </a:rPr>
+                                <m:t>𝑈</m:t>
+                              </m:r>
+                            </m:e>
+                          </m:acc>
+                        </m:e>
+                        <m:sub>
+                          <m:r>
+                            <a:rPr lang="en-US" sz="1100" i="1">
+                              <a:latin typeface="Cambria Math" panose="02040503050406030204" pitchFamily="18" charset="0"/>
+                            </a:rPr>
+                            <m:t>𝑠𝑒𝑚𝑖</m:t>
+                          </m:r>
+                          <m:r>
+                            <a:rPr lang="en-US" sz="1100" i="1">
+                              <a:latin typeface="Cambria Math" panose="02040503050406030204" pitchFamily="18" charset="0"/>
+                            </a:rPr>
+                            <m:t>−</m:t>
+                          </m:r>
+                          <m:r>
+                            <a:rPr lang="en-US" sz="1100" i="1">
+                              <a:latin typeface="Cambria Math" panose="02040503050406030204" pitchFamily="18" charset="0"/>
+                            </a:rPr>
+                            <m:t>𝑙𝑎𝑏𝑒𝑙𝑒𝑑</m:t>
+                          </m:r>
+                        </m:sub>
+                      </m:sSub>
+                    </m:oMath>
+                  </m:oMathPara>
+                </a14:m>
+                <a:endParaRPr lang="de-DE" dirty="0"/>
+              </a:p>
+            </p:txBody>
+          </p:sp>
+        </mc:Choice>
+        <mc:Fallback>
+          <p:sp>
+            <p:nvSpPr>
+              <p:cNvPr id="163" name="Textfeld 61">
+                <a:extLst>
+                  <a:ext uri="{FF2B5EF4-FFF2-40B4-BE49-F238E27FC236}">
+                    <a16:creationId xmlns:a16="http://schemas.microsoft.com/office/drawing/2014/main" id="{A5A2CF92-B1E6-4500-B95C-130908AA7127}"/>
+                  </a:ext>
+                </a:extLst>
+              </p:cNvPr>
+              <p:cNvSpPr txBox="1">
+                <a:spLocks noRot="1" noChangeAspect="1" noMove="1" noResize="1" noEditPoints="1" noAdjustHandles="1" noChangeArrowheads="1" noChangeShapeType="1" noTextEdit="1"/>
+              </p:cNvSpPr>
+              <p:nvPr/>
+            </p:nvSpPr>
+            <p:spPr>
+              <a:xfrm>
+                <a:off x="7640158" y="4261495"/>
+                <a:ext cx="1009444" cy="266163"/>
+              </a:xfrm>
+              <a:prstGeom prst="rect">
+                <a:avLst/>
+              </a:prstGeom>
+              <a:blipFill>
+                <a:blip r:embed="rId21"/>
+                <a:stretch>
+                  <a:fillRect/>
+                </a:stretch>
+              </a:blipFill>
+            </p:spPr>
+            <p:txBody>
+              <a:bodyPr/>
+              <a:lstStyle/>
+              <a:p>
+                <a:r>
+                  <a:rPr lang="en-GB">
+                    <a:noFill/>
+                  </a:rPr>
+                  <a:t> </a:t>
+                </a:r>
+              </a:p>
+            </p:txBody>
+          </p:sp>
+        </mc:Fallback>
+      </mc:AlternateContent>
+      <p:cxnSp>
+        <p:nvCxnSpPr>
+          <p:cNvPr id="164" name="Gerade Verbindung mit Pfeil 69">
+            <a:extLst>
+              <a:ext uri="{FF2B5EF4-FFF2-40B4-BE49-F238E27FC236}">
+                <a16:creationId xmlns:a16="http://schemas.microsoft.com/office/drawing/2014/main" id="{9325F958-8528-413A-839A-DEAB16A1AAB1}"/>
+              </a:ext>
+            </a:extLst>
+          </p:cNvPr>
+          <p:cNvCxnSpPr>
+            <a:cxnSpLocks/>
+          </p:cNvCxnSpPr>
+          <p:nvPr/>
+        </p:nvCxnSpPr>
+        <p:spPr>
+          <a:xfrm>
+            <a:off x="7678767" y="4293096"/>
+            <a:ext cx="1008974" cy="0"/>
+          </a:xfrm>
+          <a:prstGeom prst="straightConnector1">
+            <a:avLst/>
+          </a:prstGeom>
+          <a:ln w="12700">
+            <a:solidFill>
+              <a:schemeClr val="tx1"/>
+            </a:solidFill>
+            <a:tailEnd type="triangle"/>
+          </a:ln>
+        </p:spPr>
+        <p:style>
+          <a:lnRef idx="1">
+            <a:schemeClr val="accent1"/>
+          </a:lnRef>
+          <a:fillRef idx="0">
+            <a:schemeClr val="accent1"/>
+          </a:fillRef>
+          <a:effectRef idx="0">
+            <a:schemeClr val="accent1"/>
+          </a:effectRef>
+          <a:fontRef idx="minor">
+            <a:schemeClr val="tx1"/>
+          </a:fontRef>
+        </p:style>
+      </p:cxnSp>
+    </p:spTree>
+    <p:extLst>
+      <p:ext uri="{BB962C8B-B14F-4D97-AF65-F5344CB8AC3E}">
+        <p14:creationId xmlns:p14="http://schemas.microsoft.com/office/powerpoint/2010/main" val="3208272557"/>
       </p:ext>
     </p:extLst>
   </p:cSld>

--- a/images/block_scheme.pptx
+++ b/images/block_scheme.pptx
@@ -13,9 +13,9 @@
     <p:sldId id="263" r:id="rId4"/>
     <p:sldId id="264" r:id="rId5"/>
     <p:sldId id="267" r:id="rId6"/>
-    <p:sldId id="266" r:id="rId7"/>
-    <p:sldId id="269" r:id="rId8"/>
-    <p:sldId id="270" r:id="rId9"/>
+    <p:sldId id="270" r:id="rId7"/>
+    <p:sldId id="266" r:id="rId8"/>
+    <p:sldId id="269" r:id="rId9"/>
     <p:sldId id="271" r:id="rId10"/>
   </p:sldIdLst>
   <p:sldSz cx="9144000" cy="6858000" type="screen4x3"/>
@@ -220,7 +220,7 @@
           <a:p>
             <a:fld id="{2F6F1BCE-1FE9-4644-9CDB-12C2BD4EE37B}" type="datetimeFigureOut">
               <a:rPr lang="de-DE" smtClean="0"/>
-              <a:t>22.07.2024</a:t>
+              <a:t>23.07.2024</a:t>
             </a:fld>
             <a:endParaRPr lang="de-DE"/>
           </a:p>
@@ -981,7 +981,7 @@
     </p:spTree>
     <p:extLst>
       <p:ext uri="{BB962C8B-B14F-4D97-AF65-F5344CB8AC3E}">
-        <p14:creationId xmlns:p14="http://schemas.microsoft.com/office/powerpoint/2010/main" val="1920704018"/>
+        <p14:creationId xmlns:p14="http://schemas.microsoft.com/office/powerpoint/2010/main" val="3552206337"/>
       </p:ext>
     </p:extLst>
   </p:cSld>
@@ -1065,7 +1065,7 @@
     </p:spTree>
     <p:extLst>
       <p:ext uri="{BB962C8B-B14F-4D97-AF65-F5344CB8AC3E}">
-        <p14:creationId xmlns:p14="http://schemas.microsoft.com/office/powerpoint/2010/main" val="4000112083"/>
+        <p14:creationId xmlns:p14="http://schemas.microsoft.com/office/powerpoint/2010/main" val="1920704018"/>
       </p:ext>
     </p:extLst>
   </p:cSld>
@@ -1149,7 +1149,7 @@
     </p:spTree>
     <p:extLst>
       <p:ext uri="{BB962C8B-B14F-4D97-AF65-F5344CB8AC3E}">
-        <p14:creationId xmlns:p14="http://schemas.microsoft.com/office/powerpoint/2010/main" val="3552206337"/>
+        <p14:creationId xmlns:p14="http://schemas.microsoft.com/office/powerpoint/2010/main" val="4000112083"/>
       </p:ext>
     </p:extLst>
   </p:cSld>
@@ -1422,7 +1422,7 @@
           <a:p>
             <a:fld id="{68096437-929F-41B4-A44E-96A3364BC2EF}" type="datetimeFigureOut">
               <a:rPr lang="de-DE" smtClean="0"/>
-              <a:t>22.07.2024</a:t>
+              <a:t>23.07.2024</a:t>
             </a:fld>
             <a:endParaRPr lang="de-DE"/>
           </a:p>
@@ -1590,7 +1590,7 @@
           <a:p>
             <a:fld id="{68096437-929F-41B4-A44E-96A3364BC2EF}" type="datetimeFigureOut">
               <a:rPr lang="de-DE" smtClean="0"/>
-              <a:t>22.07.2024</a:t>
+              <a:t>23.07.2024</a:t>
             </a:fld>
             <a:endParaRPr lang="de-DE"/>
           </a:p>
@@ -1768,7 +1768,7 @@
           <a:p>
             <a:fld id="{68096437-929F-41B4-A44E-96A3364BC2EF}" type="datetimeFigureOut">
               <a:rPr lang="de-DE" smtClean="0"/>
-              <a:t>22.07.2024</a:t>
+              <a:t>23.07.2024</a:t>
             </a:fld>
             <a:endParaRPr lang="de-DE"/>
           </a:p>
@@ -1936,7 +1936,7 @@
           <a:p>
             <a:fld id="{68096437-929F-41B4-A44E-96A3364BC2EF}" type="datetimeFigureOut">
               <a:rPr lang="de-DE" smtClean="0"/>
-              <a:t>22.07.2024</a:t>
+              <a:t>23.07.2024</a:t>
             </a:fld>
             <a:endParaRPr lang="de-DE"/>
           </a:p>
@@ -2181,7 +2181,7 @@
           <a:p>
             <a:fld id="{68096437-929F-41B4-A44E-96A3364BC2EF}" type="datetimeFigureOut">
               <a:rPr lang="de-DE" smtClean="0"/>
-              <a:t>22.07.2024</a:t>
+              <a:t>23.07.2024</a:t>
             </a:fld>
             <a:endParaRPr lang="de-DE"/>
           </a:p>
@@ -2466,7 +2466,7 @@
           <a:p>
             <a:fld id="{68096437-929F-41B4-A44E-96A3364BC2EF}" type="datetimeFigureOut">
               <a:rPr lang="de-DE" smtClean="0"/>
-              <a:t>22.07.2024</a:t>
+              <a:t>23.07.2024</a:t>
             </a:fld>
             <a:endParaRPr lang="de-DE"/>
           </a:p>
@@ -2885,7 +2885,7 @@
           <a:p>
             <a:fld id="{68096437-929F-41B4-A44E-96A3364BC2EF}" type="datetimeFigureOut">
               <a:rPr lang="de-DE" smtClean="0"/>
-              <a:t>22.07.2024</a:t>
+              <a:t>23.07.2024</a:t>
             </a:fld>
             <a:endParaRPr lang="de-DE"/>
           </a:p>
@@ -3002,7 +3002,7 @@
           <a:p>
             <a:fld id="{68096437-929F-41B4-A44E-96A3364BC2EF}" type="datetimeFigureOut">
               <a:rPr lang="de-DE" smtClean="0"/>
-              <a:t>22.07.2024</a:t>
+              <a:t>23.07.2024</a:t>
             </a:fld>
             <a:endParaRPr lang="de-DE"/>
           </a:p>
@@ -3097,7 +3097,7 @@
           <a:p>
             <a:fld id="{68096437-929F-41B4-A44E-96A3364BC2EF}" type="datetimeFigureOut">
               <a:rPr lang="de-DE" smtClean="0"/>
-              <a:t>22.07.2024</a:t>
+              <a:t>23.07.2024</a:t>
             </a:fld>
             <a:endParaRPr lang="de-DE"/>
           </a:p>
@@ -3372,7 +3372,7 @@
           <a:p>
             <a:fld id="{68096437-929F-41B4-A44E-96A3364BC2EF}" type="datetimeFigureOut">
               <a:rPr lang="de-DE" smtClean="0"/>
-              <a:t>22.07.2024</a:t>
+              <a:t>23.07.2024</a:t>
             </a:fld>
             <a:endParaRPr lang="de-DE"/>
           </a:p>
@@ -3624,7 +3624,7 @@
           <a:p>
             <a:fld id="{68096437-929F-41B4-A44E-96A3364BC2EF}" type="datetimeFigureOut">
               <a:rPr lang="de-DE" smtClean="0"/>
-              <a:t>22.07.2024</a:t>
+              <a:t>23.07.2024</a:t>
             </a:fld>
             <a:endParaRPr lang="de-DE"/>
           </a:p>
@@ -3835,7 +3835,7 @@
           <a:p>
             <a:fld id="{68096437-929F-41B4-A44E-96A3364BC2EF}" type="datetimeFigureOut">
               <a:rPr lang="de-DE" smtClean="0"/>
-              <a:t>22.07.2024</a:t>
+              <a:t>23.07.2024</a:t>
             </a:fld>
             <a:endParaRPr lang="de-DE"/>
           </a:p>
@@ -12155,8 +12155,8 @@
           </a:p>
         </p:txBody>
       </p:sp>
-      <mc:AlternateContent xmlns:mc="http://schemas.openxmlformats.org/markup-compatibility/2006">
-        <mc:Choice xmlns:a14="http://schemas.microsoft.com/office/drawing/2010/main" Requires="a14">
+      <mc:AlternateContent xmlns:mc="http://schemas.openxmlformats.org/markup-compatibility/2006" xmlns:a14="http://schemas.microsoft.com/office/drawing/2010/main">
+        <mc:Choice Requires="a14">
           <p:sp>
             <p:nvSpPr>
               <p:cNvPr id="112" name="Zylinder 102">
@@ -12258,7 +12258,7 @@
             </p:txBody>
           </p:sp>
         </mc:Choice>
-        <mc:Fallback>
+        <mc:Fallback xmlns="">
           <p:sp>
             <p:nvSpPr>
               <p:cNvPr id="112" name="Zylinder 102">
@@ -15386,8 +15386,8 @@
           </a:p>
         </p:txBody>
       </p:sp>
-      <mc:AlternateContent xmlns:mc="http://schemas.openxmlformats.org/markup-compatibility/2006">
-        <mc:Choice xmlns:a14="http://schemas.microsoft.com/office/drawing/2010/main" Requires="a14">
+      <mc:AlternateContent xmlns:mc="http://schemas.openxmlformats.org/markup-compatibility/2006" xmlns:a14="http://schemas.microsoft.com/office/drawing/2010/main">
+        <mc:Choice Requires="a14">
           <p:sp>
             <p:nvSpPr>
               <p:cNvPr id="112" name="Zylinder 102">
@@ -15489,7 +15489,7 @@
             </p:txBody>
           </p:sp>
         </mc:Choice>
-        <mc:Fallback>
+        <mc:Fallback xmlns="">
           <p:sp>
             <p:nvSpPr>
               <p:cNvPr id="112" name="Zylinder 102">
@@ -16726,8 +16726,8 @@
           </p:sp>
         </mc:Fallback>
       </mc:AlternateContent>
-      <mc:AlternateContent xmlns:mc="http://schemas.openxmlformats.org/markup-compatibility/2006">
-        <mc:Choice xmlns:a14="http://schemas.microsoft.com/office/drawing/2010/main" Requires="a14">
+      <mc:AlternateContent xmlns:mc="http://schemas.openxmlformats.org/markup-compatibility/2006" xmlns:a14="http://schemas.microsoft.com/office/drawing/2010/main">
+        <mc:Choice Requires="a14">
           <p:sp>
             <p:nvSpPr>
               <p:cNvPr id="162" name="Textfeld 60">
@@ -16808,7 +16808,7 @@
             </p:txBody>
           </p:sp>
         </mc:Choice>
-        <mc:Fallback>
+        <mc:Fallback xmlns="">
           <p:sp>
             <p:nvSpPr>
               <p:cNvPr id="162" name="Textfeld 60">
@@ -18633,8 +18633,8 @@
           </p:sp>
         </mc:Fallback>
       </mc:AlternateContent>
-      <mc:AlternateContent xmlns:mc="http://schemas.openxmlformats.org/markup-compatibility/2006">
-        <mc:Choice xmlns:a14="http://schemas.microsoft.com/office/drawing/2010/main" Requires="a14">
+      <mc:AlternateContent xmlns:mc="http://schemas.openxmlformats.org/markup-compatibility/2006" xmlns:a14="http://schemas.microsoft.com/office/drawing/2010/main">
+        <mc:Choice Requires="a14">
           <p:sp>
             <p:nvSpPr>
               <p:cNvPr id="112" name="Zylinder 102">
@@ -18736,7 +18736,7 @@
             </p:txBody>
           </p:sp>
         </mc:Choice>
-        <mc:Fallback>
+        <mc:Fallback xmlns="">
           <p:sp>
             <p:nvSpPr>
               <p:cNvPr id="112" name="Zylinder 102">
@@ -20506,8 +20506,8 @@
           </a:p>
         </p:txBody>
       </p:sp>
-      <mc:AlternateContent xmlns:mc="http://schemas.openxmlformats.org/markup-compatibility/2006">
-        <mc:Choice xmlns:a14="http://schemas.microsoft.com/office/drawing/2010/main" Requires="a14">
+      <mc:AlternateContent xmlns:mc="http://schemas.openxmlformats.org/markup-compatibility/2006" xmlns:a14="http://schemas.microsoft.com/office/drawing/2010/main">
+        <mc:Choice Requires="a14">
           <p:sp>
             <p:nvSpPr>
               <p:cNvPr id="4" name="Textfeld 3"/>
@@ -20572,7 +20572,7 @@
             </p:txBody>
           </p:sp>
         </mc:Choice>
-        <mc:Fallback>
+        <mc:Fallback xmlns="">
           <p:sp>
             <p:nvSpPr>
               <p:cNvPr id="4" name="Textfeld 3"/>
@@ -21407,14 +21407,14 @@
           </p:sp>
         </mc:Fallback>
       </mc:AlternateContent>
-      <mc:AlternateContent xmlns:mc="http://schemas.openxmlformats.org/markup-compatibility/2006" xmlns:a14="http://schemas.microsoft.com/office/drawing/2010/main">
-        <mc:Choice Requires="a14">
+      <mc:AlternateContent xmlns:mc="http://schemas.openxmlformats.org/markup-compatibility/2006">
+        <mc:Choice xmlns:a14="http://schemas.microsoft.com/office/drawing/2010/main" Requires="a14">
           <p:sp>
             <p:nvSpPr>
-              <p:cNvPr id="103" name="Zylinder 102">
+              <p:cNvPr id="112" name="Zylinder 102">
                 <a:extLst>
                   <a:ext uri="{FF2B5EF4-FFF2-40B4-BE49-F238E27FC236}">
-                    <a16:creationId xmlns:a16="http://schemas.microsoft.com/office/drawing/2014/main" id="{FB57FE56-DDB0-4D71-9998-2808DD09E0E0}"/>
+                    <a16:creationId xmlns:a16="http://schemas.microsoft.com/office/drawing/2014/main" id="{1475BEBA-E10D-4242-8695-D0F6D2C12075}"/>
                   </a:ext>
                 </a:extLst>
               </p:cNvPr>
@@ -21423,8 +21423,8 @@
             </p:nvSpPr>
             <p:spPr>
               <a:xfrm>
-                <a:off x="5413756" y="857150"/>
-                <a:ext cx="1080000" cy="963027"/>
+                <a:off x="8574554" y="862986"/>
+                <a:ext cx="1080119" cy="963027"/>
               </a:xfrm>
               <a:prstGeom prst="can">
                 <a:avLst/>
@@ -21512,13 +21512,13 @@
             </p:txBody>
           </p:sp>
         </mc:Choice>
-        <mc:Fallback xmlns="">
+        <mc:Fallback>
           <p:sp>
             <p:nvSpPr>
-              <p:cNvPr id="103" name="Zylinder 102">
+              <p:cNvPr id="112" name="Zylinder 102">
                 <a:extLst>
                   <a:ext uri="{FF2B5EF4-FFF2-40B4-BE49-F238E27FC236}">
-                    <a16:creationId xmlns:a16="http://schemas.microsoft.com/office/drawing/2014/main" id="{FB57FE56-DDB0-4D71-9998-2808DD09E0E0}"/>
+                    <a16:creationId xmlns:a16="http://schemas.microsoft.com/office/drawing/2014/main" id="{1475BEBA-E10D-4242-8695-D0F6D2C12075}"/>
                   </a:ext>
                 </a:extLst>
               </p:cNvPr>
@@ -21529,8 +21529,8 @@
             </p:nvSpPr>
             <p:spPr>
               <a:xfrm>
-                <a:off x="5413756" y="857150"/>
-                <a:ext cx="1080000" cy="963027"/>
+                <a:off x="8574554" y="862986"/>
+                <a:ext cx="1080119" cy="963027"/>
               </a:xfrm>
               <a:prstGeom prst="can">
                 <a:avLst/>
@@ -21538,7 +21538,7 @@
               <a:blipFill>
                 <a:blip r:embed="rId6"/>
                 <a:stretch>
-                  <a:fillRect r="-6145"/>
+                  <a:fillRect r="-5587"/>
                 </a:stretch>
               </a:blipFill>
               <a:ln w="12700">
@@ -21562,215 +21562,6 @@
           </p:sp>
         </mc:Fallback>
       </mc:AlternateContent>
-      <mc:AlternateContent xmlns:mc="http://schemas.openxmlformats.org/markup-compatibility/2006" xmlns:a14="http://schemas.microsoft.com/office/drawing/2010/main">
-        <mc:Choice Requires="a14">
-          <p:sp>
-            <p:nvSpPr>
-              <p:cNvPr id="112" name="Zylinder 102">
-                <a:extLst>
-                  <a:ext uri="{FF2B5EF4-FFF2-40B4-BE49-F238E27FC236}">
-                    <a16:creationId xmlns:a16="http://schemas.microsoft.com/office/drawing/2014/main" id="{1475BEBA-E10D-4242-8695-D0F6D2C12075}"/>
-                  </a:ext>
-                </a:extLst>
-              </p:cNvPr>
-              <p:cNvSpPr/>
-              <p:nvPr/>
-            </p:nvSpPr>
-            <p:spPr>
-              <a:xfrm>
-                <a:off x="8574554" y="862986"/>
-                <a:ext cx="1080119" cy="963027"/>
-              </a:xfrm>
-              <a:prstGeom prst="can">
-                <a:avLst/>
-              </a:prstGeom>
-              <a:solidFill>
-                <a:schemeClr val="bg1">
-                  <a:lumMod val="95000"/>
-                </a:schemeClr>
-              </a:solidFill>
-              <a:ln w="12700">
-                <a:solidFill>
-                  <a:schemeClr val="tx1"/>
-                </a:solidFill>
-              </a:ln>
-            </p:spPr>
-            <p:style>
-              <a:lnRef idx="2">
-                <a:schemeClr val="accent1">
-                  <a:shade val="50000"/>
-                </a:schemeClr>
-              </a:lnRef>
-              <a:fillRef idx="1">
-                <a:schemeClr val="accent1"/>
-              </a:fillRef>
-              <a:effectRef idx="0">
-                <a:schemeClr val="accent1"/>
-              </a:effectRef>
-              <a:fontRef idx="minor">
-                <a:schemeClr val="lt1"/>
-              </a:fontRef>
-            </p:style>
-            <p:txBody>
-              <a:bodyPr rtlCol="0" anchor="ctr"/>
-              <a:lstStyle/>
-              <a:p>
-                <a:pPr algn="ctr"/>
-                <a:r>
-                  <a:rPr lang="en-US" sz="1100" dirty="0">
-                    <a:solidFill>
-                      <a:schemeClr val="tx1"/>
-                    </a:solidFill>
-                    <a:latin typeface="Futura"/>
-                    <a:cs typeface="Times New Roman" panose="02020603050405020304" pitchFamily="18" charset="0"/>
-                  </a:rPr>
-                  <a:t>subset of unlabeled samples </a:t>
-                </a:r>
-                <a14:m>
-                  <m:oMath xmlns:m="http://schemas.openxmlformats.org/officeDocument/2006/math">
-                    <m:sSub>
-                      <m:sSubPr>
-                        <m:ctrlPr>
-                          <a:rPr lang="de-DE" sz="1100" i="1">
-                            <a:solidFill>
-                              <a:schemeClr val="tx1"/>
-                            </a:solidFill>
-                            <a:latin typeface="Cambria Math" panose="02040503050406030204" pitchFamily="18" charset="0"/>
-                          </a:rPr>
-                        </m:ctrlPr>
-                      </m:sSubPr>
-                      <m:e>
-                        <m:r>
-                          <a:rPr lang="en-US" sz="1100" i="1">
-                            <a:solidFill>
-                              <a:schemeClr val="tx1"/>
-                            </a:solidFill>
-                            <a:latin typeface="Cambria Math" panose="02040503050406030204" pitchFamily="18" charset="0"/>
-                          </a:rPr>
-                          <m:t>𝑈</m:t>
-                        </m:r>
-                      </m:e>
-                      <m:sub>
-                        <m:r>
-                          <a:rPr lang="it-IT" sz="1100" b="0" i="1" smtClean="0">
-                            <a:solidFill>
-                              <a:schemeClr val="tx1"/>
-                            </a:solidFill>
-                            <a:latin typeface="Cambria Math" panose="02040503050406030204" pitchFamily="18" charset="0"/>
-                          </a:rPr>
-                          <m:t>𝑛</m:t>
-                        </m:r>
-                      </m:sub>
-                    </m:sSub>
-                  </m:oMath>
-                </a14:m>
-                <a:endParaRPr lang="en-US" sz="1100" dirty="0">
-                  <a:solidFill>
-                    <a:schemeClr val="tx1"/>
-                  </a:solidFill>
-                  <a:latin typeface="Futura"/>
-                  <a:cs typeface="Times New Roman" panose="02020603050405020304" pitchFamily="18" charset="0"/>
-                </a:endParaRPr>
-              </a:p>
-            </p:txBody>
-          </p:sp>
-        </mc:Choice>
-        <mc:Fallback xmlns="">
-          <p:sp>
-            <p:nvSpPr>
-              <p:cNvPr id="112" name="Zylinder 102">
-                <a:extLst>
-                  <a:ext uri="{FF2B5EF4-FFF2-40B4-BE49-F238E27FC236}">
-                    <a16:creationId xmlns:a16="http://schemas.microsoft.com/office/drawing/2014/main" id="{1475BEBA-E10D-4242-8695-D0F6D2C12075}"/>
-                  </a:ext>
-                </a:extLst>
-              </p:cNvPr>
-              <p:cNvSpPr>
-                <a:spLocks noRot="1" noChangeAspect="1" noMove="1" noResize="1" noEditPoints="1" noAdjustHandles="1" noChangeArrowheads="1" noChangeShapeType="1" noTextEdit="1"/>
-              </p:cNvSpPr>
-              <p:nvPr/>
-            </p:nvSpPr>
-            <p:spPr>
-              <a:xfrm>
-                <a:off x="8574554" y="862986"/>
-                <a:ext cx="1080119" cy="963027"/>
-              </a:xfrm>
-              <a:prstGeom prst="can">
-                <a:avLst/>
-              </a:prstGeom>
-              <a:blipFill>
-                <a:blip r:embed="rId7"/>
-                <a:stretch>
-                  <a:fillRect/>
-                </a:stretch>
-              </a:blipFill>
-              <a:ln w="12700">
-                <a:solidFill>
-                  <a:schemeClr val="tx1"/>
-                </a:solidFill>
-              </a:ln>
-            </p:spPr>
-            <p:txBody>
-              <a:bodyPr/>
-              <a:lstStyle/>
-              <a:p>
-                <a:r>
-                  <a:rPr lang="en-GB">
-                    <a:noFill/>
-                  </a:rPr>
-                  <a:t> </a:t>
-                </a:r>
-              </a:p>
-            </p:txBody>
-          </p:sp>
-        </mc:Fallback>
-      </mc:AlternateContent>
-      <p:cxnSp>
-        <p:nvCxnSpPr>
-          <p:cNvPr id="116" name="Gerade Verbindung mit Pfeil 32">
-            <a:extLst>
-              <a:ext uri="{FF2B5EF4-FFF2-40B4-BE49-F238E27FC236}">
-                <a16:creationId xmlns:a16="http://schemas.microsoft.com/office/drawing/2014/main" id="{FA2A9ACF-225C-44BE-A6F2-5FC0D91CAC69}"/>
-              </a:ext>
-            </a:extLst>
-          </p:cNvPr>
-          <p:cNvCxnSpPr>
-            <a:cxnSpLocks/>
-            <a:stCxn id="103" idx="4"/>
-            <a:endCxn id="86" idx="1"/>
-          </p:cNvCxnSpPr>
-          <p:nvPr/>
-        </p:nvCxnSpPr>
-        <p:spPr>
-          <a:xfrm>
-            <a:off x="6493756" y="1338664"/>
-            <a:ext cx="507506" cy="5836"/>
-          </a:xfrm>
-          <a:prstGeom prst="straightConnector1">
-            <a:avLst/>
-          </a:prstGeom>
-          <a:ln w="12700">
-            <a:solidFill>
-              <a:schemeClr val="tx1"/>
-            </a:solidFill>
-            <a:tailEnd type="triangle"/>
-          </a:ln>
-        </p:spPr>
-        <p:style>
-          <a:lnRef idx="1">
-            <a:schemeClr val="accent1"/>
-          </a:lnRef>
-          <a:fillRef idx="0">
-            <a:schemeClr val="accent1"/>
-          </a:fillRef>
-          <a:effectRef idx="0">
-            <a:schemeClr val="accent1"/>
-          </a:effectRef>
-          <a:fontRef idx="minor">
-            <a:schemeClr val="tx1"/>
-          </a:fontRef>
-        </p:style>
-      </p:cxnSp>
       <p:sp>
         <p:nvSpPr>
           <p:cNvPr id="140" name="Flussdiagramm: Prozess 50">
@@ -22221,52 +22012,6 @@
             <a:ext cx="5300729" cy="706503"/>
           </a:xfrm>
           <a:prstGeom prst="bentConnector2">
-            <a:avLst/>
-          </a:prstGeom>
-          <a:ln w="12700">
-            <a:solidFill>
-              <a:schemeClr val="tx1"/>
-            </a:solidFill>
-            <a:tailEnd type="triangle"/>
-          </a:ln>
-        </p:spPr>
-        <p:style>
-          <a:lnRef idx="1">
-            <a:schemeClr val="accent1"/>
-          </a:lnRef>
-          <a:fillRef idx="0">
-            <a:schemeClr val="accent1"/>
-          </a:fillRef>
-          <a:effectRef idx="0">
-            <a:schemeClr val="accent1"/>
-          </a:effectRef>
-          <a:fontRef idx="minor">
-            <a:schemeClr val="tx1"/>
-          </a:fontRef>
-        </p:style>
-      </p:cxnSp>
-      <p:cxnSp>
-        <p:nvCxnSpPr>
-          <p:cNvPr id="177" name="Gerade Verbindung mit Pfeil 32">
-            <a:extLst>
-              <a:ext uri="{FF2B5EF4-FFF2-40B4-BE49-F238E27FC236}">
-                <a16:creationId xmlns:a16="http://schemas.microsoft.com/office/drawing/2014/main" id="{FF439C12-7007-4E31-A4E2-3C05BE9BADBF}"/>
-              </a:ext>
-            </a:extLst>
-          </p:cNvPr>
-          <p:cNvCxnSpPr>
-            <a:cxnSpLocks/>
-            <a:stCxn id="86" idx="3"/>
-            <a:endCxn id="112" idx="2"/>
-          </p:cNvCxnSpPr>
-          <p:nvPr/>
-        </p:nvCxnSpPr>
-        <p:spPr>
-          <a:xfrm>
-            <a:off x="8155283" y="1344500"/>
-            <a:ext cx="419271" cy="0"/>
-          </a:xfrm>
-          <a:prstGeom prst="straightConnector1">
             <a:avLst/>
           </a:prstGeom>
           <a:ln w="12700">
@@ -23709,150 +23454,6 @@
           </a:p>
         </p:txBody>
       </p:sp>
-      <mc:AlternateContent xmlns:mc="http://schemas.openxmlformats.org/markup-compatibility/2006" xmlns:a14="http://schemas.microsoft.com/office/drawing/2010/main">
-        <mc:Choice Requires="a14">
-          <p:sp>
-            <p:nvSpPr>
-              <p:cNvPr id="86" name="Rectangle: Rounded Corners 85">
-                <a:extLst>
-                  <a:ext uri="{FF2B5EF4-FFF2-40B4-BE49-F238E27FC236}">
-                    <a16:creationId xmlns:a16="http://schemas.microsoft.com/office/drawing/2014/main" id="{8FDCF969-16D5-4D85-9E2D-090D44AFE57B}"/>
-                  </a:ext>
-                </a:extLst>
-              </p:cNvPr>
-              <p:cNvSpPr/>
-              <p:nvPr/>
-            </p:nvSpPr>
-            <p:spPr>
-              <a:xfrm>
-                <a:off x="7001262" y="1020301"/>
-                <a:ext cx="1154021" cy="648398"/>
-              </a:xfrm>
-              <a:prstGeom prst="roundRect">
-                <a:avLst>
-                  <a:gd name="adj" fmla="val 10145"/>
-                </a:avLst>
-              </a:prstGeom>
-              <a:solidFill>
-                <a:schemeClr val="bg1"/>
-              </a:solidFill>
-              <a:ln w="12700">
-                <a:solidFill>
-                  <a:schemeClr val="tx1"/>
-                </a:solidFill>
-              </a:ln>
-            </p:spPr>
-            <p:style>
-              <a:lnRef idx="2">
-                <a:schemeClr val="accent1">
-                  <a:shade val="50000"/>
-                </a:schemeClr>
-              </a:lnRef>
-              <a:fillRef idx="1">
-                <a:schemeClr val="accent1"/>
-              </a:fillRef>
-              <a:effectRef idx="0">
-                <a:schemeClr val="accent1"/>
-              </a:effectRef>
-              <a:fontRef idx="minor">
-                <a:schemeClr val="lt1"/>
-              </a:fontRef>
-            </p:style>
-            <p:txBody>
-              <a:bodyPr rtlCol="0" anchor="ctr"/>
-              <a:lstStyle/>
-              <a:p>
-                <a:pPr algn="ctr"/>
-                <a:r>
-                  <a:rPr lang="en-US" sz="1050" dirty="0">
-                    <a:solidFill>
-                      <a:schemeClr val="tx1"/>
-                    </a:solidFill>
-                    <a:latin typeface="Futura"/>
-                    <a:cs typeface="Times New Roman" panose="02020603050405020304" pitchFamily="18" charset="0"/>
-                  </a:rPr>
-                  <a:t>select </a:t>
-                </a:r>
-                <a14:m>
-                  <m:oMath xmlns:m="http://schemas.openxmlformats.org/officeDocument/2006/math">
-                    <m:r>
-                      <a:rPr lang="it-IT" sz="1050" i="1">
-                        <a:solidFill>
-                          <a:schemeClr val="tx1"/>
-                        </a:solidFill>
-                        <a:latin typeface="Cambria Math" panose="02040503050406030204" pitchFamily="18" charset="0"/>
-                        <a:cs typeface="Times New Roman" panose="02020603050405020304" pitchFamily="18" charset="0"/>
-                      </a:rPr>
-                      <m:t>𝑛</m:t>
-                    </m:r>
-                  </m:oMath>
-                </a14:m>
-                <a:r>
-                  <a:rPr lang="en-US" sz="1050" dirty="0">
-                    <a:solidFill>
-                      <a:schemeClr val="tx1"/>
-                    </a:solidFill>
-                    <a:latin typeface="Futura"/>
-                    <a:cs typeface="Times New Roman" panose="02020603050405020304" pitchFamily="18" charset="0"/>
-                  </a:rPr>
-                  <a:t> unlabeled samples</a:t>
-                </a:r>
-              </a:p>
-            </p:txBody>
-          </p:sp>
-        </mc:Choice>
-        <mc:Fallback xmlns="">
-          <p:sp>
-            <p:nvSpPr>
-              <p:cNvPr id="86" name="Rectangle: Rounded Corners 85">
-                <a:extLst>
-                  <a:ext uri="{FF2B5EF4-FFF2-40B4-BE49-F238E27FC236}">
-                    <a16:creationId xmlns:a16="http://schemas.microsoft.com/office/drawing/2014/main" id="{8FDCF969-16D5-4D85-9E2D-090D44AFE57B}"/>
-                  </a:ext>
-                </a:extLst>
-              </p:cNvPr>
-              <p:cNvSpPr>
-                <a:spLocks noRot="1" noChangeAspect="1" noMove="1" noResize="1" noEditPoints="1" noAdjustHandles="1" noChangeArrowheads="1" noChangeShapeType="1" noTextEdit="1"/>
-              </p:cNvSpPr>
-              <p:nvPr/>
-            </p:nvSpPr>
-            <p:spPr>
-              <a:xfrm>
-                <a:off x="7001262" y="1020301"/>
-                <a:ext cx="1154021" cy="648398"/>
-              </a:xfrm>
-              <a:prstGeom prst="roundRect">
-                <a:avLst>
-                  <a:gd name="adj" fmla="val 10145"/>
-                </a:avLst>
-              </a:prstGeom>
-              <a:blipFill>
-                <a:blip r:embed="rId12"/>
-                <a:stretch>
-                  <a:fillRect/>
-                </a:stretch>
-              </a:blipFill>
-              <a:ln w="12700">
-                <a:solidFill>
-                  <a:schemeClr val="tx1"/>
-                </a:solidFill>
-              </a:ln>
-            </p:spPr>
-            <p:txBody>
-              <a:bodyPr/>
-              <a:lstStyle/>
-              <a:p>
-                <a:r>
-                  <a:rPr lang="en-GB">
-                    <a:noFill/>
-                  </a:rPr>
-                  <a:t> </a:t>
-                </a:r>
-              </a:p>
-            </p:txBody>
-          </p:sp>
-        </mc:Fallback>
-      </mc:AlternateContent>
       <p:sp>
         <p:nvSpPr>
           <p:cNvPr id="88" name="Rectangle: Rounded Corners 87">
@@ -24416,8 +24017,8 @@
           </a:p>
         </p:txBody>
       </p:sp>
-      <mc:AlternateContent xmlns:mc="http://schemas.openxmlformats.org/markup-compatibility/2006">
-        <mc:Choice xmlns:a14="http://schemas.microsoft.com/office/drawing/2010/main" Requires="a14">
+      <mc:AlternateContent xmlns:mc="http://schemas.openxmlformats.org/markup-compatibility/2006" xmlns:a14="http://schemas.microsoft.com/office/drawing/2010/main">
+        <mc:Choice Requires="a14">
           <p:sp>
             <p:nvSpPr>
               <p:cNvPr id="4" name="Textfeld 3"/>
@@ -24426,7 +24027,7 @@
             </p:nvSpPr>
             <p:spPr>
               <a:xfrm>
-                <a:off x="3799417" y="3539862"/>
+                <a:off x="3788304" y="3539862"/>
                 <a:ext cx="452303" cy="265457"/>
               </a:xfrm>
               <a:prstGeom prst="rect">
@@ -24482,7 +24083,7 @@
             </p:txBody>
           </p:sp>
         </mc:Choice>
-        <mc:Fallback>
+        <mc:Fallback xmlns="">
           <p:sp>
             <p:nvSpPr>
               <p:cNvPr id="4" name="Textfeld 3"/>
@@ -24493,7 +24094,7 @@
             </p:nvSpPr>
             <p:spPr>
               <a:xfrm>
-                <a:off x="3799417" y="3539862"/>
+                <a:off x="3788304" y="3539862"/>
                 <a:ext cx="452303" cy="265457"/>
               </a:xfrm>
               <a:prstGeom prst="rect">
@@ -25104,14 +24705,14 @@
                 <a:latin typeface="Futura"/>
                 <a:cs typeface="Times New Roman" panose="02020603050405020304" pitchFamily="18" charset="0"/>
               </a:rPr>
-              <a:t>Virtual Support Vector Machine </a:t>
-            </a:r>
-            <a:r>
-              <a:rPr lang="en-US" sz="1700" b="1" dirty="0">
+              <a:t>Virtual Support </a:t>
+            </a:r>
+            <a:r>
+              <a:rPr lang="en-US" sz="1700">
                 <a:latin typeface="Futura"/>
                 <a:cs typeface="Times New Roman" panose="02020603050405020304" pitchFamily="18" charset="0"/>
               </a:rPr>
-              <a:t>random</a:t>
+              <a:t>Vector Machine VARIANT </a:t>
             </a:r>
             <a:endParaRPr lang="de-DE" sz="1700" b="1" dirty="0">
               <a:latin typeface="Futura"/>
@@ -25324,8 +24925,3457 @@
           </p:sp>
         </mc:Fallback>
       </mc:AlternateContent>
-      <mc:AlternateContent xmlns:mc="http://schemas.openxmlformats.org/markup-compatibility/2006">
-        <mc:Choice xmlns:a14="http://schemas.microsoft.com/office/drawing/2010/main" Requires="a14">
+      <mc:AlternateContent xmlns:mc="http://schemas.openxmlformats.org/markup-compatibility/2006" xmlns:a14="http://schemas.microsoft.com/office/drawing/2010/main">
+        <mc:Choice Requires="a14">
+          <p:sp>
+            <p:nvSpPr>
+              <p:cNvPr id="103" name="Zylinder 102">
+                <a:extLst>
+                  <a:ext uri="{FF2B5EF4-FFF2-40B4-BE49-F238E27FC236}">
+                    <a16:creationId xmlns:a16="http://schemas.microsoft.com/office/drawing/2014/main" id="{FB57FE56-DDB0-4D71-9998-2808DD09E0E0}"/>
+                  </a:ext>
+                </a:extLst>
+              </p:cNvPr>
+              <p:cNvSpPr/>
+              <p:nvPr/>
+            </p:nvSpPr>
+            <p:spPr>
+              <a:xfrm>
+                <a:off x="7807075" y="879144"/>
+                <a:ext cx="1080000" cy="963027"/>
+              </a:xfrm>
+              <a:prstGeom prst="can">
+                <a:avLst/>
+              </a:prstGeom>
+              <a:solidFill>
+                <a:schemeClr val="bg1">
+                  <a:lumMod val="95000"/>
+                </a:schemeClr>
+              </a:solidFill>
+              <a:ln w="12700">
+                <a:solidFill>
+                  <a:schemeClr val="tx1"/>
+                </a:solidFill>
+              </a:ln>
+            </p:spPr>
+            <p:style>
+              <a:lnRef idx="2">
+                <a:schemeClr val="accent1">
+                  <a:shade val="50000"/>
+                </a:schemeClr>
+              </a:lnRef>
+              <a:fillRef idx="1">
+                <a:schemeClr val="accent1"/>
+              </a:fillRef>
+              <a:effectRef idx="0">
+                <a:schemeClr val="accent1"/>
+              </a:effectRef>
+              <a:fontRef idx="minor">
+                <a:schemeClr val="lt1"/>
+              </a:fontRef>
+            </p:style>
+            <p:txBody>
+              <a:bodyPr rtlCol="0" anchor="ctr"/>
+              <a:lstStyle/>
+              <a:p>
+                <a:pPr algn="ctr"/>
+                <a:r>
+                  <a:rPr lang="en-US" sz="1050" dirty="0">
+                    <a:solidFill>
+                      <a:schemeClr val="tx1"/>
+                    </a:solidFill>
+                    <a:latin typeface="Futura"/>
+                    <a:cs typeface="Times New Roman" panose="02020603050405020304" pitchFamily="18" charset="0"/>
+                  </a:rPr>
+                  <a:t>pool of unlabeled samples </a:t>
+                </a:r>
+                <a14:m>
+                  <m:oMath xmlns:m="http://schemas.openxmlformats.org/officeDocument/2006/math">
+                    <m:acc>
+                      <m:accPr>
+                        <m:chr m:val="̃"/>
+                        <m:ctrlPr>
+                          <a:rPr lang="en-US" sz="1050" i="1">
+                            <a:solidFill>
+                              <a:schemeClr val="tx1"/>
+                            </a:solidFill>
+                            <a:latin typeface="Cambria Math" panose="02040503050406030204" pitchFamily="18" charset="0"/>
+                            <a:cs typeface="Times New Roman" panose="02020603050405020304" pitchFamily="18" charset="0"/>
+                          </a:rPr>
+                        </m:ctrlPr>
+                      </m:accPr>
+                      <m:e>
+                        <m:r>
+                          <a:rPr lang="en-US" sz="1050" i="1">
+                            <a:solidFill>
+                              <a:schemeClr val="tx1"/>
+                            </a:solidFill>
+                            <a:latin typeface="Cambria Math" panose="02040503050406030204" pitchFamily="18" charset="0"/>
+                            <a:cs typeface="Times New Roman" panose="02020603050405020304" pitchFamily="18" charset="0"/>
+                          </a:rPr>
+                          <m:t>𝑈</m:t>
+                        </m:r>
+                      </m:e>
+                    </m:acc>
+                  </m:oMath>
+                </a14:m>
+                <a:endParaRPr lang="en-US" sz="1050" dirty="0">
+                  <a:solidFill>
+                    <a:schemeClr val="tx1"/>
+                  </a:solidFill>
+                  <a:latin typeface="Futura"/>
+                  <a:cs typeface="Times New Roman" panose="02020603050405020304" pitchFamily="18" charset="0"/>
+                </a:endParaRPr>
+              </a:p>
+            </p:txBody>
+          </p:sp>
+        </mc:Choice>
+        <mc:Fallback xmlns="">
+          <p:sp>
+            <p:nvSpPr>
+              <p:cNvPr id="103" name="Zylinder 102">
+                <a:extLst>
+                  <a:ext uri="{FF2B5EF4-FFF2-40B4-BE49-F238E27FC236}">
+                    <a16:creationId xmlns:a16="http://schemas.microsoft.com/office/drawing/2014/main" id="{FB57FE56-DDB0-4D71-9998-2808DD09E0E0}"/>
+                  </a:ext>
+                </a:extLst>
+              </p:cNvPr>
+              <p:cNvSpPr>
+                <a:spLocks noRot="1" noChangeAspect="1" noMove="1" noResize="1" noEditPoints="1" noAdjustHandles="1" noChangeArrowheads="1" noChangeShapeType="1" noTextEdit="1"/>
+              </p:cNvSpPr>
+              <p:nvPr/>
+            </p:nvSpPr>
+            <p:spPr>
+              <a:xfrm>
+                <a:off x="7807075" y="879144"/>
+                <a:ext cx="1080000" cy="963027"/>
+              </a:xfrm>
+              <a:prstGeom prst="can">
+                <a:avLst/>
+              </a:prstGeom>
+              <a:blipFill>
+                <a:blip r:embed="rId6"/>
+                <a:stretch>
+                  <a:fillRect r="-5587"/>
+                </a:stretch>
+              </a:blipFill>
+              <a:ln w="12700">
+                <a:solidFill>
+                  <a:schemeClr val="tx1"/>
+                </a:solidFill>
+              </a:ln>
+            </p:spPr>
+            <p:txBody>
+              <a:bodyPr/>
+              <a:lstStyle/>
+              <a:p>
+                <a:r>
+                  <a:rPr lang="en-GB">
+                    <a:noFill/>
+                  </a:rPr>
+                  <a:t> </a:t>
+                </a:r>
+              </a:p>
+            </p:txBody>
+          </p:sp>
+        </mc:Fallback>
+      </mc:AlternateContent>
+      <p:sp>
+        <p:nvSpPr>
+          <p:cNvPr id="140" name="Flussdiagramm: Prozess 50">
+            <a:extLst>
+              <a:ext uri="{FF2B5EF4-FFF2-40B4-BE49-F238E27FC236}">
+                <a16:creationId xmlns:a16="http://schemas.microsoft.com/office/drawing/2014/main" id="{11E8D23C-BCD8-410A-8EBB-723FC60C2727}"/>
+              </a:ext>
+            </a:extLst>
+          </p:cNvPr>
+          <p:cNvSpPr/>
+          <p:nvPr/>
+        </p:nvSpPr>
+        <p:spPr>
+          <a:xfrm>
+            <a:off x="5336110" y="2083138"/>
+            <a:ext cx="4474418" cy="1171109"/>
+          </a:xfrm>
+          <a:prstGeom prst="flowChartProcess">
+            <a:avLst/>
+          </a:prstGeom>
+          <a:solidFill>
+            <a:schemeClr val="bg2">
+              <a:lumMod val="50000"/>
+              <a:alpha val="40000"/>
+            </a:schemeClr>
+          </a:solidFill>
+          <a:ln>
+            <a:noFill/>
+          </a:ln>
+        </p:spPr>
+        <p:style>
+          <a:lnRef idx="2">
+            <a:schemeClr val="accent1">
+              <a:shade val="50000"/>
+            </a:schemeClr>
+          </a:lnRef>
+          <a:fillRef idx="1">
+            <a:schemeClr val="accent1"/>
+          </a:fillRef>
+          <a:effectRef idx="0">
+            <a:schemeClr val="accent1"/>
+          </a:effectRef>
+          <a:fontRef idx="minor">
+            <a:schemeClr val="lt1"/>
+          </a:fontRef>
+        </p:style>
+        <p:txBody>
+          <a:bodyPr rtlCol="0" anchor="ctr"/>
+          <a:lstStyle/>
+          <a:p>
+            <a:pPr algn="ctr"/>
+            <a:endParaRPr lang="de-DE" sz="1350" dirty="0"/>
+          </a:p>
+        </p:txBody>
+      </p:sp>
+      <p:sp>
+        <p:nvSpPr>
+          <p:cNvPr id="209" name="Textfeld 64">
+            <a:extLst>
+              <a:ext uri="{FF2B5EF4-FFF2-40B4-BE49-F238E27FC236}">
+                <a16:creationId xmlns:a16="http://schemas.microsoft.com/office/drawing/2014/main" id="{90BE4522-8B58-4A93-B1B1-B95C41BD39B6}"/>
+              </a:ext>
+            </a:extLst>
+          </p:cNvPr>
+          <p:cNvSpPr txBox="1"/>
+          <p:nvPr/>
+        </p:nvSpPr>
+        <p:spPr>
+          <a:xfrm>
+            <a:off x="5374952" y="2079594"/>
+            <a:ext cx="1230742" cy="253916"/>
+          </a:xfrm>
+          <a:prstGeom prst="rect">
+            <a:avLst/>
+          </a:prstGeom>
+          <a:noFill/>
+        </p:spPr>
+        <p:txBody>
+          <a:bodyPr wrap="square" rtlCol="0">
+            <a:spAutoFit/>
+          </a:bodyPr>
+          <a:lstStyle/>
+          <a:p>
+            <a:r>
+              <a:rPr lang="en-US" sz="1050" b="1" dirty="0">
+                <a:solidFill>
+                  <a:schemeClr val="tx1">
+                    <a:lumMod val="75000"/>
+                    <a:lumOff val="25000"/>
+                  </a:schemeClr>
+                </a:solidFill>
+                <a:latin typeface="Futura"/>
+                <a:cs typeface="Times New Roman" panose="02020603050405020304" pitchFamily="18" charset="0"/>
+              </a:rPr>
+              <a:t>active learning</a:t>
+            </a:r>
+          </a:p>
+        </p:txBody>
+      </p:sp>
+      <p:cxnSp>
+        <p:nvCxnSpPr>
+          <p:cNvPr id="234" name="Gewinkelte Verbindung 27">
+            <a:extLst>
+              <a:ext uri="{FF2B5EF4-FFF2-40B4-BE49-F238E27FC236}">
+                <a16:creationId xmlns:a16="http://schemas.microsoft.com/office/drawing/2014/main" id="{65FF37ED-D4BD-441C-8BB5-6E2BDEE63AF7}"/>
+              </a:ext>
+            </a:extLst>
+          </p:cNvPr>
+          <p:cNvCxnSpPr>
+            <a:cxnSpLocks/>
+            <a:endCxn id="88" idx="1"/>
+          </p:cNvCxnSpPr>
+          <p:nvPr/>
+        </p:nvCxnSpPr>
+        <p:spPr>
+          <a:xfrm rot="5400000">
+            <a:off x="-912017" y="3004185"/>
+            <a:ext cx="2773759" cy="417412"/>
+          </a:xfrm>
+          <a:prstGeom prst="bentConnector4">
+            <a:avLst>
+              <a:gd name="adj1" fmla="val 5421"/>
+              <a:gd name="adj2" fmla="val 143812"/>
+            </a:avLst>
+          </a:prstGeom>
+          <a:ln w="12700">
+            <a:solidFill>
+              <a:schemeClr val="tx1"/>
+            </a:solidFill>
+            <a:tailEnd type="triangle"/>
+          </a:ln>
+        </p:spPr>
+        <p:style>
+          <a:lnRef idx="1">
+            <a:schemeClr val="accent1"/>
+          </a:lnRef>
+          <a:fillRef idx="0">
+            <a:schemeClr val="accent1"/>
+          </a:fillRef>
+          <a:effectRef idx="0">
+            <a:schemeClr val="accent1"/>
+          </a:effectRef>
+          <a:fontRef idx="minor">
+            <a:schemeClr val="tx1"/>
+          </a:fontRef>
+        </p:style>
+      </p:cxnSp>
+      <p:cxnSp>
+        <p:nvCxnSpPr>
+          <p:cNvPr id="364" name="Gerade Verbindung mit Pfeil 98">
+            <a:extLst>
+              <a:ext uri="{FF2B5EF4-FFF2-40B4-BE49-F238E27FC236}">
+                <a16:creationId xmlns:a16="http://schemas.microsoft.com/office/drawing/2014/main" id="{3EA6BF85-25D4-4C10-B8DB-668CEC8831A0}"/>
+              </a:ext>
+            </a:extLst>
+          </p:cNvPr>
+          <p:cNvCxnSpPr>
+            <a:cxnSpLocks/>
+            <a:stCxn id="85" idx="2"/>
+            <a:endCxn id="8" idx="0"/>
+          </p:cNvCxnSpPr>
+          <p:nvPr/>
+        </p:nvCxnSpPr>
+        <p:spPr>
+          <a:xfrm>
+            <a:off x="9116517" y="4928659"/>
+            <a:ext cx="0" cy="518814"/>
+          </a:xfrm>
+          <a:prstGeom prst="straightConnector1">
+            <a:avLst/>
+          </a:prstGeom>
+          <a:ln w="12700">
+            <a:solidFill>
+              <a:schemeClr val="tx1"/>
+            </a:solidFill>
+            <a:tailEnd type="triangle"/>
+          </a:ln>
+        </p:spPr>
+        <p:style>
+          <a:lnRef idx="1">
+            <a:schemeClr val="accent1"/>
+          </a:lnRef>
+          <a:fillRef idx="0">
+            <a:schemeClr val="accent1"/>
+          </a:fillRef>
+          <a:effectRef idx="0">
+            <a:schemeClr val="accent1"/>
+          </a:effectRef>
+          <a:fontRef idx="minor">
+            <a:schemeClr val="tx1"/>
+          </a:fontRef>
+        </p:style>
+      </p:cxnSp>
+      <p:cxnSp>
+        <p:nvCxnSpPr>
+          <p:cNvPr id="149" name="Gerade Verbindung mit Pfeil 42">
+            <a:extLst>
+              <a:ext uri="{FF2B5EF4-FFF2-40B4-BE49-F238E27FC236}">
+                <a16:creationId xmlns:a16="http://schemas.microsoft.com/office/drawing/2014/main" id="{7DAD0877-0710-4853-89F9-273CEE2FABE2}"/>
+              </a:ext>
+            </a:extLst>
+          </p:cNvPr>
+          <p:cNvCxnSpPr>
+            <a:cxnSpLocks/>
+            <a:stCxn id="90" idx="0"/>
+            <a:endCxn id="103" idx="3"/>
+          </p:cNvCxnSpPr>
+          <p:nvPr/>
+        </p:nvCxnSpPr>
+        <p:spPr>
+          <a:xfrm flipV="1">
+            <a:off x="8343334" y="1842171"/>
+            <a:ext cx="3741" cy="556826"/>
+          </a:xfrm>
+          <a:prstGeom prst="straightConnector1">
+            <a:avLst/>
+          </a:prstGeom>
+          <a:ln w="12700">
+            <a:solidFill>
+              <a:schemeClr val="tx1"/>
+            </a:solidFill>
+            <a:headEnd type="triangle"/>
+            <a:tailEnd type="none"/>
+          </a:ln>
+        </p:spPr>
+        <p:style>
+          <a:lnRef idx="1">
+            <a:schemeClr val="accent1"/>
+          </a:lnRef>
+          <a:fillRef idx="0">
+            <a:schemeClr val="accent1"/>
+          </a:fillRef>
+          <a:effectRef idx="0">
+            <a:schemeClr val="accent1"/>
+          </a:effectRef>
+          <a:fontRef idx="minor">
+            <a:schemeClr val="tx1"/>
+          </a:fontRef>
+        </p:style>
+      </p:cxnSp>
+      <mc:AlternateContent xmlns:mc="http://schemas.openxmlformats.org/markup-compatibility/2006" xmlns:a14="http://schemas.microsoft.com/office/drawing/2010/main">
+        <mc:Choice Requires="a14">
+          <p:sp>
+            <p:nvSpPr>
+              <p:cNvPr id="165" name="Textfeld 60">
+                <a:extLst>
+                  <a:ext uri="{FF2B5EF4-FFF2-40B4-BE49-F238E27FC236}">
+                    <a16:creationId xmlns:a16="http://schemas.microsoft.com/office/drawing/2014/main" id="{64CAEF2F-7591-49CE-8AD8-ABE8B25A1418}"/>
+                  </a:ext>
+                </a:extLst>
+              </p:cNvPr>
+              <p:cNvSpPr txBox="1"/>
+              <p:nvPr/>
+            </p:nvSpPr>
+            <p:spPr>
+              <a:xfrm>
+                <a:off x="6429998" y="2718495"/>
+                <a:ext cx="1085368" cy="261610"/>
+              </a:xfrm>
+              <a:prstGeom prst="rect">
+                <a:avLst/>
+              </a:prstGeom>
+              <a:noFill/>
+            </p:spPr>
+            <p:txBody>
+              <a:bodyPr wrap="square" rtlCol="0">
+                <a:spAutoFit/>
+              </a:bodyPr>
+              <a:lstStyle/>
+              <a:p>
+                <a:pPr/>
+                <a14:m>
+                  <m:oMathPara xmlns:m="http://schemas.openxmlformats.org/officeDocument/2006/math">
+                    <m:oMathParaPr>
+                      <m:jc m:val="centerGroup"/>
+                    </m:oMathParaPr>
+                    <m:oMath xmlns:m="http://schemas.openxmlformats.org/officeDocument/2006/math">
+                      <m:sSub>
+                        <m:sSubPr>
+                          <m:ctrlPr>
+                            <a:rPr lang="de-DE" sz="1100" i="1">
+                              <a:solidFill>
+                                <a:prstClr val="black"/>
+                              </a:solidFill>
+                              <a:latin typeface="Cambria Math" panose="02040503050406030204" pitchFamily="18" charset="0"/>
+                            </a:rPr>
+                          </m:ctrlPr>
+                        </m:sSubPr>
+                        <m:e>
+                          <m:r>
+                            <a:rPr lang="it-IT" sz="1100" b="0" i="1" smtClean="0">
+                              <a:solidFill>
+                                <a:prstClr val="black"/>
+                              </a:solidFill>
+                              <a:latin typeface="Cambria Math" panose="02040503050406030204" pitchFamily="18" charset="0"/>
+                            </a:rPr>
+                            <m:t>𝑈</m:t>
+                          </m:r>
+                        </m:e>
+                        <m:sub>
+                          <m:r>
+                            <a:rPr lang="it-IT" sz="1100" i="1">
+                              <a:solidFill>
+                                <a:prstClr val="black"/>
+                              </a:solidFill>
+                              <a:latin typeface="Cambria Math" panose="02040503050406030204" pitchFamily="18" charset="0"/>
+                            </a:rPr>
+                            <m:t>𝑚𝑜𝑠𝑡</m:t>
+                          </m:r>
+                          <m:r>
+                            <a:rPr lang="it-IT" sz="1100" i="1">
+                              <a:solidFill>
+                                <a:prstClr val="black"/>
+                              </a:solidFill>
+                              <a:latin typeface="Cambria Math" panose="02040503050406030204" pitchFamily="18" charset="0"/>
+                            </a:rPr>
+                            <m:t>−</m:t>
+                          </m:r>
+                          <m:r>
+                            <a:rPr lang="it-IT" sz="1100" i="1">
+                              <a:solidFill>
+                                <a:prstClr val="black"/>
+                              </a:solidFill>
+                              <a:latin typeface="Cambria Math" panose="02040503050406030204" pitchFamily="18" charset="0"/>
+                            </a:rPr>
+                            <m:t>𝑢𝑛𝑐𝑒𝑟𝑡𝑎𝑖𝑛</m:t>
+                          </m:r>
+                        </m:sub>
+                      </m:sSub>
+                    </m:oMath>
+                  </m:oMathPara>
+                </a14:m>
+                <a:endParaRPr lang="de-DE" sz="1350" dirty="0">
+                  <a:latin typeface="Futura"/>
+                </a:endParaRPr>
+              </a:p>
+            </p:txBody>
+          </p:sp>
+        </mc:Choice>
+        <mc:Fallback xmlns="">
+          <p:sp>
+            <p:nvSpPr>
+              <p:cNvPr id="165" name="Textfeld 60">
+                <a:extLst>
+                  <a:ext uri="{FF2B5EF4-FFF2-40B4-BE49-F238E27FC236}">
+                    <a16:creationId xmlns:a16="http://schemas.microsoft.com/office/drawing/2014/main" id="{64CAEF2F-7591-49CE-8AD8-ABE8B25A1418}"/>
+                  </a:ext>
+                </a:extLst>
+              </p:cNvPr>
+              <p:cNvSpPr txBox="1">
+                <a:spLocks noRot="1" noChangeAspect="1" noMove="1" noResize="1" noEditPoints="1" noAdjustHandles="1" noChangeArrowheads="1" noChangeShapeType="1" noTextEdit="1"/>
+              </p:cNvSpPr>
+              <p:nvPr/>
+            </p:nvSpPr>
+            <p:spPr>
+              <a:xfrm>
+                <a:off x="6429998" y="2718495"/>
+                <a:ext cx="1085368" cy="261610"/>
+              </a:xfrm>
+              <a:prstGeom prst="rect">
+                <a:avLst/>
+              </a:prstGeom>
+              <a:blipFill>
+                <a:blip r:embed="rId7"/>
+                <a:stretch>
+                  <a:fillRect/>
+                </a:stretch>
+              </a:blipFill>
+            </p:spPr>
+            <p:txBody>
+              <a:bodyPr/>
+              <a:lstStyle/>
+              <a:p>
+                <a:r>
+                  <a:rPr lang="en-GB">
+                    <a:noFill/>
+                  </a:rPr>
+                  <a:t> </a:t>
+                </a:r>
+              </a:p>
+            </p:txBody>
+          </p:sp>
+        </mc:Fallback>
+      </mc:AlternateContent>
+      <p:cxnSp>
+        <p:nvCxnSpPr>
+          <p:cNvPr id="109" name="Gerade Verbindung mit Pfeil 69">
+            <a:extLst>
+              <a:ext uri="{FF2B5EF4-FFF2-40B4-BE49-F238E27FC236}">
+                <a16:creationId xmlns:a16="http://schemas.microsoft.com/office/drawing/2014/main" id="{1699A4F2-6735-41BD-B99E-135F28B94023}"/>
+              </a:ext>
+            </a:extLst>
+          </p:cNvPr>
+          <p:cNvCxnSpPr>
+            <a:cxnSpLocks/>
+          </p:cNvCxnSpPr>
+          <p:nvPr/>
+        </p:nvCxnSpPr>
+        <p:spPr>
+          <a:xfrm flipV="1">
+            <a:off x="7599851" y="4727118"/>
+            <a:ext cx="1057666" cy="2608"/>
+          </a:xfrm>
+          <a:prstGeom prst="straightConnector1">
+            <a:avLst/>
+          </a:prstGeom>
+          <a:ln w="12700">
+            <a:solidFill>
+              <a:schemeClr val="tx1"/>
+            </a:solidFill>
+            <a:tailEnd type="triangle"/>
+          </a:ln>
+        </p:spPr>
+        <p:style>
+          <a:lnRef idx="1">
+            <a:schemeClr val="accent1"/>
+          </a:lnRef>
+          <a:fillRef idx="0">
+            <a:schemeClr val="accent1"/>
+          </a:fillRef>
+          <a:effectRef idx="0">
+            <a:schemeClr val="accent1"/>
+          </a:effectRef>
+          <a:fontRef idx="minor">
+            <a:schemeClr val="tx1"/>
+          </a:fontRef>
+        </p:style>
+      </p:cxnSp>
+      <p:cxnSp>
+        <p:nvCxnSpPr>
+          <p:cNvPr id="113" name="Gewinkelte Verbindung 40">
+            <a:extLst>
+              <a:ext uri="{FF2B5EF4-FFF2-40B4-BE49-F238E27FC236}">
+                <a16:creationId xmlns:a16="http://schemas.microsoft.com/office/drawing/2014/main" id="{F1A3E4B9-D271-4C99-95D5-7909449FDA90}"/>
+              </a:ext>
+            </a:extLst>
+          </p:cNvPr>
+          <p:cNvCxnSpPr>
+            <a:cxnSpLocks/>
+            <a:stCxn id="60" idx="3"/>
+            <a:endCxn id="85" idx="0"/>
+          </p:cNvCxnSpPr>
+          <p:nvPr/>
+        </p:nvCxnSpPr>
+        <p:spPr>
+          <a:xfrm>
+            <a:off x="3815788" y="3573758"/>
+            <a:ext cx="5300729" cy="706503"/>
+          </a:xfrm>
+          <a:prstGeom prst="bentConnector2">
+            <a:avLst/>
+          </a:prstGeom>
+          <a:ln w="12700">
+            <a:solidFill>
+              <a:schemeClr val="tx1"/>
+            </a:solidFill>
+            <a:tailEnd type="triangle"/>
+          </a:ln>
+        </p:spPr>
+        <p:style>
+          <a:lnRef idx="1">
+            <a:schemeClr val="accent1"/>
+          </a:lnRef>
+          <a:fillRef idx="0">
+            <a:schemeClr val="accent1"/>
+          </a:fillRef>
+          <a:effectRef idx="0">
+            <a:schemeClr val="accent1"/>
+          </a:effectRef>
+          <a:fontRef idx="minor">
+            <a:schemeClr val="tx1"/>
+          </a:fontRef>
+        </p:style>
+      </p:cxnSp>
+      <p:sp>
+        <p:nvSpPr>
+          <p:cNvPr id="123" name="Flussdiagramm: Prozess 21">
+            <a:extLst>
+              <a:ext uri="{FF2B5EF4-FFF2-40B4-BE49-F238E27FC236}">
+                <a16:creationId xmlns:a16="http://schemas.microsoft.com/office/drawing/2014/main" id="{2A706D72-0E57-490A-AF66-DB01038BAA16}"/>
+              </a:ext>
+            </a:extLst>
+          </p:cNvPr>
+          <p:cNvSpPr/>
+          <p:nvPr/>
+        </p:nvSpPr>
+        <p:spPr>
+          <a:xfrm>
+            <a:off x="5336110" y="4166400"/>
+            <a:ext cx="2819174" cy="1035609"/>
+          </a:xfrm>
+          <a:prstGeom prst="flowChartProcess">
+            <a:avLst/>
+          </a:prstGeom>
+          <a:solidFill>
+            <a:srgbClr val="0070C0">
+              <a:alpha val="40000"/>
+            </a:srgbClr>
+          </a:solidFill>
+          <a:ln>
+            <a:noFill/>
+          </a:ln>
+        </p:spPr>
+        <p:style>
+          <a:lnRef idx="2">
+            <a:schemeClr val="accent1">
+              <a:shade val="50000"/>
+            </a:schemeClr>
+          </a:lnRef>
+          <a:fillRef idx="1">
+            <a:schemeClr val="accent1"/>
+          </a:fillRef>
+          <a:effectRef idx="0">
+            <a:schemeClr val="accent1"/>
+          </a:effectRef>
+          <a:fontRef idx="minor">
+            <a:schemeClr val="lt1"/>
+          </a:fontRef>
+        </p:style>
+        <p:txBody>
+          <a:bodyPr rtlCol="0" anchor="ctr"/>
+          <a:lstStyle/>
+          <a:p>
+            <a:pPr algn="ctr"/>
+            <a:endParaRPr lang="de-DE" sz="1350"/>
+          </a:p>
+        </p:txBody>
+      </p:sp>
+      <p:cxnSp>
+        <p:nvCxnSpPr>
+          <p:cNvPr id="126" name="Gerade Verbindung mit Pfeil 69">
+            <a:extLst>
+              <a:ext uri="{FF2B5EF4-FFF2-40B4-BE49-F238E27FC236}">
+                <a16:creationId xmlns:a16="http://schemas.microsoft.com/office/drawing/2014/main" id="{DF0EDA5A-BD1A-4DFA-BC63-56A50EC0A540}"/>
+              </a:ext>
+            </a:extLst>
+          </p:cNvPr>
+          <p:cNvCxnSpPr>
+            <a:cxnSpLocks/>
+            <a:stCxn id="82" idx="3"/>
+            <a:endCxn id="81" idx="1"/>
+          </p:cNvCxnSpPr>
+          <p:nvPr/>
+        </p:nvCxnSpPr>
+        <p:spPr>
+          <a:xfrm flipV="1">
+            <a:off x="6438823" y="4599772"/>
+            <a:ext cx="246790" cy="2802"/>
+          </a:xfrm>
+          <a:prstGeom prst="straightConnector1">
+            <a:avLst/>
+          </a:prstGeom>
+          <a:ln w="12700">
+            <a:solidFill>
+              <a:schemeClr val="tx1"/>
+            </a:solidFill>
+            <a:tailEnd type="triangle"/>
+          </a:ln>
+        </p:spPr>
+        <p:style>
+          <a:lnRef idx="1">
+            <a:schemeClr val="accent1"/>
+          </a:lnRef>
+          <a:fillRef idx="0">
+            <a:schemeClr val="accent1"/>
+          </a:fillRef>
+          <a:effectRef idx="0">
+            <a:schemeClr val="accent1"/>
+          </a:effectRef>
+          <a:fontRef idx="minor">
+            <a:schemeClr val="tx1"/>
+          </a:fontRef>
+        </p:style>
+      </p:cxnSp>
+      <mc:AlternateContent xmlns:mc="http://schemas.openxmlformats.org/markup-compatibility/2006" xmlns:a14="http://schemas.microsoft.com/office/drawing/2010/main">
+        <mc:Choice Requires="a14">
+          <p:sp>
+            <p:nvSpPr>
+              <p:cNvPr id="128" name="Textfeld 18">
+                <a:extLst>
+                  <a:ext uri="{FF2B5EF4-FFF2-40B4-BE49-F238E27FC236}">
+                    <a16:creationId xmlns:a16="http://schemas.microsoft.com/office/drawing/2014/main" id="{0E369AFF-F5F6-4635-A774-A326CF31B49B}"/>
+                  </a:ext>
+                </a:extLst>
+              </p:cNvPr>
+              <p:cNvSpPr txBox="1"/>
+              <p:nvPr/>
+            </p:nvSpPr>
+            <p:spPr>
+              <a:xfrm>
+                <a:off x="7527540" y="4704295"/>
+                <a:ext cx="509050" cy="266163"/>
+              </a:xfrm>
+              <a:prstGeom prst="rect">
+                <a:avLst/>
+              </a:prstGeom>
+              <a:noFill/>
+            </p:spPr>
+            <p:txBody>
+              <a:bodyPr wrap="square" rtlCol="0">
+                <a:spAutoFit/>
+              </a:bodyPr>
+              <a:lstStyle/>
+              <a:p>
+                <a:pPr/>
+                <a14:m>
+                  <m:oMathPara xmlns:m="http://schemas.openxmlformats.org/officeDocument/2006/math">
+                    <m:oMathParaPr>
+                      <m:jc m:val="centerGroup"/>
+                    </m:oMathParaPr>
+                    <m:oMath xmlns:m="http://schemas.openxmlformats.org/officeDocument/2006/math">
+                      <m:sSup>
+                        <m:sSupPr>
+                          <m:ctrlPr>
+                            <a:rPr lang="de-DE" sz="1100" i="1">
+                              <a:latin typeface="Cambria Math" panose="02040503050406030204" pitchFamily="18" charset="0"/>
+                            </a:rPr>
+                          </m:ctrlPr>
+                        </m:sSupPr>
+                        <m:e>
+                          <m:acc>
+                            <m:accPr>
+                              <m:chr m:val="̂"/>
+                              <m:ctrlPr>
+                                <a:rPr lang="de-DE" sz="1100" i="1">
+                                  <a:latin typeface="Cambria Math" panose="02040503050406030204" pitchFamily="18" charset="0"/>
+                                </a:rPr>
+                              </m:ctrlPr>
+                            </m:accPr>
+                            <m:e>
+                              <m:r>
+                                <a:rPr lang="de-DE" sz="1100" i="1">
+                                  <a:latin typeface="Cambria Math" panose="02040503050406030204" pitchFamily="18" charset="0"/>
+                                </a:rPr>
+                                <m:t>𝑉</m:t>
+                              </m:r>
+                            </m:e>
+                          </m:acc>
+                        </m:e>
+                        <m:sup>
+                          <m:r>
+                            <a:rPr lang="de-DE" sz="1100" i="1">
+                              <a:latin typeface="Cambria Math" panose="02040503050406030204" pitchFamily="18" charset="0"/>
+                            </a:rPr>
+                            <m:t>𝑆𝑉</m:t>
+                          </m:r>
+                        </m:sup>
+                      </m:sSup>
+                    </m:oMath>
+                  </m:oMathPara>
+                </a14:m>
+                <a:endParaRPr lang="de-DE" sz="1350" dirty="0">
+                  <a:latin typeface="Futura"/>
+                </a:endParaRPr>
+              </a:p>
+            </p:txBody>
+          </p:sp>
+        </mc:Choice>
+        <mc:Fallback xmlns="">
+          <p:sp>
+            <p:nvSpPr>
+              <p:cNvPr id="128" name="Textfeld 18">
+                <a:extLst>
+                  <a:ext uri="{FF2B5EF4-FFF2-40B4-BE49-F238E27FC236}">
+                    <a16:creationId xmlns:a16="http://schemas.microsoft.com/office/drawing/2014/main" id="{0E369AFF-F5F6-4635-A774-A326CF31B49B}"/>
+                  </a:ext>
+                </a:extLst>
+              </p:cNvPr>
+              <p:cNvSpPr txBox="1">
+                <a:spLocks noRot="1" noChangeAspect="1" noMove="1" noResize="1" noEditPoints="1" noAdjustHandles="1" noChangeArrowheads="1" noChangeShapeType="1" noTextEdit="1"/>
+              </p:cNvSpPr>
+              <p:nvPr/>
+            </p:nvSpPr>
+            <p:spPr>
+              <a:xfrm>
+                <a:off x="7527540" y="4704295"/>
+                <a:ext cx="509050" cy="266163"/>
+              </a:xfrm>
+              <a:prstGeom prst="rect">
+                <a:avLst/>
+              </a:prstGeom>
+              <a:blipFill>
+                <a:blip r:embed="rId9"/>
+                <a:stretch>
+                  <a:fillRect/>
+                </a:stretch>
+              </a:blipFill>
+            </p:spPr>
+            <p:txBody>
+              <a:bodyPr/>
+              <a:lstStyle/>
+              <a:p>
+                <a:r>
+                  <a:rPr lang="en-GB">
+                    <a:noFill/>
+                  </a:rPr>
+                  <a:t> </a:t>
+                </a:r>
+              </a:p>
+            </p:txBody>
+          </p:sp>
+        </mc:Fallback>
+      </mc:AlternateContent>
+      <mc:AlternateContent xmlns:mc="http://schemas.openxmlformats.org/markup-compatibility/2006" xmlns:a14="http://schemas.microsoft.com/office/drawing/2010/main">
+        <mc:Choice Requires="a14">
+          <p:sp>
+            <p:nvSpPr>
+              <p:cNvPr id="162" name="Textfeld 60">
+                <a:extLst>
+                  <a:ext uri="{FF2B5EF4-FFF2-40B4-BE49-F238E27FC236}">
+                    <a16:creationId xmlns:a16="http://schemas.microsoft.com/office/drawing/2014/main" id="{15E12CA4-1E56-4785-ADE0-337000A006EF}"/>
+                  </a:ext>
+                </a:extLst>
+              </p:cNvPr>
+              <p:cNvSpPr txBox="1"/>
+              <p:nvPr/>
+            </p:nvSpPr>
+            <p:spPr>
+              <a:xfrm>
+                <a:off x="4482314" y="2686353"/>
+                <a:ext cx="1081130" cy="261610"/>
+              </a:xfrm>
+              <a:prstGeom prst="rect">
+                <a:avLst/>
+              </a:prstGeom>
+              <a:noFill/>
+            </p:spPr>
+            <p:txBody>
+              <a:bodyPr wrap="none" rtlCol="0">
+                <a:spAutoFit/>
+              </a:bodyPr>
+              <a:lstStyle/>
+              <a:p>
+                <a:pPr/>
+                <a14:m>
+                  <m:oMathPara xmlns:m="http://schemas.openxmlformats.org/officeDocument/2006/math">
+                    <m:oMathParaPr>
+                      <m:jc m:val="centerGroup"/>
+                    </m:oMathParaPr>
+                    <m:oMath xmlns:m="http://schemas.openxmlformats.org/officeDocument/2006/math">
+                      <m:sSub>
+                        <m:sSubPr>
+                          <m:ctrlPr>
+                            <a:rPr lang="de-DE" sz="1100" i="1" smtClean="0">
+                              <a:latin typeface="Cambria Math" panose="02040503050406030204" pitchFamily="18" charset="0"/>
+                            </a:rPr>
+                          </m:ctrlPr>
+                        </m:sSubPr>
+                        <m:e>
+                          <m:r>
+                            <a:rPr lang="en-US" sz="1100" i="1">
+                              <a:latin typeface="Cambria Math" panose="02040503050406030204" pitchFamily="18" charset="0"/>
+                            </a:rPr>
+                            <m:t>𝑈</m:t>
+                          </m:r>
+                        </m:e>
+                        <m:sub>
+                          <m:r>
+                            <a:rPr lang="it-IT" sz="1100" b="0" i="1" smtClean="0">
+                              <a:latin typeface="Cambria Math" panose="02040503050406030204" pitchFamily="18" charset="0"/>
+                            </a:rPr>
+                            <m:t>𝑎𝑐𝑡𝑖𝑣𝑒</m:t>
+                          </m:r>
+                          <m:r>
+                            <a:rPr lang="en-US" sz="1100" i="1">
+                              <a:latin typeface="Cambria Math" panose="02040503050406030204" pitchFamily="18" charset="0"/>
+                            </a:rPr>
+                            <m:t>−</m:t>
+                          </m:r>
+                          <m:r>
+                            <a:rPr lang="en-US" sz="1100" i="1">
+                              <a:latin typeface="Cambria Math" panose="02040503050406030204" pitchFamily="18" charset="0"/>
+                            </a:rPr>
+                            <m:t>𝑙𝑎𝑏𝑒𝑙𝑒𝑑</m:t>
+                          </m:r>
+                        </m:sub>
+                      </m:sSub>
+                    </m:oMath>
+                  </m:oMathPara>
+                </a14:m>
+                <a:endParaRPr lang="de-DE" dirty="0"/>
+              </a:p>
+            </p:txBody>
+          </p:sp>
+        </mc:Choice>
+        <mc:Fallback xmlns="">
+          <p:sp>
+            <p:nvSpPr>
+              <p:cNvPr id="162" name="Textfeld 60">
+                <a:extLst>
+                  <a:ext uri="{FF2B5EF4-FFF2-40B4-BE49-F238E27FC236}">
+                    <a16:creationId xmlns:a16="http://schemas.microsoft.com/office/drawing/2014/main" id="{15E12CA4-1E56-4785-ADE0-337000A006EF}"/>
+                  </a:ext>
+                </a:extLst>
+              </p:cNvPr>
+              <p:cNvSpPr txBox="1">
+                <a:spLocks noRot="1" noChangeAspect="1" noMove="1" noResize="1" noEditPoints="1" noAdjustHandles="1" noChangeArrowheads="1" noChangeShapeType="1" noTextEdit="1"/>
+              </p:cNvSpPr>
+              <p:nvPr/>
+            </p:nvSpPr>
+            <p:spPr>
+              <a:xfrm>
+                <a:off x="4482314" y="2686353"/>
+                <a:ext cx="1081130" cy="261610"/>
+              </a:xfrm>
+              <a:prstGeom prst="rect">
+                <a:avLst/>
+              </a:prstGeom>
+              <a:blipFill>
+                <a:blip r:embed="rId10"/>
+                <a:stretch>
+                  <a:fillRect/>
+                </a:stretch>
+              </a:blipFill>
+            </p:spPr>
+            <p:txBody>
+              <a:bodyPr/>
+              <a:lstStyle/>
+              <a:p>
+                <a:r>
+                  <a:rPr lang="en-GB">
+                    <a:noFill/>
+                  </a:rPr>
+                  <a:t> </a:t>
+                </a:r>
+              </a:p>
+            </p:txBody>
+          </p:sp>
+        </mc:Fallback>
+      </mc:AlternateContent>
+      <mc:AlternateContent xmlns:mc="http://schemas.openxmlformats.org/markup-compatibility/2006" xmlns:a14="http://schemas.microsoft.com/office/drawing/2010/main">
+        <mc:Choice Requires="a14">
+          <p:sp>
+            <p:nvSpPr>
+              <p:cNvPr id="163" name="Textfeld 61">
+                <a:extLst>
+                  <a:ext uri="{FF2B5EF4-FFF2-40B4-BE49-F238E27FC236}">
+                    <a16:creationId xmlns:a16="http://schemas.microsoft.com/office/drawing/2014/main" id="{A5A2CF92-B1E6-4500-B95C-130908AA7127}"/>
+                  </a:ext>
+                </a:extLst>
+              </p:cNvPr>
+              <p:cNvSpPr txBox="1"/>
+              <p:nvPr/>
+            </p:nvSpPr>
+            <p:spPr>
+              <a:xfrm>
+                <a:off x="7570288" y="4453112"/>
+                <a:ext cx="1081130" cy="266163"/>
+              </a:xfrm>
+              <a:prstGeom prst="rect">
+                <a:avLst/>
+              </a:prstGeom>
+              <a:noFill/>
+            </p:spPr>
+            <p:txBody>
+              <a:bodyPr wrap="none" rtlCol="0">
+                <a:spAutoFit/>
+              </a:bodyPr>
+              <a:lstStyle/>
+              <a:p>
+                <a:pPr/>
+                <a14:m>
+                  <m:oMathPara xmlns:m="http://schemas.openxmlformats.org/officeDocument/2006/math">
+                    <m:oMathParaPr>
+                      <m:jc m:val="centerGroup"/>
+                    </m:oMathParaPr>
+                    <m:oMath xmlns:m="http://schemas.openxmlformats.org/officeDocument/2006/math">
+                      <m:sSub>
+                        <m:sSubPr>
+                          <m:ctrlPr>
+                            <a:rPr lang="de-DE" sz="1100" i="1" smtClean="0">
+                              <a:latin typeface="Cambria Math" panose="02040503050406030204" pitchFamily="18" charset="0"/>
+                            </a:rPr>
+                          </m:ctrlPr>
+                        </m:sSubPr>
+                        <m:e>
+                          <m:acc>
+                            <m:accPr>
+                              <m:chr m:val="̂"/>
+                              <m:ctrlPr>
+                                <a:rPr lang="de-DE" sz="1100" i="1">
+                                  <a:latin typeface="Cambria Math" panose="02040503050406030204" pitchFamily="18" charset="0"/>
+                                </a:rPr>
+                              </m:ctrlPr>
+                            </m:accPr>
+                            <m:e>
+                              <m:r>
+                                <a:rPr lang="en-US" sz="1100" i="1">
+                                  <a:latin typeface="Cambria Math" panose="02040503050406030204" pitchFamily="18" charset="0"/>
+                                </a:rPr>
+                                <m:t>𝑈</m:t>
+                              </m:r>
+                            </m:e>
+                          </m:acc>
+                        </m:e>
+                        <m:sub>
+                          <m:r>
+                            <a:rPr lang="it-IT" sz="1100" b="0" i="1" smtClean="0">
+                              <a:latin typeface="Cambria Math" panose="02040503050406030204" pitchFamily="18" charset="0"/>
+                            </a:rPr>
+                            <m:t>𝑎𝑐𝑡𝑖𝑣𝑒</m:t>
+                          </m:r>
+                          <m:r>
+                            <a:rPr lang="en-US" sz="1100" i="1">
+                              <a:latin typeface="Cambria Math" panose="02040503050406030204" pitchFamily="18" charset="0"/>
+                            </a:rPr>
+                            <m:t>−</m:t>
+                          </m:r>
+                          <m:r>
+                            <a:rPr lang="en-US" sz="1100" i="1">
+                              <a:latin typeface="Cambria Math" panose="02040503050406030204" pitchFamily="18" charset="0"/>
+                            </a:rPr>
+                            <m:t>𝑙𝑎𝑏𝑒𝑙𝑒𝑑</m:t>
+                          </m:r>
+                        </m:sub>
+                      </m:sSub>
+                    </m:oMath>
+                  </m:oMathPara>
+                </a14:m>
+                <a:endParaRPr lang="de-DE" dirty="0"/>
+              </a:p>
+            </p:txBody>
+          </p:sp>
+        </mc:Choice>
+        <mc:Fallback xmlns="">
+          <p:sp>
+            <p:nvSpPr>
+              <p:cNvPr id="163" name="Textfeld 61">
+                <a:extLst>
+                  <a:ext uri="{FF2B5EF4-FFF2-40B4-BE49-F238E27FC236}">
+                    <a16:creationId xmlns:a16="http://schemas.microsoft.com/office/drawing/2014/main" id="{A5A2CF92-B1E6-4500-B95C-130908AA7127}"/>
+                  </a:ext>
+                </a:extLst>
+              </p:cNvPr>
+              <p:cNvSpPr txBox="1">
+                <a:spLocks noRot="1" noChangeAspect="1" noMove="1" noResize="1" noEditPoints="1" noAdjustHandles="1" noChangeArrowheads="1" noChangeShapeType="1" noTextEdit="1"/>
+              </p:cNvSpPr>
+              <p:nvPr/>
+            </p:nvSpPr>
+            <p:spPr>
+              <a:xfrm>
+                <a:off x="7570288" y="4453112"/>
+                <a:ext cx="1081130" cy="266163"/>
+              </a:xfrm>
+              <a:prstGeom prst="rect">
+                <a:avLst/>
+              </a:prstGeom>
+              <a:blipFill>
+                <a:blip r:embed="rId11"/>
+                <a:stretch>
+                  <a:fillRect/>
+                </a:stretch>
+              </a:blipFill>
+            </p:spPr>
+            <p:txBody>
+              <a:bodyPr/>
+              <a:lstStyle/>
+              <a:p>
+                <a:r>
+                  <a:rPr lang="en-GB">
+                    <a:noFill/>
+                  </a:rPr>
+                  <a:t> </a:t>
+                </a:r>
+              </a:p>
+            </p:txBody>
+          </p:sp>
+        </mc:Fallback>
+      </mc:AlternateContent>
+      <p:cxnSp>
+        <p:nvCxnSpPr>
+          <p:cNvPr id="164" name="Gerade Verbindung mit Pfeil 69">
+            <a:extLst>
+              <a:ext uri="{FF2B5EF4-FFF2-40B4-BE49-F238E27FC236}">
+                <a16:creationId xmlns:a16="http://schemas.microsoft.com/office/drawing/2014/main" id="{9325F958-8528-413A-839A-DEAB16A1AAB1}"/>
+              </a:ext>
+            </a:extLst>
+          </p:cNvPr>
+          <p:cNvCxnSpPr>
+            <a:cxnSpLocks/>
+          </p:cNvCxnSpPr>
+          <p:nvPr/>
+        </p:nvCxnSpPr>
+        <p:spPr>
+          <a:xfrm flipV="1">
+            <a:off x="7599851" y="4454634"/>
+            <a:ext cx="1057666" cy="11661"/>
+          </a:xfrm>
+          <a:prstGeom prst="straightConnector1">
+            <a:avLst/>
+          </a:prstGeom>
+          <a:ln w="12700">
+            <a:solidFill>
+              <a:schemeClr val="tx1"/>
+            </a:solidFill>
+            <a:tailEnd type="triangle"/>
+          </a:ln>
+        </p:spPr>
+        <p:style>
+          <a:lnRef idx="1">
+            <a:schemeClr val="accent1"/>
+          </a:lnRef>
+          <a:fillRef idx="0">
+            <a:schemeClr val="accent1"/>
+          </a:fillRef>
+          <a:effectRef idx="0">
+            <a:schemeClr val="accent1"/>
+          </a:effectRef>
+          <a:fontRef idx="minor">
+            <a:schemeClr val="tx1"/>
+          </a:fontRef>
+        </p:style>
+      </p:cxnSp>
+      <p:sp>
+        <p:nvSpPr>
+          <p:cNvPr id="46" name="Arc 45">
+            <a:extLst>
+              <a:ext uri="{FF2B5EF4-FFF2-40B4-BE49-F238E27FC236}">
+                <a16:creationId xmlns:a16="http://schemas.microsoft.com/office/drawing/2014/main" id="{C61D3993-8E5A-49D2-84F5-901C40777D9F}"/>
+              </a:ext>
+            </a:extLst>
+          </p:cNvPr>
+          <p:cNvSpPr/>
+          <p:nvPr/>
+        </p:nvSpPr>
+        <p:spPr>
+          <a:xfrm rot="5923218">
+            <a:off x="9254837" y="2514758"/>
+            <a:ext cx="451253" cy="434736"/>
+          </a:xfrm>
+          <a:prstGeom prst="arc">
+            <a:avLst>
+              <a:gd name="adj1" fmla="val 17479207"/>
+              <a:gd name="adj2" fmla="val 14120949"/>
+            </a:avLst>
+          </a:prstGeom>
+          <a:ln>
+            <a:solidFill>
+              <a:schemeClr val="tx1"/>
+            </a:solidFill>
+            <a:headEnd type="triangle"/>
+            <a:tailEnd type="none"/>
+          </a:ln>
+        </p:spPr>
+        <p:style>
+          <a:lnRef idx="1">
+            <a:schemeClr val="accent1"/>
+          </a:lnRef>
+          <a:fillRef idx="0">
+            <a:schemeClr val="accent1"/>
+          </a:fillRef>
+          <a:effectRef idx="0">
+            <a:schemeClr val="accent1"/>
+          </a:effectRef>
+          <a:fontRef idx="minor">
+            <a:schemeClr val="tx1"/>
+          </a:fontRef>
+        </p:style>
+        <p:txBody>
+          <a:bodyPr rtlCol="0" anchor="ctr"/>
+          <a:lstStyle/>
+          <a:p>
+            <a:pPr algn="ctr"/>
+            <a:endParaRPr lang="en-GB" dirty="0"/>
+          </a:p>
+        </p:txBody>
+      </p:sp>
+      <p:sp>
+        <p:nvSpPr>
+          <p:cNvPr id="57" name="Textfeld 64">
+            <a:extLst>
+              <a:ext uri="{FF2B5EF4-FFF2-40B4-BE49-F238E27FC236}">
+                <a16:creationId xmlns:a16="http://schemas.microsoft.com/office/drawing/2014/main" id="{9ACE706D-9352-4E0B-9AFE-759057AF1533}"/>
+              </a:ext>
+            </a:extLst>
+          </p:cNvPr>
+          <p:cNvSpPr txBox="1"/>
+          <p:nvPr/>
+        </p:nvSpPr>
+        <p:spPr>
+          <a:xfrm>
+            <a:off x="9254449" y="2602520"/>
+            <a:ext cx="702572" cy="261610"/>
+          </a:xfrm>
+          <a:prstGeom prst="rect">
+            <a:avLst/>
+          </a:prstGeom>
+          <a:noFill/>
+        </p:spPr>
+        <p:txBody>
+          <a:bodyPr wrap="square" rtlCol="0">
+            <a:spAutoFit/>
+          </a:bodyPr>
+          <a:lstStyle/>
+          <a:p>
+            <a:r>
+              <a:rPr lang="en-US" sz="1050" dirty="0">
+                <a:solidFill>
+                  <a:schemeClr val="tx1">
+                    <a:lumMod val="75000"/>
+                    <a:lumOff val="25000"/>
+                  </a:schemeClr>
+                </a:solidFill>
+                <a:latin typeface="Futura"/>
+                <a:cs typeface="Times New Roman" panose="02020603050405020304" pitchFamily="18" charset="0"/>
+              </a:rPr>
+              <a:t>iterate</a:t>
+            </a:r>
+          </a:p>
+        </p:txBody>
+      </p:sp>
+      <p:sp>
+        <p:nvSpPr>
+          <p:cNvPr id="60" name="Rectangle: Rounded Corners 59">
+            <a:extLst>
+              <a:ext uri="{FF2B5EF4-FFF2-40B4-BE49-F238E27FC236}">
+                <a16:creationId xmlns:a16="http://schemas.microsoft.com/office/drawing/2014/main" id="{B8E6F992-3A89-4772-B622-529C7EAC4F94}"/>
+              </a:ext>
+            </a:extLst>
+          </p:cNvPr>
+          <p:cNvSpPr/>
+          <p:nvPr/>
+        </p:nvSpPr>
+        <p:spPr>
+          <a:xfrm>
+            <a:off x="2897788" y="3249559"/>
+            <a:ext cx="918000" cy="648398"/>
+          </a:xfrm>
+          <a:prstGeom prst="roundRect">
+            <a:avLst>
+              <a:gd name="adj" fmla="val 10145"/>
+            </a:avLst>
+          </a:prstGeom>
+          <a:solidFill>
+            <a:schemeClr val="bg1"/>
+          </a:solidFill>
+          <a:ln w="12700">
+            <a:solidFill>
+              <a:schemeClr val="tx1"/>
+            </a:solidFill>
+          </a:ln>
+        </p:spPr>
+        <p:style>
+          <a:lnRef idx="2">
+            <a:schemeClr val="accent1">
+              <a:shade val="50000"/>
+            </a:schemeClr>
+          </a:lnRef>
+          <a:fillRef idx="1">
+            <a:schemeClr val="accent1"/>
+          </a:fillRef>
+          <a:effectRef idx="0">
+            <a:schemeClr val="accent1"/>
+          </a:effectRef>
+          <a:fontRef idx="minor">
+            <a:schemeClr val="lt1"/>
+          </a:fontRef>
+        </p:style>
+        <p:txBody>
+          <a:bodyPr rtlCol="0" anchor="ctr"/>
+          <a:lstStyle/>
+          <a:p>
+            <a:pPr algn="ctr"/>
+            <a:r>
+              <a:rPr lang="en-US" sz="1050" dirty="0">
+                <a:solidFill>
+                  <a:schemeClr val="tx1"/>
+                </a:solidFill>
+                <a:latin typeface="Futura"/>
+                <a:cs typeface="Times New Roman" panose="02020603050405020304" pitchFamily="18" charset="0"/>
+              </a:rPr>
+              <a:t>extract</a:t>
+            </a:r>
+          </a:p>
+          <a:p>
+            <a:pPr algn="ctr"/>
+            <a:r>
+              <a:rPr lang="en-US" sz="1050" dirty="0">
+                <a:solidFill>
+                  <a:schemeClr val="tx1"/>
+                </a:solidFill>
+                <a:latin typeface="Futura"/>
+                <a:cs typeface="Times New Roman" panose="02020603050405020304" pitchFamily="18" charset="0"/>
+              </a:rPr>
+              <a:t>SVs</a:t>
+            </a:r>
+          </a:p>
+        </p:txBody>
+      </p:sp>
+      <p:sp>
+        <p:nvSpPr>
+          <p:cNvPr id="76" name="Rectangle: Rounded Corners 75">
+            <a:extLst>
+              <a:ext uri="{FF2B5EF4-FFF2-40B4-BE49-F238E27FC236}">
+                <a16:creationId xmlns:a16="http://schemas.microsoft.com/office/drawing/2014/main" id="{0E31BFAC-1EB7-48BE-9FC9-BE5FABF90D86}"/>
+              </a:ext>
+            </a:extLst>
+          </p:cNvPr>
+          <p:cNvSpPr/>
+          <p:nvPr/>
+        </p:nvSpPr>
+        <p:spPr>
+          <a:xfrm>
+            <a:off x="271081" y="2203201"/>
+            <a:ext cx="1338051" cy="648398"/>
+          </a:xfrm>
+          <a:prstGeom prst="roundRect">
+            <a:avLst>
+              <a:gd name="adj" fmla="val 10145"/>
+            </a:avLst>
+          </a:prstGeom>
+          <a:solidFill>
+            <a:schemeClr val="bg1"/>
+          </a:solidFill>
+          <a:ln w="12700">
+            <a:solidFill>
+              <a:schemeClr val="tx1"/>
+            </a:solidFill>
+          </a:ln>
+        </p:spPr>
+        <p:style>
+          <a:lnRef idx="2">
+            <a:schemeClr val="accent1">
+              <a:shade val="50000"/>
+            </a:schemeClr>
+          </a:lnRef>
+          <a:fillRef idx="1">
+            <a:schemeClr val="accent1"/>
+          </a:fillRef>
+          <a:effectRef idx="0">
+            <a:schemeClr val="accent1"/>
+          </a:effectRef>
+          <a:fontRef idx="minor">
+            <a:schemeClr val="lt1"/>
+          </a:fontRef>
+        </p:style>
+        <p:txBody>
+          <a:bodyPr rtlCol="0" anchor="ctr"/>
+          <a:lstStyle/>
+          <a:p>
+            <a:pPr lvl="0" algn="ctr"/>
+            <a:r>
+              <a:rPr lang="en-US" sz="1050" dirty="0">
+                <a:solidFill>
+                  <a:prstClr val="black"/>
+                </a:solidFill>
+                <a:latin typeface="Futura"/>
+                <a:cs typeface="Times New Roman" panose="02020603050405020304" pitchFamily="18" charset="0"/>
+              </a:rPr>
+              <a:t>segmentation with initial parameterization</a:t>
+            </a:r>
+          </a:p>
+        </p:txBody>
+      </p:sp>
+      <p:sp>
+        <p:nvSpPr>
+          <p:cNvPr id="77" name="Rectangle: Rounded Corners 76">
+            <a:extLst>
+              <a:ext uri="{FF2B5EF4-FFF2-40B4-BE49-F238E27FC236}">
+                <a16:creationId xmlns:a16="http://schemas.microsoft.com/office/drawing/2014/main" id="{5B27D1EB-F03A-4359-A1A9-CCE5A0A5DF48}"/>
+              </a:ext>
+            </a:extLst>
+          </p:cNvPr>
+          <p:cNvSpPr/>
+          <p:nvPr/>
+        </p:nvSpPr>
+        <p:spPr>
+          <a:xfrm>
+            <a:off x="1797790" y="2203201"/>
+            <a:ext cx="918102" cy="648398"/>
+          </a:xfrm>
+          <a:prstGeom prst="roundRect">
+            <a:avLst>
+              <a:gd name="adj" fmla="val 10145"/>
+            </a:avLst>
+          </a:prstGeom>
+          <a:solidFill>
+            <a:schemeClr val="bg1"/>
+          </a:solidFill>
+          <a:ln w="12700">
+            <a:solidFill>
+              <a:schemeClr val="tx1"/>
+            </a:solidFill>
+          </a:ln>
+        </p:spPr>
+        <p:style>
+          <a:lnRef idx="2">
+            <a:schemeClr val="accent1">
+              <a:shade val="50000"/>
+            </a:schemeClr>
+          </a:lnRef>
+          <a:fillRef idx="1">
+            <a:schemeClr val="accent1"/>
+          </a:fillRef>
+          <a:effectRef idx="0">
+            <a:schemeClr val="accent1"/>
+          </a:effectRef>
+          <a:fontRef idx="minor">
+            <a:schemeClr val="lt1"/>
+          </a:fontRef>
+        </p:style>
+        <p:txBody>
+          <a:bodyPr rtlCol="0" anchor="ctr"/>
+          <a:lstStyle/>
+          <a:p>
+            <a:pPr algn="ctr"/>
+            <a:r>
+              <a:rPr lang="en-US" sz="1050" dirty="0">
+                <a:solidFill>
+                  <a:schemeClr val="tx1"/>
+                </a:solidFill>
+                <a:latin typeface="Futura"/>
+                <a:cs typeface="Times New Roman" panose="02020603050405020304" pitchFamily="18" charset="0"/>
+              </a:rPr>
+              <a:t>compute</a:t>
+            </a:r>
+          </a:p>
+          <a:p>
+            <a:pPr algn="ctr"/>
+            <a:r>
+              <a:rPr lang="en-US" sz="1050" dirty="0">
+                <a:solidFill>
+                  <a:schemeClr val="tx1"/>
+                </a:solidFill>
+                <a:latin typeface="Futura"/>
+                <a:cs typeface="Times New Roman" panose="02020603050405020304" pitchFamily="18" charset="0"/>
+              </a:rPr>
+              <a:t>object </a:t>
+            </a:r>
+          </a:p>
+          <a:p>
+            <a:pPr algn="ctr"/>
+            <a:r>
+              <a:rPr lang="en-US" sz="1050" dirty="0">
+                <a:solidFill>
+                  <a:schemeClr val="tx1"/>
+                </a:solidFill>
+                <a:latin typeface="Futura"/>
+                <a:cs typeface="Times New Roman" panose="02020603050405020304" pitchFamily="18" charset="0"/>
+              </a:rPr>
+              <a:t>features</a:t>
+            </a:r>
+          </a:p>
+        </p:txBody>
+      </p:sp>
+      <p:sp>
+        <p:nvSpPr>
+          <p:cNvPr id="79" name="Rectangle: Rounded Corners 78">
+            <a:extLst>
+              <a:ext uri="{FF2B5EF4-FFF2-40B4-BE49-F238E27FC236}">
+                <a16:creationId xmlns:a16="http://schemas.microsoft.com/office/drawing/2014/main" id="{4EC7B095-A5D7-4114-B67B-5CF8AA896EC9}"/>
+              </a:ext>
+            </a:extLst>
+          </p:cNvPr>
+          <p:cNvSpPr/>
+          <p:nvPr/>
+        </p:nvSpPr>
+        <p:spPr>
+          <a:xfrm>
+            <a:off x="2897788" y="2203201"/>
+            <a:ext cx="918000" cy="648398"/>
+          </a:xfrm>
+          <a:prstGeom prst="roundRect">
+            <a:avLst>
+              <a:gd name="adj" fmla="val 10145"/>
+            </a:avLst>
+          </a:prstGeom>
+          <a:solidFill>
+            <a:schemeClr val="bg1"/>
+          </a:solidFill>
+          <a:ln w="12700">
+            <a:solidFill>
+              <a:schemeClr val="tx1"/>
+            </a:solidFill>
+          </a:ln>
+        </p:spPr>
+        <p:style>
+          <a:lnRef idx="2">
+            <a:schemeClr val="accent1">
+              <a:shade val="50000"/>
+            </a:schemeClr>
+          </a:lnRef>
+          <a:fillRef idx="1">
+            <a:schemeClr val="accent1"/>
+          </a:fillRef>
+          <a:effectRef idx="0">
+            <a:schemeClr val="accent1"/>
+          </a:effectRef>
+          <a:fontRef idx="minor">
+            <a:schemeClr val="lt1"/>
+          </a:fontRef>
+        </p:style>
+        <p:txBody>
+          <a:bodyPr rtlCol="0" anchor="ctr"/>
+          <a:lstStyle/>
+          <a:p>
+            <a:pPr algn="ctr"/>
+            <a:r>
+              <a:rPr lang="en-US" sz="1050" dirty="0">
+                <a:solidFill>
+                  <a:schemeClr val="tx1"/>
+                </a:solidFill>
+                <a:latin typeface="Futura"/>
+                <a:cs typeface="Times New Roman" panose="02020603050405020304" pitchFamily="18" charset="0"/>
+              </a:rPr>
+              <a:t>learn SVM model</a:t>
+            </a:r>
+          </a:p>
+        </p:txBody>
+      </p:sp>
+      <p:sp>
+        <p:nvSpPr>
+          <p:cNvPr id="80" name="Rectangle: Rounded Corners 79">
+            <a:extLst>
+              <a:ext uri="{FF2B5EF4-FFF2-40B4-BE49-F238E27FC236}">
+                <a16:creationId xmlns:a16="http://schemas.microsoft.com/office/drawing/2014/main" id="{9CAC7904-D838-4A96-AA28-10F624B9D83D}"/>
+              </a:ext>
+            </a:extLst>
+          </p:cNvPr>
+          <p:cNvSpPr/>
+          <p:nvPr/>
+        </p:nvSpPr>
+        <p:spPr>
+          <a:xfrm>
+            <a:off x="5468690" y="2397266"/>
+            <a:ext cx="972000" cy="648398"/>
+          </a:xfrm>
+          <a:prstGeom prst="roundRect">
+            <a:avLst>
+              <a:gd name="adj" fmla="val 10145"/>
+            </a:avLst>
+          </a:prstGeom>
+          <a:solidFill>
+            <a:schemeClr val="bg1"/>
+          </a:solidFill>
+          <a:ln w="12700">
+            <a:solidFill>
+              <a:schemeClr val="tx1"/>
+            </a:solidFill>
+          </a:ln>
+        </p:spPr>
+        <p:style>
+          <a:lnRef idx="2">
+            <a:schemeClr val="accent1">
+              <a:shade val="50000"/>
+            </a:schemeClr>
+          </a:lnRef>
+          <a:fillRef idx="1">
+            <a:schemeClr val="accent1"/>
+          </a:fillRef>
+          <a:effectRef idx="0">
+            <a:schemeClr val="accent1"/>
+          </a:effectRef>
+          <a:fontRef idx="minor">
+            <a:schemeClr val="lt1"/>
+          </a:fontRef>
+        </p:style>
+        <p:txBody>
+          <a:bodyPr rtlCol="0" anchor="ctr"/>
+          <a:lstStyle/>
+          <a:p>
+            <a:pPr algn="ctr"/>
+            <a:r>
+              <a:rPr lang="en-US" sz="1050" dirty="0">
+                <a:solidFill>
+                  <a:schemeClr val="tx1"/>
+                </a:solidFill>
+                <a:latin typeface="Futura"/>
+                <a:cs typeface="Times New Roman" panose="02020603050405020304" pitchFamily="18" charset="0"/>
+              </a:rPr>
+              <a:t>labeling</a:t>
+            </a:r>
+          </a:p>
+          <a:p>
+            <a:pPr algn="ctr"/>
+            <a:r>
+              <a:rPr lang="en-US" sz="1050" dirty="0">
+                <a:solidFill>
+                  <a:schemeClr val="tx1"/>
+                </a:solidFill>
+                <a:latin typeface="Futura"/>
+                <a:cs typeface="Times New Roman" panose="02020603050405020304" pitchFamily="18" charset="0"/>
+              </a:rPr>
+              <a:t>candidates</a:t>
+            </a:r>
+          </a:p>
+        </p:txBody>
+      </p:sp>
+      <p:sp>
+        <p:nvSpPr>
+          <p:cNvPr id="81" name="Rectangle: Rounded Corners 80">
+            <a:extLst>
+              <a:ext uri="{FF2B5EF4-FFF2-40B4-BE49-F238E27FC236}">
+                <a16:creationId xmlns:a16="http://schemas.microsoft.com/office/drawing/2014/main" id="{B517FE34-3B32-4303-B7D8-190BE8598D89}"/>
+              </a:ext>
+            </a:extLst>
+          </p:cNvPr>
+          <p:cNvSpPr/>
+          <p:nvPr/>
+        </p:nvSpPr>
+        <p:spPr>
+          <a:xfrm>
+            <a:off x="6685613" y="4275573"/>
+            <a:ext cx="918000" cy="648398"/>
+          </a:xfrm>
+          <a:prstGeom prst="roundRect">
+            <a:avLst>
+              <a:gd name="adj" fmla="val 10145"/>
+            </a:avLst>
+          </a:prstGeom>
+          <a:solidFill>
+            <a:schemeClr val="bg1"/>
+          </a:solidFill>
+          <a:ln w="12700">
+            <a:solidFill>
+              <a:schemeClr val="tx1"/>
+            </a:solidFill>
+          </a:ln>
+        </p:spPr>
+        <p:style>
+          <a:lnRef idx="2">
+            <a:schemeClr val="accent1">
+              <a:shade val="50000"/>
+            </a:schemeClr>
+          </a:lnRef>
+          <a:fillRef idx="1">
+            <a:schemeClr val="accent1"/>
+          </a:fillRef>
+          <a:effectRef idx="0">
+            <a:schemeClr val="accent1"/>
+          </a:effectRef>
+          <a:fontRef idx="minor">
+            <a:schemeClr val="lt1"/>
+          </a:fontRef>
+        </p:style>
+        <p:txBody>
+          <a:bodyPr rtlCol="0" anchor="ctr"/>
+          <a:lstStyle/>
+          <a:p>
+            <a:pPr algn="ctr"/>
+            <a:r>
+              <a:rPr lang="en-US" sz="1050" dirty="0">
+                <a:solidFill>
+                  <a:schemeClr val="tx1"/>
+                </a:solidFill>
+                <a:latin typeface="Futura"/>
+                <a:cs typeface="Times New Roman" panose="02020603050405020304" pitchFamily="18" charset="0"/>
+              </a:rPr>
+              <a:t>margin sampling constraint</a:t>
+            </a:r>
+          </a:p>
+        </p:txBody>
+      </p:sp>
+      <p:sp>
+        <p:nvSpPr>
+          <p:cNvPr id="82" name="Rectangle: Rounded Corners 81">
+            <a:extLst>
+              <a:ext uri="{FF2B5EF4-FFF2-40B4-BE49-F238E27FC236}">
+                <a16:creationId xmlns:a16="http://schemas.microsoft.com/office/drawing/2014/main" id="{BDC66D7A-4848-4F88-86AF-D3BB749F6643}"/>
+              </a:ext>
+            </a:extLst>
+          </p:cNvPr>
+          <p:cNvSpPr/>
+          <p:nvPr/>
+        </p:nvSpPr>
+        <p:spPr>
+          <a:xfrm>
+            <a:off x="5468689" y="4278375"/>
+            <a:ext cx="970134" cy="648398"/>
+          </a:xfrm>
+          <a:prstGeom prst="roundRect">
+            <a:avLst>
+              <a:gd name="adj" fmla="val 10145"/>
+            </a:avLst>
+          </a:prstGeom>
+          <a:solidFill>
+            <a:schemeClr val="bg1"/>
+          </a:solidFill>
+          <a:ln w="12700">
+            <a:solidFill>
+              <a:schemeClr val="tx1"/>
+            </a:solidFill>
+          </a:ln>
+        </p:spPr>
+        <p:style>
+          <a:lnRef idx="2">
+            <a:schemeClr val="accent1">
+              <a:shade val="50000"/>
+            </a:schemeClr>
+          </a:lnRef>
+          <a:fillRef idx="1">
+            <a:schemeClr val="accent1"/>
+          </a:fillRef>
+          <a:effectRef idx="0">
+            <a:schemeClr val="accent1"/>
+          </a:effectRef>
+          <a:fontRef idx="minor">
+            <a:schemeClr val="lt1"/>
+          </a:fontRef>
+        </p:style>
+        <p:txBody>
+          <a:bodyPr rtlCol="0" anchor="ctr"/>
+          <a:lstStyle/>
+          <a:p>
+            <a:pPr algn="ctr"/>
+            <a:r>
+              <a:rPr lang="en-US" sz="1050" dirty="0">
+                <a:solidFill>
+                  <a:schemeClr val="tx1"/>
+                </a:solidFill>
+                <a:latin typeface="Futura"/>
+                <a:cs typeface="Times New Roman" panose="02020603050405020304" pitchFamily="18" charset="0"/>
+              </a:rPr>
+              <a:t>similarity constraint</a:t>
+            </a:r>
+          </a:p>
+        </p:txBody>
+      </p:sp>
+      <p:sp>
+        <p:nvSpPr>
+          <p:cNvPr id="83" name="Rectangle: Rounded Corners 82">
+            <a:extLst>
+              <a:ext uri="{FF2B5EF4-FFF2-40B4-BE49-F238E27FC236}">
+                <a16:creationId xmlns:a16="http://schemas.microsoft.com/office/drawing/2014/main" id="{C9DE8912-A3A9-401B-BEF7-86203DBB672F}"/>
+              </a:ext>
+            </a:extLst>
+          </p:cNvPr>
+          <p:cNvSpPr/>
+          <p:nvPr/>
+        </p:nvSpPr>
+        <p:spPr>
+          <a:xfrm>
+            <a:off x="4029829" y="4280206"/>
+            <a:ext cx="918102" cy="648398"/>
+          </a:xfrm>
+          <a:prstGeom prst="roundRect">
+            <a:avLst>
+              <a:gd name="adj" fmla="val 10145"/>
+            </a:avLst>
+          </a:prstGeom>
+          <a:solidFill>
+            <a:schemeClr val="bg1"/>
+          </a:solidFill>
+          <a:ln w="12700">
+            <a:solidFill>
+              <a:schemeClr val="tx1"/>
+            </a:solidFill>
+          </a:ln>
+        </p:spPr>
+        <p:style>
+          <a:lnRef idx="2">
+            <a:schemeClr val="accent1">
+              <a:shade val="50000"/>
+            </a:schemeClr>
+          </a:lnRef>
+          <a:fillRef idx="1">
+            <a:schemeClr val="accent1"/>
+          </a:fillRef>
+          <a:effectRef idx="0">
+            <a:schemeClr val="accent1"/>
+          </a:effectRef>
+          <a:fontRef idx="minor">
+            <a:schemeClr val="lt1"/>
+          </a:fontRef>
+        </p:style>
+        <p:txBody>
+          <a:bodyPr rtlCol="0" anchor="ctr"/>
+          <a:lstStyle/>
+          <a:p>
+            <a:pPr algn="ctr"/>
+            <a:r>
+              <a:rPr lang="en-US" sz="1050" dirty="0">
+                <a:solidFill>
+                  <a:schemeClr val="tx1"/>
+                </a:solidFill>
+                <a:latin typeface="Futura"/>
+                <a:cs typeface="Times New Roman" panose="02020603050405020304" pitchFamily="18" charset="0"/>
+              </a:rPr>
+              <a:t>compute</a:t>
+            </a:r>
+          </a:p>
+          <a:p>
+            <a:pPr algn="ctr"/>
+            <a:r>
+              <a:rPr lang="en-US" sz="1050" dirty="0">
+                <a:solidFill>
+                  <a:schemeClr val="tx1"/>
+                </a:solidFill>
+                <a:latin typeface="Futura"/>
+                <a:cs typeface="Times New Roman" panose="02020603050405020304" pitchFamily="18" charset="0"/>
+              </a:rPr>
+              <a:t>object</a:t>
+            </a:r>
+          </a:p>
+          <a:p>
+            <a:pPr algn="ctr"/>
+            <a:r>
+              <a:rPr lang="en-US" sz="1050" dirty="0">
+                <a:solidFill>
+                  <a:schemeClr val="tx1"/>
+                </a:solidFill>
+                <a:latin typeface="Futura"/>
+                <a:cs typeface="Times New Roman" panose="02020603050405020304" pitchFamily="18" charset="0"/>
+              </a:rPr>
+              <a:t>features</a:t>
+            </a:r>
+            <a:endParaRPr lang="en-US" sz="1050" dirty="0">
+              <a:solidFill>
+                <a:prstClr val="black"/>
+              </a:solidFill>
+              <a:latin typeface="Futura"/>
+              <a:cs typeface="Times New Roman" panose="02020603050405020304" pitchFamily="18" charset="0"/>
+            </a:endParaRPr>
+          </a:p>
+        </p:txBody>
+      </p:sp>
+      <p:sp>
+        <p:nvSpPr>
+          <p:cNvPr id="84" name="Rectangle: Rounded Corners 83">
+            <a:extLst>
+              <a:ext uri="{FF2B5EF4-FFF2-40B4-BE49-F238E27FC236}">
+                <a16:creationId xmlns:a16="http://schemas.microsoft.com/office/drawing/2014/main" id="{CD4AFA70-7C34-466E-A6B6-FE37BD14106C}"/>
+              </a:ext>
+            </a:extLst>
+          </p:cNvPr>
+          <p:cNvSpPr/>
+          <p:nvPr/>
+        </p:nvSpPr>
+        <p:spPr>
+          <a:xfrm>
+            <a:off x="2897788" y="4279225"/>
+            <a:ext cx="918000" cy="648398"/>
+          </a:xfrm>
+          <a:prstGeom prst="roundRect">
+            <a:avLst>
+              <a:gd name="adj" fmla="val 10145"/>
+            </a:avLst>
+          </a:prstGeom>
+          <a:solidFill>
+            <a:schemeClr val="bg1"/>
+          </a:solidFill>
+          <a:ln w="12700">
+            <a:solidFill>
+              <a:schemeClr val="tx1"/>
+            </a:solidFill>
+          </a:ln>
+        </p:spPr>
+        <p:style>
+          <a:lnRef idx="2">
+            <a:schemeClr val="accent1">
+              <a:shade val="50000"/>
+            </a:schemeClr>
+          </a:lnRef>
+          <a:fillRef idx="1">
+            <a:schemeClr val="accent1"/>
+          </a:fillRef>
+          <a:effectRef idx="0">
+            <a:schemeClr val="accent1"/>
+          </a:effectRef>
+          <a:fontRef idx="minor">
+            <a:schemeClr val="lt1"/>
+          </a:fontRef>
+        </p:style>
+        <p:txBody>
+          <a:bodyPr rtlCol="0" anchor="ctr"/>
+          <a:lstStyle/>
+          <a:p>
+            <a:pPr algn="ctr"/>
+            <a:r>
+              <a:rPr lang="en-US" sz="1050" dirty="0">
+                <a:solidFill>
+                  <a:schemeClr val="tx1"/>
+                </a:solidFill>
+                <a:latin typeface="Futura"/>
+                <a:cs typeface="Times New Roman" panose="02020603050405020304" pitchFamily="18" charset="0"/>
+              </a:rPr>
+              <a:t>identify virtual samples</a:t>
+            </a:r>
+          </a:p>
+        </p:txBody>
+      </p:sp>
+      <p:sp>
+        <p:nvSpPr>
+          <p:cNvPr id="85" name="Rectangle: Rounded Corners 84">
+            <a:extLst>
+              <a:ext uri="{FF2B5EF4-FFF2-40B4-BE49-F238E27FC236}">
+                <a16:creationId xmlns:a16="http://schemas.microsoft.com/office/drawing/2014/main" id="{6BACD199-755C-4E22-BA48-BA95491363B8}"/>
+              </a:ext>
+            </a:extLst>
+          </p:cNvPr>
+          <p:cNvSpPr/>
+          <p:nvPr/>
+        </p:nvSpPr>
+        <p:spPr>
+          <a:xfrm>
+            <a:off x="8657517" y="4280261"/>
+            <a:ext cx="918000" cy="648398"/>
+          </a:xfrm>
+          <a:prstGeom prst="roundRect">
+            <a:avLst>
+              <a:gd name="adj" fmla="val 10145"/>
+            </a:avLst>
+          </a:prstGeom>
+          <a:solidFill>
+            <a:schemeClr val="bg1"/>
+          </a:solidFill>
+          <a:ln w="12700">
+            <a:solidFill>
+              <a:schemeClr val="tx1"/>
+            </a:solidFill>
+          </a:ln>
+        </p:spPr>
+        <p:style>
+          <a:lnRef idx="2">
+            <a:schemeClr val="accent1">
+              <a:shade val="50000"/>
+            </a:schemeClr>
+          </a:lnRef>
+          <a:fillRef idx="1">
+            <a:schemeClr val="accent1"/>
+          </a:fillRef>
+          <a:effectRef idx="0">
+            <a:schemeClr val="accent1"/>
+          </a:effectRef>
+          <a:fontRef idx="minor">
+            <a:schemeClr val="lt1"/>
+          </a:fontRef>
+        </p:style>
+        <p:txBody>
+          <a:bodyPr rtlCol="0" anchor="ctr"/>
+          <a:lstStyle/>
+          <a:p>
+            <a:pPr algn="ctr"/>
+            <a:r>
+              <a:rPr lang="en-US" sz="1050" dirty="0">
+                <a:solidFill>
+                  <a:schemeClr val="tx1"/>
+                </a:solidFill>
+                <a:latin typeface="Futura"/>
+                <a:cs typeface="Times New Roman" panose="02020603050405020304" pitchFamily="18" charset="0"/>
+              </a:rPr>
+              <a:t>relearn model</a:t>
+            </a:r>
+          </a:p>
+        </p:txBody>
+      </p:sp>
+      <p:sp>
+        <p:nvSpPr>
+          <p:cNvPr id="88" name="Rectangle: Rounded Corners 87">
+            <a:extLst>
+              <a:ext uri="{FF2B5EF4-FFF2-40B4-BE49-F238E27FC236}">
+                <a16:creationId xmlns:a16="http://schemas.microsoft.com/office/drawing/2014/main" id="{2A949BA5-6356-41F5-A5D3-54A1408034EF}"/>
+              </a:ext>
+            </a:extLst>
+          </p:cNvPr>
+          <p:cNvSpPr/>
+          <p:nvPr/>
+        </p:nvSpPr>
+        <p:spPr>
+          <a:xfrm>
+            <a:off x="266156" y="4275572"/>
+            <a:ext cx="1339200" cy="648398"/>
+          </a:xfrm>
+          <a:prstGeom prst="roundRect">
+            <a:avLst>
+              <a:gd name="adj" fmla="val 10145"/>
+            </a:avLst>
+          </a:prstGeom>
+          <a:solidFill>
+            <a:schemeClr val="bg1"/>
+          </a:solidFill>
+          <a:ln w="12700">
+            <a:solidFill>
+              <a:schemeClr val="tx1"/>
+            </a:solidFill>
+          </a:ln>
+        </p:spPr>
+        <p:style>
+          <a:lnRef idx="2">
+            <a:schemeClr val="accent1">
+              <a:shade val="50000"/>
+            </a:schemeClr>
+          </a:lnRef>
+          <a:fillRef idx="1">
+            <a:schemeClr val="accent1"/>
+          </a:fillRef>
+          <a:effectRef idx="0">
+            <a:schemeClr val="accent1"/>
+          </a:effectRef>
+          <a:fontRef idx="minor">
+            <a:schemeClr val="lt1"/>
+          </a:fontRef>
+        </p:style>
+        <p:txBody>
+          <a:bodyPr rtlCol="0" anchor="ctr"/>
+          <a:lstStyle/>
+          <a:p>
+            <a:pPr algn="ctr"/>
+            <a:r>
+              <a:rPr lang="en-US" sz="1050" dirty="0">
+                <a:solidFill>
+                  <a:schemeClr val="tx1"/>
+                </a:solidFill>
+                <a:latin typeface="Futura"/>
+                <a:cs typeface="Times New Roman" panose="02020603050405020304" pitchFamily="18" charset="0"/>
+              </a:rPr>
+              <a:t>segmentation with altered parameterization</a:t>
+            </a:r>
+          </a:p>
+        </p:txBody>
+      </p:sp>
+      <p:sp>
+        <p:nvSpPr>
+          <p:cNvPr id="90" name="Rectangle: Rounded Corners 89">
+            <a:extLst>
+              <a:ext uri="{FF2B5EF4-FFF2-40B4-BE49-F238E27FC236}">
+                <a16:creationId xmlns:a16="http://schemas.microsoft.com/office/drawing/2014/main" id="{697A23BB-C9E4-45D3-BE0B-36072BC33FE7}"/>
+              </a:ext>
+            </a:extLst>
+          </p:cNvPr>
+          <p:cNvSpPr/>
+          <p:nvPr/>
+        </p:nvSpPr>
+        <p:spPr>
+          <a:xfrm>
+            <a:off x="7517749" y="2398997"/>
+            <a:ext cx="1651170" cy="648398"/>
+          </a:xfrm>
+          <a:prstGeom prst="roundRect">
+            <a:avLst>
+              <a:gd name="adj" fmla="val 10145"/>
+            </a:avLst>
+          </a:prstGeom>
+          <a:solidFill>
+            <a:schemeClr val="bg1"/>
+          </a:solidFill>
+          <a:ln w="12700">
+            <a:solidFill>
+              <a:schemeClr val="tx1"/>
+            </a:solidFill>
+          </a:ln>
+        </p:spPr>
+        <p:style>
+          <a:lnRef idx="2">
+            <a:schemeClr val="accent1">
+              <a:shade val="50000"/>
+            </a:schemeClr>
+          </a:lnRef>
+          <a:fillRef idx="1">
+            <a:schemeClr val="accent1"/>
+          </a:fillRef>
+          <a:effectRef idx="0">
+            <a:schemeClr val="accent1"/>
+          </a:effectRef>
+          <a:fontRef idx="minor">
+            <a:schemeClr val="lt1"/>
+          </a:fontRef>
+        </p:style>
+        <p:txBody>
+          <a:bodyPr rtlCol="0" anchor="ctr"/>
+          <a:lstStyle/>
+          <a:p>
+            <a:pPr algn="ctr"/>
+            <a:r>
+              <a:rPr lang="en-US" sz="1050" dirty="0">
+                <a:solidFill>
+                  <a:schemeClr val="tx1"/>
+                </a:solidFill>
+                <a:latin typeface="Futura"/>
+                <a:cs typeface="Times New Roman" panose="02020603050405020304" pitchFamily="18" charset="0"/>
+              </a:rPr>
+              <a:t>Uncertainty distance </a:t>
+            </a:r>
+          </a:p>
+          <a:p>
+            <a:pPr algn="ctr"/>
+            <a:r>
+              <a:rPr lang="en-US" sz="1050" dirty="0">
+                <a:solidFill>
+                  <a:schemeClr val="tx1"/>
+                </a:solidFill>
+                <a:latin typeface="Futura"/>
+                <a:cs typeface="Times New Roman" panose="02020603050405020304" pitchFamily="18" charset="0"/>
+              </a:rPr>
+              <a:t>with PCA + clustering </a:t>
+            </a:r>
+          </a:p>
+        </p:txBody>
+      </p:sp>
+      <p:cxnSp>
+        <p:nvCxnSpPr>
+          <p:cNvPr id="98" name="Gerade Verbindung mit Pfeil 32">
+            <a:extLst>
+              <a:ext uri="{FF2B5EF4-FFF2-40B4-BE49-F238E27FC236}">
+                <a16:creationId xmlns:a16="http://schemas.microsoft.com/office/drawing/2014/main" id="{2D047EE9-75BF-4734-BE54-517A96E3E6C6}"/>
+              </a:ext>
+            </a:extLst>
+          </p:cNvPr>
+          <p:cNvCxnSpPr>
+            <a:cxnSpLocks/>
+            <a:stCxn id="90" idx="1"/>
+            <a:endCxn id="80" idx="3"/>
+          </p:cNvCxnSpPr>
+          <p:nvPr/>
+        </p:nvCxnSpPr>
+        <p:spPr>
+          <a:xfrm flipH="1" flipV="1">
+            <a:off x="6440690" y="2721465"/>
+            <a:ext cx="1077059" cy="1731"/>
+          </a:xfrm>
+          <a:prstGeom prst="straightConnector1">
+            <a:avLst/>
+          </a:prstGeom>
+          <a:ln w="12700">
+            <a:solidFill>
+              <a:schemeClr val="tx1"/>
+            </a:solidFill>
+            <a:tailEnd type="triangle"/>
+          </a:ln>
+        </p:spPr>
+        <p:style>
+          <a:lnRef idx="1">
+            <a:schemeClr val="accent1"/>
+          </a:lnRef>
+          <a:fillRef idx="0">
+            <a:schemeClr val="accent1"/>
+          </a:fillRef>
+          <a:effectRef idx="0">
+            <a:schemeClr val="accent1"/>
+          </a:effectRef>
+          <a:fontRef idx="minor">
+            <a:schemeClr val="tx1"/>
+          </a:fontRef>
+        </p:style>
+      </p:cxnSp>
+      <p:cxnSp>
+        <p:nvCxnSpPr>
+          <p:cNvPr id="150" name="Gerade Verbindung mit Pfeil 52">
+            <a:extLst>
+              <a:ext uri="{FF2B5EF4-FFF2-40B4-BE49-F238E27FC236}">
+                <a16:creationId xmlns:a16="http://schemas.microsoft.com/office/drawing/2014/main" id="{478673B4-905E-4371-AF0F-5EAE1D7FFB44}"/>
+              </a:ext>
+            </a:extLst>
+          </p:cNvPr>
+          <p:cNvCxnSpPr>
+            <a:cxnSpLocks/>
+            <a:stCxn id="76" idx="0"/>
+            <a:endCxn id="2" idx="3"/>
+          </p:cNvCxnSpPr>
+          <p:nvPr/>
+        </p:nvCxnSpPr>
+        <p:spPr>
+          <a:xfrm flipH="1" flipV="1">
+            <a:off x="939329" y="1843044"/>
+            <a:ext cx="778" cy="360157"/>
+          </a:xfrm>
+          <a:prstGeom prst="straightConnector1">
+            <a:avLst/>
+          </a:prstGeom>
+          <a:ln w="12700">
+            <a:solidFill>
+              <a:schemeClr val="tx1"/>
+            </a:solidFill>
+            <a:headEnd type="triangle"/>
+            <a:tailEnd type="none"/>
+          </a:ln>
+        </p:spPr>
+        <p:style>
+          <a:lnRef idx="1">
+            <a:schemeClr val="accent1"/>
+          </a:lnRef>
+          <a:fillRef idx="0">
+            <a:schemeClr val="accent1"/>
+          </a:fillRef>
+          <a:effectRef idx="0">
+            <a:schemeClr val="accent1"/>
+          </a:effectRef>
+          <a:fontRef idx="minor">
+            <a:schemeClr val="tx1"/>
+          </a:fontRef>
+        </p:style>
+      </p:cxnSp>
+      <p:sp>
+        <p:nvSpPr>
+          <p:cNvPr id="217" name="Rectangle 216">
+            <a:extLst>
+              <a:ext uri="{FF2B5EF4-FFF2-40B4-BE49-F238E27FC236}">
+                <a16:creationId xmlns:a16="http://schemas.microsoft.com/office/drawing/2014/main" id="{CE280420-228F-4D4C-80F2-02B33F8F9893}"/>
+              </a:ext>
+            </a:extLst>
+          </p:cNvPr>
+          <p:cNvSpPr/>
+          <p:nvPr/>
+        </p:nvSpPr>
+        <p:spPr>
+          <a:xfrm>
+            <a:off x="-502397" y="2090702"/>
+            <a:ext cx="566181" cy="253916"/>
+          </a:xfrm>
+          <a:prstGeom prst="rect">
+            <a:avLst/>
+          </a:prstGeom>
+        </p:spPr>
+        <p:txBody>
+          <a:bodyPr wrap="none">
+            <a:spAutoFit/>
+          </a:bodyPr>
+          <a:lstStyle/>
+          <a:p>
+            <a:r>
+              <a:rPr lang="en-US" sz="1050" b="1" dirty="0">
+                <a:solidFill>
+                  <a:schemeClr val="tx1">
+                    <a:lumMod val="75000"/>
+                    <a:lumOff val="25000"/>
+                  </a:schemeClr>
+                </a:solidFill>
+                <a:latin typeface="Futura"/>
+                <a:cs typeface="Times New Roman" panose="02020603050405020304" pitchFamily="18" charset="0"/>
+              </a:rPr>
+              <a:t>VSVM</a:t>
+            </a:r>
+          </a:p>
+        </p:txBody>
+      </p:sp>
+      <p:sp>
+        <p:nvSpPr>
+          <p:cNvPr id="218" name="Rectangle 217">
+            <a:extLst>
+              <a:ext uri="{FF2B5EF4-FFF2-40B4-BE49-F238E27FC236}">
+                <a16:creationId xmlns:a16="http://schemas.microsoft.com/office/drawing/2014/main" id="{C8EE7157-E021-42D2-849E-F484F2B10A54}"/>
+              </a:ext>
+            </a:extLst>
+          </p:cNvPr>
+          <p:cNvSpPr/>
+          <p:nvPr/>
+        </p:nvSpPr>
+        <p:spPr>
+          <a:xfrm>
+            <a:off x="-510265" y="4939151"/>
+            <a:ext cx="1766830" cy="253916"/>
+          </a:xfrm>
+          <a:prstGeom prst="rect">
+            <a:avLst/>
+          </a:prstGeom>
+        </p:spPr>
+        <p:txBody>
+          <a:bodyPr wrap="none">
+            <a:spAutoFit/>
+          </a:bodyPr>
+          <a:lstStyle/>
+          <a:p>
+            <a:r>
+              <a:rPr lang="en-US" sz="1050" b="1" dirty="0">
+                <a:solidFill>
+                  <a:schemeClr val="tx1">
+                    <a:lumMod val="75000"/>
+                    <a:lumOff val="25000"/>
+                  </a:schemeClr>
+                </a:solidFill>
+                <a:latin typeface="Futura"/>
+                <a:cs typeface="Times New Roman" panose="02020603050405020304" pitchFamily="18" charset="0"/>
+              </a:rPr>
+              <a:t>encoding of invariances</a:t>
+            </a:r>
+          </a:p>
+        </p:txBody>
+      </p:sp>
+      <p:sp>
+        <p:nvSpPr>
+          <p:cNvPr id="219" name="Rectangle 218">
+            <a:extLst>
+              <a:ext uri="{FF2B5EF4-FFF2-40B4-BE49-F238E27FC236}">
+                <a16:creationId xmlns:a16="http://schemas.microsoft.com/office/drawing/2014/main" id="{FFFD716E-AF68-459F-A640-FB2282076777}"/>
+              </a:ext>
+            </a:extLst>
+          </p:cNvPr>
+          <p:cNvSpPr/>
+          <p:nvPr/>
+        </p:nvSpPr>
+        <p:spPr>
+          <a:xfrm>
+            <a:off x="5376021" y="4948398"/>
+            <a:ext cx="1550424" cy="253916"/>
+          </a:xfrm>
+          <a:prstGeom prst="rect">
+            <a:avLst/>
+          </a:prstGeom>
+        </p:spPr>
+        <p:txBody>
+          <a:bodyPr wrap="none">
+            <a:spAutoFit/>
+          </a:bodyPr>
+          <a:lstStyle/>
+          <a:p>
+            <a:r>
+              <a:rPr lang="en-US" sz="1050" b="1" dirty="0">
+                <a:solidFill>
+                  <a:schemeClr val="tx1">
+                    <a:lumMod val="75000"/>
+                    <a:lumOff val="25000"/>
+                  </a:schemeClr>
+                </a:solidFill>
+                <a:latin typeface="Futura"/>
+                <a:cs typeface="Times New Roman" panose="02020603050405020304" pitchFamily="18" charset="0"/>
+              </a:rPr>
+              <a:t>self-learning strategy</a:t>
+            </a:r>
+          </a:p>
+        </p:txBody>
+      </p:sp>
+      <p:cxnSp>
+        <p:nvCxnSpPr>
+          <p:cNvPr id="54" name="Gewinkelte Verbindung 40">
+            <a:extLst>
+              <a:ext uri="{FF2B5EF4-FFF2-40B4-BE49-F238E27FC236}">
+                <a16:creationId xmlns:a16="http://schemas.microsoft.com/office/drawing/2014/main" id="{6C848427-4261-46FE-9B85-6A685967EFAB}"/>
+              </a:ext>
+            </a:extLst>
+          </p:cNvPr>
+          <p:cNvCxnSpPr>
+            <a:cxnSpLocks/>
+            <a:stCxn id="80" idx="1"/>
+            <a:endCxn id="101" idx="4"/>
+          </p:cNvCxnSpPr>
+          <p:nvPr/>
+        </p:nvCxnSpPr>
+        <p:spPr>
+          <a:xfrm rot="10800000">
+            <a:off x="3896788" y="1338665"/>
+            <a:ext cx="1571902" cy="1382801"/>
+          </a:xfrm>
+          <a:prstGeom prst="bentConnector3">
+            <a:avLst>
+              <a:gd name="adj1" fmla="val 57271"/>
+            </a:avLst>
+          </a:prstGeom>
+          <a:ln w="12700">
+            <a:solidFill>
+              <a:schemeClr val="tx1"/>
+            </a:solidFill>
+            <a:tailEnd type="triangle"/>
+          </a:ln>
+        </p:spPr>
+        <p:style>
+          <a:lnRef idx="1">
+            <a:schemeClr val="accent1"/>
+          </a:lnRef>
+          <a:fillRef idx="0">
+            <a:schemeClr val="accent1"/>
+          </a:fillRef>
+          <a:effectRef idx="0">
+            <a:schemeClr val="accent1"/>
+          </a:effectRef>
+          <a:fontRef idx="minor">
+            <a:schemeClr val="tx1"/>
+          </a:fontRef>
+        </p:style>
+      </p:cxnSp>
+    </p:spTree>
+    <p:extLst>
+      <p:ext uri="{BB962C8B-B14F-4D97-AF65-F5344CB8AC3E}">
+        <p14:creationId xmlns:p14="http://schemas.microsoft.com/office/powerpoint/2010/main" val="1922694313"/>
+      </p:ext>
+    </p:extLst>
+  </p:cSld>
+  <p:clrMapOvr>
+    <a:masterClrMapping/>
+  </p:clrMapOvr>
+</p:sld>
+</file>
+
+<file path=ppt/slides/slide7.xml><?xml version="1.0" encoding="utf-8"?>
+<p:sld xmlns:a="http://schemas.openxmlformats.org/drawingml/2006/main" xmlns:r="http://schemas.openxmlformats.org/officeDocument/2006/relationships" xmlns:p="http://schemas.openxmlformats.org/presentationml/2006/main">
+  <p:cSld>
+    <p:spTree>
+      <p:nvGrpSpPr>
+        <p:cNvPr id="1" name=""/>
+        <p:cNvGrpSpPr/>
+        <p:nvPr/>
+      </p:nvGrpSpPr>
+      <p:grpSpPr>
+        <a:xfrm>
+          <a:off x="0" y="0"/>
+          <a:ext cx="0" cy="0"/>
+          <a:chOff x="0" y="0"/>
+          <a:chExt cx="0" cy="0"/>
+        </a:xfrm>
+      </p:grpSpPr>
+      <p:sp>
+        <p:nvSpPr>
+          <p:cNvPr id="20" name="Flussdiagramm: Prozess 19"/>
+          <p:cNvSpPr/>
+          <p:nvPr/>
+        </p:nvSpPr>
+        <p:spPr>
+          <a:xfrm>
+            <a:off x="-504563" y="2092705"/>
+            <a:ext cx="9648564" cy="2877752"/>
+          </a:xfrm>
+          <a:prstGeom prst="flowChartProcess">
+            <a:avLst/>
+          </a:prstGeom>
+          <a:solidFill>
+            <a:srgbClr val="FFFF00">
+              <a:alpha val="40000"/>
+            </a:srgbClr>
+          </a:solidFill>
+          <a:ln>
+            <a:noFill/>
+          </a:ln>
+        </p:spPr>
+        <p:style>
+          <a:lnRef idx="2">
+            <a:schemeClr val="accent1">
+              <a:shade val="50000"/>
+            </a:schemeClr>
+          </a:lnRef>
+          <a:fillRef idx="1">
+            <a:schemeClr val="accent1"/>
+          </a:fillRef>
+          <a:effectRef idx="0">
+            <a:schemeClr val="accent1"/>
+          </a:effectRef>
+          <a:fontRef idx="minor">
+            <a:schemeClr val="lt1"/>
+          </a:fontRef>
+        </p:style>
+        <p:txBody>
+          <a:bodyPr rtlCol="0" anchor="ctr"/>
+          <a:lstStyle/>
+          <a:p>
+            <a:pPr algn="ctr"/>
+            <a:endParaRPr lang="de-DE" sz="1350" dirty="0"/>
+          </a:p>
+        </p:txBody>
+      </p:sp>
+      <p:sp>
+        <p:nvSpPr>
+          <p:cNvPr id="21" name="Flussdiagramm: Prozess 20"/>
+          <p:cNvSpPr/>
+          <p:nvPr/>
+        </p:nvSpPr>
+        <p:spPr>
+          <a:xfrm>
+            <a:off x="-504564" y="4166399"/>
+            <a:ext cx="5737694" cy="1035609"/>
+          </a:xfrm>
+          <a:prstGeom prst="flowChartProcess">
+            <a:avLst/>
+          </a:prstGeom>
+          <a:solidFill>
+            <a:schemeClr val="accent2">
+              <a:lumMod val="75000"/>
+              <a:alpha val="40000"/>
+            </a:schemeClr>
+          </a:solidFill>
+          <a:ln>
+            <a:noFill/>
+          </a:ln>
+        </p:spPr>
+        <p:style>
+          <a:lnRef idx="2">
+            <a:schemeClr val="accent1">
+              <a:shade val="50000"/>
+            </a:schemeClr>
+          </a:lnRef>
+          <a:fillRef idx="1">
+            <a:schemeClr val="accent1"/>
+          </a:fillRef>
+          <a:effectRef idx="0">
+            <a:schemeClr val="accent1"/>
+          </a:effectRef>
+          <a:fontRef idx="minor">
+            <a:schemeClr val="lt1"/>
+          </a:fontRef>
+        </p:style>
+        <p:txBody>
+          <a:bodyPr rtlCol="0" anchor="ctr"/>
+          <a:lstStyle/>
+          <a:p>
+            <a:pPr algn="ctr"/>
+            <a:endParaRPr lang="de-DE" sz="1350"/>
+          </a:p>
+        </p:txBody>
+      </p:sp>
+      <mc:AlternateContent xmlns:mc="http://schemas.openxmlformats.org/markup-compatibility/2006" xmlns:a14="http://schemas.microsoft.com/office/drawing/2010/main">
+        <mc:Choice Requires="a14">
+          <p:sp>
+            <p:nvSpPr>
+              <p:cNvPr id="4" name="Textfeld 3"/>
+              <p:cNvSpPr txBox="1"/>
+              <p:nvPr/>
+            </p:nvSpPr>
+            <p:spPr>
+              <a:xfrm>
+                <a:off x="3799417" y="3539862"/>
+                <a:ext cx="452303" cy="265457"/>
+              </a:xfrm>
+              <a:prstGeom prst="rect">
+                <a:avLst/>
+              </a:prstGeom>
+              <a:noFill/>
+            </p:spPr>
+            <p:txBody>
+              <a:bodyPr wrap="square" rtlCol="0">
+                <a:spAutoFit/>
+              </a:bodyPr>
+              <a:lstStyle/>
+              <a:p>
+                <a:pPr/>
+                <a14:m>
+                  <m:oMathPara xmlns:m="http://schemas.openxmlformats.org/officeDocument/2006/math">
+                    <m:oMathParaPr>
+                      <m:jc m:val="centerGroup"/>
+                    </m:oMathParaPr>
+                    <m:oMath xmlns:m="http://schemas.openxmlformats.org/officeDocument/2006/math">
+                      <m:sSup>
+                        <m:sSupPr>
+                          <m:ctrlPr>
+                            <a:rPr lang="de-DE" sz="1100" i="1">
+                              <a:latin typeface="Cambria Math" panose="02040503050406030204" pitchFamily="18" charset="0"/>
+                            </a:rPr>
+                          </m:ctrlPr>
+                        </m:sSupPr>
+                        <m:e>
+                          <m:r>
+                            <a:rPr lang="de-DE" sz="1100" i="1">
+                              <a:latin typeface="Cambria Math" panose="02040503050406030204" pitchFamily="18" charset="0"/>
+                            </a:rPr>
+                            <m:t>𝑋</m:t>
+                          </m:r>
+                        </m:e>
+                        <m:sup>
+                          <m:r>
+                            <a:rPr lang="de-DE" sz="1100" i="1">
+                              <a:latin typeface="Cambria Math" panose="02040503050406030204" pitchFamily="18" charset="0"/>
+                            </a:rPr>
+                            <m:t>𝑆𝑉</m:t>
+                          </m:r>
+                        </m:sup>
+                      </m:sSup>
+                    </m:oMath>
+                  </m:oMathPara>
+                </a14:m>
+                <a:endParaRPr lang="de-DE" sz="1350" dirty="0">
+                  <a:latin typeface="Futura"/>
+                </a:endParaRPr>
+              </a:p>
+            </p:txBody>
+          </p:sp>
+        </mc:Choice>
+        <mc:Fallback xmlns="">
+          <p:sp>
+            <p:nvSpPr>
+              <p:cNvPr id="4" name="Textfeld 3"/>
+              <p:cNvSpPr txBox="1">
+                <a:spLocks noRot="1" noChangeAspect="1" noMove="1" noResize="1" noEditPoints="1" noAdjustHandles="1" noChangeArrowheads="1" noChangeShapeType="1" noTextEdit="1"/>
+              </p:cNvSpPr>
+              <p:nvPr/>
+            </p:nvSpPr>
+            <p:spPr>
+              <a:xfrm>
+                <a:off x="3799417" y="3539862"/>
+                <a:ext cx="452303" cy="265457"/>
+              </a:xfrm>
+              <a:prstGeom prst="rect">
+                <a:avLst/>
+              </a:prstGeom>
+              <a:blipFill>
+                <a:blip r:embed="rId3"/>
+                <a:stretch>
+                  <a:fillRect/>
+                </a:stretch>
+              </a:blipFill>
+            </p:spPr>
+            <p:txBody>
+              <a:bodyPr/>
+              <a:lstStyle/>
+              <a:p>
+                <a:r>
+                  <a:rPr lang="en-GB">
+                    <a:noFill/>
+                  </a:rPr>
+                  <a:t> </a:t>
+                </a:r>
+              </a:p>
+            </p:txBody>
+          </p:sp>
+        </mc:Fallback>
+      </mc:AlternateContent>
+      <p:sp>
+        <p:nvSpPr>
+          <p:cNvPr id="8" name="Flussdiagramm: Karte 7"/>
+          <p:cNvSpPr/>
+          <p:nvPr/>
+        </p:nvSpPr>
+        <p:spPr>
+          <a:xfrm>
+            <a:off x="8603460" y="5447473"/>
+            <a:ext cx="1026114" cy="702078"/>
+          </a:xfrm>
+          <a:prstGeom prst="flowChartPunchedCard">
+            <a:avLst/>
+          </a:prstGeom>
+          <a:solidFill>
+            <a:schemeClr val="bg1"/>
+          </a:solidFill>
+          <a:ln w="12700">
+            <a:solidFill>
+              <a:schemeClr val="tx1"/>
+            </a:solidFill>
+          </a:ln>
+        </p:spPr>
+        <p:style>
+          <a:lnRef idx="2">
+            <a:schemeClr val="accent1">
+              <a:shade val="50000"/>
+            </a:schemeClr>
+          </a:lnRef>
+          <a:fillRef idx="1">
+            <a:schemeClr val="accent1"/>
+          </a:fillRef>
+          <a:effectRef idx="0">
+            <a:schemeClr val="accent1"/>
+          </a:effectRef>
+          <a:fontRef idx="minor">
+            <a:schemeClr val="lt1"/>
+          </a:fontRef>
+        </p:style>
+        <p:txBody>
+          <a:bodyPr rot="0" spcFirstLastPara="0" vertOverflow="overflow" horzOverflow="overflow" vert="horz" wrap="square" lIns="68580" tIns="34290" rIns="68580" bIns="34290" numCol="1" spcCol="0" rtlCol="0" fromWordArt="0" anchor="ctr" anchorCtr="0" forceAA="0" compatLnSpc="1">
+            <a:prstTxWarp prst="textNoShape">
+              <a:avLst/>
+            </a:prstTxWarp>
+            <a:noAutofit/>
+          </a:bodyPr>
+          <a:lstStyle/>
+          <a:p>
+            <a:pPr algn="ctr"/>
+            <a:r>
+              <a:rPr lang="en-US" sz="1100" dirty="0">
+                <a:solidFill>
+                  <a:schemeClr val="tx1"/>
+                </a:solidFill>
+                <a:latin typeface="Futura"/>
+                <a:cs typeface="Times New Roman" panose="02020603050405020304" pitchFamily="18" charset="0"/>
+              </a:rPr>
+              <a:t>thematic</a:t>
+            </a:r>
+            <a:r>
+              <a:rPr lang="de-DE" sz="1100" dirty="0">
+                <a:solidFill>
+                  <a:schemeClr val="tx1"/>
+                </a:solidFill>
+                <a:latin typeface="Futura"/>
+                <a:cs typeface="Times New Roman" panose="02020603050405020304" pitchFamily="18" charset="0"/>
+              </a:rPr>
+              <a:t> </a:t>
+            </a:r>
+            <a:r>
+              <a:rPr lang="en-US" sz="1100" dirty="0">
+                <a:solidFill>
+                  <a:schemeClr val="tx1"/>
+                </a:solidFill>
+                <a:latin typeface="Futura"/>
+                <a:cs typeface="Times New Roman" panose="02020603050405020304" pitchFamily="18" charset="0"/>
+              </a:rPr>
+              <a:t>map</a:t>
+            </a:r>
+          </a:p>
+        </p:txBody>
+      </p:sp>
+      <mc:AlternateContent xmlns:mc="http://schemas.openxmlformats.org/markup-compatibility/2006" xmlns:a14="http://schemas.microsoft.com/office/drawing/2010/main">
+        <mc:Choice Requires="a14">
+          <p:sp>
+            <p:nvSpPr>
+              <p:cNvPr id="18" name="Textfeld 17"/>
+              <p:cNvSpPr txBox="1"/>
+              <p:nvPr/>
+            </p:nvSpPr>
+            <p:spPr>
+              <a:xfrm>
+                <a:off x="4869590" y="4594389"/>
+                <a:ext cx="450123" cy="265457"/>
+              </a:xfrm>
+              <a:prstGeom prst="rect">
+                <a:avLst/>
+              </a:prstGeom>
+              <a:noFill/>
+            </p:spPr>
+            <p:txBody>
+              <a:bodyPr wrap="square" rtlCol="0">
+                <a:spAutoFit/>
+              </a:bodyPr>
+              <a:lstStyle/>
+              <a:p>
+                <a:pPr/>
+                <a14:m>
+                  <m:oMathPara xmlns:m="http://schemas.openxmlformats.org/officeDocument/2006/math">
+                    <m:oMathParaPr>
+                      <m:jc m:val="centerGroup"/>
+                    </m:oMathParaPr>
+                    <m:oMath xmlns:m="http://schemas.openxmlformats.org/officeDocument/2006/math">
+                      <m:sSup>
+                        <m:sSupPr>
+                          <m:ctrlPr>
+                            <a:rPr lang="de-DE" sz="1100" i="1" dirty="0">
+                              <a:latin typeface="Cambria Math" panose="02040503050406030204" pitchFamily="18" charset="0"/>
+                            </a:rPr>
+                          </m:ctrlPr>
+                        </m:sSupPr>
+                        <m:e>
+                          <m:r>
+                            <a:rPr lang="de-DE" sz="1100" i="1" dirty="0">
+                              <a:latin typeface="Cambria Math" panose="02040503050406030204" pitchFamily="18" charset="0"/>
+                            </a:rPr>
+                            <m:t>𝑉</m:t>
+                          </m:r>
+                        </m:e>
+                        <m:sup>
+                          <m:r>
+                            <a:rPr lang="de-DE" sz="1100" i="1" dirty="0">
+                              <a:latin typeface="Cambria Math" panose="02040503050406030204" pitchFamily="18" charset="0"/>
+                            </a:rPr>
+                            <m:t>𝑆𝑉</m:t>
+                          </m:r>
+                        </m:sup>
+                      </m:sSup>
+                    </m:oMath>
+                  </m:oMathPara>
+                </a14:m>
+                <a:endParaRPr lang="de-DE" sz="1350" dirty="0">
+                  <a:latin typeface="Futura"/>
+                </a:endParaRPr>
+              </a:p>
+            </p:txBody>
+          </p:sp>
+        </mc:Choice>
+        <mc:Fallback xmlns="">
+          <p:sp>
+            <p:nvSpPr>
+              <p:cNvPr id="18" name="Textfeld 17"/>
+              <p:cNvSpPr txBox="1">
+                <a:spLocks noRot="1" noChangeAspect="1" noMove="1" noResize="1" noEditPoints="1" noAdjustHandles="1" noChangeArrowheads="1" noChangeShapeType="1" noTextEdit="1"/>
+              </p:cNvSpPr>
+              <p:nvPr/>
+            </p:nvSpPr>
+            <p:spPr>
+              <a:xfrm>
+                <a:off x="4869590" y="4594389"/>
+                <a:ext cx="450123" cy="265457"/>
+              </a:xfrm>
+              <a:prstGeom prst="rect">
+                <a:avLst/>
+              </a:prstGeom>
+              <a:blipFill>
+                <a:blip r:embed="rId4"/>
+                <a:stretch>
+                  <a:fillRect/>
+                </a:stretch>
+              </a:blipFill>
+            </p:spPr>
+            <p:txBody>
+              <a:bodyPr/>
+              <a:lstStyle/>
+              <a:p>
+                <a:r>
+                  <a:rPr lang="en-GB">
+                    <a:noFill/>
+                  </a:rPr>
+                  <a:t> </a:t>
+                </a:r>
+              </a:p>
+            </p:txBody>
+          </p:sp>
+        </mc:Fallback>
+      </mc:AlternateContent>
+      <p:cxnSp>
+        <p:nvCxnSpPr>
+          <p:cNvPr id="31" name="Gerade Verbindung mit Pfeil 30"/>
+          <p:cNvCxnSpPr>
+            <a:cxnSpLocks/>
+            <a:stCxn id="76" idx="3"/>
+            <a:endCxn id="77" idx="1"/>
+          </p:cNvCxnSpPr>
+          <p:nvPr/>
+        </p:nvCxnSpPr>
+        <p:spPr>
+          <a:xfrm>
+            <a:off x="1609132" y="2527400"/>
+            <a:ext cx="188658" cy="0"/>
+          </a:xfrm>
+          <a:prstGeom prst="straightConnector1">
+            <a:avLst/>
+          </a:prstGeom>
+          <a:ln w="12700">
+            <a:solidFill>
+              <a:schemeClr val="tx1"/>
+            </a:solidFill>
+            <a:tailEnd type="triangle"/>
+          </a:ln>
+        </p:spPr>
+        <p:style>
+          <a:lnRef idx="1">
+            <a:schemeClr val="accent1"/>
+          </a:lnRef>
+          <a:fillRef idx="0">
+            <a:schemeClr val="accent1"/>
+          </a:fillRef>
+          <a:effectRef idx="0">
+            <a:schemeClr val="accent1"/>
+          </a:effectRef>
+          <a:fontRef idx="minor">
+            <a:schemeClr val="tx1"/>
+          </a:fontRef>
+        </p:style>
+      </p:cxnSp>
+      <p:cxnSp>
+        <p:nvCxnSpPr>
+          <p:cNvPr id="33" name="Gerade Verbindung mit Pfeil 32"/>
+          <p:cNvCxnSpPr>
+            <a:cxnSpLocks/>
+            <a:stCxn id="77" idx="3"/>
+            <a:endCxn id="79" idx="1"/>
+          </p:cNvCxnSpPr>
+          <p:nvPr/>
+        </p:nvCxnSpPr>
+        <p:spPr>
+          <a:xfrm>
+            <a:off x="2715892" y="2527400"/>
+            <a:ext cx="181896" cy="0"/>
+          </a:xfrm>
+          <a:prstGeom prst="straightConnector1">
+            <a:avLst/>
+          </a:prstGeom>
+          <a:ln w="12700">
+            <a:solidFill>
+              <a:schemeClr val="tx1"/>
+            </a:solidFill>
+            <a:tailEnd type="triangle"/>
+          </a:ln>
+        </p:spPr>
+        <p:style>
+          <a:lnRef idx="1">
+            <a:schemeClr val="accent1"/>
+          </a:lnRef>
+          <a:fillRef idx="0">
+            <a:schemeClr val="accent1"/>
+          </a:fillRef>
+          <a:effectRef idx="0">
+            <a:schemeClr val="accent1"/>
+          </a:effectRef>
+          <a:fontRef idx="minor">
+            <a:schemeClr val="tx1"/>
+          </a:fontRef>
+        </p:style>
+      </p:cxnSp>
+      <p:cxnSp>
+        <p:nvCxnSpPr>
+          <p:cNvPr id="53" name="Gerade Verbindung mit Pfeil 52"/>
+          <p:cNvCxnSpPr>
+            <a:cxnSpLocks/>
+            <a:stCxn id="79" idx="0"/>
+            <a:endCxn id="101" idx="3"/>
+          </p:cNvCxnSpPr>
+          <p:nvPr/>
+        </p:nvCxnSpPr>
+        <p:spPr>
+          <a:xfrm flipV="1">
+            <a:off x="3356788" y="1820614"/>
+            <a:ext cx="0" cy="382587"/>
+          </a:xfrm>
+          <a:prstGeom prst="straightConnector1">
+            <a:avLst/>
+          </a:prstGeom>
+          <a:ln w="12700">
+            <a:solidFill>
+              <a:schemeClr val="tx1"/>
+            </a:solidFill>
+            <a:headEnd type="triangle"/>
+            <a:tailEnd type="none"/>
+          </a:ln>
+        </p:spPr>
+        <p:style>
+          <a:lnRef idx="1">
+            <a:schemeClr val="accent1"/>
+          </a:lnRef>
+          <a:fillRef idx="0">
+            <a:schemeClr val="accent1"/>
+          </a:fillRef>
+          <a:effectRef idx="0">
+            <a:schemeClr val="accent1"/>
+          </a:effectRef>
+          <a:fontRef idx="minor">
+            <a:schemeClr val="tx1"/>
+          </a:fontRef>
+        </p:style>
+      </p:cxnSp>
+      <p:cxnSp>
+        <p:nvCxnSpPr>
+          <p:cNvPr id="56" name="Gerade Verbindung mit Pfeil 55"/>
+          <p:cNvCxnSpPr>
+            <a:cxnSpLocks/>
+            <a:stCxn id="79" idx="2"/>
+            <a:endCxn id="60" idx="0"/>
+          </p:cNvCxnSpPr>
+          <p:nvPr/>
+        </p:nvCxnSpPr>
+        <p:spPr>
+          <a:xfrm>
+            <a:off x="3356788" y="2851599"/>
+            <a:ext cx="0" cy="397960"/>
+          </a:xfrm>
+          <a:prstGeom prst="straightConnector1">
+            <a:avLst/>
+          </a:prstGeom>
+          <a:ln w="12700">
+            <a:solidFill>
+              <a:schemeClr val="tx1"/>
+            </a:solidFill>
+            <a:tailEnd type="triangle"/>
+          </a:ln>
+        </p:spPr>
+        <p:style>
+          <a:lnRef idx="1">
+            <a:schemeClr val="accent1"/>
+          </a:lnRef>
+          <a:fillRef idx="0">
+            <a:schemeClr val="accent1"/>
+          </a:fillRef>
+          <a:effectRef idx="0">
+            <a:schemeClr val="accent1"/>
+          </a:effectRef>
+          <a:fontRef idx="minor">
+            <a:schemeClr val="tx1"/>
+          </a:fontRef>
+        </p:style>
+      </p:cxnSp>
+      <p:cxnSp>
+        <p:nvCxnSpPr>
+          <p:cNvPr id="58" name="Gerade Verbindung mit Pfeil 57"/>
+          <p:cNvCxnSpPr>
+            <a:cxnSpLocks/>
+            <a:stCxn id="60" idx="2"/>
+            <a:endCxn id="84" idx="0"/>
+          </p:cNvCxnSpPr>
+          <p:nvPr/>
+        </p:nvCxnSpPr>
+        <p:spPr>
+          <a:xfrm>
+            <a:off x="3356788" y="3897957"/>
+            <a:ext cx="0" cy="381268"/>
+          </a:xfrm>
+          <a:prstGeom prst="straightConnector1">
+            <a:avLst/>
+          </a:prstGeom>
+          <a:ln w="12700">
+            <a:solidFill>
+              <a:schemeClr val="tx1"/>
+            </a:solidFill>
+            <a:tailEnd type="triangle"/>
+          </a:ln>
+        </p:spPr>
+        <p:style>
+          <a:lnRef idx="1">
+            <a:schemeClr val="accent1"/>
+          </a:lnRef>
+          <a:fillRef idx="0">
+            <a:schemeClr val="accent1"/>
+          </a:fillRef>
+          <a:effectRef idx="0">
+            <a:schemeClr val="accent1"/>
+          </a:effectRef>
+          <a:fontRef idx="minor">
+            <a:schemeClr val="tx1"/>
+          </a:fontRef>
+        </p:style>
+      </p:cxnSp>
+      <p:cxnSp>
+        <p:nvCxnSpPr>
+          <p:cNvPr id="63" name="Gerade Verbindung mit Pfeil 62"/>
+          <p:cNvCxnSpPr>
+            <a:cxnSpLocks/>
+            <a:stCxn id="88" idx="3"/>
+            <a:endCxn id="84" idx="1"/>
+          </p:cNvCxnSpPr>
+          <p:nvPr/>
+        </p:nvCxnSpPr>
+        <p:spPr>
+          <a:xfrm>
+            <a:off x="1605356" y="4599771"/>
+            <a:ext cx="1292432" cy="3653"/>
+          </a:xfrm>
+          <a:prstGeom prst="straightConnector1">
+            <a:avLst/>
+          </a:prstGeom>
+          <a:ln w="12700">
+            <a:solidFill>
+              <a:schemeClr val="tx1"/>
+            </a:solidFill>
+            <a:tailEnd type="triangle"/>
+          </a:ln>
+        </p:spPr>
+        <p:style>
+          <a:lnRef idx="1">
+            <a:schemeClr val="accent1"/>
+          </a:lnRef>
+          <a:fillRef idx="0">
+            <a:schemeClr val="accent1"/>
+          </a:fillRef>
+          <a:effectRef idx="0">
+            <a:schemeClr val="accent1"/>
+          </a:effectRef>
+          <a:fontRef idx="minor">
+            <a:schemeClr val="tx1"/>
+          </a:fontRef>
+        </p:style>
+      </p:cxnSp>
+      <p:cxnSp>
+        <p:nvCxnSpPr>
+          <p:cNvPr id="66" name="Gerade Verbindung mit Pfeil 65"/>
+          <p:cNvCxnSpPr>
+            <a:cxnSpLocks/>
+            <a:stCxn id="84" idx="3"/>
+            <a:endCxn id="83" idx="1"/>
+          </p:cNvCxnSpPr>
+          <p:nvPr/>
+        </p:nvCxnSpPr>
+        <p:spPr>
+          <a:xfrm>
+            <a:off x="3815788" y="4603424"/>
+            <a:ext cx="214041" cy="981"/>
+          </a:xfrm>
+          <a:prstGeom prst="straightConnector1">
+            <a:avLst/>
+          </a:prstGeom>
+          <a:ln w="12700">
+            <a:solidFill>
+              <a:schemeClr val="tx1"/>
+            </a:solidFill>
+            <a:tailEnd type="triangle"/>
+          </a:ln>
+        </p:spPr>
+        <p:style>
+          <a:lnRef idx="1">
+            <a:schemeClr val="accent1"/>
+          </a:lnRef>
+          <a:fillRef idx="0">
+            <a:schemeClr val="accent1"/>
+          </a:fillRef>
+          <a:effectRef idx="0">
+            <a:schemeClr val="accent1"/>
+          </a:effectRef>
+          <a:fontRef idx="minor">
+            <a:schemeClr val="tx1"/>
+          </a:fontRef>
+        </p:style>
+      </p:cxnSp>
+      <p:cxnSp>
+        <p:nvCxnSpPr>
+          <p:cNvPr id="68" name="Gerade Verbindung mit Pfeil 67"/>
+          <p:cNvCxnSpPr>
+            <a:cxnSpLocks/>
+            <a:stCxn id="83" idx="3"/>
+            <a:endCxn id="82" idx="1"/>
+          </p:cNvCxnSpPr>
+          <p:nvPr/>
+        </p:nvCxnSpPr>
+        <p:spPr>
+          <a:xfrm flipV="1">
+            <a:off x="4947931" y="4602574"/>
+            <a:ext cx="520758" cy="1831"/>
+          </a:xfrm>
+          <a:prstGeom prst="straightConnector1">
+            <a:avLst/>
+          </a:prstGeom>
+          <a:ln w="12700">
+            <a:solidFill>
+              <a:schemeClr val="tx1"/>
+            </a:solidFill>
+            <a:tailEnd type="triangle"/>
+          </a:ln>
+        </p:spPr>
+        <p:style>
+          <a:lnRef idx="1">
+            <a:schemeClr val="accent1"/>
+          </a:lnRef>
+          <a:fillRef idx="0">
+            <a:schemeClr val="accent1"/>
+          </a:fillRef>
+          <a:effectRef idx="0">
+            <a:schemeClr val="accent1"/>
+          </a:effectRef>
+          <a:fontRef idx="minor">
+            <a:schemeClr val="tx1"/>
+          </a:fontRef>
+        </p:style>
+      </p:cxnSp>
+      <p:sp>
+        <p:nvSpPr>
+          <p:cNvPr id="100" name="Textfeld 99">
+            <a:extLst>
+              <a:ext uri="{FF2B5EF4-FFF2-40B4-BE49-F238E27FC236}">
+                <a16:creationId xmlns:a16="http://schemas.microsoft.com/office/drawing/2014/main" id="{FEB7460F-EA71-4E85-80CF-6CE363E10C88}"/>
+              </a:ext>
+            </a:extLst>
+          </p:cNvPr>
+          <p:cNvSpPr txBox="1"/>
+          <p:nvPr/>
+        </p:nvSpPr>
+        <p:spPr>
+          <a:xfrm>
+            <a:off x="-504564" y="-463103"/>
+            <a:ext cx="11247783" cy="353943"/>
+          </a:xfrm>
+          <a:prstGeom prst="rect">
+            <a:avLst/>
+          </a:prstGeom>
+          <a:noFill/>
+        </p:spPr>
+        <p:txBody>
+          <a:bodyPr wrap="square" rtlCol="0">
+            <a:spAutoFit/>
+          </a:bodyPr>
+          <a:lstStyle/>
+          <a:p>
+            <a:r>
+              <a:rPr lang="en-US" sz="1700" dirty="0">
+                <a:latin typeface="Futura"/>
+                <a:cs typeface="Times New Roman" panose="02020603050405020304" pitchFamily="18" charset="0"/>
+              </a:rPr>
+              <a:t>Active learning method</a:t>
+            </a:r>
+            <a:r>
+              <a:rPr lang="de-DE" sz="1700" dirty="0">
+                <a:latin typeface="Futura"/>
+                <a:cs typeface="Times New Roman" panose="02020603050405020304" pitchFamily="18" charset="0"/>
+              </a:rPr>
+              <a:t> </a:t>
+            </a:r>
+            <a:r>
+              <a:rPr lang="en-US" sz="1700" dirty="0">
+                <a:latin typeface="Futura"/>
+                <a:cs typeface="Times New Roman" panose="02020603050405020304" pitchFamily="18" charset="0"/>
+              </a:rPr>
+              <a:t>with</a:t>
+            </a:r>
+            <a:r>
+              <a:rPr lang="de-DE" sz="1700" dirty="0">
+                <a:latin typeface="Futura"/>
+                <a:cs typeface="Times New Roman" panose="02020603050405020304" pitchFamily="18" charset="0"/>
+              </a:rPr>
+              <a:t> </a:t>
+            </a:r>
+            <a:r>
+              <a:rPr lang="en-US" sz="1700" dirty="0">
+                <a:latin typeface="Futura"/>
+                <a:cs typeface="Times New Roman" panose="02020603050405020304" pitchFamily="18" charset="0"/>
+              </a:rPr>
+              <a:t>constrained</a:t>
+            </a:r>
+            <a:r>
+              <a:rPr lang="de-DE" sz="1700" dirty="0">
+                <a:latin typeface="Futura"/>
+                <a:cs typeface="Times New Roman" panose="02020603050405020304" pitchFamily="18" charset="0"/>
+              </a:rPr>
+              <a:t> </a:t>
+            </a:r>
+            <a:r>
+              <a:rPr lang="en-US" sz="1700" dirty="0">
+                <a:latin typeface="Futura"/>
+                <a:cs typeface="Times New Roman" panose="02020603050405020304" pitchFamily="18" charset="0"/>
+              </a:rPr>
+              <a:t>Virtual Support Vector Machine </a:t>
+            </a:r>
+            <a:r>
+              <a:rPr lang="en-US" sz="1700" b="1" dirty="0">
+                <a:latin typeface="Futura"/>
+                <a:cs typeface="Times New Roman" panose="02020603050405020304" pitchFamily="18" charset="0"/>
+              </a:rPr>
+              <a:t>random</a:t>
+            </a:r>
+            <a:endParaRPr lang="de-DE" sz="1700" b="1" dirty="0">
+              <a:latin typeface="Futura"/>
+              <a:cs typeface="Times New Roman" panose="02020603050405020304" pitchFamily="18" charset="0"/>
+            </a:endParaRPr>
+          </a:p>
+        </p:txBody>
+      </p:sp>
+      <p:sp>
+        <p:nvSpPr>
+          <p:cNvPr id="2" name="Zylinder 1">
+            <a:extLst>
+              <a:ext uri="{FF2B5EF4-FFF2-40B4-BE49-F238E27FC236}">
+                <a16:creationId xmlns:a16="http://schemas.microsoft.com/office/drawing/2014/main" id="{7FC7301F-2494-4D15-88B6-3B540EB335BB}"/>
+              </a:ext>
+            </a:extLst>
+          </p:cNvPr>
+          <p:cNvSpPr/>
+          <p:nvPr/>
+        </p:nvSpPr>
+        <p:spPr>
+          <a:xfrm>
+            <a:off x="399329" y="879144"/>
+            <a:ext cx="1080000" cy="963900"/>
+          </a:xfrm>
+          <a:prstGeom prst="can">
+            <a:avLst/>
+          </a:prstGeom>
+          <a:solidFill>
+            <a:schemeClr val="bg1">
+              <a:lumMod val="95000"/>
+            </a:schemeClr>
+          </a:solidFill>
+          <a:ln w="12700">
+            <a:solidFill>
+              <a:schemeClr val="tx1"/>
+            </a:solidFill>
+          </a:ln>
+        </p:spPr>
+        <p:style>
+          <a:lnRef idx="2">
+            <a:schemeClr val="accent1">
+              <a:shade val="50000"/>
+            </a:schemeClr>
+          </a:lnRef>
+          <a:fillRef idx="1">
+            <a:schemeClr val="accent1"/>
+          </a:fillRef>
+          <a:effectRef idx="0">
+            <a:schemeClr val="accent1"/>
+          </a:effectRef>
+          <a:fontRef idx="minor">
+            <a:schemeClr val="lt1"/>
+          </a:fontRef>
+        </p:style>
+        <p:txBody>
+          <a:bodyPr rtlCol="0" anchor="ctr"/>
+          <a:lstStyle/>
+          <a:p>
+            <a:pPr algn="ctr"/>
+            <a:r>
+              <a:rPr lang="en-US" sz="1050" dirty="0">
+                <a:solidFill>
+                  <a:schemeClr val="tx1"/>
+                </a:solidFill>
+                <a:latin typeface="Futura"/>
+                <a:cs typeface="Times New Roman" panose="02020603050405020304" pitchFamily="18" charset="0"/>
+              </a:rPr>
+              <a:t>image</a:t>
+            </a:r>
+          </a:p>
+        </p:txBody>
+      </p:sp>
+      <mc:AlternateContent xmlns:mc="http://schemas.openxmlformats.org/markup-compatibility/2006" xmlns:a14="http://schemas.microsoft.com/office/drawing/2010/main">
+        <mc:Choice Requires="a14">
+          <p:sp>
+            <p:nvSpPr>
+              <p:cNvPr id="101" name="Zylinder 100">
+                <a:extLst>
+                  <a:ext uri="{FF2B5EF4-FFF2-40B4-BE49-F238E27FC236}">
+                    <a16:creationId xmlns:a16="http://schemas.microsoft.com/office/drawing/2014/main" id="{745F9C84-726B-4DBD-8F2E-76240AC2FE56}"/>
+                  </a:ext>
+                </a:extLst>
+              </p:cNvPr>
+              <p:cNvSpPr/>
+              <p:nvPr/>
+            </p:nvSpPr>
+            <p:spPr>
+              <a:xfrm>
+                <a:off x="2816788" y="856714"/>
+                <a:ext cx="1080000" cy="963900"/>
+              </a:xfrm>
+              <a:prstGeom prst="can">
+                <a:avLst/>
+              </a:prstGeom>
+              <a:solidFill>
+                <a:schemeClr val="bg1">
+                  <a:lumMod val="95000"/>
+                </a:schemeClr>
+              </a:solidFill>
+              <a:ln w="12700">
+                <a:solidFill>
+                  <a:schemeClr val="tx1"/>
+                </a:solidFill>
+              </a:ln>
+            </p:spPr>
+            <p:style>
+              <a:lnRef idx="2">
+                <a:schemeClr val="accent1">
+                  <a:shade val="50000"/>
+                </a:schemeClr>
+              </a:lnRef>
+              <a:fillRef idx="1">
+                <a:schemeClr val="accent1"/>
+              </a:fillRef>
+              <a:effectRef idx="0">
+                <a:schemeClr val="accent1"/>
+              </a:effectRef>
+              <a:fontRef idx="minor">
+                <a:schemeClr val="lt1"/>
+              </a:fontRef>
+            </p:style>
+            <p:txBody>
+              <a:bodyPr rtlCol="0" anchor="ctr"/>
+              <a:lstStyle/>
+              <a:p>
+                <a:pPr algn="ctr"/>
+                <a:r>
+                  <a:rPr lang="en-US" sz="1050" dirty="0">
+                    <a:solidFill>
+                      <a:schemeClr val="tx1"/>
+                    </a:solidFill>
+                    <a:latin typeface="Futura"/>
+                    <a:cs typeface="Times New Roman" panose="02020603050405020304" pitchFamily="18" charset="0"/>
+                  </a:rPr>
+                  <a:t>labeled samples </a:t>
+                </a:r>
+                <a14:m>
+                  <m:oMath xmlns:m="http://schemas.openxmlformats.org/officeDocument/2006/math">
+                    <m:r>
+                      <a:rPr lang="en-US" sz="1050" i="1">
+                        <a:solidFill>
+                          <a:schemeClr val="tx1"/>
+                        </a:solidFill>
+                        <a:latin typeface="Cambria Math" panose="02040503050406030204" pitchFamily="18" charset="0"/>
+                        <a:cs typeface="Times New Roman" panose="02020603050405020304" pitchFamily="18" charset="0"/>
+                      </a:rPr>
+                      <m:t>𝑋</m:t>
+                    </m:r>
+                  </m:oMath>
+                </a14:m>
+                <a:endParaRPr lang="en-US" sz="1050" dirty="0">
+                  <a:solidFill>
+                    <a:schemeClr val="tx1"/>
+                  </a:solidFill>
+                  <a:latin typeface="Futura"/>
+                  <a:cs typeface="Times New Roman" panose="02020603050405020304" pitchFamily="18" charset="0"/>
+                </a:endParaRPr>
+              </a:p>
+            </p:txBody>
+          </p:sp>
+        </mc:Choice>
+        <mc:Fallback xmlns="">
+          <p:sp>
+            <p:nvSpPr>
+              <p:cNvPr id="101" name="Zylinder 100">
+                <a:extLst>
+                  <a:ext uri="{FF2B5EF4-FFF2-40B4-BE49-F238E27FC236}">
+                    <a16:creationId xmlns:a16="http://schemas.microsoft.com/office/drawing/2014/main" id="{745F9C84-726B-4DBD-8F2E-76240AC2FE56}"/>
+                  </a:ext>
+                </a:extLst>
+              </p:cNvPr>
+              <p:cNvSpPr>
+                <a:spLocks noRot="1" noChangeAspect="1" noMove="1" noResize="1" noEditPoints="1" noAdjustHandles="1" noChangeArrowheads="1" noChangeShapeType="1" noTextEdit="1"/>
+              </p:cNvSpPr>
+              <p:nvPr/>
+            </p:nvSpPr>
+            <p:spPr>
+              <a:xfrm>
+                <a:off x="2816788" y="856714"/>
+                <a:ext cx="1080000" cy="963900"/>
+              </a:xfrm>
+              <a:prstGeom prst="can">
+                <a:avLst/>
+              </a:prstGeom>
+              <a:blipFill>
+                <a:blip r:embed="rId5"/>
+                <a:stretch>
+                  <a:fillRect/>
+                </a:stretch>
+              </a:blipFill>
+              <a:ln w="12700">
+                <a:solidFill>
+                  <a:schemeClr val="tx1"/>
+                </a:solidFill>
+              </a:ln>
+            </p:spPr>
+            <p:txBody>
+              <a:bodyPr/>
+              <a:lstStyle/>
+              <a:p>
+                <a:r>
+                  <a:rPr lang="en-GB">
+                    <a:noFill/>
+                  </a:rPr>
+                  <a:t> </a:t>
+                </a:r>
+              </a:p>
+            </p:txBody>
+          </p:sp>
+        </mc:Fallback>
+      </mc:AlternateContent>
+      <mc:AlternateContent xmlns:mc="http://schemas.openxmlformats.org/markup-compatibility/2006" xmlns:a14="http://schemas.microsoft.com/office/drawing/2010/main">
+        <mc:Choice Requires="a14">
           <p:sp>
             <p:nvSpPr>
               <p:cNvPr id="112" name="Zylinder 102">
@@ -25429,7 +28479,7 @@
             </p:txBody>
           </p:sp>
         </mc:Choice>
-        <mc:Fallback>
+        <mc:Fallback xmlns="">
           <p:sp>
             <p:nvSpPr>
               <p:cNvPr id="112" name="Zylinder 102">
@@ -25672,8 +28722,8 @@
           </a:fontRef>
         </p:style>
       </p:cxnSp>
-      <mc:AlternateContent xmlns:mc="http://schemas.openxmlformats.org/markup-compatibility/2006">
-        <mc:Choice xmlns:a14="http://schemas.microsoft.com/office/drawing/2010/main" Requires="a14">
+      <mc:AlternateContent xmlns:mc="http://schemas.openxmlformats.org/markup-compatibility/2006" xmlns:a14="http://schemas.microsoft.com/office/drawing/2010/main">
+        <mc:Choice Requires="a14">
           <p:sp>
             <p:nvSpPr>
               <p:cNvPr id="165" name="Textfeld 60">
@@ -25753,7 +28803,7 @@
             </p:txBody>
           </p:sp>
         </mc:Choice>
-        <mc:Fallback>
+        <mc:Fallback xmlns="">
           <p:sp>
             <p:nvSpPr>
               <p:cNvPr id="165" name="Textfeld 60">
@@ -27606,7 +30656,7 @@
 </p:sld>
 </file>
 
-<file path=ppt/slides/slide7.xml><?xml version="1.0" encoding="utf-8"?>
+<file path=ppt/slides/slide8.xml><?xml version="1.0" encoding="utf-8"?>
 <p:sld xmlns:a="http://schemas.openxmlformats.org/drawingml/2006/main" xmlns:r="http://schemas.openxmlformats.org/officeDocument/2006/relationships" xmlns:p="http://schemas.openxmlformats.org/presentationml/2006/main">
   <p:cSld>
     <p:spTree>
@@ -27774,8 +30824,8 @@
           </a:p>
         </p:txBody>
       </p:sp>
-      <mc:AlternateContent xmlns:mc="http://schemas.openxmlformats.org/markup-compatibility/2006">
-        <mc:Choice xmlns:a14="http://schemas.microsoft.com/office/drawing/2010/main" Requires="a14">
+      <mc:AlternateContent xmlns:mc="http://schemas.openxmlformats.org/markup-compatibility/2006" xmlns:a14="http://schemas.microsoft.com/office/drawing/2010/main">
+        <mc:Choice Requires="a14">
           <p:sp>
             <p:nvSpPr>
               <p:cNvPr id="4" name="Textfeld 3"/>
@@ -27840,7 +30890,7 @@
             </p:txBody>
           </p:sp>
         </mc:Choice>
-        <mc:Fallback>
+        <mc:Fallback xmlns="">
           <p:sp>
             <p:nvSpPr>
               <p:cNvPr id="4" name="Textfeld 3"/>
@@ -28682,8 +31732,8 @@
           </p:sp>
         </mc:Fallback>
       </mc:AlternateContent>
-      <mc:AlternateContent xmlns:mc="http://schemas.openxmlformats.org/markup-compatibility/2006">
-        <mc:Choice xmlns:a14="http://schemas.microsoft.com/office/drawing/2010/main" Requires="a14">
+      <mc:AlternateContent xmlns:mc="http://schemas.openxmlformats.org/markup-compatibility/2006" xmlns:a14="http://schemas.microsoft.com/office/drawing/2010/main">
+        <mc:Choice Requires="a14">
           <p:sp>
             <p:nvSpPr>
               <p:cNvPr id="103" name="Zylinder 102">
@@ -28787,7 +31837,7 @@
             </p:txBody>
           </p:sp>
         </mc:Choice>
-        <mc:Fallback>
+        <mc:Fallback xmlns="">
           <p:sp>
             <p:nvSpPr>
               <p:cNvPr id="103" name="Zylinder 102">
@@ -31094,7 +34144,7 @@
 </p:sld>
 </file>
 
-<file path=ppt/slides/slide8.xml><?xml version="1.0" encoding="utf-8"?>
+<file path=ppt/slides/slide9.xml><?xml version="1.0" encoding="utf-8"?>
 <p:sld xmlns:a="http://schemas.openxmlformats.org/drawingml/2006/main" xmlns:r="http://schemas.openxmlformats.org/officeDocument/2006/relationships" xmlns:p="http://schemas.openxmlformats.org/presentationml/2006/main">
   <p:cSld>
     <p:spTree>
@@ -31208,8 +34258,8 @@
           </a:p>
         </p:txBody>
       </p:sp>
-      <mc:AlternateContent xmlns:mc="http://schemas.openxmlformats.org/markup-compatibility/2006">
-        <mc:Choice xmlns:a14="http://schemas.microsoft.com/office/drawing/2010/main" Requires="a14">
+      <mc:AlternateContent xmlns:mc="http://schemas.openxmlformats.org/markup-compatibility/2006" xmlns:a14="http://schemas.microsoft.com/office/drawing/2010/main">
+        <mc:Choice Requires="a14">
           <p:sp>
             <p:nvSpPr>
               <p:cNvPr id="4" name="Textfeld 3"/>
@@ -31274,7 +34324,7 @@
             </p:txBody>
           </p:sp>
         </mc:Choice>
-        <mc:Fallback>
+        <mc:Fallback xmlns="">
           <p:sp>
             <p:nvSpPr>
               <p:cNvPr id="4" name="Textfeld 3"/>
@@ -31896,14 +34946,14 @@
                 <a:latin typeface="Futura"/>
                 <a:cs typeface="Times New Roman" panose="02020603050405020304" pitchFamily="18" charset="0"/>
               </a:rPr>
-              <a:t>Virtual Support </a:t>
-            </a:r>
-            <a:r>
-              <a:rPr lang="en-US" sz="1700">
+              <a:t>Virtual Support Vector Machine + </a:t>
+            </a:r>
+            <a:r>
+              <a:rPr lang="en-US" sz="1700" b="1" dirty="0">
                 <a:latin typeface="Futura"/>
                 <a:cs typeface="Times New Roman" panose="02020603050405020304" pitchFamily="18" charset="0"/>
               </a:rPr>
-              <a:t>Vector Machine VARIANT </a:t>
+              <a:t>SEMI</a:t>
             </a:r>
             <a:endParaRPr lang="de-DE" sz="1700" b="1" dirty="0">
               <a:latin typeface="Futura"/>
@@ -32116,3457 +35166,8 @@
           </p:sp>
         </mc:Fallback>
       </mc:AlternateContent>
-      <mc:AlternateContent xmlns:mc="http://schemas.openxmlformats.org/markup-compatibility/2006">
-        <mc:Choice xmlns:a14="http://schemas.microsoft.com/office/drawing/2010/main" Requires="a14">
-          <p:sp>
-            <p:nvSpPr>
-              <p:cNvPr id="103" name="Zylinder 102">
-                <a:extLst>
-                  <a:ext uri="{FF2B5EF4-FFF2-40B4-BE49-F238E27FC236}">
-                    <a16:creationId xmlns:a16="http://schemas.microsoft.com/office/drawing/2014/main" id="{FB57FE56-DDB0-4D71-9998-2808DD09E0E0}"/>
-                  </a:ext>
-                </a:extLst>
-              </p:cNvPr>
-              <p:cNvSpPr/>
-              <p:nvPr/>
-            </p:nvSpPr>
-            <p:spPr>
-              <a:xfrm>
-                <a:off x="7807075" y="879144"/>
-                <a:ext cx="1080000" cy="963027"/>
-              </a:xfrm>
-              <a:prstGeom prst="can">
-                <a:avLst/>
-              </a:prstGeom>
-              <a:solidFill>
-                <a:schemeClr val="bg1">
-                  <a:lumMod val="95000"/>
-                </a:schemeClr>
-              </a:solidFill>
-              <a:ln w="12700">
-                <a:solidFill>
-                  <a:schemeClr val="tx1"/>
-                </a:solidFill>
-              </a:ln>
-            </p:spPr>
-            <p:style>
-              <a:lnRef idx="2">
-                <a:schemeClr val="accent1">
-                  <a:shade val="50000"/>
-                </a:schemeClr>
-              </a:lnRef>
-              <a:fillRef idx="1">
-                <a:schemeClr val="accent1"/>
-              </a:fillRef>
-              <a:effectRef idx="0">
-                <a:schemeClr val="accent1"/>
-              </a:effectRef>
-              <a:fontRef idx="minor">
-                <a:schemeClr val="lt1"/>
-              </a:fontRef>
-            </p:style>
-            <p:txBody>
-              <a:bodyPr rtlCol="0" anchor="ctr"/>
-              <a:lstStyle/>
-              <a:p>
-                <a:pPr algn="ctr"/>
-                <a:r>
-                  <a:rPr lang="en-US" sz="1050" dirty="0">
-                    <a:solidFill>
-                      <a:schemeClr val="tx1"/>
-                    </a:solidFill>
-                    <a:latin typeface="Futura"/>
-                    <a:cs typeface="Times New Roman" panose="02020603050405020304" pitchFamily="18" charset="0"/>
-                  </a:rPr>
-                  <a:t>pool of unlabeled samples </a:t>
-                </a:r>
-                <a14:m>
-                  <m:oMath xmlns:m="http://schemas.openxmlformats.org/officeDocument/2006/math">
-                    <m:acc>
-                      <m:accPr>
-                        <m:chr m:val="̃"/>
-                        <m:ctrlPr>
-                          <a:rPr lang="en-US" sz="1050" i="1">
-                            <a:solidFill>
-                              <a:schemeClr val="tx1"/>
-                            </a:solidFill>
-                            <a:latin typeface="Cambria Math" panose="02040503050406030204" pitchFamily="18" charset="0"/>
-                            <a:cs typeface="Times New Roman" panose="02020603050405020304" pitchFamily="18" charset="0"/>
-                          </a:rPr>
-                        </m:ctrlPr>
-                      </m:accPr>
-                      <m:e>
-                        <m:r>
-                          <a:rPr lang="en-US" sz="1050" i="1">
-                            <a:solidFill>
-                              <a:schemeClr val="tx1"/>
-                            </a:solidFill>
-                            <a:latin typeface="Cambria Math" panose="02040503050406030204" pitchFamily="18" charset="0"/>
-                            <a:cs typeface="Times New Roman" panose="02020603050405020304" pitchFamily="18" charset="0"/>
-                          </a:rPr>
-                          <m:t>𝑈</m:t>
-                        </m:r>
-                      </m:e>
-                    </m:acc>
-                  </m:oMath>
-                </a14:m>
-                <a:endParaRPr lang="en-US" sz="1050" dirty="0">
-                  <a:solidFill>
-                    <a:schemeClr val="tx1"/>
-                  </a:solidFill>
-                  <a:latin typeface="Futura"/>
-                  <a:cs typeface="Times New Roman" panose="02020603050405020304" pitchFamily="18" charset="0"/>
-                </a:endParaRPr>
-              </a:p>
-            </p:txBody>
-          </p:sp>
-        </mc:Choice>
-        <mc:Fallback>
-          <p:sp>
-            <p:nvSpPr>
-              <p:cNvPr id="103" name="Zylinder 102">
-                <a:extLst>
-                  <a:ext uri="{FF2B5EF4-FFF2-40B4-BE49-F238E27FC236}">
-                    <a16:creationId xmlns:a16="http://schemas.microsoft.com/office/drawing/2014/main" id="{FB57FE56-DDB0-4D71-9998-2808DD09E0E0}"/>
-                  </a:ext>
-                </a:extLst>
-              </p:cNvPr>
-              <p:cNvSpPr>
-                <a:spLocks noRot="1" noChangeAspect="1" noMove="1" noResize="1" noEditPoints="1" noAdjustHandles="1" noChangeArrowheads="1" noChangeShapeType="1" noTextEdit="1"/>
-              </p:cNvSpPr>
-              <p:nvPr/>
-            </p:nvSpPr>
-            <p:spPr>
-              <a:xfrm>
-                <a:off x="7807075" y="879144"/>
-                <a:ext cx="1080000" cy="963027"/>
-              </a:xfrm>
-              <a:prstGeom prst="can">
-                <a:avLst/>
-              </a:prstGeom>
-              <a:blipFill>
-                <a:blip r:embed="rId6"/>
-                <a:stretch>
-                  <a:fillRect r="-5587"/>
-                </a:stretch>
-              </a:blipFill>
-              <a:ln w="12700">
-                <a:solidFill>
-                  <a:schemeClr val="tx1"/>
-                </a:solidFill>
-              </a:ln>
-            </p:spPr>
-            <p:txBody>
-              <a:bodyPr/>
-              <a:lstStyle/>
-              <a:p>
-                <a:r>
-                  <a:rPr lang="en-GB">
-                    <a:noFill/>
-                  </a:rPr>
-                  <a:t> </a:t>
-                </a:r>
-              </a:p>
-            </p:txBody>
-          </p:sp>
-        </mc:Fallback>
-      </mc:AlternateContent>
-      <p:sp>
-        <p:nvSpPr>
-          <p:cNvPr id="140" name="Flussdiagramm: Prozess 50">
-            <a:extLst>
-              <a:ext uri="{FF2B5EF4-FFF2-40B4-BE49-F238E27FC236}">
-                <a16:creationId xmlns:a16="http://schemas.microsoft.com/office/drawing/2014/main" id="{11E8D23C-BCD8-410A-8EBB-723FC60C2727}"/>
-              </a:ext>
-            </a:extLst>
-          </p:cNvPr>
-          <p:cNvSpPr/>
-          <p:nvPr/>
-        </p:nvSpPr>
-        <p:spPr>
-          <a:xfrm>
-            <a:off x="5336110" y="2083138"/>
-            <a:ext cx="4474418" cy="1171109"/>
-          </a:xfrm>
-          <a:prstGeom prst="flowChartProcess">
-            <a:avLst/>
-          </a:prstGeom>
-          <a:solidFill>
-            <a:schemeClr val="bg2">
-              <a:lumMod val="50000"/>
-              <a:alpha val="40000"/>
-            </a:schemeClr>
-          </a:solidFill>
-          <a:ln>
-            <a:noFill/>
-          </a:ln>
-        </p:spPr>
-        <p:style>
-          <a:lnRef idx="2">
-            <a:schemeClr val="accent1">
-              <a:shade val="50000"/>
-            </a:schemeClr>
-          </a:lnRef>
-          <a:fillRef idx="1">
-            <a:schemeClr val="accent1"/>
-          </a:fillRef>
-          <a:effectRef idx="0">
-            <a:schemeClr val="accent1"/>
-          </a:effectRef>
-          <a:fontRef idx="minor">
-            <a:schemeClr val="lt1"/>
-          </a:fontRef>
-        </p:style>
-        <p:txBody>
-          <a:bodyPr rtlCol="0" anchor="ctr"/>
-          <a:lstStyle/>
-          <a:p>
-            <a:pPr algn="ctr"/>
-            <a:endParaRPr lang="de-DE" sz="1350" dirty="0"/>
-          </a:p>
-        </p:txBody>
-      </p:sp>
-      <p:sp>
-        <p:nvSpPr>
-          <p:cNvPr id="209" name="Textfeld 64">
-            <a:extLst>
-              <a:ext uri="{FF2B5EF4-FFF2-40B4-BE49-F238E27FC236}">
-                <a16:creationId xmlns:a16="http://schemas.microsoft.com/office/drawing/2014/main" id="{90BE4522-8B58-4A93-B1B1-B95C41BD39B6}"/>
-              </a:ext>
-            </a:extLst>
-          </p:cNvPr>
-          <p:cNvSpPr txBox="1"/>
-          <p:nvPr/>
-        </p:nvSpPr>
-        <p:spPr>
-          <a:xfrm>
-            <a:off x="5374952" y="2079594"/>
-            <a:ext cx="1230742" cy="253916"/>
-          </a:xfrm>
-          <a:prstGeom prst="rect">
-            <a:avLst/>
-          </a:prstGeom>
-          <a:noFill/>
-        </p:spPr>
-        <p:txBody>
-          <a:bodyPr wrap="square" rtlCol="0">
-            <a:spAutoFit/>
-          </a:bodyPr>
-          <a:lstStyle/>
-          <a:p>
-            <a:r>
-              <a:rPr lang="en-US" sz="1050" b="1" dirty="0">
-                <a:solidFill>
-                  <a:schemeClr val="tx1">
-                    <a:lumMod val="75000"/>
-                    <a:lumOff val="25000"/>
-                  </a:schemeClr>
-                </a:solidFill>
-                <a:latin typeface="Futura"/>
-                <a:cs typeface="Times New Roman" panose="02020603050405020304" pitchFamily="18" charset="0"/>
-              </a:rPr>
-              <a:t>active learning</a:t>
-            </a:r>
-          </a:p>
-        </p:txBody>
-      </p:sp>
-      <p:cxnSp>
-        <p:nvCxnSpPr>
-          <p:cNvPr id="234" name="Gewinkelte Verbindung 27">
-            <a:extLst>
-              <a:ext uri="{FF2B5EF4-FFF2-40B4-BE49-F238E27FC236}">
-                <a16:creationId xmlns:a16="http://schemas.microsoft.com/office/drawing/2014/main" id="{65FF37ED-D4BD-441C-8BB5-6E2BDEE63AF7}"/>
-              </a:ext>
-            </a:extLst>
-          </p:cNvPr>
-          <p:cNvCxnSpPr>
-            <a:cxnSpLocks/>
-            <a:endCxn id="88" idx="1"/>
-          </p:cNvCxnSpPr>
-          <p:nvPr/>
-        </p:nvCxnSpPr>
-        <p:spPr>
-          <a:xfrm rot="5400000">
-            <a:off x="-912017" y="3004185"/>
-            <a:ext cx="2773759" cy="417412"/>
-          </a:xfrm>
-          <a:prstGeom prst="bentConnector4">
-            <a:avLst>
-              <a:gd name="adj1" fmla="val 5421"/>
-              <a:gd name="adj2" fmla="val 143812"/>
-            </a:avLst>
-          </a:prstGeom>
-          <a:ln w="12700">
-            <a:solidFill>
-              <a:schemeClr val="tx1"/>
-            </a:solidFill>
-            <a:tailEnd type="triangle"/>
-          </a:ln>
-        </p:spPr>
-        <p:style>
-          <a:lnRef idx="1">
-            <a:schemeClr val="accent1"/>
-          </a:lnRef>
-          <a:fillRef idx="0">
-            <a:schemeClr val="accent1"/>
-          </a:fillRef>
-          <a:effectRef idx="0">
-            <a:schemeClr val="accent1"/>
-          </a:effectRef>
-          <a:fontRef idx="minor">
-            <a:schemeClr val="tx1"/>
-          </a:fontRef>
-        </p:style>
-      </p:cxnSp>
-      <p:cxnSp>
-        <p:nvCxnSpPr>
-          <p:cNvPr id="364" name="Gerade Verbindung mit Pfeil 98">
-            <a:extLst>
-              <a:ext uri="{FF2B5EF4-FFF2-40B4-BE49-F238E27FC236}">
-                <a16:creationId xmlns:a16="http://schemas.microsoft.com/office/drawing/2014/main" id="{3EA6BF85-25D4-4C10-B8DB-668CEC8831A0}"/>
-              </a:ext>
-            </a:extLst>
-          </p:cNvPr>
-          <p:cNvCxnSpPr>
-            <a:cxnSpLocks/>
-            <a:stCxn id="85" idx="2"/>
-            <a:endCxn id="8" idx="0"/>
-          </p:cNvCxnSpPr>
-          <p:nvPr/>
-        </p:nvCxnSpPr>
-        <p:spPr>
-          <a:xfrm>
-            <a:off x="9116517" y="4928659"/>
-            <a:ext cx="0" cy="518814"/>
-          </a:xfrm>
-          <a:prstGeom prst="straightConnector1">
-            <a:avLst/>
-          </a:prstGeom>
-          <a:ln w="12700">
-            <a:solidFill>
-              <a:schemeClr val="tx1"/>
-            </a:solidFill>
-            <a:tailEnd type="triangle"/>
-          </a:ln>
-        </p:spPr>
-        <p:style>
-          <a:lnRef idx="1">
-            <a:schemeClr val="accent1"/>
-          </a:lnRef>
-          <a:fillRef idx="0">
-            <a:schemeClr val="accent1"/>
-          </a:fillRef>
-          <a:effectRef idx="0">
-            <a:schemeClr val="accent1"/>
-          </a:effectRef>
-          <a:fontRef idx="minor">
-            <a:schemeClr val="tx1"/>
-          </a:fontRef>
-        </p:style>
-      </p:cxnSp>
-      <p:cxnSp>
-        <p:nvCxnSpPr>
-          <p:cNvPr id="149" name="Gerade Verbindung mit Pfeil 42">
-            <a:extLst>
-              <a:ext uri="{FF2B5EF4-FFF2-40B4-BE49-F238E27FC236}">
-                <a16:creationId xmlns:a16="http://schemas.microsoft.com/office/drawing/2014/main" id="{7DAD0877-0710-4853-89F9-273CEE2FABE2}"/>
-              </a:ext>
-            </a:extLst>
-          </p:cNvPr>
-          <p:cNvCxnSpPr>
-            <a:cxnSpLocks/>
-            <a:stCxn id="90" idx="0"/>
-            <a:endCxn id="103" idx="3"/>
-          </p:cNvCxnSpPr>
-          <p:nvPr/>
-        </p:nvCxnSpPr>
-        <p:spPr>
-          <a:xfrm flipV="1">
-            <a:off x="8343334" y="1842171"/>
-            <a:ext cx="3741" cy="556826"/>
-          </a:xfrm>
-          <a:prstGeom prst="straightConnector1">
-            <a:avLst/>
-          </a:prstGeom>
-          <a:ln w="12700">
-            <a:solidFill>
-              <a:schemeClr val="tx1"/>
-            </a:solidFill>
-            <a:headEnd type="triangle"/>
-            <a:tailEnd type="none"/>
-          </a:ln>
-        </p:spPr>
-        <p:style>
-          <a:lnRef idx="1">
-            <a:schemeClr val="accent1"/>
-          </a:lnRef>
-          <a:fillRef idx="0">
-            <a:schemeClr val="accent1"/>
-          </a:fillRef>
-          <a:effectRef idx="0">
-            <a:schemeClr val="accent1"/>
-          </a:effectRef>
-          <a:fontRef idx="minor">
-            <a:schemeClr val="tx1"/>
-          </a:fontRef>
-        </p:style>
-      </p:cxnSp>
-      <mc:AlternateContent xmlns:mc="http://schemas.openxmlformats.org/markup-compatibility/2006">
-        <mc:Choice xmlns:a14="http://schemas.microsoft.com/office/drawing/2010/main" Requires="a14">
-          <p:sp>
-            <p:nvSpPr>
-              <p:cNvPr id="165" name="Textfeld 60">
-                <a:extLst>
-                  <a:ext uri="{FF2B5EF4-FFF2-40B4-BE49-F238E27FC236}">
-                    <a16:creationId xmlns:a16="http://schemas.microsoft.com/office/drawing/2014/main" id="{64CAEF2F-7591-49CE-8AD8-ABE8B25A1418}"/>
-                  </a:ext>
-                </a:extLst>
-              </p:cNvPr>
-              <p:cNvSpPr txBox="1"/>
-              <p:nvPr/>
-            </p:nvSpPr>
-            <p:spPr>
-              <a:xfrm>
-                <a:off x="6429998" y="2718495"/>
-                <a:ext cx="1085368" cy="261610"/>
-              </a:xfrm>
-              <a:prstGeom prst="rect">
-                <a:avLst/>
-              </a:prstGeom>
-              <a:noFill/>
-            </p:spPr>
-            <p:txBody>
-              <a:bodyPr wrap="square" rtlCol="0">
-                <a:spAutoFit/>
-              </a:bodyPr>
-              <a:lstStyle/>
-              <a:p>
-                <a:pPr/>
-                <a14:m>
-                  <m:oMathPara xmlns:m="http://schemas.openxmlformats.org/officeDocument/2006/math">
-                    <m:oMathParaPr>
-                      <m:jc m:val="centerGroup"/>
-                    </m:oMathParaPr>
-                    <m:oMath xmlns:m="http://schemas.openxmlformats.org/officeDocument/2006/math">
-                      <m:sSub>
-                        <m:sSubPr>
-                          <m:ctrlPr>
-                            <a:rPr lang="de-DE" sz="1100" i="1">
-                              <a:solidFill>
-                                <a:prstClr val="black"/>
-                              </a:solidFill>
-                              <a:latin typeface="Cambria Math" panose="02040503050406030204" pitchFamily="18" charset="0"/>
-                            </a:rPr>
-                          </m:ctrlPr>
-                        </m:sSubPr>
-                        <m:e>
-                          <m:r>
-                            <a:rPr lang="it-IT" sz="1100" b="0" i="1" smtClean="0">
-                              <a:solidFill>
-                                <a:prstClr val="black"/>
-                              </a:solidFill>
-                              <a:latin typeface="Cambria Math" panose="02040503050406030204" pitchFamily="18" charset="0"/>
-                            </a:rPr>
-                            <m:t>𝑈</m:t>
-                          </m:r>
-                        </m:e>
-                        <m:sub>
-                          <m:r>
-                            <a:rPr lang="it-IT" sz="1100" i="1">
-                              <a:solidFill>
-                                <a:prstClr val="black"/>
-                              </a:solidFill>
-                              <a:latin typeface="Cambria Math" panose="02040503050406030204" pitchFamily="18" charset="0"/>
-                            </a:rPr>
-                            <m:t>𝑚𝑜𝑠𝑡</m:t>
-                          </m:r>
-                          <m:r>
-                            <a:rPr lang="it-IT" sz="1100" i="1">
-                              <a:solidFill>
-                                <a:prstClr val="black"/>
-                              </a:solidFill>
-                              <a:latin typeface="Cambria Math" panose="02040503050406030204" pitchFamily="18" charset="0"/>
-                            </a:rPr>
-                            <m:t>−</m:t>
-                          </m:r>
-                          <m:r>
-                            <a:rPr lang="it-IT" sz="1100" i="1">
-                              <a:solidFill>
-                                <a:prstClr val="black"/>
-                              </a:solidFill>
-                              <a:latin typeface="Cambria Math" panose="02040503050406030204" pitchFamily="18" charset="0"/>
-                            </a:rPr>
-                            <m:t>𝑢𝑛𝑐𝑒𝑟𝑡𝑎𝑖𝑛</m:t>
-                          </m:r>
-                        </m:sub>
-                      </m:sSub>
-                    </m:oMath>
-                  </m:oMathPara>
-                </a14:m>
-                <a:endParaRPr lang="de-DE" sz="1350" dirty="0">
-                  <a:latin typeface="Futura"/>
-                </a:endParaRPr>
-              </a:p>
-            </p:txBody>
-          </p:sp>
-        </mc:Choice>
-        <mc:Fallback>
-          <p:sp>
-            <p:nvSpPr>
-              <p:cNvPr id="165" name="Textfeld 60">
-                <a:extLst>
-                  <a:ext uri="{FF2B5EF4-FFF2-40B4-BE49-F238E27FC236}">
-                    <a16:creationId xmlns:a16="http://schemas.microsoft.com/office/drawing/2014/main" id="{64CAEF2F-7591-49CE-8AD8-ABE8B25A1418}"/>
-                  </a:ext>
-                </a:extLst>
-              </p:cNvPr>
-              <p:cNvSpPr txBox="1">
-                <a:spLocks noRot="1" noChangeAspect="1" noMove="1" noResize="1" noEditPoints="1" noAdjustHandles="1" noChangeArrowheads="1" noChangeShapeType="1" noTextEdit="1"/>
-              </p:cNvSpPr>
-              <p:nvPr/>
-            </p:nvSpPr>
-            <p:spPr>
-              <a:xfrm>
-                <a:off x="6429998" y="2718495"/>
-                <a:ext cx="1085368" cy="261610"/>
-              </a:xfrm>
-              <a:prstGeom prst="rect">
-                <a:avLst/>
-              </a:prstGeom>
-              <a:blipFill>
-                <a:blip r:embed="rId7"/>
-                <a:stretch>
-                  <a:fillRect/>
-                </a:stretch>
-              </a:blipFill>
-            </p:spPr>
-            <p:txBody>
-              <a:bodyPr/>
-              <a:lstStyle/>
-              <a:p>
-                <a:r>
-                  <a:rPr lang="en-GB">
-                    <a:noFill/>
-                  </a:rPr>
-                  <a:t> </a:t>
-                </a:r>
-              </a:p>
-            </p:txBody>
-          </p:sp>
-        </mc:Fallback>
-      </mc:AlternateContent>
-      <p:cxnSp>
-        <p:nvCxnSpPr>
-          <p:cNvPr id="109" name="Gerade Verbindung mit Pfeil 69">
-            <a:extLst>
-              <a:ext uri="{FF2B5EF4-FFF2-40B4-BE49-F238E27FC236}">
-                <a16:creationId xmlns:a16="http://schemas.microsoft.com/office/drawing/2014/main" id="{1699A4F2-6735-41BD-B99E-135F28B94023}"/>
-              </a:ext>
-            </a:extLst>
-          </p:cNvPr>
-          <p:cNvCxnSpPr>
-            <a:cxnSpLocks/>
-          </p:cNvCxnSpPr>
-          <p:nvPr/>
-        </p:nvCxnSpPr>
-        <p:spPr>
-          <a:xfrm flipV="1">
-            <a:off x="7599851" y="4727118"/>
-            <a:ext cx="1057666" cy="2608"/>
-          </a:xfrm>
-          <a:prstGeom prst="straightConnector1">
-            <a:avLst/>
-          </a:prstGeom>
-          <a:ln w="12700">
-            <a:solidFill>
-              <a:schemeClr val="tx1"/>
-            </a:solidFill>
-            <a:tailEnd type="triangle"/>
-          </a:ln>
-        </p:spPr>
-        <p:style>
-          <a:lnRef idx="1">
-            <a:schemeClr val="accent1"/>
-          </a:lnRef>
-          <a:fillRef idx="0">
-            <a:schemeClr val="accent1"/>
-          </a:fillRef>
-          <a:effectRef idx="0">
-            <a:schemeClr val="accent1"/>
-          </a:effectRef>
-          <a:fontRef idx="minor">
-            <a:schemeClr val="tx1"/>
-          </a:fontRef>
-        </p:style>
-      </p:cxnSp>
-      <p:cxnSp>
-        <p:nvCxnSpPr>
-          <p:cNvPr id="113" name="Gewinkelte Verbindung 40">
-            <a:extLst>
-              <a:ext uri="{FF2B5EF4-FFF2-40B4-BE49-F238E27FC236}">
-                <a16:creationId xmlns:a16="http://schemas.microsoft.com/office/drawing/2014/main" id="{F1A3E4B9-D271-4C99-95D5-7909449FDA90}"/>
-              </a:ext>
-            </a:extLst>
-          </p:cNvPr>
-          <p:cNvCxnSpPr>
-            <a:cxnSpLocks/>
-            <a:stCxn id="60" idx="3"/>
-            <a:endCxn id="85" idx="0"/>
-          </p:cNvCxnSpPr>
-          <p:nvPr/>
-        </p:nvCxnSpPr>
-        <p:spPr>
-          <a:xfrm>
-            <a:off x="3815788" y="3573758"/>
-            <a:ext cx="5300729" cy="706503"/>
-          </a:xfrm>
-          <a:prstGeom prst="bentConnector2">
-            <a:avLst/>
-          </a:prstGeom>
-          <a:ln w="12700">
-            <a:solidFill>
-              <a:schemeClr val="tx1"/>
-            </a:solidFill>
-            <a:tailEnd type="triangle"/>
-          </a:ln>
-        </p:spPr>
-        <p:style>
-          <a:lnRef idx="1">
-            <a:schemeClr val="accent1"/>
-          </a:lnRef>
-          <a:fillRef idx="0">
-            <a:schemeClr val="accent1"/>
-          </a:fillRef>
-          <a:effectRef idx="0">
-            <a:schemeClr val="accent1"/>
-          </a:effectRef>
-          <a:fontRef idx="minor">
-            <a:schemeClr val="tx1"/>
-          </a:fontRef>
-        </p:style>
-      </p:cxnSp>
-      <p:sp>
-        <p:nvSpPr>
-          <p:cNvPr id="123" name="Flussdiagramm: Prozess 21">
-            <a:extLst>
-              <a:ext uri="{FF2B5EF4-FFF2-40B4-BE49-F238E27FC236}">
-                <a16:creationId xmlns:a16="http://schemas.microsoft.com/office/drawing/2014/main" id="{2A706D72-0E57-490A-AF66-DB01038BAA16}"/>
-              </a:ext>
-            </a:extLst>
-          </p:cNvPr>
-          <p:cNvSpPr/>
-          <p:nvPr/>
-        </p:nvSpPr>
-        <p:spPr>
-          <a:xfrm>
-            <a:off x="5336110" y="4166400"/>
-            <a:ext cx="2819174" cy="1035609"/>
-          </a:xfrm>
-          <a:prstGeom prst="flowChartProcess">
-            <a:avLst/>
-          </a:prstGeom>
-          <a:solidFill>
-            <a:srgbClr val="0070C0">
-              <a:alpha val="40000"/>
-            </a:srgbClr>
-          </a:solidFill>
-          <a:ln>
-            <a:noFill/>
-          </a:ln>
-        </p:spPr>
-        <p:style>
-          <a:lnRef idx="2">
-            <a:schemeClr val="accent1">
-              <a:shade val="50000"/>
-            </a:schemeClr>
-          </a:lnRef>
-          <a:fillRef idx="1">
-            <a:schemeClr val="accent1"/>
-          </a:fillRef>
-          <a:effectRef idx="0">
-            <a:schemeClr val="accent1"/>
-          </a:effectRef>
-          <a:fontRef idx="minor">
-            <a:schemeClr val="lt1"/>
-          </a:fontRef>
-        </p:style>
-        <p:txBody>
-          <a:bodyPr rtlCol="0" anchor="ctr"/>
-          <a:lstStyle/>
-          <a:p>
-            <a:pPr algn="ctr"/>
-            <a:endParaRPr lang="de-DE" sz="1350"/>
-          </a:p>
-        </p:txBody>
-      </p:sp>
-      <p:cxnSp>
-        <p:nvCxnSpPr>
-          <p:cNvPr id="126" name="Gerade Verbindung mit Pfeil 69">
-            <a:extLst>
-              <a:ext uri="{FF2B5EF4-FFF2-40B4-BE49-F238E27FC236}">
-                <a16:creationId xmlns:a16="http://schemas.microsoft.com/office/drawing/2014/main" id="{DF0EDA5A-BD1A-4DFA-BC63-56A50EC0A540}"/>
-              </a:ext>
-            </a:extLst>
-          </p:cNvPr>
-          <p:cNvCxnSpPr>
-            <a:cxnSpLocks/>
-            <a:stCxn id="82" idx="3"/>
-            <a:endCxn id="81" idx="1"/>
-          </p:cNvCxnSpPr>
-          <p:nvPr/>
-        </p:nvCxnSpPr>
-        <p:spPr>
-          <a:xfrm flipV="1">
-            <a:off x="6438823" y="4599772"/>
-            <a:ext cx="246790" cy="2802"/>
-          </a:xfrm>
-          <a:prstGeom prst="straightConnector1">
-            <a:avLst/>
-          </a:prstGeom>
-          <a:ln w="12700">
-            <a:solidFill>
-              <a:schemeClr val="tx1"/>
-            </a:solidFill>
-            <a:tailEnd type="triangle"/>
-          </a:ln>
-        </p:spPr>
-        <p:style>
-          <a:lnRef idx="1">
-            <a:schemeClr val="accent1"/>
-          </a:lnRef>
-          <a:fillRef idx="0">
-            <a:schemeClr val="accent1"/>
-          </a:fillRef>
-          <a:effectRef idx="0">
-            <a:schemeClr val="accent1"/>
-          </a:effectRef>
-          <a:fontRef idx="minor">
-            <a:schemeClr val="tx1"/>
-          </a:fontRef>
-        </p:style>
-      </p:cxnSp>
       <mc:AlternateContent xmlns:mc="http://schemas.openxmlformats.org/markup-compatibility/2006" xmlns:a14="http://schemas.microsoft.com/office/drawing/2010/main">
         <mc:Choice Requires="a14">
-          <p:sp>
-            <p:nvSpPr>
-              <p:cNvPr id="128" name="Textfeld 18">
-                <a:extLst>
-                  <a:ext uri="{FF2B5EF4-FFF2-40B4-BE49-F238E27FC236}">
-                    <a16:creationId xmlns:a16="http://schemas.microsoft.com/office/drawing/2014/main" id="{0E369AFF-F5F6-4635-A774-A326CF31B49B}"/>
-                  </a:ext>
-                </a:extLst>
-              </p:cNvPr>
-              <p:cNvSpPr txBox="1"/>
-              <p:nvPr/>
-            </p:nvSpPr>
-            <p:spPr>
-              <a:xfrm>
-                <a:off x="7527540" y="4704295"/>
-                <a:ext cx="509050" cy="266163"/>
-              </a:xfrm>
-              <a:prstGeom prst="rect">
-                <a:avLst/>
-              </a:prstGeom>
-              <a:noFill/>
-            </p:spPr>
-            <p:txBody>
-              <a:bodyPr wrap="square" rtlCol="0">
-                <a:spAutoFit/>
-              </a:bodyPr>
-              <a:lstStyle/>
-              <a:p>
-                <a:pPr/>
-                <a14:m>
-                  <m:oMathPara xmlns:m="http://schemas.openxmlformats.org/officeDocument/2006/math">
-                    <m:oMathParaPr>
-                      <m:jc m:val="centerGroup"/>
-                    </m:oMathParaPr>
-                    <m:oMath xmlns:m="http://schemas.openxmlformats.org/officeDocument/2006/math">
-                      <m:sSup>
-                        <m:sSupPr>
-                          <m:ctrlPr>
-                            <a:rPr lang="de-DE" sz="1100" i="1">
-                              <a:latin typeface="Cambria Math" panose="02040503050406030204" pitchFamily="18" charset="0"/>
-                            </a:rPr>
-                          </m:ctrlPr>
-                        </m:sSupPr>
-                        <m:e>
-                          <m:acc>
-                            <m:accPr>
-                              <m:chr m:val="̂"/>
-                              <m:ctrlPr>
-                                <a:rPr lang="de-DE" sz="1100" i="1">
-                                  <a:latin typeface="Cambria Math" panose="02040503050406030204" pitchFamily="18" charset="0"/>
-                                </a:rPr>
-                              </m:ctrlPr>
-                            </m:accPr>
-                            <m:e>
-                              <m:r>
-                                <a:rPr lang="de-DE" sz="1100" i="1">
-                                  <a:latin typeface="Cambria Math" panose="02040503050406030204" pitchFamily="18" charset="0"/>
-                                </a:rPr>
-                                <m:t>𝑉</m:t>
-                              </m:r>
-                            </m:e>
-                          </m:acc>
-                        </m:e>
-                        <m:sup>
-                          <m:r>
-                            <a:rPr lang="de-DE" sz="1100" i="1">
-                              <a:latin typeface="Cambria Math" panose="02040503050406030204" pitchFamily="18" charset="0"/>
-                            </a:rPr>
-                            <m:t>𝑆𝑉</m:t>
-                          </m:r>
-                        </m:sup>
-                      </m:sSup>
-                    </m:oMath>
-                  </m:oMathPara>
-                </a14:m>
-                <a:endParaRPr lang="de-DE" sz="1350" dirty="0">
-                  <a:latin typeface="Futura"/>
-                </a:endParaRPr>
-              </a:p>
-            </p:txBody>
-          </p:sp>
-        </mc:Choice>
-        <mc:Fallback xmlns="">
-          <p:sp>
-            <p:nvSpPr>
-              <p:cNvPr id="128" name="Textfeld 18">
-                <a:extLst>
-                  <a:ext uri="{FF2B5EF4-FFF2-40B4-BE49-F238E27FC236}">
-                    <a16:creationId xmlns:a16="http://schemas.microsoft.com/office/drawing/2014/main" id="{0E369AFF-F5F6-4635-A774-A326CF31B49B}"/>
-                  </a:ext>
-                </a:extLst>
-              </p:cNvPr>
-              <p:cNvSpPr txBox="1">
-                <a:spLocks noRot="1" noChangeAspect="1" noMove="1" noResize="1" noEditPoints="1" noAdjustHandles="1" noChangeArrowheads="1" noChangeShapeType="1" noTextEdit="1"/>
-              </p:cNvSpPr>
-              <p:nvPr/>
-            </p:nvSpPr>
-            <p:spPr>
-              <a:xfrm>
-                <a:off x="7527540" y="4704295"/>
-                <a:ext cx="509050" cy="266163"/>
-              </a:xfrm>
-              <a:prstGeom prst="rect">
-                <a:avLst/>
-              </a:prstGeom>
-              <a:blipFill>
-                <a:blip r:embed="rId9"/>
-                <a:stretch>
-                  <a:fillRect/>
-                </a:stretch>
-              </a:blipFill>
-            </p:spPr>
-            <p:txBody>
-              <a:bodyPr/>
-              <a:lstStyle/>
-              <a:p>
-                <a:r>
-                  <a:rPr lang="en-GB">
-                    <a:noFill/>
-                  </a:rPr>
-                  <a:t> </a:t>
-                </a:r>
-              </a:p>
-            </p:txBody>
-          </p:sp>
-        </mc:Fallback>
-      </mc:AlternateContent>
-      <mc:AlternateContent xmlns:mc="http://schemas.openxmlformats.org/markup-compatibility/2006">
-        <mc:Choice xmlns:a14="http://schemas.microsoft.com/office/drawing/2010/main" Requires="a14">
-          <p:sp>
-            <p:nvSpPr>
-              <p:cNvPr id="162" name="Textfeld 60">
-                <a:extLst>
-                  <a:ext uri="{FF2B5EF4-FFF2-40B4-BE49-F238E27FC236}">
-                    <a16:creationId xmlns:a16="http://schemas.microsoft.com/office/drawing/2014/main" id="{15E12CA4-1E56-4785-ADE0-337000A006EF}"/>
-                  </a:ext>
-                </a:extLst>
-              </p:cNvPr>
-              <p:cNvSpPr txBox="1"/>
-              <p:nvPr/>
-            </p:nvSpPr>
-            <p:spPr>
-              <a:xfrm>
-                <a:off x="4482314" y="2686353"/>
-                <a:ext cx="1081130" cy="261610"/>
-              </a:xfrm>
-              <a:prstGeom prst="rect">
-                <a:avLst/>
-              </a:prstGeom>
-              <a:noFill/>
-            </p:spPr>
-            <p:txBody>
-              <a:bodyPr wrap="none" rtlCol="0">
-                <a:spAutoFit/>
-              </a:bodyPr>
-              <a:lstStyle/>
-              <a:p>
-                <a:pPr/>
-                <a14:m>
-                  <m:oMathPara xmlns:m="http://schemas.openxmlformats.org/officeDocument/2006/math">
-                    <m:oMathParaPr>
-                      <m:jc m:val="centerGroup"/>
-                    </m:oMathParaPr>
-                    <m:oMath xmlns:m="http://schemas.openxmlformats.org/officeDocument/2006/math">
-                      <m:sSub>
-                        <m:sSubPr>
-                          <m:ctrlPr>
-                            <a:rPr lang="de-DE" sz="1100" i="1" smtClean="0">
-                              <a:latin typeface="Cambria Math" panose="02040503050406030204" pitchFamily="18" charset="0"/>
-                            </a:rPr>
-                          </m:ctrlPr>
-                        </m:sSubPr>
-                        <m:e>
-                          <m:r>
-                            <a:rPr lang="en-US" sz="1100" i="1">
-                              <a:latin typeface="Cambria Math" panose="02040503050406030204" pitchFamily="18" charset="0"/>
-                            </a:rPr>
-                            <m:t>𝑈</m:t>
-                          </m:r>
-                        </m:e>
-                        <m:sub>
-                          <m:r>
-                            <a:rPr lang="it-IT" sz="1100" b="0" i="1" smtClean="0">
-                              <a:latin typeface="Cambria Math" panose="02040503050406030204" pitchFamily="18" charset="0"/>
-                            </a:rPr>
-                            <m:t>𝑎𝑐𝑡𝑖𝑣𝑒</m:t>
-                          </m:r>
-                          <m:r>
-                            <a:rPr lang="en-US" sz="1100" i="1">
-                              <a:latin typeface="Cambria Math" panose="02040503050406030204" pitchFamily="18" charset="0"/>
-                            </a:rPr>
-                            <m:t>−</m:t>
-                          </m:r>
-                          <m:r>
-                            <a:rPr lang="en-US" sz="1100" i="1">
-                              <a:latin typeface="Cambria Math" panose="02040503050406030204" pitchFamily="18" charset="0"/>
-                            </a:rPr>
-                            <m:t>𝑙𝑎𝑏𝑒𝑙𝑒𝑑</m:t>
-                          </m:r>
-                        </m:sub>
-                      </m:sSub>
-                    </m:oMath>
-                  </m:oMathPara>
-                </a14:m>
-                <a:endParaRPr lang="de-DE" dirty="0"/>
-              </a:p>
-            </p:txBody>
-          </p:sp>
-        </mc:Choice>
-        <mc:Fallback>
-          <p:sp>
-            <p:nvSpPr>
-              <p:cNvPr id="162" name="Textfeld 60">
-                <a:extLst>
-                  <a:ext uri="{FF2B5EF4-FFF2-40B4-BE49-F238E27FC236}">
-                    <a16:creationId xmlns:a16="http://schemas.microsoft.com/office/drawing/2014/main" id="{15E12CA4-1E56-4785-ADE0-337000A006EF}"/>
-                  </a:ext>
-                </a:extLst>
-              </p:cNvPr>
-              <p:cNvSpPr txBox="1">
-                <a:spLocks noRot="1" noChangeAspect="1" noMove="1" noResize="1" noEditPoints="1" noAdjustHandles="1" noChangeArrowheads="1" noChangeShapeType="1" noTextEdit="1"/>
-              </p:cNvSpPr>
-              <p:nvPr/>
-            </p:nvSpPr>
-            <p:spPr>
-              <a:xfrm>
-                <a:off x="4482314" y="2686353"/>
-                <a:ext cx="1081130" cy="261610"/>
-              </a:xfrm>
-              <a:prstGeom prst="rect">
-                <a:avLst/>
-              </a:prstGeom>
-              <a:blipFill>
-                <a:blip r:embed="rId10"/>
-                <a:stretch>
-                  <a:fillRect/>
-                </a:stretch>
-              </a:blipFill>
-            </p:spPr>
-            <p:txBody>
-              <a:bodyPr/>
-              <a:lstStyle/>
-              <a:p>
-                <a:r>
-                  <a:rPr lang="en-GB">
-                    <a:noFill/>
-                  </a:rPr>
-                  <a:t> </a:t>
-                </a:r>
-              </a:p>
-            </p:txBody>
-          </p:sp>
-        </mc:Fallback>
-      </mc:AlternateContent>
-      <mc:AlternateContent xmlns:mc="http://schemas.openxmlformats.org/markup-compatibility/2006" xmlns:a14="http://schemas.microsoft.com/office/drawing/2010/main">
-        <mc:Choice Requires="a14">
-          <p:sp>
-            <p:nvSpPr>
-              <p:cNvPr id="163" name="Textfeld 61">
-                <a:extLst>
-                  <a:ext uri="{FF2B5EF4-FFF2-40B4-BE49-F238E27FC236}">
-                    <a16:creationId xmlns:a16="http://schemas.microsoft.com/office/drawing/2014/main" id="{A5A2CF92-B1E6-4500-B95C-130908AA7127}"/>
-                  </a:ext>
-                </a:extLst>
-              </p:cNvPr>
-              <p:cNvSpPr txBox="1"/>
-              <p:nvPr/>
-            </p:nvSpPr>
-            <p:spPr>
-              <a:xfrm>
-                <a:off x="7570288" y="4453112"/>
-                <a:ext cx="1081130" cy="266163"/>
-              </a:xfrm>
-              <a:prstGeom prst="rect">
-                <a:avLst/>
-              </a:prstGeom>
-              <a:noFill/>
-            </p:spPr>
-            <p:txBody>
-              <a:bodyPr wrap="none" rtlCol="0">
-                <a:spAutoFit/>
-              </a:bodyPr>
-              <a:lstStyle/>
-              <a:p>
-                <a:pPr/>
-                <a14:m>
-                  <m:oMathPara xmlns:m="http://schemas.openxmlformats.org/officeDocument/2006/math">
-                    <m:oMathParaPr>
-                      <m:jc m:val="centerGroup"/>
-                    </m:oMathParaPr>
-                    <m:oMath xmlns:m="http://schemas.openxmlformats.org/officeDocument/2006/math">
-                      <m:sSub>
-                        <m:sSubPr>
-                          <m:ctrlPr>
-                            <a:rPr lang="de-DE" sz="1100" i="1" smtClean="0">
-                              <a:latin typeface="Cambria Math" panose="02040503050406030204" pitchFamily="18" charset="0"/>
-                            </a:rPr>
-                          </m:ctrlPr>
-                        </m:sSubPr>
-                        <m:e>
-                          <m:acc>
-                            <m:accPr>
-                              <m:chr m:val="̂"/>
-                              <m:ctrlPr>
-                                <a:rPr lang="de-DE" sz="1100" i="1">
-                                  <a:latin typeface="Cambria Math" panose="02040503050406030204" pitchFamily="18" charset="0"/>
-                                </a:rPr>
-                              </m:ctrlPr>
-                            </m:accPr>
-                            <m:e>
-                              <m:r>
-                                <a:rPr lang="en-US" sz="1100" i="1">
-                                  <a:latin typeface="Cambria Math" panose="02040503050406030204" pitchFamily="18" charset="0"/>
-                                </a:rPr>
-                                <m:t>𝑈</m:t>
-                              </m:r>
-                            </m:e>
-                          </m:acc>
-                        </m:e>
-                        <m:sub>
-                          <m:r>
-                            <a:rPr lang="it-IT" sz="1100" b="0" i="1" smtClean="0">
-                              <a:latin typeface="Cambria Math" panose="02040503050406030204" pitchFamily="18" charset="0"/>
-                            </a:rPr>
-                            <m:t>𝑎𝑐𝑡𝑖𝑣𝑒</m:t>
-                          </m:r>
-                          <m:r>
-                            <a:rPr lang="en-US" sz="1100" i="1">
-                              <a:latin typeface="Cambria Math" panose="02040503050406030204" pitchFamily="18" charset="0"/>
-                            </a:rPr>
-                            <m:t>−</m:t>
-                          </m:r>
-                          <m:r>
-                            <a:rPr lang="en-US" sz="1100" i="1">
-                              <a:latin typeface="Cambria Math" panose="02040503050406030204" pitchFamily="18" charset="0"/>
-                            </a:rPr>
-                            <m:t>𝑙𝑎𝑏𝑒𝑙𝑒𝑑</m:t>
-                          </m:r>
-                        </m:sub>
-                      </m:sSub>
-                    </m:oMath>
-                  </m:oMathPara>
-                </a14:m>
-                <a:endParaRPr lang="de-DE" dirty="0"/>
-              </a:p>
-            </p:txBody>
-          </p:sp>
-        </mc:Choice>
-        <mc:Fallback xmlns="">
-          <p:sp>
-            <p:nvSpPr>
-              <p:cNvPr id="163" name="Textfeld 61">
-                <a:extLst>
-                  <a:ext uri="{FF2B5EF4-FFF2-40B4-BE49-F238E27FC236}">
-                    <a16:creationId xmlns:a16="http://schemas.microsoft.com/office/drawing/2014/main" id="{A5A2CF92-B1E6-4500-B95C-130908AA7127}"/>
-                  </a:ext>
-                </a:extLst>
-              </p:cNvPr>
-              <p:cNvSpPr txBox="1">
-                <a:spLocks noRot="1" noChangeAspect="1" noMove="1" noResize="1" noEditPoints="1" noAdjustHandles="1" noChangeArrowheads="1" noChangeShapeType="1" noTextEdit="1"/>
-              </p:cNvSpPr>
-              <p:nvPr/>
-            </p:nvSpPr>
-            <p:spPr>
-              <a:xfrm>
-                <a:off x="7570288" y="4453112"/>
-                <a:ext cx="1081130" cy="266163"/>
-              </a:xfrm>
-              <a:prstGeom prst="rect">
-                <a:avLst/>
-              </a:prstGeom>
-              <a:blipFill>
-                <a:blip r:embed="rId11"/>
-                <a:stretch>
-                  <a:fillRect/>
-                </a:stretch>
-              </a:blipFill>
-            </p:spPr>
-            <p:txBody>
-              <a:bodyPr/>
-              <a:lstStyle/>
-              <a:p>
-                <a:r>
-                  <a:rPr lang="en-GB">
-                    <a:noFill/>
-                  </a:rPr>
-                  <a:t> </a:t>
-                </a:r>
-              </a:p>
-            </p:txBody>
-          </p:sp>
-        </mc:Fallback>
-      </mc:AlternateContent>
-      <p:cxnSp>
-        <p:nvCxnSpPr>
-          <p:cNvPr id="164" name="Gerade Verbindung mit Pfeil 69">
-            <a:extLst>
-              <a:ext uri="{FF2B5EF4-FFF2-40B4-BE49-F238E27FC236}">
-                <a16:creationId xmlns:a16="http://schemas.microsoft.com/office/drawing/2014/main" id="{9325F958-8528-413A-839A-DEAB16A1AAB1}"/>
-              </a:ext>
-            </a:extLst>
-          </p:cNvPr>
-          <p:cNvCxnSpPr>
-            <a:cxnSpLocks/>
-          </p:cNvCxnSpPr>
-          <p:nvPr/>
-        </p:nvCxnSpPr>
-        <p:spPr>
-          <a:xfrm flipV="1">
-            <a:off x="7599851" y="4454634"/>
-            <a:ext cx="1057666" cy="11661"/>
-          </a:xfrm>
-          <a:prstGeom prst="straightConnector1">
-            <a:avLst/>
-          </a:prstGeom>
-          <a:ln w="12700">
-            <a:solidFill>
-              <a:schemeClr val="tx1"/>
-            </a:solidFill>
-            <a:tailEnd type="triangle"/>
-          </a:ln>
-        </p:spPr>
-        <p:style>
-          <a:lnRef idx="1">
-            <a:schemeClr val="accent1"/>
-          </a:lnRef>
-          <a:fillRef idx="0">
-            <a:schemeClr val="accent1"/>
-          </a:fillRef>
-          <a:effectRef idx="0">
-            <a:schemeClr val="accent1"/>
-          </a:effectRef>
-          <a:fontRef idx="minor">
-            <a:schemeClr val="tx1"/>
-          </a:fontRef>
-        </p:style>
-      </p:cxnSp>
-      <p:sp>
-        <p:nvSpPr>
-          <p:cNvPr id="46" name="Arc 45">
-            <a:extLst>
-              <a:ext uri="{FF2B5EF4-FFF2-40B4-BE49-F238E27FC236}">
-                <a16:creationId xmlns:a16="http://schemas.microsoft.com/office/drawing/2014/main" id="{C61D3993-8E5A-49D2-84F5-901C40777D9F}"/>
-              </a:ext>
-            </a:extLst>
-          </p:cNvPr>
-          <p:cNvSpPr/>
-          <p:nvPr/>
-        </p:nvSpPr>
-        <p:spPr>
-          <a:xfrm rot="5923218">
-            <a:off x="9254837" y="2514758"/>
-            <a:ext cx="451253" cy="434736"/>
-          </a:xfrm>
-          <a:prstGeom prst="arc">
-            <a:avLst>
-              <a:gd name="adj1" fmla="val 17479207"/>
-              <a:gd name="adj2" fmla="val 14120949"/>
-            </a:avLst>
-          </a:prstGeom>
-          <a:ln>
-            <a:solidFill>
-              <a:schemeClr val="tx1"/>
-            </a:solidFill>
-            <a:headEnd type="triangle"/>
-            <a:tailEnd type="none"/>
-          </a:ln>
-        </p:spPr>
-        <p:style>
-          <a:lnRef idx="1">
-            <a:schemeClr val="accent1"/>
-          </a:lnRef>
-          <a:fillRef idx="0">
-            <a:schemeClr val="accent1"/>
-          </a:fillRef>
-          <a:effectRef idx="0">
-            <a:schemeClr val="accent1"/>
-          </a:effectRef>
-          <a:fontRef idx="minor">
-            <a:schemeClr val="tx1"/>
-          </a:fontRef>
-        </p:style>
-        <p:txBody>
-          <a:bodyPr rtlCol="0" anchor="ctr"/>
-          <a:lstStyle/>
-          <a:p>
-            <a:pPr algn="ctr"/>
-            <a:endParaRPr lang="en-GB" dirty="0"/>
-          </a:p>
-        </p:txBody>
-      </p:sp>
-      <p:sp>
-        <p:nvSpPr>
-          <p:cNvPr id="57" name="Textfeld 64">
-            <a:extLst>
-              <a:ext uri="{FF2B5EF4-FFF2-40B4-BE49-F238E27FC236}">
-                <a16:creationId xmlns:a16="http://schemas.microsoft.com/office/drawing/2014/main" id="{9ACE706D-9352-4E0B-9AFE-759057AF1533}"/>
-              </a:ext>
-            </a:extLst>
-          </p:cNvPr>
-          <p:cNvSpPr txBox="1"/>
-          <p:nvPr/>
-        </p:nvSpPr>
-        <p:spPr>
-          <a:xfrm>
-            <a:off x="9254449" y="2602520"/>
-            <a:ext cx="702572" cy="261610"/>
-          </a:xfrm>
-          <a:prstGeom prst="rect">
-            <a:avLst/>
-          </a:prstGeom>
-          <a:noFill/>
-        </p:spPr>
-        <p:txBody>
-          <a:bodyPr wrap="square" rtlCol="0">
-            <a:spAutoFit/>
-          </a:bodyPr>
-          <a:lstStyle/>
-          <a:p>
-            <a:r>
-              <a:rPr lang="en-US" sz="1050" dirty="0">
-                <a:solidFill>
-                  <a:schemeClr val="tx1">
-                    <a:lumMod val="75000"/>
-                    <a:lumOff val="25000"/>
-                  </a:schemeClr>
-                </a:solidFill>
-                <a:latin typeface="Futura"/>
-                <a:cs typeface="Times New Roman" panose="02020603050405020304" pitchFamily="18" charset="0"/>
-              </a:rPr>
-              <a:t>iterate</a:t>
-            </a:r>
-          </a:p>
-        </p:txBody>
-      </p:sp>
-      <p:sp>
-        <p:nvSpPr>
-          <p:cNvPr id="60" name="Rectangle: Rounded Corners 59">
-            <a:extLst>
-              <a:ext uri="{FF2B5EF4-FFF2-40B4-BE49-F238E27FC236}">
-                <a16:creationId xmlns:a16="http://schemas.microsoft.com/office/drawing/2014/main" id="{B8E6F992-3A89-4772-B622-529C7EAC4F94}"/>
-              </a:ext>
-            </a:extLst>
-          </p:cNvPr>
-          <p:cNvSpPr/>
-          <p:nvPr/>
-        </p:nvSpPr>
-        <p:spPr>
-          <a:xfrm>
-            <a:off x="2897788" y="3249559"/>
-            <a:ext cx="918000" cy="648398"/>
-          </a:xfrm>
-          <a:prstGeom prst="roundRect">
-            <a:avLst>
-              <a:gd name="adj" fmla="val 10145"/>
-            </a:avLst>
-          </a:prstGeom>
-          <a:solidFill>
-            <a:schemeClr val="bg1"/>
-          </a:solidFill>
-          <a:ln w="12700">
-            <a:solidFill>
-              <a:schemeClr val="tx1"/>
-            </a:solidFill>
-          </a:ln>
-        </p:spPr>
-        <p:style>
-          <a:lnRef idx="2">
-            <a:schemeClr val="accent1">
-              <a:shade val="50000"/>
-            </a:schemeClr>
-          </a:lnRef>
-          <a:fillRef idx="1">
-            <a:schemeClr val="accent1"/>
-          </a:fillRef>
-          <a:effectRef idx="0">
-            <a:schemeClr val="accent1"/>
-          </a:effectRef>
-          <a:fontRef idx="minor">
-            <a:schemeClr val="lt1"/>
-          </a:fontRef>
-        </p:style>
-        <p:txBody>
-          <a:bodyPr rtlCol="0" anchor="ctr"/>
-          <a:lstStyle/>
-          <a:p>
-            <a:pPr algn="ctr"/>
-            <a:r>
-              <a:rPr lang="en-US" sz="1050" dirty="0">
-                <a:solidFill>
-                  <a:schemeClr val="tx1"/>
-                </a:solidFill>
-                <a:latin typeface="Futura"/>
-                <a:cs typeface="Times New Roman" panose="02020603050405020304" pitchFamily="18" charset="0"/>
-              </a:rPr>
-              <a:t>extract</a:t>
-            </a:r>
-          </a:p>
-          <a:p>
-            <a:pPr algn="ctr"/>
-            <a:r>
-              <a:rPr lang="en-US" sz="1050" dirty="0">
-                <a:solidFill>
-                  <a:schemeClr val="tx1"/>
-                </a:solidFill>
-                <a:latin typeface="Futura"/>
-                <a:cs typeface="Times New Roman" panose="02020603050405020304" pitchFamily="18" charset="0"/>
-              </a:rPr>
-              <a:t>SVs</a:t>
-            </a:r>
-          </a:p>
-        </p:txBody>
-      </p:sp>
-      <p:sp>
-        <p:nvSpPr>
-          <p:cNvPr id="76" name="Rectangle: Rounded Corners 75">
-            <a:extLst>
-              <a:ext uri="{FF2B5EF4-FFF2-40B4-BE49-F238E27FC236}">
-                <a16:creationId xmlns:a16="http://schemas.microsoft.com/office/drawing/2014/main" id="{0E31BFAC-1EB7-48BE-9FC9-BE5FABF90D86}"/>
-              </a:ext>
-            </a:extLst>
-          </p:cNvPr>
-          <p:cNvSpPr/>
-          <p:nvPr/>
-        </p:nvSpPr>
-        <p:spPr>
-          <a:xfrm>
-            <a:off x="271081" y="2203201"/>
-            <a:ext cx="1338051" cy="648398"/>
-          </a:xfrm>
-          <a:prstGeom prst="roundRect">
-            <a:avLst>
-              <a:gd name="adj" fmla="val 10145"/>
-            </a:avLst>
-          </a:prstGeom>
-          <a:solidFill>
-            <a:schemeClr val="bg1"/>
-          </a:solidFill>
-          <a:ln w="12700">
-            <a:solidFill>
-              <a:schemeClr val="tx1"/>
-            </a:solidFill>
-          </a:ln>
-        </p:spPr>
-        <p:style>
-          <a:lnRef idx="2">
-            <a:schemeClr val="accent1">
-              <a:shade val="50000"/>
-            </a:schemeClr>
-          </a:lnRef>
-          <a:fillRef idx="1">
-            <a:schemeClr val="accent1"/>
-          </a:fillRef>
-          <a:effectRef idx="0">
-            <a:schemeClr val="accent1"/>
-          </a:effectRef>
-          <a:fontRef idx="minor">
-            <a:schemeClr val="lt1"/>
-          </a:fontRef>
-        </p:style>
-        <p:txBody>
-          <a:bodyPr rtlCol="0" anchor="ctr"/>
-          <a:lstStyle/>
-          <a:p>
-            <a:pPr lvl="0" algn="ctr"/>
-            <a:r>
-              <a:rPr lang="en-US" sz="1050" dirty="0">
-                <a:solidFill>
-                  <a:prstClr val="black"/>
-                </a:solidFill>
-                <a:latin typeface="Futura"/>
-                <a:cs typeface="Times New Roman" panose="02020603050405020304" pitchFamily="18" charset="0"/>
-              </a:rPr>
-              <a:t>segmentation with initial parameterization</a:t>
-            </a:r>
-          </a:p>
-        </p:txBody>
-      </p:sp>
-      <p:sp>
-        <p:nvSpPr>
-          <p:cNvPr id="77" name="Rectangle: Rounded Corners 76">
-            <a:extLst>
-              <a:ext uri="{FF2B5EF4-FFF2-40B4-BE49-F238E27FC236}">
-                <a16:creationId xmlns:a16="http://schemas.microsoft.com/office/drawing/2014/main" id="{5B27D1EB-F03A-4359-A1A9-CCE5A0A5DF48}"/>
-              </a:ext>
-            </a:extLst>
-          </p:cNvPr>
-          <p:cNvSpPr/>
-          <p:nvPr/>
-        </p:nvSpPr>
-        <p:spPr>
-          <a:xfrm>
-            <a:off x="1797790" y="2203201"/>
-            <a:ext cx="918102" cy="648398"/>
-          </a:xfrm>
-          <a:prstGeom prst="roundRect">
-            <a:avLst>
-              <a:gd name="adj" fmla="val 10145"/>
-            </a:avLst>
-          </a:prstGeom>
-          <a:solidFill>
-            <a:schemeClr val="bg1"/>
-          </a:solidFill>
-          <a:ln w="12700">
-            <a:solidFill>
-              <a:schemeClr val="tx1"/>
-            </a:solidFill>
-          </a:ln>
-        </p:spPr>
-        <p:style>
-          <a:lnRef idx="2">
-            <a:schemeClr val="accent1">
-              <a:shade val="50000"/>
-            </a:schemeClr>
-          </a:lnRef>
-          <a:fillRef idx="1">
-            <a:schemeClr val="accent1"/>
-          </a:fillRef>
-          <a:effectRef idx="0">
-            <a:schemeClr val="accent1"/>
-          </a:effectRef>
-          <a:fontRef idx="minor">
-            <a:schemeClr val="lt1"/>
-          </a:fontRef>
-        </p:style>
-        <p:txBody>
-          <a:bodyPr rtlCol="0" anchor="ctr"/>
-          <a:lstStyle/>
-          <a:p>
-            <a:pPr algn="ctr"/>
-            <a:r>
-              <a:rPr lang="en-US" sz="1050" dirty="0">
-                <a:solidFill>
-                  <a:schemeClr val="tx1"/>
-                </a:solidFill>
-                <a:latin typeface="Futura"/>
-                <a:cs typeface="Times New Roman" panose="02020603050405020304" pitchFamily="18" charset="0"/>
-              </a:rPr>
-              <a:t>compute</a:t>
-            </a:r>
-          </a:p>
-          <a:p>
-            <a:pPr algn="ctr"/>
-            <a:r>
-              <a:rPr lang="en-US" sz="1050" dirty="0">
-                <a:solidFill>
-                  <a:schemeClr val="tx1"/>
-                </a:solidFill>
-                <a:latin typeface="Futura"/>
-                <a:cs typeface="Times New Roman" panose="02020603050405020304" pitchFamily="18" charset="0"/>
-              </a:rPr>
-              <a:t>object </a:t>
-            </a:r>
-          </a:p>
-          <a:p>
-            <a:pPr algn="ctr"/>
-            <a:r>
-              <a:rPr lang="en-US" sz="1050" dirty="0">
-                <a:solidFill>
-                  <a:schemeClr val="tx1"/>
-                </a:solidFill>
-                <a:latin typeface="Futura"/>
-                <a:cs typeface="Times New Roman" panose="02020603050405020304" pitchFamily="18" charset="0"/>
-              </a:rPr>
-              <a:t>features</a:t>
-            </a:r>
-          </a:p>
-        </p:txBody>
-      </p:sp>
-      <p:sp>
-        <p:nvSpPr>
-          <p:cNvPr id="79" name="Rectangle: Rounded Corners 78">
-            <a:extLst>
-              <a:ext uri="{FF2B5EF4-FFF2-40B4-BE49-F238E27FC236}">
-                <a16:creationId xmlns:a16="http://schemas.microsoft.com/office/drawing/2014/main" id="{4EC7B095-A5D7-4114-B67B-5CF8AA896EC9}"/>
-              </a:ext>
-            </a:extLst>
-          </p:cNvPr>
-          <p:cNvSpPr/>
-          <p:nvPr/>
-        </p:nvSpPr>
-        <p:spPr>
-          <a:xfrm>
-            <a:off x="2897788" y="2203201"/>
-            <a:ext cx="918000" cy="648398"/>
-          </a:xfrm>
-          <a:prstGeom prst="roundRect">
-            <a:avLst>
-              <a:gd name="adj" fmla="val 10145"/>
-            </a:avLst>
-          </a:prstGeom>
-          <a:solidFill>
-            <a:schemeClr val="bg1"/>
-          </a:solidFill>
-          <a:ln w="12700">
-            <a:solidFill>
-              <a:schemeClr val="tx1"/>
-            </a:solidFill>
-          </a:ln>
-        </p:spPr>
-        <p:style>
-          <a:lnRef idx="2">
-            <a:schemeClr val="accent1">
-              <a:shade val="50000"/>
-            </a:schemeClr>
-          </a:lnRef>
-          <a:fillRef idx="1">
-            <a:schemeClr val="accent1"/>
-          </a:fillRef>
-          <a:effectRef idx="0">
-            <a:schemeClr val="accent1"/>
-          </a:effectRef>
-          <a:fontRef idx="minor">
-            <a:schemeClr val="lt1"/>
-          </a:fontRef>
-        </p:style>
-        <p:txBody>
-          <a:bodyPr rtlCol="0" anchor="ctr"/>
-          <a:lstStyle/>
-          <a:p>
-            <a:pPr algn="ctr"/>
-            <a:r>
-              <a:rPr lang="en-US" sz="1050" dirty="0">
-                <a:solidFill>
-                  <a:schemeClr val="tx1"/>
-                </a:solidFill>
-                <a:latin typeface="Futura"/>
-                <a:cs typeface="Times New Roman" panose="02020603050405020304" pitchFamily="18" charset="0"/>
-              </a:rPr>
-              <a:t>learn SVM model</a:t>
-            </a:r>
-          </a:p>
-        </p:txBody>
-      </p:sp>
-      <p:sp>
-        <p:nvSpPr>
-          <p:cNvPr id="80" name="Rectangle: Rounded Corners 79">
-            <a:extLst>
-              <a:ext uri="{FF2B5EF4-FFF2-40B4-BE49-F238E27FC236}">
-                <a16:creationId xmlns:a16="http://schemas.microsoft.com/office/drawing/2014/main" id="{9CAC7904-D838-4A96-AA28-10F624B9D83D}"/>
-              </a:ext>
-            </a:extLst>
-          </p:cNvPr>
-          <p:cNvSpPr/>
-          <p:nvPr/>
-        </p:nvSpPr>
-        <p:spPr>
-          <a:xfrm>
-            <a:off x="5468690" y="2397266"/>
-            <a:ext cx="972000" cy="648398"/>
-          </a:xfrm>
-          <a:prstGeom prst="roundRect">
-            <a:avLst>
-              <a:gd name="adj" fmla="val 10145"/>
-            </a:avLst>
-          </a:prstGeom>
-          <a:solidFill>
-            <a:schemeClr val="bg1"/>
-          </a:solidFill>
-          <a:ln w="12700">
-            <a:solidFill>
-              <a:schemeClr val="tx1"/>
-            </a:solidFill>
-          </a:ln>
-        </p:spPr>
-        <p:style>
-          <a:lnRef idx="2">
-            <a:schemeClr val="accent1">
-              <a:shade val="50000"/>
-            </a:schemeClr>
-          </a:lnRef>
-          <a:fillRef idx="1">
-            <a:schemeClr val="accent1"/>
-          </a:fillRef>
-          <a:effectRef idx="0">
-            <a:schemeClr val="accent1"/>
-          </a:effectRef>
-          <a:fontRef idx="minor">
-            <a:schemeClr val="lt1"/>
-          </a:fontRef>
-        </p:style>
-        <p:txBody>
-          <a:bodyPr rtlCol="0" anchor="ctr"/>
-          <a:lstStyle/>
-          <a:p>
-            <a:pPr algn="ctr"/>
-            <a:r>
-              <a:rPr lang="en-US" sz="1050" dirty="0">
-                <a:solidFill>
-                  <a:schemeClr val="tx1"/>
-                </a:solidFill>
-                <a:latin typeface="Futura"/>
-                <a:cs typeface="Times New Roman" panose="02020603050405020304" pitchFamily="18" charset="0"/>
-              </a:rPr>
-              <a:t>labeling</a:t>
-            </a:r>
-          </a:p>
-          <a:p>
-            <a:pPr algn="ctr"/>
-            <a:r>
-              <a:rPr lang="en-US" sz="1050" dirty="0">
-                <a:solidFill>
-                  <a:schemeClr val="tx1"/>
-                </a:solidFill>
-                <a:latin typeface="Futura"/>
-                <a:cs typeface="Times New Roman" panose="02020603050405020304" pitchFamily="18" charset="0"/>
-              </a:rPr>
-              <a:t>candidates</a:t>
-            </a:r>
-          </a:p>
-        </p:txBody>
-      </p:sp>
-      <p:sp>
-        <p:nvSpPr>
-          <p:cNvPr id="81" name="Rectangle: Rounded Corners 80">
-            <a:extLst>
-              <a:ext uri="{FF2B5EF4-FFF2-40B4-BE49-F238E27FC236}">
-                <a16:creationId xmlns:a16="http://schemas.microsoft.com/office/drawing/2014/main" id="{B517FE34-3B32-4303-B7D8-190BE8598D89}"/>
-              </a:ext>
-            </a:extLst>
-          </p:cNvPr>
-          <p:cNvSpPr/>
-          <p:nvPr/>
-        </p:nvSpPr>
-        <p:spPr>
-          <a:xfrm>
-            <a:off x="6685613" y="4275573"/>
-            <a:ext cx="918000" cy="648398"/>
-          </a:xfrm>
-          <a:prstGeom prst="roundRect">
-            <a:avLst>
-              <a:gd name="adj" fmla="val 10145"/>
-            </a:avLst>
-          </a:prstGeom>
-          <a:solidFill>
-            <a:schemeClr val="bg1"/>
-          </a:solidFill>
-          <a:ln w="12700">
-            <a:solidFill>
-              <a:schemeClr val="tx1"/>
-            </a:solidFill>
-          </a:ln>
-        </p:spPr>
-        <p:style>
-          <a:lnRef idx="2">
-            <a:schemeClr val="accent1">
-              <a:shade val="50000"/>
-            </a:schemeClr>
-          </a:lnRef>
-          <a:fillRef idx="1">
-            <a:schemeClr val="accent1"/>
-          </a:fillRef>
-          <a:effectRef idx="0">
-            <a:schemeClr val="accent1"/>
-          </a:effectRef>
-          <a:fontRef idx="minor">
-            <a:schemeClr val="lt1"/>
-          </a:fontRef>
-        </p:style>
-        <p:txBody>
-          <a:bodyPr rtlCol="0" anchor="ctr"/>
-          <a:lstStyle/>
-          <a:p>
-            <a:pPr algn="ctr"/>
-            <a:r>
-              <a:rPr lang="en-US" sz="1050" dirty="0">
-                <a:solidFill>
-                  <a:schemeClr val="tx1"/>
-                </a:solidFill>
-                <a:latin typeface="Futura"/>
-                <a:cs typeface="Times New Roman" panose="02020603050405020304" pitchFamily="18" charset="0"/>
-              </a:rPr>
-              <a:t>margin sampling constraint</a:t>
-            </a:r>
-          </a:p>
-        </p:txBody>
-      </p:sp>
-      <p:sp>
-        <p:nvSpPr>
-          <p:cNvPr id="82" name="Rectangle: Rounded Corners 81">
-            <a:extLst>
-              <a:ext uri="{FF2B5EF4-FFF2-40B4-BE49-F238E27FC236}">
-                <a16:creationId xmlns:a16="http://schemas.microsoft.com/office/drawing/2014/main" id="{BDC66D7A-4848-4F88-86AF-D3BB749F6643}"/>
-              </a:ext>
-            </a:extLst>
-          </p:cNvPr>
-          <p:cNvSpPr/>
-          <p:nvPr/>
-        </p:nvSpPr>
-        <p:spPr>
-          <a:xfrm>
-            <a:off x="5468689" y="4278375"/>
-            <a:ext cx="970134" cy="648398"/>
-          </a:xfrm>
-          <a:prstGeom prst="roundRect">
-            <a:avLst>
-              <a:gd name="adj" fmla="val 10145"/>
-            </a:avLst>
-          </a:prstGeom>
-          <a:solidFill>
-            <a:schemeClr val="bg1"/>
-          </a:solidFill>
-          <a:ln w="12700">
-            <a:solidFill>
-              <a:schemeClr val="tx1"/>
-            </a:solidFill>
-          </a:ln>
-        </p:spPr>
-        <p:style>
-          <a:lnRef idx="2">
-            <a:schemeClr val="accent1">
-              <a:shade val="50000"/>
-            </a:schemeClr>
-          </a:lnRef>
-          <a:fillRef idx="1">
-            <a:schemeClr val="accent1"/>
-          </a:fillRef>
-          <a:effectRef idx="0">
-            <a:schemeClr val="accent1"/>
-          </a:effectRef>
-          <a:fontRef idx="minor">
-            <a:schemeClr val="lt1"/>
-          </a:fontRef>
-        </p:style>
-        <p:txBody>
-          <a:bodyPr rtlCol="0" anchor="ctr"/>
-          <a:lstStyle/>
-          <a:p>
-            <a:pPr algn="ctr"/>
-            <a:r>
-              <a:rPr lang="en-US" sz="1050" dirty="0">
-                <a:solidFill>
-                  <a:schemeClr val="tx1"/>
-                </a:solidFill>
-                <a:latin typeface="Futura"/>
-                <a:cs typeface="Times New Roman" panose="02020603050405020304" pitchFamily="18" charset="0"/>
-              </a:rPr>
-              <a:t>similarity constraint</a:t>
-            </a:r>
-          </a:p>
-        </p:txBody>
-      </p:sp>
-      <p:sp>
-        <p:nvSpPr>
-          <p:cNvPr id="83" name="Rectangle: Rounded Corners 82">
-            <a:extLst>
-              <a:ext uri="{FF2B5EF4-FFF2-40B4-BE49-F238E27FC236}">
-                <a16:creationId xmlns:a16="http://schemas.microsoft.com/office/drawing/2014/main" id="{C9DE8912-A3A9-401B-BEF7-86203DBB672F}"/>
-              </a:ext>
-            </a:extLst>
-          </p:cNvPr>
-          <p:cNvSpPr/>
-          <p:nvPr/>
-        </p:nvSpPr>
-        <p:spPr>
-          <a:xfrm>
-            <a:off x="4029829" y="4280206"/>
-            <a:ext cx="918102" cy="648398"/>
-          </a:xfrm>
-          <a:prstGeom prst="roundRect">
-            <a:avLst>
-              <a:gd name="adj" fmla="val 10145"/>
-            </a:avLst>
-          </a:prstGeom>
-          <a:solidFill>
-            <a:schemeClr val="bg1"/>
-          </a:solidFill>
-          <a:ln w="12700">
-            <a:solidFill>
-              <a:schemeClr val="tx1"/>
-            </a:solidFill>
-          </a:ln>
-        </p:spPr>
-        <p:style>
-          <a:lnRef idx="2">
-            <a:schemeClr val="accent1">
-              <a:shade val="50000"/>
-            </a:schemeClr>
-          </a:lnRef>
-          <a:fillRef idx="1">
-            <a:schemeClr val="accent1"/>
-          </a:fillRef>
-          <a:effectRef idx="0">
-            <a:schemeClr val="accent1"/>
-          </a:effectRef>
-          <a:fontRef idx="minor">
-            <a:schemeClr val="lt1"/>
-          </a:fontRef>
-        </p:style>
-        <p:txBody>
-          <a:bodyPr rtlCol="0" anchor="ctr"/>
-          <a:lstStyle/>
-          <a:p>
-            <a:pPr algn="ctr"/>
-            <a:r>
-              <a:rPr lang="en-US" sz="1050" dirty="0">
-                <a:solidFill>
-                  <a:schemeClr val="tx1"/>
-                </a:solidFill>
-                <a:latin typeface="Futura"/>
-                <a:cs typeface="Times New Roman" panose="02020603050405020304" pitchFamily="18" charset="0"/>
-              </a:rPr>
-              <a:t>compute</a:t>
-            </a:r>
-          </a:p>
-          <a:p>
-            <a:pPr algn="ctr"/>
-            <a:r>
-              <a:rPr lang="en-US" sz="1050" dirty="0">
-                <a:solidFill>
-                  <a:schemeClr val="tx1"/>
-                </a:solidFill>
-                <a:latin typeface="Futura"/>
-                <a:cs typeface="Times New Roman" panose="02020603050405020304" pitchFamily="18" charset="0"/>
-              </a:rPr>
-              <a:t>object</a:t>
-            </a:r>
-          </a:p>
-          <a:p>
-            <a:pPr algn="ctr"/>
-            <a:r>
-              <a:rPr lang="en-US" sz="1050" dirty="0">
-                <a:solidFill>
-                  <a:schemeClr val="tx1"/>
-                </a:solidFill>
-                <a:latin typeface="Futura"/>
-                <a:cs typeface="Times New Roman" panose="02020603050405020304" pitchFamily="18" charset="0"/>
-              </a:rPr>
-              <a:t>features</a:t>
-            </a:r>
-            <a:endParaRPr lang="en-US" sz="1050" dirty="0">
-              <a:solidFill>
-                <a:prstClr val="black"/>
-              </a:solidFill>
-              <a:latin typeface="Futura"/>
-              <a:cs typeface="Times New Roman" panose="02020603050405020304" pitchFamily="18" charset="0"/>
-            </a:endParaRPr>
-          </a:p>
-        </p:txBody>
-      </p:sp>
-      <p:sp>
-        <p:nvSpPr>
-          <p:cNvPr id="84" name="Rectangle: Rounded Corners 83">
-            <a:extLst>
-              <a:ext uri="{FF2B5EF4-FFF2-40B4-BE49-F238E27FC236}">
-                <a16:creationId xmlns:a16="http://schemas.microsoft.com/office/drawing/2014/main" id="{CD4AFA70-7C34-466E-A6B6-FE37BD14106C}"/>
-              </a:ext>
-            </a:extLst>
-          </p:cNvPr>
-          <p:cNvSpPr/>
-          <p:nvPr/>
-        </p:nvSpPr>
-        <p:spPr>
-          <a:xfrm>
-            <a:off x="2897788" y="4279225"/>
-            <a:ext cx="918000" cy="648398"/>
-          </a:xfrm>
-          <a:prstGeom prst="roundRect">
-            <a:avLst>
-              <a:gd name="adj" fmla="val 10145"/>
-            </a:avLst>
-          </a:prstGeom>
-          <a:solidFill>
-            <a:schemeClr val="bg1"/>
-          </a:solidFill>
-          <a:ln w="12700">
-            <a:solidFill>
-              <a:schemeClr val="tx1"/>
-            </a:solidFill>
-          </a:ln>
-        </p:spPr>
-        <p:style>
-          <a:lnRef idx="2">
-            <a:schemeClr val="accent1">
-              <a:shade val="50000"/>
-            </a:schemeClr>
-          </a:lnRef>
-          <a:fillRef idx="1">
-            <a:schemeClr val="accent1"/>
-          </a:fillRef>
-          <a:effectRef idx="0">
-            <a:schemeClr val="accent1"/>
-          </a:effectRef>
-          <a:fontRef idx="minor">
-            <a:schemeClr val="lt1"/>
-          </a:fontRef>
-        </p:style>
-        <p:txBody>
-          <a:bodyPr rtlCol="0" anchor="ctr"/>
-          <a:lstStyle/>
-          <a:p>
-            <a:pPr algn="ctr"/>
-            <a:r>
-              <a:rPr lang="en-US" sz="1050" dirty="0">
-                <a:solidFill>
-                  <a:schemeClr val="tx1"/>
-                </a:solidFill>
-                <a:latin typeface="Futura"/>
-                <a:cs typeface="Times New Roman" panose="02020603050405020304" pitchFamily="18" charset="0"/>
-              </a:rPr>
-              <a:t>identify virtual samples</a:t>
-            </a:r>
-          </a:p>
-        </p:txBody>
-      </p:sp>
-      <p:sp>
-        <p:nvSpPr>
-          <p:cNvPr id="85" name="Rectangle: Rounded Corners 84">
-            <a:extLst>
-              <a:ext uri="{FF2B5EF4-FFF2-40B4-BE49-F238E27FC236}">
-                <a16:creationId xmlns:a16="http://schemas.microsoft.com/office/drawing/2014/main" id="{6BACD199-755C-4E22-BA48-BA95491363B8}"/>
-              </a:ext>
-            </a:extLst>
-          </p:cNvPr>
-          <p:cNvSpPr/>
-          <p:nvPr/>
-        </p:nvSpPr>
-        <p:spPr>
-          <a:xfrm>
-            <a:off x="8657517" y="4280261"/>
-            <a:ext cx="918000" cy="648398"/>
-          </a:xfrm>
-          <a:prstGeom prst="roundRect">
-            <a:avLst>
-              <a:gd name="adj" fmla="val 10145"/>
-            </a:avLst>
-          </a:prstGeom>
-          <a:solidFill>
-            <a:schemeClr val="bg1"/>
-          </a:solidFill>
-          <a:ln w="12700">
-            <a:solidFill>
-              <a:schemeClr val="tx1"/>
-            </a:solidFill>
-          </a:ln>
-        </p:spPr>
-        <p:style>
-          <a:lnRef idx="2">
-            <a:schemeClr val="accent1">
-              <a:shade val="50000"/>
-            </a:schemeClr>
-          </a:lnRef>
-          <a:fillRef idx="1">
-            <a:schemeClr val="accent1"/>
-          </a:fillRef>
-          <a:effectRef idx="0">
-            <a:schemeClr val="accent1"/>
-          </a:effectRef>
-          <a:fontRef idx="minor">
-            <a:schemeClr val="lt1"/>
-          </a:fontRef>
-        </p:style>
-        <p:txBody>
-          <a:bodyPr rtlCol="0" anchor="ctr"/>
-          <a:lstStyle/>
-          <a:p>
-            <a:pPr algn="ctr"/>
-            <a:r>
-              <a:rPr lang="en-US" sz="1050" dirty="0">
-                <a:solidFill>
-                  <a:schemeClr val="tx1"/>
-                </a:solidFill>
-                <a:latin typeface="Futura"/>
-                <a:cs typeface="Times New Roman" panose="02020603050405020304" pitchFamily="18" charset="0"/>
-              </a:rPr>
-              <a:t>relearn model</a:t>
-            </a:r>
-          </a:p>
-        </p:txBody>
-      </p:sp>
-      <p:sp>
-        <p:nvSpPr>
-          <p:cNvPr id="88" name="Rectangle: Rounded Corners 87">
-            <a:extLst>
-              <a:ext uri="{FF2B5EF4-FFF2-40B4-BE49-F238E27FC236}">
-                <a16:creationId xmlns:a16="http://schemas.microsoft.com/office/drawing/2014/main" id="{2A949BA5-6356-41F5-A5D3-54A1408034EF}"/>
-              </a:ext>
-            </a:extLst>
-          </p:cNvPr>
-          <p:cNvSpPr/>
-          <p:nvPr/>
-        </p:nvSpPr>
-        <p:spPr>
-          <a:xfrm>
-            <a:off x="266156" y="4275572"/>
-            <a:ext cx="1339200" cy="648398"/>
-          </a:xfrm>
-          <a:prstGeom prst="roundRect">
-            <a:avLst>
-              <a:gd name="adj" fmla="val 10145"/>
-            </a:avLst>
-          </a:prstGeom>
-          <a:solidFill>
-            <a:schemeClr val="bg1"/>
-          </a:solidFill>
-          <a:ln w="12700">
-            <a:solidFill>
-              <a:schemeClr val="tx1"/>
-            </a:solidFill>
-          </a:ln>
-        </p:spPr>
-        <p:style>
-          <a:lnRef idx="2">
-            <a:schemeClr val="accent1">
-              <a:shade val="50000"/>
-            </a:schemeClr>
-          </a:lnRef>
-          <a:fillRef idx="1">
-            <a:schemeClr val="accent1"/>
-          </a:fillRef>
-          <a:effectRef idx="0">
-            <a:schemeClr val="accent1"/>
-          </a:effectRef>
-          <a:fontRef idx="minor">
-            <a:schemeClr val="lt1"/>
-          </a:fontRef>
-        </p:style>
-        <p:txBody>
-          <a:bodyPr rtlCol="0" anchor="ctr"/>
-          <a:lstStyle/>
-          <a:p>
-            <a:pPr algn="ctr"/>
-            <a:r>
-              <a:rPr lang="en-US" sz="1050" dirty="0">
-                <a:solidFill>
-                  <a:schemeClr val="tx1"/>
-                </a:solidFill>
-                <a:latin typeface="Futura"/>
-                <a:cs typeface="Times New Roman" panose="02020603050405020304" pitchFamily="18" charset="0"/>
-              </a:rPr>
-              <a:t>segmentation with altered parameterization</a:t>
-            </a:r>
-          </a:p>
-        </p:txBody>
-      </p:sp>
-      <p:sp>
-        <p:nvSpPr>
-          <p:cNvPr id="90" name="Rectangle: Rounded Corners 89">
-            <a:extLst>
-              <a:ext uri="{FF2B5EF4-FFF2-40B4-BE49-F238E27FC236}">
-                <a16:creationId xmlns:a16="http://schemas.microsoft.com/office/drawing/2014/main" id="{697A23BB-C9E4-45D3-BE0B-36072BC33FE7}"/>
-              </a:ext>
-            </a:extLst>
-          </p:cNvPr>
-          <p:cNvSpPr/>
-          <p:nvPr/>
-        </p:nvSpPr>
-        <p:spPr>
-          <a:xfrm>
-            <a:off x="7517749" y="2398997"/>
-            <a:ext cx="1651170" cy="648398"/>
-          </a:xfrm>
-          <a:prstGeom prst="roundRect">
-            <a:avLst>
-              <a:gd name="adj" fmla="val 10145"/>
-            </a:avLst>
-          </a:prstGeom>
-          <a:solidFill>
-            <a:schemeClr val="bg1"/>
-          </a:solidFill>
-          <a:ln w="12700">
-            <a:solidFill>
-              <a:schemeClr val="tx1"/>
-            </a:solidFill>
-          </a:ln>
-        </p:spPr>
-        <p:style>
-          <a:lnRef idx="2">
-            <a:schemeClr val="accent1">
-              <a:shade val="50000"/>
-            </a:schemeClr>
-          </a:lnRef>
-          <a:fillRef idx="1">
-            <a:schemeClr val="accent1"/>
-          </a:fillRef>
-          <a:effectRef idx="0">
-            <a:schemeClr val="accent1"/>
-          </a:effectRef>
-          <a:fontRef idx="minor">
-            <a:schemeClr val="lt1"/>
-          </a:fontRef>
-        </p:style>
-        <p:txBody>
-          <a:bodyPr rtlCol="0" anchor="ctr"/>
-          <a:lstStyle/>
-          <a:p>
-            <a:pPr algn="ctr"/>
-            <a:r>
-              <a:rPr lang="en-US" sz="1050" dirty="0">
-                <a:solidFill>
-                  <a:schemeClr val="tx1"/>
-                </a:solidFill>
-                <a:latin typeface="Futura"/>
-                <a:cs typeface="Times New Roman" panose="02020603050405020304" pitchFamily="18" charset="0"/>
-              </a:rPr>
-              <a:t>Uncertainty distance </a:t>
-            </a:r>
-          </a:p>
-          <a:p>
-            <a:pPr algn="ctr"/>
-            <a:r>
-              <a:rPr lang="en-US" sz="1050" dirty="0">
-                <a:solidFill>
-                  <a:schemeClr val="tx1"/>
-                </a:solidFill>
-                <a:latin typeface="Futura"/>
-                <a:cs typeface="Times New Roman" panose="02020603050405020304" pitchFamily="18" charset="0"/>
-              </a:rPr>
-              <a:t>with PCA + clustering </a:t>
-            </a:r>
-          </a:p>
-        </p:txBody>
-      </p:sp>
-      <p:cxnSp>
-        <p:nvCxnSpPr>
-          <p:cNvPr id="98" name="Gerade Verbindung mit Pfeil 32">
-            <a:extLst>
-              <a:ext uri="{FF2B5EF4-FFF2-40B4-BE49-F238E27FC236}">
-                <a16:creationId xmlns:a16="http://schemas.microsoft.com/office/drawing/2014/main" id="{2D047EE9-75BF-4734-BE54-517A96E3E6C6}"/>
-              </a:ext>
-            </a:extLst>
-          </p:cNvPr>
-          <p:cNvCxnSpPr>
-            <a:cxnSpLocks/>
-            <a:stCxn id="90" idx="1"/>
-            <a:endCxn id="80" idx="3"/>
-          </p:cNvCxnSpPr>
-          <p:nvPr/>
-        </p:nvCxnSpPr>
-        <p:spPr>
-          <a:xfrm flipH="1" flipV="1">
-            <a:off x="6440690" y="2721465"/>
-            <a:ext cx="1077059" cy="1731"/>
-          </a:xfrm>
-          <a:prstGeom prst="straightConnector1">
-            <a:avLst/>
-          </a:prstGeom>
-          <a:ln w="12700">
-            <a:solidFill>
-              <a:schemeClr val="tx1"/>
-            </a:solidFill>
-            <a:tailEnd type="triangle"/>
-          </a:ln>
-        </p:spPr>
-        <p:style>
-          <a:lnRef idx="1">
-            <a:schemeClr val="accent1"/>
-          </a:lnRef>
-          <a:fillRef idx="0">
-            <a:schemeClr val="accent1"/>
-          </a:fillRef>
-          <a:effectRef idx="0">
-            <a:schemeClr val="accent1"/>
-          </a:effectRef>
-          <a:fontRef idx="minor">
-            <a:schemeClr val="tx1"/>
-          </a:fontRef>
-        </p:style>
-      </p:cxnSp>
-      <p:cxnSp>
-        <p:nvCxnSpPr>
-          <p:cNvPr id="150" name="Gerade Verbindung mit Pfeil 52">
-            <a:extLst>
-              <a:ext uri="{FF2B5EF4-FFF2-40B4-BE49-F238E27FC236}">
-                <a16:creationId xmlns:a16="http://schemas.microsoft.com/office/drawing/2014/main" id="{478673B4-905E-4371-AF0F-5EAE1D7FFB44}"/>
-              </a:ext>
-            </a:extLst>
-          </p:cNvPr>
-          <p:cNvCxnSpPr>
-            <a:cxnSpLocks/>
-            <a:stCxn id="76" idx="0"/>
-            <a:endCxn id="2" idx="3"/>
-          </p:cNvCxnSpPr>
-          <p:nvPr/>
-        </p:nvCxnSpPr>
-        <p:spPr>
-          <a:xfrm flipH="1" flipV="1">
-            <a:off x="939329" y="1843044"/>
-            <a:ext cx="778" cy="360157"/>
-          </a:xfrm>
-          <a:prstGeom prst="straightConnector1">
-            <a:avLst/>
-          </a:prstGeom>
-          <a:ln w="12700">
-            <a:solidFill>
-              <a:schemeClr val="tx1"/>
-            </a:solidFill>
-            <a:headEnd type="triangle"/>
-            <a:tailEnd type="none"/>
-          </a:ln>
-        </p:spPr>
-        <p:style>
-          <a:lnRef idx="1">
-            <a:schemeClr val="accent1"/>
-          </a:lnRef>
-          <a:fillRef idx="0">
-            <a:schemeClr val="accent1"/>
-          </a:fillRef>
-          <a:effectRef idx="0">
-            <a:schemeClr val="accent1"/>
-          </a:effectRef>
-          <a:fontRef idx="minor">
-            <a:schemeClr val="tx1"/>
-          </a:fontRef>
-        </p:style>
-      </p:cxnSp>
-      <p:sp>
-        <p:nvSpPr>
-          <p:cNvPr id="217" name="Rectangle 216">
-            <a:extLst>
-              <a:ext uri="{FF2B5EF4-FFF2-40B4-BE49-F238E27FC236}">
-                <a16:creationId xmlns:a16="http://schemas.microsoft.com/office/drawing/2014/main" id="{CE280420-228F-4D4C-80F2-02B33F8F9893}"/>
-              </a:ext>
-            </a:extLst>
-          </p:cNvPr>
-          <p:cNvSpPr/>
-          <p:nvPr/>
-        </p:nvSpPr>
-        <p:spPr>
-          <a:xfrm>
-            <a:off x="-502397" y="2090702"/>
-            <a:ext cx="566181" cy="253916"/>
-          </a:xfrm>
-          <a:prstGeom prst="rect">
-            <a:avLst/>
-          </a:prstGeom>
-        </p:spPr>
-        <p:txBody>
-          <a:bodyPr wrap="none">
-            <a:spAutoFit/>
-          </a:bodyPr>
-          <a:lstStyle/>
-          <a:p>
-            <a:r>
-              <a:rPr lang="en-US" sz="1050" b="1" dirty="0">
-                <a:solidFill>
-                  <a:schemeClr val="tx1">
-                    <a:lumMod val="75000"/>
-                    <a:lumOff val="25000"/>
-                  </a:schemeClr>
-                </a:solidFill>
-                <a:latin typeface="Futura"/>
-                <a:cs typeface="Times New Roman" panose="02020603050405020304" pitchFamily="18" charset="0"/>
-              </a:rPr>
-              <a:t>VSVM</a:t>
-            </a:r>
-          </a:p>
-        </p:txBody>
-      </p:sp>
-      <p:sp>
-        <p:nvSpPr>
-          <p:cNvPr id="218" name="Rectangle 217">
-            <a:extLst>
-              <a:ext uri="{FF2B5EF4-FFF2-40B4-BE49-F238E27FC236}">
-                <a16:creationId xmlns:a16="http://schemas.microsoft.com/office/drawing/2014/main" id="{C8EE7157-E021-42D2-849E-F484F2B10A54}"/>
-              </a:ext>
-            </a:extLst>
-          </p:cNvPr>
-          <p:cNvSpPr/>
-          <p:nvPr/>
-        </p:nvSpPr>
-        <p:spPr>
-          <a:xfrm>
-            <a:off x="-510265" y="4939151"/>
-            <a:ext cx="1766830" cy="253916"/>
-          </a:xfrm>
-          <a:prstGeom prst="rect">
-            <a:avLst/>
-          </a:prstGeom>
-        </p:spPr>
-        <p:txBody>
-          <a:bodyPr wrap="none">
-            <a:spAutoFit/>
-          </a:bodyPr>
-          <a:lstStyle/>
-          <a:p>
-            <a:r>
-              <a:rPr lang="en-US" sz="1050" b="1" dirty="0">
-                <a:solidFill>
-                  <a:schemeClr val="tx1">
-                    <a:lumMod val="75000"/>
-                    <a:lumOff val="25000"/>
-                  </a:schemeClr>
-                </a:solidFill>
-                <a:latin typeface="Futura"/>
-                <a:cs typeface="Times New Roman" panose="02020603050405020304" pitchFamily="18" charset="0"/>
-              </a:rPr>
-              <a:t>encoding of invariances</a:t>
-            </a:r>
-          </a:p>
-        </p:txBody>
-      </p:sp>
-      <p:sp>
-        <p:nvSpPr>
-          <p:cNvPr id="219" name="Rectangle 218">
-            <a:extLst>
-              <a:ext uri="{FF2B5EF4-FFF2-40B4-BE49-F238E27FC236}">
-                <a16:creationId xmlns:a16="http://schemas.microsoft.com/office/drawing/2014/main" id="{FFFD716E-AF68-459F-A640-FB2282076777}"/>
-              </a:ext>
-            </a:extLst>
-          </p:cNvPr>
-          <p:cNvSpPr/>
-          <p:nvPr/>
-        </p:nvSpPr>
-        <p:spPr>
-          <a:xfrm>
-            <a:off x="5376021" y="4948398"/>
-            <a:ext cx="1550424" cy="253916"/>
-          </a:xfrm>
-          <a:prstGeom prst="rect">
-            <a:avLst/>
-          </a:prstGeom>
-        </p:spPr>
-        <p:txBody>
-          <a:bodyPr wrap="none">
-            <a:spAutoFit/>
-          </a:bodyPr>
-          <a:lstStyle/>
-          <a:p>
-            <a:r>
-              <a:rPr lang="en-US" sz="1050" b="1" dirty="0">
-                <a:solidFill>
-                  <a:schemeClr val="tx1">
-                    <a:lumMod val="75000"/>
-                    <a:lumOff val="25000"/>
-                  </a:schemeClr>
-                </a:solidFill>
-                <a:latin typeface="Futura"/>
-                <a:cs typeface="Times New Roman" panose="02020603050405020304" pitchFamily="18" charset="0"/>
-              </a:rPr>
-              <a:t>self-learning strategy</a:t>
-            </a:r>
-          </a:p>
-        </p:txBody>
-      </p:sp>
-      <p:cxnSp>
-        <p:nvCxnSpPr>
-          <p:cNvPr id="54" name="Gewinkelte Verbindung 40">
-            <a:extLst>
-              <a:ext uri="{FF2B5EF4-FFF2-40B4-BE49-F238E27FC236}">
-                <a16:creationId xmlns:a16="http://schemas.microsoft.com/office/drawing/2014/main" id="{6C848427-4261-46FE-9B85-6A685967EFAB}"/>
-              </a:ext>
-            </a:extLst>
-          </p:cNvPr>
-          <p:cNvCxnSpPr>
-            <a:cxnSpLocks/>
-            <a:stCxn id="80" idx="1"/>
-            <a:endCxn id="101" idx="4"/>
-          </p:cNvCxnSpPr>
-          <p:nvPr/>
-        </p:nvCxnSpPr>
-        <p:spPr>
-          <a:xfrm rot="10800000">
-            <a:off x="3896788" y="1338665"/>
-            <a:ext cx="1571902" cy="1382801"/>
-          </a:xfrm>
-          <a:prstGeom prst="bentConnector3">
-            <a:avLst>
-              <a:gd name="adj1" fmla="val 57271"/>
-            </a:avLst>
-          </a:prstGeom>
-          <a:ln w="12700">
-            <a:solidFill>
-              <a:schemeClr val="tx1"/>
-            </a:solidFill>
-            <a:tailEnd type="triangle"/>
-          </a:ln>
-        </p:spPr>
-        <p:style>
-          <a:lnRef idx="1">
-            <a:schemeClr val="accent1"/>
-          </a:lnRef>
-          <a:fillRef idx="0">
-            <a:schemeClr val="accent1"/>
-          </a:fillRef>
-          <a:effectRef idx="0">
-            <a:schemeClr val="accent1"/>
-          </a:effectRef>
-          <a:fontRef idx="minor">
-            <a:schemeClr val="tx1"/>
-          </a:fontRef>
-        </p:style>
-      </p:cxnSp>
-    </p:spTree>
-    <p:extLst>
-      <p:ext uri="{BB962C8B-B14F-4D97-AF65-F5344CB8AC3E}">
-        <p14:creationId xmlns:p14="http://schemas.microsoft.com/office/powerpoint/2010/main" val="1922694313"/>
-      </p:ext>
-    </p:extLst>
-  </p:cSld>
-  <p:clrMapOvr>
-    <a:masterClrMapping/>
-  </p:clrMapOvr>
-</p:sld>
-</file>
-
-<file path=ppt/slides/slide9.xml><?xml version="1.0" encoding="utf-8"?>
-<p:sld xmlns:a="http://schemas.openxmlformats.org/drawingml/2006/main" xmlns:r="http://schemas.openxmlformats.org/officeDocument/2006/relationships" xmlns:p="http://schemas.openxmlformats.org/presentationml/2006/main">
-  <p:cSld>
-    <p:spTree>
-      <p:nvGrpSpPr>
-        <p:cNvPr id="1" name=""/>
-        <p:cNvGrpSpPr/>
-        <p:nvPr/>
-      </p:nvGrpSpPr>
-      <p:grpSpPr>
-        <a:xfrm>
-          <a:off x="0" y="0"/>
-          <a:ext cx="0" cy="0"/>
-          <a:chOff x="0" y="0"/>
-          <a:chExt cx="0" cy="0"/>
-        </a:xfrm>
-      </p:grpSpPr>
-      <p:sp>
-        <p:nvSpPr>
-          <p:cNvPr id="20" name="Flussdiagramm: Prozess 19"/>
-          <p:cNvSpPr/>
-          <p:nvPr/>
-        </p:nvSpPr>
-        <p:spPr>
-          <a:xfrm>
-            <a:off x="-504563" y="2092705"/>
-            <a:ext cx="9648564" cy="2877752"/>
-          </a:xfrm>
-          <a:prstGeom prst="flowChartProcess">
-            <a:avLst/>
-          </a:prstGeom>
-          <a:solidFill>
-            <a:srgbClr val="FFFF00">
-              <a:alpha val="40000"/>
-            </a:srgbClr>
-          </a:solidFill>
-          <a:ln>
-            <a:noFill/>
-          </a:ln>
-        </p:spPr>
-        <p:style>
-          <a:lnRef idx="2">
-            <a:schemeClr val="accent1">
-              <a:shade val="50000"/>
-            </a:schemeClr>
-          </a:lnRef>
-          <a:fillRef idx="1">
-            <a:schemeClr val="accent1"/>
-          </a:fillRef>
-          <a:effectRef idx="0">
-            <a:schemeClr val="accent1"/>
-          </a:effectRef>
-          <a:fontRef idx="minor">
-            <a:schemeClr val="lt1"/>
-          </a:fontRef>
-        </p:style>
-        <p:txBody>
-          <a:bodyPr rtlCol="0" anchor="ctr"/>
-          <a:lstStyle/>
-          <a:p>
-            <a:pPr algn="ctr"/>
-            <a:endParaRPr lang="de-DE" sz="1350" dirty="0"/>
-          </a:p>
-        </p:txBody>
-      </p:sp>
-      <p:sp>
-        <p:nvSpPr>
-          <p:cNvPr id="21" name="Flussdiagramm: Prozess 20"/>
-          <p:cNvSpPr/>
-          <p:nvPr/>
-        </p:nvSpPr>
-        <p:spPr>
-          <a:xfrm>
-            <a:off x="-504564" y="4166399"/>
-            <a:ext cx="5737694" cy="1035609"/>
-          </a:xfrm>
-          <a:prstGeom prst="flowChartProcess">
-            <a:avLst/>
-          </a:prstGeom>
-          <a:solidFill>
-            <a:schemeClr val="accent2">
-              <a:lumMod val="75000"/>
-              <a:alpha val="40000"/>
-            </a:schemeClr>
-          </a:solidFill>
-          <a:ln>
-            <a:noFill/>
-          </a:ln>
-        </p:spPr>
-        <p:style>
-          <a:lnRef idx="2">
-            <a:schemeClr val="accent1">
-              <a:shade val="50000"/>
-            </a:schemeClr>
-          </a:lnRef>
-          <a:fillRef idx="1">
-            <a:schemeClr val="accent1"/>
-          </a:fillRef>
-          <a:effectRef idx="0">
-            <a:schemeClr val="accent1"/>
-          </a:effectRef>
-          <a:fontRef idx="minor">
-            <a:schemeClr val="lt1"/>
-          </a:fontRef>
-        </p:style>
-        <p:txBody>
-          <a:bodyPr rtlCol="0" anchor="ctr"/>
-          <a:lstStyle/>
-          <a:p>
-            <a:pPr algn="ctr"/>
-            <a:endParaRPr lang="de-DE" sz="1350"/>
-          </a:p>
-        </p:txBody>
-      </p:sp>
-      <mc:AlternateContent xmlns:mc="http://schemas.openxmlformats.org/markup-compatibility/2006">
-        <mc:Choice xmlns:a14="http://schemas.microsoft.com/office/drawing/2010/main" Requires="a14">
-          <p:sp>
-            <p:nvSpPr>
-              <p:cNvPr id="4" name="Textfeld 3"/>
-              <p:cNvSpPr txBox="1"/>
-              <p:nvPr/>
-            </p:nvSpPr>
-            <p:spPr>
-              <a:xfrm>
-                <a:off x="3788304" y="3539862"/>
-                <a:ext cx="452303" cy="265457"/>
-              </a:xfrm>
-              <a:prstGeom prst="rect">
-                <a:avLst/>
-              </a:prstGeom>
-              <a:noFill/>
-            </p:spPr>
-            <p:txBody>
-              <a:bodyPr wrap="square" rtlCol="0">
-                <a:spAutoFit/>
-              </a:bodyPr>
-              <a:lstStyle/>
-              <a:p>
-                <a:pPr/>
-                <a14:m>
-                  <m:oMathPara xmlns:m="http://schemas.openxmlformats.org/officeDocument/2006/math">
-                    <m:oMathParaPr>
-                      <m:jc m:val="centerGroup"/>
-                    </m:oMathParaPr>
-                    <m:oMath xmlns:m="http://schemas.openxmlformats.org/officeDocument/2006/math">
-                      <m:sSup>
-                        <m:sSupPr>
-                          <m:ctrlPr>
-                            <a:rPr lang="de-DE" sz="1100" i="1">
-                              <a:latin typeface="Cambria Math" panose="02040503050406030204" pitchFamily="18" charset="0"/>
-                            </a:rPr>
-                          </m:ctrlPr>
-                        </m:sSupPr>
-                        <m:e>
-                          <m:r>
-                            <a:rPr lang="de-DE" sz="1100" i="1">
-                              <a:latin typeface="Cambria Math" panose="02040503050406030204" pitchFamily="18" charset="0"/>
-                            </a:rPr>
-                            <m:t>𝑋</m:t>
-                          </m:r>
-                        </m:e>
-                        <m:sup>
-                          <m:r>
-                            <a:rPr lang="de-DE" sz="1100" i="1">
-                              <a:latin typeface="Cambria Math" panose="02040503050406030204" pitchFamily="18" charset="0"/>
-                            </a:rPr>
-                            <m:t>𝑆𝑉</m:t>
-                          </m:r>
-                        </m:sup>
-                      </m:sSup>
-                    </m:oMath>
-                  </m:oMathPara>
-                </a14:m>
-                <a:endParaRPr lang="de-DE" sz="1350" dirty="0">
-                  <a:latin typeface="Futura"/>
-                </a:endParaRPr>
-              </a:p>
-            </p:txBody>
-          </p:sp>
-        </mc:Choice>
-        <mc:Fallback>
-          <p:sp>
-            <p:nvSpPr>
-              <p:cNvPr id="4" name="Textfeld 3"/>
-              <p:cNvSpPr txBox="1">
-                <a:spLocks noRot="1" noChangeAspect="1" noMove="1" noResize="1" noEditPoints="1" noAdjustHandles="1" noChangeArrowheads="1" noChangeShapeType="1" noTextEdit="1"/>
-              </p:cNvSpPr>
-              <p:nvPr/>
-            </p:nvSpPr>
-            <p:spPr>
-              <a:xfrm>
-                <a:off x="3788304" y="3539862"/>
-                <a:ext cx="452303" cy="265457"/>
-              </a:xfrm>
-              <a:prstGeom prst="rect">
-                <a:avLst/>
-              </a:prstGeom>
-              <a:blipFill>
-                <a:blip r:embed="rId3"/>
-                <a:stretch>
-                  <a:fillRect/>
-                </a:stretch>
-              </a:blipFill>
-            </p:spPr>
-            <p:txBody>
-              <a:bodyPr/>
-              <a:lstStyle/>
-              <a:p>
-                <a:r>
-                  <a:rPr lang="en-GB">
-                    <a:noFill/>
-                  </a:rPr>
-                  <a:t> </a:t>
-                </a:r>
-              </a:p>
-            </p:txBody>
-          </p:sp>
-        </mc:Fallback>
-      </mc:AlternateContent>
-      <p:sp>
-        <p:nvSpPr>
-          <p:cNvPr id="8" name="Flussdiagramm: Karte 7"/>
-          <p:cNvSpPr/>
-          <p:nvPr/>
-        </p:nvSpPr>
-        <p:spPr>
-          <a:xfrm>
-            <a:off x="8603460" y="5447473"/>
-            <a:ext cx="1026114" cy="702078"/>
-          </a:xfrm>
-          <a:prstGeom prst="flowChartPunchedCard">
-            <a:avLst/>
-          </a:prstGeom>
-          <a:solidFill>
-            <a:schemeClr val="bg1"/>
-          </a:solidFill>
-          <a:ln w="12700">
-            <a:solidFill>
-              <a:schemeClr val="tx1"/>
-            </a:solidFill>
-          </a:ln>
-        </p:spPr>
-        <p:style>
-          <a:lnRef idx="2">
-            <a:schemeClr val="accent1">
-              <a:shade val="50000"/>
-            </a:schemeClr>
-          </a:lnRef>
-          <a:fillRef idx="1">
-            <a:schemeClr val="accent1"/>
-          </a:fillRef>
-          <a:effectRef idx="0">
-            <a:schemeClr val="accent1"/>
-          </a:effectRef>
-          <a:fontRef idx="minor">
-            <a:schemeClr val="lt1"/>
-          </a:fontRef>
-        </p:style>
-        <p:txBody>
-          <a:bodyPr rot="0" spcFirstLastPara="0" vertOverflow="overflow" horzOverflow="overflow" vert="horz" wrap="square" lIns="68580" tIns="34290" rIns="68580" bIns="34290" numCol="1" spcCol="0" rtlCol="0" fromWordArt="0" anchor="ctr" anchorCtr="0" forceAA="0" compatLnSpc="1">
-            <a:prstTxWarp prst="textNoShape">
-              <a:avLst/>
-            </a:prstTxWarp>
-            <a:noAutofit/>
-          </a:bodyPr>
-          <a:lstStyle/>
-          <a:p>
-            <a:pPr algn="ctr"/>
-            <a:r>
-              <a:rPr lang="en-US" sz="1100" dirty="0">
-                <a:solidFill>
-                  <a:schemeClr val="tx1"/>
-                </a:solidFill>
-                <a:latin typeface="Futura"/>
-                <a:cs typeface="Times New Roman" panose="02020603050405020304" pitchFamily="18" charset="0"/>
-              </a:rPr>
-              <a:t>thematic</a:t>
-            </a:r>
-            <a:r>
-              <a:rPr lang="de-DE" sz="1100" dirty="0">
-                <a:solidFill>
-                  <a:schemeClr val="tx1"/>
-                </a:solidFill>
-                <a:latin typeface="Futura"/>
-                <a:cs typeface="Times New Roman" panose="02020603050405020304" pitchFamily="18" charset="0"/>
-              </a:rPr>
-              <a:t> </a:t>
-            </a:r>
-            <a:r>
-              <a:rPr lang="en-US" sz="1100" dirty="0">
-                <a:solidFill>
-                  <a:schemeClr val="tx1"/>
-                </a:solidFill>
-                <a:latin typeface="Futura"/>
-                <a:cs typeface="Times New Roman" panose="02020603050405020304" pitchFamily="18" charset="0"/>
-              </a:rPr>
-              <a:t>map</a:t>
-            </a:r>
-          </a:p>
-        </p:txBody>
-      </p:sp>
-      <mc:AlternateContent xmlns:mc="http://schemas.openxmlformats.org/markup-compatibility/2006" xmlns:a14="http://schemas.microsoft.com/office/drawing/2010/main">
-        <mc:Choice Requires="a14">
-          <p:sp>
-            <p:nvSpPr>
-              <p:cNvPr id="18" name="Textfeld 17"/>
-              <p:cNvSpPr txBox="1"/>
-              <p:nvPr/>
-            </p:nvSpPr>
-            <p:spPr>
-              <a:xfrm>
-                <a:off x="4869590" y="4594389"/>
-                <a:ext cx="450123" cy="265457"/>
-              </a:xfrm>
-              <a:prstGeom prst="rect">
-                <a:avLst/>
-              </a:prstGeom>
-              <a:noFill/>
-            </p:spPr>
-            <p:txBody>
-              <a:bodyPr wrap="square" rtlCol="0">
-                <a:spAutoFit/>
-              </a:bodyPr>
-              <a:lstStyle/>
-              <a:p>
-                <a:pPr/>
-                <a14:m>
-                  <m:oMathPara xmlns:m="http://schemas.openxmlformats.org/officeDocument/2006/math">
-                    <m:oMathParaPr>
-                      <m:jc m:val="centerGroup"/>
-                    </m:oMathParaPr>
-                    <m:oMath xmlns:m="http://schemas.openxmlformats.org/officeDocument/2006/math">
-                      <m:sSup>
-                        <m:sSupPr>
-                          <m:ctrlPr>
-                            <a:rPr lang="de-DE" sz="1100" i="1" dirty="0">
-                              <a:latin typeface="Cambria Math" panose="02040503050406030204" pitchFamily="18" charset="0"/>
-                            </a:rPr>
-                          </m:ctrlPr>
-                        </m:sSupPr>
-                        <m:e>
-                          <m:r>
-                            <a:rPr lang="de-DE" sz="1100" i="1" dirty="0">
-                              <a:latin typeface="Cambria Math" panose="02040503050406030204" pitchFamily="18" charset="0"/>
-                            </a:rPr>
-                            <m:t>𝑉</m:t>
-                          </m:r>
-                        </m:e>
-                        <m:sup>
-                          <m:r>
-                            <a:rPr lang="de-DE" sz="1100" i="1" dirty="0">
-                              <a:latin typeface="Cambria Math" panose="02040503050406030204" pitchFamily="18" charset="0"/>
-                            </a:rPr>
-                            <m:t>𝑆𝑉</m:t>
-                          </m:r>
-                        </m:sup>
-                      </m:sSup>
-                    </m:oMath>
-                  </m:oMathPara>
-                </a14:m>
-                <a:endParaRPr lang="de-DE" sz="1350" dirty="0">
-                  <a:latin typeface="Futura"/>
-                </a:endParaRPr>
-              </a:p>
-            </p:txBody>
-          </p:sp>
-        </mc:Choice>
-        <mc:Fallback xmlns="">
-          <p:sp>
-            <p:nvSpPr>
-              <p:cNvPr id="18" name="Textfeld 17"/>
-              <p:cNvSpPr txBox="1">
-                <a:spLocks noRot="1" noChangeAspect="1" noMove="1" noResize="1" noEditPoints="1" noAdjustHandles="1" noChangeArrowheads="1" noChangeShapeType="1" noTextEdit="1"/>
-              </p:cNvSpPr>
-              <p:nvPr/>
-            </p:nvSpPr>
-            <p:spPr>
-              <a:xfrm>
-                <a:off x="4869590" y="4594389"/>
-                <a:ext cx="450123" cy="265457"/>
-              </a:xfrm>
-              <a:prstGeom prst="rect">
-                <a:avLst/>
-              </a:prstGeom>
-              <a:blipFill>
-                <a:blip r:embed="rId4"/>
-                <a:stretch>
-                  <a:fillRect/>
-                </a:stretch>
-              </a:blipFill>
-            </p:spPr>
-            <p:txBody>
-              <a:bodyPr/>
-              <a:lstStyle/>
-              <a:p>
-                <a:r>
-                  <a:rPr lang="en-GB">
-                    <a:noFill/>
-                  </a:rPr>
-                  <a:t> </a:t>
-                </a:r>
-              </a:p>
-            </p:txBody>
-          </p:sp>
-        </mc:Fallback>
-      </mc:AlternateContent>
-      <p:cxnSp>
-        <p:nvCxnSpPr>
-          <p:cNvPr id="31" name="Gerade Verbindung mit Pfeil 30"/>
-          <p:cNvCxnSpPr>
-            <a:cxnSpLocks/>
-            <a:stCxn id="76" idx="3"/>
-            <a:endCxn id="77" idx="1"/>
-          </p:cNvCxnSpPr>
-          <p:nvPr/>
-        </p:nvCxnSpPr>
-        <p:spPr>
-          <a:xfrm>
-            <a:off x="1609132" y="2527400"/>
-            <a:ext cx="188658" cy="0"/>
-          </a:xfrm>
-          <a:prstGeom prst="straightConnector1">
-            <a:avLst/>
-          </a:prstGeom>
-          <a:ln w="12700">
-            <a:solidFill>
-              <a:schemeClr val="tx1"/>
-            </a:solidFill>
-            <a:tailEnd type="triangle"/>
-          </a:ln>
-        </p:spPr>
-        <p:style>
-          <a:lnRef idx="1">
-            <a:schemeClr val="accent1"/>
-          </a:lnRef>
-          <a:fillRef idx="0">
-            <a:schemeClr val="accent1"/>
-          </a:fillRef>
-          <a:effectRef idx="0">
-            <a:schemeClr val="accent1"/>
-          </a:effectRef>
-          <a:fontRef idx="minor">
-            <a:schemeClr val="tx1"/>
-          </a:fontRef>
-        </p:style>
-      </p:cxnSp>
-      <p:cxnSp>
-        <p:nvCxnSpPr>
-          <p:cNvPr id="33" name="Gerade Verbindung mit Pfeil 32"/>
-          <p:cNvCxnSpPr>
-            <a:cxnSpLocks/>
-            <a:stCxn id="77" idx="3"/>
-            <a:endCxn id="79" idx="1"/>
-          </p:cNvCxnSpPr>
-          <p:nvPr/>
-        </p:nvCxnSpPr>
-        <p:spPr>
-          <a:xfrm>
-            <a:off x="2715892" y="2527400"/>
-            <a:ext cx="181896" cy="0"/>
-          </a:xfrm>
-          <a:prstGeom prst="straightConnector1">
-            <a:avLst/>
-          </a:prstGeom>
-          <a:ln w="12700">
-            <a:solidFill>
-              <a:schemeClr val="tx1"/>
-            </a:solidFill>
-            <a:tailEnd type="triangle"/>
-          </a:ln>
-        </p:spPr>
-        <p:style>
-          <a:lnRef idx="1">
-            <a:schemeClr val="accent1"/>
-          </a:lnRef>
-          <a:fillRef idx="0">
-            <a:schemeClr val="accent1"/>
-          </a:fillRef>
-          <a:effectRef idx="0">
-            <a:schemeClr val="accent1"/>
-          </a:effectRef>
-          <a:fontRef idx="minor">
-            <a:schemeClr val="tx1"/>
-          </a:fontRef>
-        </p:style>
-      </p:cxnSp>
-      <p:cxnSp>
-        <p:nvCxnSpPr>
-          <p:cNvPr id="53" name="Gerade Verbindung mit Pfeil 52"/>
-          <p:cNvCxnSpPr>
-            <a:cxnSpLocks/>
-            <a:stCxn id="79" idx="0"/>
-            <a:endCxn id="101" idx="3"/>
-          </p:cNvCxnSpPr>
-          <p:nvPr/>
-        </p:nvCxnSpPr>
-        <p:spPr>
-          <a:xfrm flipV="1">
-            <a:off x="3356788" y="1820614"/>
-            <a:ext cx="0" cy="382587"/>
-          </a:xfrm>
-          <a:prstGeom prst="straightConnector1">
-            <a:avLst/>
-          </a:prstGeom>
-          <a:ln w="12700">
-            <a:solidFill>
-              <a:schemeClr val="tx1"/>
-            </a:solidFill>
-            <a:headEnd type="triangle"/>
-            <a:tailEnd type="none"/>
-          </a:ln>
-        </p:spPr>
-        <p:style>
-          <a:lnRef idx="1">
-            <a:schemeClr val="accent1"/>
-          </a:lnRef>
-          <a:fillRef idx="0">
-            <a:schemeClr val="accent1"/>
-          </a:fillRef>
-          <a:effectRef idx="0">
-            <a:schemeClr val="accent1"/>
-          </a:effectRef>
-          <a:fontRef idx="minor">
-            <a:schemeClr val="tx1"/>
-          </a:fontRef>
-        </p:style>
-      </p:cxnSp>
-      <p:cxnSp>
-        <p:nvCxnSpPr>
-          <p:cNvPr id="56" name="Gerade Verbindung mit Pfeil 55"/>
-          <p:cNvCxnSpPr>
-            <a:cxnSpLocks/>
-            <a:stCxn id="79" idx="2"/>
-            <a:endCxn id="60" idx="0"/>
-          </p:cNvCxnSpPr>
-          <p:nvPr/>
-        </p:nvCxnSpPr>
-        <p:spPr>
-          <a:xfrm>
-            <a:off x="3356788" y="2851599"/>
-            <a:ext cx="0" cy="397960"/>
-          </a:xfrm>
-          <a:prstGeom prst="straightConnector1">
-            <a:avLst/>
-          </a:prstGeom>
-          <a:ln w="12700">
-            <a:solidFill>
-              <a:schemeClr val="tx1"/>
-            </a:solidFill>
-            <a:tailEnd type="triangle"/>
-          </a:ln>
-        </p:spPr>
-        <p:style>
-          <a:lnRef idx="1">
-            <a:schemeClr val="accent1"/>
-          </a:lnRef>
-          <a:fillRef idx="0">
-            <a:schemeClr val="accent1"/>
-          </a:fillRef>
-          <a:effectRef idx="0">
-            <a:schemeClr val="accent1"/>
-          </a:effectRef>
-          <a:fontRef idx="minor">
-            <a:schemeClr val="tx1"/>
-          </a:fontRef>
-        </p:style>
-      </p:cxnSp>
-      <p:cxnSp>
-        <p:nvCxnSpPr>
-          <p:cNvPr id="58" name="Gerade Verbindung mit Pfeil 57"/>
-          <p:cNvCxnSpPr>
-            <a:cxnSpLocks/>
-            <a:stCxn id="60" idx="2"/>
-            <a:endCxn id="84" idx="0"/>
-          </p:cNvCxnSpPr>
-          <p:nvPr/>
-        </p:nvCxnSpPr>
-        <p:spPr>
-          <a:xfrm>
-            <a:off x="3356788" y="3897957"/>
-            <a:ext cx="0" cy="381268"/>
-          </a:xfrm>
-          <a:prstGeom prst="straightConnector1">
-            <a:avLst/>
-          </a:prstGeom>
-          <a:ln w="12700">
-            <a:solidFill>
-              <a:schemeClr val="tx1"/>
-            </a:solidFill>
-            <a:tailEnd type="triangle"/>
-          </a:ln>
-        </p:spPr>
-        <p:style>
-          <a:lnRef idx="1">
-            <a:schemeClr val="accent1"/>
-          </a:lnRef>
-          <a:fillRef idx="0">
-            <a:schemeClr val="accent1"/>
-          </a:fillRef>
-          <a:effectRef idx="0">
-            <a:schemeClr val="accent1"/>
-          </a:effectRef>
-          <a:fontRef idx="minor">
-            <a:schemeClr val="tx1"/>
-          </a:fontRef>
-        </p:style>
-      </p:cxnSp>
-      <p:cxnSp>
-        <p:nvCxnSpPr>
-          <p:cNvPr id="63" name="Gerade Verbindung mit Pfeil 62"/>
-          <p:cNvCxnSpPr>
-            <a:cxnSpLocks/>
-            <a:stCxn id="88" idx="3"/>
-            <a:endCxn id="84" idx="1"/>
-          </p:cNvCxnSpPr>
-          <p:nvPr/>
-        </p:nvCxnSpPr>
-        <p:spPr>
-          <a:xfrm>
-            <a:off x="1605356" y="4599771"/>
-            <a:ext cx="1292432" cy="3653"/>
-          </a:xfrm>
-          <a:prstGeom prst="straightConnector1">
-            <a:avLst/>
-          </a:prstGeom>
-          <a:ln w="12700">
-            <a:solidFill>
-              <a:schemeClr val="tx1"/>
-            </a:solidFill>
-            <a:tailEnd type="triangle"/>
-          </a:ln>
-        </p:spPr>
-        <p:style>
-          <a:lnRef idx="1">
-            <a:schemeClr val="accent1"/>
-          </a:lnRef>
-          <a:fillRef idx="0">
-            <a:schemeClr val="accent1"/>
-          </a:fillRef>
-          <a:effectRef idx="0">
-            <a:schemeClr val="accent1"/>
-          </a:effectRef>
-          <a:fontRef idx="minor">
-            <a:schemeClr val="tx1"/>
-          </a:fontRef>
-        </p:style>
-      </p:cxnSp>
-      <p:cxnSp>
-        <p:nvCxnSpPr>
-          <p:cNvPr id="66" name="Gerade Verbindung mit Pfeil 65"/>
-          <p:cNvCxnSpPr>
-            <a:cxnSpLocks/>
-            <a:stCxn id="84" idx="3"/>
-            <a:endCxn id="83" idx="1"/>
-          </p:cNvCxnSpPr>
-          <p:nvPr/>
-        </p:nvCxnSpPr>
-        <p:spPr>
-          <a:xfrm>
-            <a:off x="3815788" y="4603424"/>
-            <a:ext cx="214041" cy="981"/>
-          </a:xfrm>
-          <a:prstGeom prst="straightConnector1">
-            <a:avLst/>
-          </a:prstGeom>
-          <a:ln w="12700">
-            <a:solidFill>
-              <a:schemeClr val="tx1"/>
-            </a:solidFill>
-            <a:tailEnd type="triangle"/>
-          </a:ln>
-        </p:spPr>
-        <p:style>
-          <a:lnRef idx="1">
-            <a:schemeClr val="accent1"/>
-          </a:lnRef>
-          <a:fillRef idx="0">
-            <a:schemeClr val="accent1"/>
-          </a:fillRef>
-          <a:effectRef idx="0">
-            <a:schemeClr val="accent1"/>
-          </a:effectRef>
-          <a:fontRef idx="minor">
-            <a:schemeClr val="tx1"/>
-          </a:fontRef>
-        </p:style>
-      </p:cxnSp>
-      <p:cxnSp>
-        <p:nvCxnSpPr>
-          <p:cNvPr id="68" name="Gerade Verbindung mit Pfeil 67"/>
-          <p:cNvCxnSpPr>
-            <a:cxnSpLocks/>
-            <a:stCxn id="83" idx="3"/>
-            <a:endCxn id="82" idx="1"/>
-          </p:cNvCxnSpPr>
-          <p:nvPr/>
-        </p:nvCxnSpPr>
-        <p:spPr>
-          <a:xfrm flipV="1">
-            <a:off x="4947931" y="4602574"/>
-            <a:ext cx="520758" cy="1831"/>
-          </a:xfrm>
-          <a:prstGeom prst="straightConnector1">
-            <a:avLst/>
-          </a:prstGeom>
-          <a:ln w="12700">
-            <a:solidFill>
-              <a:schemeClr val="tx1"/>
-            </a:solidFill>
-            <a:tailEnd type="triangle"/>
-          </a:ln>
-        </p:spPr>
-        <p:style>
-          <a:lnRef idx="1">
-            <a:schemeClr val="accent1"/>
-          </a:lnRef>
-          <a:fillRef idx="0">
-            <a:schemeClr val="accent1"/>
-          </a:fillRef>
-          <a:effectRef idx="0">
-            <a:schemeClr val="accent1"/>
-          </a:effectRef>
-          <a:fontRef idx="minor">
-            <a:schemeClr val="tx1"/>
-          </a:fontRef>
-        </p:style>
-      </p:cxnSp>
-      <p:sp>
-        <p:nvSpPr>
-          <p:cNvPr id="100" name="Textfeld 99">
-            <a:extLst>
-              <a:ext uri="{FF2B5EF4-FFF2-40B4-BE49-F238E27FC236}">
-                <a16:creationId xmlns:a16="http://schemas.microsoft.com/office/drawing/2014/main" id="{FEB7460F-EA71-4E85-80CF-6CE363E10C88}"/>
-              </a:ext>
-            </a:extLst>
-          </p:cNvPr>
-          <p:cNvSpPr txBox="1"/>
-          <p:nvPr/>
-        </p:nvSpPr>
-        <p:spPr>
-          <a:xfrm>
-            <a:off x="-504564" y="-463103"/>
-            <a:ext cx="11247783" cy="353943"/>
-          </a:xfrm>
-          <a:prstGeom prst="rect">
-            <a:avLst/>
-          </a:prstGeom>
-          <a:noFill/>
-        </p:spPr>
-        <p:txBody>
-          <a:bodyPr wrap="square" rtlCol="0">
-            <a:spAutoFit/>
-          </a:bodyPr>
-          <a:lstStyle/>
-          <a:p>
-            <a:r>
-              <a:rPr lang="en-US" sz="1700" dirty="0">
-                <a:latin typeface="Futura"/>
-                <a:cs typeface="Times New Roman" panose="02020603050405020304" pitchFamily="18" charset="0"/>
-              </a:rPr>
-              <a:t>Active learning method</a:t>
-            </a:r>
-            <a:r>
-              <a:rPr lang="de-DE" sz="1700" dirty="0">
-                <a:latin typeface="Futura"/>
-                <a:cs typeface="Times New Roman" panose="02020603050405020304" pitchFamily="18" charset="0"/>
-              </a:rPr>
-              <a:t> </a:t>
-            </a:r>
-            <a:r>
-              <a:rPr lang="en-US" sz="1700" dirty="0">
-                <a:latin typeface="Futura"/>
-                <a:cs typeface="Times New Roman" panose="02020603050405020304" pitchFamily="18" charset="0"/>
-              </a:rPr>
-              <a:t>with</a:t>
-            </a:r>
-            <a:r>
-              <a:rPr lang="de-DE" sz="1700" dirty="0">
-                <a:latin typeface="Futura"/>
-                <a:cs typeface="Times New Roman" panose="02020603050405020304" pitchFamily="18" charset="0"/>
-              </a:rPr>
-              <a:t> </a:t>
-            </a:r>
-            <a:r>
-              <a:rPr lang="en-US" sz="1700" dirty="0">
-                <a:latin typeface="Futura"/>
-                <a:cs typeface="Times New Roman" panose="02020603050405020304" pitchFamily="18" charset="0"/>
-              </a:rPr>
-              <a:t>constrained</a:t>
-            </a:r>
-            <a:r>
-              <a:rPr lang="de-DE" sz="1700" dirty="0">
-                <a:latin typeface="Futura"/>
-                <a:cs typeface="Times New Roman" panose="02020603050405020304" pitchFamily="18" charset="0"/>
-              </a:rPr>
-              <a:t> </a:t>
-            </a:r>
-            <a:r>
-              <a:rPr lang="en-US" sz="1700" dirty="0">
-                <a:latin typeface="Futura"/>
-                <a:cs typeface="Times New Roman" panose="02020603050405020304" pitchFamily="18" charset="0"/>
-              </a:rPr>
-              <a:t>Virtual Support Vector Machine + </a:t>
-            </a:r>
-            <a:r>
-              <a:rPr lang="en-US" sz="1700" b="1" dirty="0">
-                <a:latin typeface="Futura"/>
-                <a:cs typeface="Times New Roman" panose="02020603050405020304" pitchFamily="18" charset="0"/>
-              </a:rPr>
-              <a:t>SEMI</a:t>
-            </a:r>
-            <a:endParaRPr lang="de-DE" sz="1700" b="1" dirty="0">
-              <a:latin typeface="Futura"/>
-              <a:cs typeface="Times New Roman" panose="02020603050405020304" pitchFamily="18" charset="0"/>
-            </a:endParaRPr>
-          </a:p>
-        </p:txBody>
-      </p:sp>
-      <p:sp>
-        <p:nvSpPr>
-          <p:cNvPr id="2" name="Zylinder 1">
-            <a:extLst>
-              <a:ext uri="{FF2B5EF4-FFF2-40B4-BE49-F238E27FC236}">
-                <a16:creationId xmlns:a16="http://schemas.microsoft.com/office/drawing/2014/main" id="{7FC7301F-2494-4D15-88B6-3B540EB335BB}"/>
-              </a:ext>
-            </a:extLst>
-          </p:cNvPr>
-          <p:cNvSpPr/>
-          <p:nvPr/>
-        </p:nvSpPr>
-        <p:spPr>
-          <a:xfrm>
-            <a:off x="399329" y="879144"/>
-            <a:ext cx="1080000" cy="963900"/>
-          </a:xfrm>
-          <a:prstGeom prst="can">
-            <a:avLst/>
-          </a:prstGeom>
-          <a:solidFill>
-            <a:schemeClr val="bg1">
-              <a:lumMod val="95000"/>
-            </a:schemeClr>
-          </a:solidFill>
-          <a:ln w="12700">
-            <a:solidFill>
-              <a:schemeClr val="tx1"/>
-            </a:solidFill>
-          </a:ln>
-        </p:spPr>
-        <p:style>
-          <a:lnRef idx="2">
-            <a:schemeClr val="accent1">
-              <a:shade val="50000"/>
-            </a:schemeClr>
-          </a:lnRef>
-          <a:fillRef idx="1">
-            <a:schemeClr val="accent1"/>
-          </a:fillRef>
-          <a:effectRef idx="0">
-            <a:schemeClr val="accent1"/>
-          </a:effectRef>
-          <a:fontRef idx="minor">
-            <a:schemeClr val="lt1"/>
-          </a:fontRef>
-        </p:style>
-        <p:txBody>
-          <a:bodyPr rtlCol="0" anchor="ctr"/>
-          <a:lstStyle/>
-          <a:p>
-            <a:pPr algn="ctr"/>
-            <a:r>
-              <a:rPr lang="en-US" sz="1050" dirty="0">
-                <a:solidFill>
-                  <a:schemeClr val="tx1"/>
-                </a:solidFill>
-                <a:latin typeface="Futura"/>
-                <a:cs typeface="Times New Roman" panose="02020603050405020304" pitchFamily="18" charset="0"/>
-              </a:rPr>
-              <a:t>image</a:t>
-            </a:r>
-          </a:p>
-        </p:txBody>
-      </p:sp>
-      <mc:AlternateContent xmlns:mc="http://schemas.openxmlformats.org/markup-compatibility/2006" xmlns:a14="http://schemas.microsoft.com/office/drawing/2010/main">
-        <mc:Choice Requires="a14">
-          <p:sp>
-            <p:nvSpPr>
-              <p:cNvPr id="101" name="Zylinder 100">
-                <a:extLst>
-                  <a:ext uri="{FF2B5EF4-FFF2-40B4-BE49-F238E27FC236}">
-                    <a16:creationId xmlns:a16="http://schemas.microsoft.com/office/drawing/2014/main" id="{745F9C84-726B-4DBD-8F2E-76240AC2FE56}"/>
-                  </a:ext>
-                </a:extLst>
-              </p:cNvPr>
-              <p:cNvSpPr/>
-              <p:nvPr/>
-            </p:nvSpPr>
-            <p:spPr>
-              <a:xfrm>
-                <a:off x="2816788" y="856714"/>
-                <a:ext cx="1080000" cy="963900"/>
-              </a:xfrm>
-              <a:prstGeom prst="can">
-                <a:avLst/>
-              </a:prstGeom>
-              <a:solidFill>
-                <a:schemeClr val="bg1">
-                  <a:lumMod val="95000"/>
-                </a:schemeClr>
-              </a:solidFill>
-              <a:ln w="12700">
-                <a:solidFill>
-                  <a:schemeClr val="tx1"/>
-                </a:solidFill>
-              </a:ln>
-            </p:spPr>
-            <p:style>
-              <a:lnRef idx="2">
-                <a:schemeClr val="accent1">
-                  <a:shade val="50000"/>
-                </a:schemeClr>
-              </a:lnRef>
-              <a:fillRef idx="1">
-                <a:schemeClr val="accent1"/>
-              </a:fillRef>
-              <a:effectRef idx="0">
-                <a:schemeClr val="accent1"/>
-              </a:effectRef>
-              <a:fontRef idx="minor">
-                <a:schemeClr val="lt1"/>
-              </a:fontRef>
-            </p:style>
-            <p:txBody>
-              <a:bodyPr rtlCol="0" anchor="ctr"/>
-              <a:lstStyle/>
-              <a:p>
-                <a:pPr algn="ctr"/>
-                <a:r>
-                  <a:rPr lang="en-US" sz="1050" dirty="0">
-                    <a:solidFill>
-                      <a:schemeClr val="tx1"/>
-                    </a:solidFill>
-                    <a:latin typeface="Futura"/>
-                    <a:cs typeface="Times New Roman" panose="02020603050405020304" pitchFamily="18" charset="0"/>
-                  </a:rPr>
-                  <a:t>labeled samples </a:t>
-                </a:r>
-                <a14:m>
-                  <m:oMath xmlns:m="http://schemas.openxmlformats.org/officeDocument/2006/math">
-                    <m:r>
-                      <a:rPr lang="en-US" sz="1050" i="1">
-                        <a:solidFill>
-                          <a:schemeClr val="tx1"/>
-                        </a:solidFill>
-                        <a:latin typeface="Cambria Math" panose="02040503050406030204" pitchFamily="18" charset="0"/>
-                        <a:cs typeface="Times New Roman" panose="02020603050405020304" pitchFamily="18" charset="0"/>
-                      </a:rPr>
-                      <m:t>𝑋</m:t>
-                    </m:r>
-                  </m:oMath>
-                </a14:m>
-                <a:endParaRPr lang="en-US" sz="1050" dirty="0">
-                  <a:solidFill>
-                    <a:schemeClr val="tx1"/>
-                  </a:solidFill>
-                  <a:latin typeface="Futura"/>
-                  <a:cs typeface="Times New Roman" panose="02020603050405020304" pitchFamily="18" charset="0"/>
-                </a:endParaRPr>
-              </a:p>
-            </p:txBody>
-          </p:sp>
-        </mc:Choice>
-        <mc:Fallback xmlns="">
-          <p:sp>
-            <p:nvSpPr>
-              <p:cNvPr id="101" name="Zylinder 100">
-                <a:extLst>
-                  <a:ext uri="{FF2B5EF4-FFF2-40B4-BE49-F238E27FC236}">
-                    <a16:creationId xmlns:a16="http://schemas.microsoft.com/office/drawing/2014/main" id="{745F9C84-726B-4DBD-8F2E-76240AC2FE56}"/>
-                  </a:ext>
-                </a:extLst>
-              </p:cNvPr>
-              <p:cNvSpPr>
-                <a:spLocks noRot="1" noChangeAspect="1" noMove="1" noResize="1" noEditPoints="1" noAdjustHandles="1" noChangeArrowheads="1" noChangeShapeType="1" noTextEdit="1"/>
-              </p:cNvSpPr>
-              <p:nvPr/>
-            </p:nvSpPr>
-            <p:spPr>
-              <a:xfrm>
-                <a:off x="2816788" y="856714"/>
-                <a:ext cx="1080000" cy="963900"/>
-              </a:xfrm>
-              <a:prstGeom prst="can">
-                <a:avLst/>
-              </a:prstGeom>
-              <a:blipFill>
-                <a:blip r:embed="rId5"/>
-                <a:stretch>
-                  <a:fillRect/>
-                </a:stretch>
-              </a:blipFill>
-              <a:ln w="12700">
-                <a:solidFill>
-                  <a:schemeClr val="tx1"/>
-                </a:solidFill>
-              </a:ln>
-            </p:spPr>
-            <p:txBody>
-              <a:bodyPr/>
-              <a:lstStyle/>
-              <a:p>
-                <a:r>
-                  <a:rPr lang="en-GB">
-                    <a:noFill/>
-                  </a:rPr>
-                  <a:t> </a:t>
-                </a:r>
-              </a:p>
-            </p:txBody>
-          </p:sp>
-        </mc:Fallback>
-      </mc:AlternateContent>
-      <mc:AlternateContent xmlns:mc="http://schemas.openxmlformats.org/markup-compatibility/2006">
-        <mc:Choice xmlns:a14="http://schemas.microsoft.com/office/drawing/2010/main" Requires="a14">
           <p:sp>
             <p:nvSpPr>
               <p:cNvPr id="103" name="Zylinder 102">
@@ -35670,7 +35271,7 @@
             </p:txBody>
           </p:sp>
         </mc:Choice>
-        <mc:Fallback>
+        <mc:Fallback xmlns="">
           <p:sp>
             <p:nvSpPr>
               <p:cNvPr id="103" name="Zylinder 102">
@@ -36204,8 +35805,8 @@
           </a:fontRef>
         </p:style>
       </p:cxnSp>
-      <mc:AlternateContent xmlns:mc="http://schemas.openxmlformats.org/markup-compatibility/2006">
-        <mc:Choice xmlns:a14="http://schemas.microsoft.com/office/drawing/2010/main" Requires="a14">
+      <mc:AlternateContent xmlns:mc="http://schemas.openxmlformats.org/markup-compatibility/2006" xmlns:a14="http://schemas.microsoft.com/office/drawing/2010/main">
+        <mc:Choice Requires="a14">
           <p:sp>
             <p:nvSpPr>
               <p:cNvPr id="128" name="Textfeld 18">
@@ -36288,7 +35889,7 @@
             </p:txBody>
           </p:sp>
         </mc:Choice>
-        <mc:Fallback>
+        <mc:Fallback xmlns="">
           <p:sp>
             <p:nvSpPr>
               <p:cNvPr id="128" name="Textfeld 18">
@@ -36333,8 +35934,8 @@
           </p:sp>
         </mc:Fallback>
       </mc:AlternateContent>
-      <mc:AlternateContent xmlns:mc="http://schemas.openxmlformats.org/markup-compatibility/2006">
-        <mc:Choice xmlns:a14="http://schemas.microsoft.com/office/drawing/2010/main" Requires="a14">
+      <mc:AlternateContent xmlns:mc="http://schemas.openxmlformats.org/markup-compatibility/2006" xmlns:a14="http://schemas.microsoft.com/office/drawing/2010/main">
+        <mc:Choice Requires="a14">
           <p:sp>
             <p:nvSpPr>
               <p:cNvPr id="162" name="Textfeld 60">
@@ -36415,7 +36016,7 @@
             </p:txBody>
           </p:sp>
         </mc:Choice>
-        <mc:Fallback>
+        <mc:Fallback xmlns="">
           <p:sp>
             <p:nvSpPr>
               <p:cNvPr id="162" name="Textfeld 60">
@@ -36460,8 +36061,8 @@
           </p:sp>
         </mc:Fallback>
       </mc:AlternateContent>
-      <mc:AlternateContent xmlns:mc="http://schemas.openxmlformats.org/markup-compatibility/2006">
-        <mc:Choice xmlns:a14="http://schemas.microsoft.com/office/drawing/2010/main" Requires="a14">
+      <mc:AlternateContent xmlns:mc="http://schemas.openxmlformats.org/markup-compatibility/2006" xmlns:a14="http://schemas.microsoft.com/office/drawing/2010/main">
+        <mc:Choice Requires="a14">
           <p:sp>
             <p:nvSpPr>
               <p:cNvPr id="163" name="Textfeld 61">
@@ -36554,7 +36155,7 @@
             </p:txBody>
           </p:sp>
         </mc:Choice>
-        <mc:Fallback>
+        <mc:Fallback xmlns="">
           <p:sp>
             <p:nvSpPr>
               <p:cNvPr id="163" name="Textfeld 61">
@@ -37782,8 +37383,8 @@
           </a:fontRef>
         </p:style>
       </p:cxnSp>
-      <mc:AlternateContent xmlns:mc="http://schemas.openxmlformats.org/markup-compatibility/2006">
-        <mc:Choice xmlns:a14="http://schemas.microsoft.com/office/drawing/2010/main" Requires="a14">
+      <mc:AlternateContent xmlns:mc="http://schemas.openxmlformats.org/markup-compatibility/2006" xmlns:a14="http://schemas.microsoft.com/office/drawing/2010/main">
+        <mc:Choice Requires="a14">
           <p:sp>
             <p:nvSpPr>
               <p:cNvPr id="70" name="Textfeld 61">
@@ -37876,7 +37477,7 @@
             </p:txBody>
           </p:sp>
         </mc:Choice>
-        <mc:Fallback>
+        <mc:Fallback xmlns="">
           <p:sp>
             <p:nvSpPr>
               <p:cNvPr id="70" name="Textfeld 61">
@@ -38086,8 +37687,8 @@
           </a:p>
         </p:txBody>
       </p:sp>
-      <mc:AlternateContent xmlns:mc="http://schemas.openxmlformats.org/markup-compatibility/2006">
-        <mc:Choice xmlns:a14="http://schemas.microsoft.com/office/drawing/2010/main" Requires="a14">
+      <mc:AlternateContent xmlns:mc="http://schemas.openxmlformats.org/markup-compatibility/2006" xmlns:a14="http://schemas.microsoft.com/office/drawing/2010/main">
+        <mc:Choice Requires="a14">
           <p:sp>
             <p:nvSpPr>
               <p:cNvPr id="59" name="Textfeld 60">
@@ -38168,7 +37769,7 @@
             </p:txBody>
           </p:sp>
         </mc:Choice>
-        <mc:Fallback>
+        <mc:Fallback xmlns="">
           <p:sp>
             <p:nvSpPr>
               <p:cNvPr id="59" name="Textfeld 60">

--- a/images/block_scheme.pptx
+++ b/images/block_scheme.pptx
@@ -11836,7 +11836,9 @@
             <a:avLst/>
           </a:prstGeom>
           <a:solidFill>
-            <a:schemeClr val="bg1"/>
+            <a:schemeClr val="bg1">
+              <a:lumMod val="95000"/>
+            </a:schemeClr>
           </a:solidFill>
           <a:ln w="12700">
             <a:solidFill>
@@ -11878,8 +11880,8 @@
           </a:p>
         </p:txBody>
       </p:sp>
-      <mc:AlternateContent xmlns:mc="http://schemas.openxmlformats.org/markup-compatibility/2006" xmlns:a14="http://schemas.microsoft.com/office/drawing/2010/main">
-        <mc:Choice Requires="a14">
+      <mc:AlternateContent xmlns:mc="http://schemas.openxmlformats.org/markup-compatibility/2006">
+        <mc:Choice xmlns:a14="http://schemas.microsoft.com/office/drawing/2010/main" Requires="a14">
           <p:sp>
             <p:nvSpPr>
               <p:cNvPr id="101" name="Zylinder 100">
@@ -11901,7 +11903,9 @@
                 <a:avLst/>
               </a:prstGeom>
               <a:solidFill>
-                <a:schemeClr val="bg1"/>
+                <a:schemeClr val="bg1">
+                  <a:lumMod val="95000"/>
+                </a:schemeClr>
               </a:solidFill>
               <a:ln w="12700">
                 <a:solidFill>
@@ -11965,7 +11969,7 @@
             </p:txBody>
           </p:sp>
         </mc:Choice>
-        <mc:Fallback xmlns="">
+        <mc:Fallback>
           <p:sp>
             <p:nvSpPr>
               <p:cNvPr id="101" name="Zylinder 100">
@@ -12070,8 +12074,8 @@
           </a:p>
         </p:txBody>
       </p:sp>
-      <mc:AlternateContent xmlns:mc="http://schemas.openxmlformats.org/markup-compatibility/2006" xmlns:a14="http://schemas.microsoft.com/office/drawing/2010/main">
-        <mc:Choice Requires="a14">
+      <mc:AlternateContent xmlns:mc="http://schemas.openxmlformats.org/markup-compatibility/2006">
+        <mc:Choice xmlns:a14="http://schemas.microsoft.com/office/drawing/2010/main" Requires="a14">
           <p:sp>
             <p:nvSpPr>
               <p:cNvPr id="112" name="Zylinder 102">
@@ -12093,7 +12097,9 @@
                 <a:avLst/>
               </a:prstGeom>
               <a:solidFill>
-                <a:schemeClr val="bg1"/>
+                <a:schemeClr val="bg1">
+                  <a:lumMod val="95000"/>
+                </a:schemeClr>
               </a:solidFill>
               <a:ln w="12700">
                 <a:solidFill>
@@ -12173,7 +12179,7 @@
             </p:txBody>
           </p:sp>
         </mc:Choice>
-        <mc:Fallback xmlns="">
+        <mc:Fallback>
           <p:sp>
             <p:nvSpPr>
               <p:cNvPr id="112" name="Zylinder 102">
@@ -14975,7 +14981,9 @@
             <a:avLst/>
           </a:prstGeom>
           <a:solidFill>
-            <a:schemeClr val="bg1"/>
+            <a:schemeClr val="bg1">
+              <a:lumMod val="95000"/>
+            </a:schemeClr>
           </a:solidFill>
           <a:ln w="12700">
             <a:solidFill>
@@ -15017,8 +15025,8 @@
           </a:p>
         </p:txBody>
       </p:sp>
-      <mc:AlternateContent xmlns:mc="http://schemas.openxmlformats.org/markup-compatibility/2006" xmlns:a14="http://schemas.microsoft.com/office/drawing/2010/main">
-        <mc:Choice Requires="a14">
+      <mc:AlternateContent xmlns:mc="http://schemas.openxmlformats.org/markup-compatibility/2006">
+        <mc:Choice xmlns:a14="http://schemas.microsoft.com/office/drawing/2010/main" Requires="a14">
           <p:sp>
             <p:nvSpPr>
               <p:cNvPr id="101" name="Zylinder 100">
@@ -15040,7 +15048,9 @@
                 <a:avLst/>
               </a:prstGeom>
               <a:solidFill>
-                <a:schemeClr val="bg1"/>
+                <a:schemeClr val="bg1">
+                  <a:lumMod val="95000"/>
+                </a:schemeClr>
               </a:solidFill>
               <a:ln w="12700">
                 <a:solidFill>
@@ -15104,7 +15114,7 @@
             </p:txBody>
           </p:sp>
         </mc:Choice>
-        <mc:Fallback xmlns="">
+        <mc:Fallback>
           <p:sp>
             <p:nvSpPr>
               <p:cNvPr id="101" name="Zylinder 100">
@@ -15209,8 +15219,8 @@
           </a:p>
         </p:txBody>
       </p:sp>
-      <mc:AlternateContent xmlns:mc="http://schemas.openxmlformats.org/markup-compatibility/2006" xmlns:a14="http://schemas.microsoft.com/office/drawing/2010/main">
-        <mc:Choice Requires="a14">
+      <mc:AlternateContent xmlns:mc="http://schemas.openxmlformats.org/markup-compatibility/2006">
+        <mc:Choice xmlns:a14="http://schemas.microsoft.com/office/drawing/2010/main" Requires="a14">
           <p:sp>
             <p:nvSpPr>
               <p:cNvPr id="112" name="Zylinder 102">
@@ -15232,7 +15242,9 @@
                 <a:avLst/>
               </a:prstGeom>
               <a:solidFill>
-                <a:schemeClr val="bg1"/>
+                <a:schemeClr val="bg1">
+                  <a:lumMod val="95000"/>
+                </a:schemeClr>
               </a:solidFill>
               <a:ln w="12700">
                 <a:solidFill>
@@ -15312,7 +15324,7 @@
             </p:txBody>
           </p:sp>
         </mc:Choice>
-        <mc:Fallback xmlns="">
+        <mc:Fallback>
           <p:sp>
             <p:nvSpPr>
               <p:cNvPr id="112" name="Zylinder 102">
@@ -22019,7 +22031,7 @@
                 <a:avLst/>
               </a:prstGeom>
               <a:blipFill>
-                <a:blip r:embed="rId3"/>
+                <a:blip r:embed="rId7"/>
                 <a:stretch>
                   <a:fillRect/>
                 </a:stretch>
@@ -28875,7 +28887,7 @@
                 <a:avLst/>
               </a:prstGeom>
               <a:blipFill>
-                <a:blip r:embed="rId3"/>
+                <a:blip r:embed="rId7"/>
                 <a:stretch>
                   <a:fillRect/>
                 </a:stretch>
@@ -32309,7 +32321,7 @@
                 <a:avLst/>
               </a:prstGeom>
               <a:blipFill>
-                <a:blip r:embed="rId7"/>
+                <a:blip r:embed="rId6"/>
                 <a:stretch>
                   <a:fillRect/>
                 </a:stretch>
@@ -32538,7 +32550,7 @@
                 <a:avLst/>
               </a:prstGeom>
               <a:blipFill>
-                <a:blip r:embed="rId8"/>
+                <a:blip r:embed="rId7"/>
                 <a:stretch>
                   <a:fillRect/>
                 </a:stretch>
@@ -32665,7 +32677,7 @@
                 <a:avLst/>
               </a:prstGeom>
               <a:blipFill>
-                <a:blip r:embed="rId9"/>
+                <a:blip r:embed="rId8"/>
                 <a:stretch>
                   <a:fillRect/>
                 </a:stretch>

--- a/images/block_scheme.pptx
+++ b/images/block_scheme.pptx
@@ -221,7 +221,7 @@
           <a:p>
             <a:fld id="{2F6F1BCE-1FE9-4644-9CDB-12C2BD4EE37B}" type="datetimeFigureOut">
               <a:rPr lang="de-DE" smtClean="0"/>
-              <a:t>31.07.2024</a:t>
+              <a:t>05.08.2024</a:t>
             </a:fld>
             <a:endParaRPr lang="de-DE"/>
           </a:p>
@@ -1507,7 +1507,7 @@
           <a:p>
             <a:fld id="{68096437-929F-41B4-A44E-96A3364BC2EF}" type="datetimeFigureOut">
               <a:rPr lang="de-DE" smtClean="0"/>
-              <a:t>31.07.2024</a:t>
+              <a:t>05.08.2024</a:t>
             </a:fld>
             <a:endParaRPr lang="de-DE"/>
           </a:p>
@@ -1675,7 +1675,7 @@
           <a:p>
             <a:fld id="{68096437-929F-41B4-A44E-96A3364BC2EF}" type="datetimeFigureOut">
               <a:rPr lang="de-DE" smtClean="0"/>
-              <a:t>31.07.2024</a:t>
+              <a:t>05.08.2024</a:t>
             </a:fld>
             <a:endParaRPr lang="de-DE"/>
           </a:p>
@@ -1853,7 +1853,7 @@
           <a:p>
             <a:fld id="{68096437-929F-41B4-A44E-96A3364BC2EF}" type="datetimeFigureOut">
               <a:rPr lang="de-DE" smtClean="0"/>
-              <a:t>31.07.2024</a:t>
+              <a:t>05.08.2024</a:t>
             </a:fld>
             <a:endParaRPr lang="de-DE"/>
           </a:p>
@@ -2021,7 +2021,7 @@
           <a:p>
             <a:fld id="{68096437-929F-41B4-A44E-96A3364BC2EF}" type="datetimeFigureOut">
               <a:rPr lang="de-DE" smtClean="0"/>
-              <a:t>31.07.2024</a:t>
+              <a:t>05.08.2024</a:t>
             </a:fld>
             <a:endParaRPr lang="de-DE"/>
           </a:p>
@@ -2266,7 +2266,7 @@
           <a:p>
             <a:fld id="{68096437-929F-41B4-A44E-96A3364BC2EF}" type="datetimeFigureOut">
               <a:rPr lang="de-DE" smtClean="0"/>
-              <a:t>31.07.2024</a:t>
+              <a:t>05.08.2024</a:t>
             </a:fld>
             <a:endParaRPr lang="de-DE"/>
           </a:p>
@@ -2551,7 +2551,7 @@
           <a:p>
             <a:fld id="{68096437-929F-41B4-A44E-96A3364BC2EF}" type="datetimeFigureOut">
               <a:rPr lang="de-DE" smtClean="0"/>
-              <a:t>31.07.2024</a:t>
+              <a:t>05.08.2024</a:t>
             </a:fld>
             <a:endParaRPr lang="de-DE"/>
           </a:p>
@@ -2970,7 +2970,7 @@
           <a:p>
             <a:fld id="{68096437-929F-41B4-A44E-96A3364BC2EF}" type="datetimeFigureOut">
               <a:rPr lang="de-DE" smtClean="0"/>
-              <a:t>31.07.2024</a:t>
+              <a:t>05.08.2024</a:t>
             </a:fld>
             <a:endParaRPr lang="de-DE"/>
           </a:p>
@@ -3087,7 +3087,7 @@
           <a:p>
             <a:fld id="{68096437-929F-41B4-A44E-96A3364BC2EF}" type="datetimeFigureOut">
               <a:rPr lang="de-DE" smtClean="0"/>
-              <a:t>31.07.2024</a:t>
+              <a:t>05.08.2024</a:t>
             </a:fld>
             <a:endParaRPr lang="de-DE"/>
           </a:p>
@@ -3182,7 +3182,7 @@
           <a:p>
             <a:fld id="{68096437-929F-41B4-A44E-96A3364BC2EF}" type="datetimeFigureOut">
               <a:rPr lang="de-DE" smtClean="0"/>
-              <a:t>31.07.2024</a:t>
+              <a:t>05.08.2024</a:t>
             </a:fld>
             <a:endParaRPr lang="de-DE"/>
           </a:p>
@@ -3457,7 +3457,7 @@
           <a:p>
             <a:fld id="{68096437-929F-41B4-A44E-96A3364BC2EF}" type="datetimeFigureOut">
               <a:rPr lang="de-DE" smtClean="0"/>
-              <a:t>31.07.2024</a:t>
+              <a:t>05.08.2024</a:t>
             </a:fld>
             <a:endParaRPr lang="de-DE"/>
           </a:p>
@@ -3709,7 +3709,7 @@
           <a:p>
             <a:fld id="{68096437-929F-41B4-A44E-96A3364BC2EF}" type="datetimeFigureOut">
               <a:rPr lang="de-DE" smtClean="0"/>
-              <a:t>31.07.2024</a:t>
+              <a:t>05.08.2024</a:t>
             </a:fld>
             <a:endParaRPr lang="de-DE"/>
           </a:p>
@@ -3920,7 +3920,7 @@
           <a:p>
             <a:fld id="{68096437-929F-41B4-A44E-96A3364BC2EF}" type="datetimeFigureOut">
               <a:rPr lang="de-DE" smtClean="0"/>
-              <a:t>31.07.2024</a:t>
+              <a:t>05.08.2024</a:t>
             </a:fld>
             <a:endParaRPr lang="de-DE"/>
           </a:p>
@@ -11273,7 +11273,21 @@
                 <a:latin typeface="Futura"/>
                 <a:cs typeface="Times New Roman" panose="02020603050405020304" pitchFamily="18" charset="0"/>
               </a:rPr>
-              <a:t>Virtual Support Vector Machine </a:t>
+              <a:t>Virtual Support Vector Machine + </a:t>
+            </a:r>
+            <a:r>
+              <a:rPr lang="en-US" sz="1700" b="1" dirty="0">
+                <a:latin typeface="Futura"/>
+                <a:cs typeface="Times New Roman" panose="02020603050405020304" pitchFamily="18" charset="0"/>
+              </a:rPr>
+              <a:t>SEMI</a:t>
+            </a:r>
+            <a:r>
+              <a:rPr lang="en-US" sz="1700" dirty="0">
+                <a:latin typeface="Futura"/>
+                <a:cs typeface="Times New Roman" panose="02020603050405020304" pitchFamily="18" charset="0"/>
+              </a:rPr>
+              <a:t> </a:t>
             </a:r>
             <a:endParaRPr lang="de-DE" sz="1700" dirty="0">
               <a:latin typeface="Futura"/>
@@ -11486,8 +11500,8 @@
           </p:sp>
         </mc:Fallback>
       </mc:AlternateContent>
-      <mc:AlternateContent xmlns:mc="http://schemas.openxmlformats.org/markup-compatibility/2006">
-        <mc:Choice xmlns:a14="http://schemas.microsoft.com/office/drawing/2010/main" Requires="a14">
+      <mc:AlternateContent xmlns:mc="http://schemas.openxmlformats.org/markup-compatibility/2006" xmlns:a14="http://schemas.microsoft.com/office/drawing/2010/main">
+        <mc:Choice Requires="a14">
           <p:sp>
             <p:nvSpPr>
               <p:cNvPr id="103" name="Zylinder 102">
@@ -11591,7 +11605,7 @@
             </p:txBody>
           </p:sp>
         </mc:Choice>
-        <mc:Fallback>
+        <mc:Fallback xmlns="">
           <p:sp>
             <p:nvSpPr>
               <p:cNvPr id="103" name="Zylinder 102">
@@ -11826,8 +11840,8 @@
           </a:fontRef>
         </p:style>
       </p:cxnSp>
-      <mc:AlternateContent xmlns:mc="http://schemas.openxmlformats.org/markup-compatibility/2006">
-        <mc:Choice xmlns:a14="http://schemas.microsoft.com/office/drawing/2010/main" Requires="a14">
+      <mc:AlternateContent xmlns:mc="http://schemas.openxmlformats.org/markup-compatibility/2006" xmlns:a14="http://schemas.microsoft.com/office/drawing/2010/main">
+        <mc:Choice Requires="a14">
           <p:sp>
             <p:nvSpPr>
               <p:cNvPr id="165" name="Textfeld 60">
@@ -11925,7 +11939,7 @@
             </p:txBody>
           </p:sp>
         </mc:Choice>
-        <mc:Fallback>
+        <mc:Fallback xmlns="">
           <p:sp>
             <p:nvSpPr>
               <p:cNvPr id="165" name="Textfeld 60">
@@ -12289,8 +12303,8 @@
           </p:sp>
         </mc:Fallback>
       </mc:AlternateContent>
-      <mc:AlternateContent xmlns:mc="http://schemas.openxmlformats.org/markup-compatibility/2006">
-        <mc:Choice xmlns:a14="http://schemas.microsoft.com/office/drawing/2010/main" Requires="a14">
+      <mc:AlternateContent xmlns:mc="http://schemas.openxmlformats.org/markup-compatibility/2006" xmlns:a14="http://schemas.microsoft.com/office/drawing/2010/main">
+        <mc:Choice Requires="a14">
           <p:sp>
             <p:nvSpPr>
               <p:cNvPr id="162" name="Textfeld 60">
@@ -12371,7 +12385,7 @@
             </p:txBody>
           </p:sp>
         </mc:Choice>
-        <mc:Fallback>
+        <mc:Fallback xmlns="">
           <p:sp>
             <p:nvSpPr>
               <p:cNvPr id="162" name="Textfeld 60">
@@ -13886,8 +13900,8 @@
           </a:p>
         </p:txBody>
       </p:sp>
-      <mc:AlternateContent xmlns:mc="http://schemas.openxmlformats.org/markup-compatibility/2006">
-        <mc:Choice xmlns:a14="http://schemas.microsoft.com/office/drawing/2010/main" Requires="a14">
+      <mc:AlternateContent xmlns:mc="http://schemas.openxmlformats.org/markup-compatibility/2006" xmlns:a14="http://schemas.microsoft.com/office/drawing/2010/main">
+        <mc:Choice Requires="a14">
           <p:sp>
             <p:nvSpPr>
               <p:cNvPr id="55" name="Textfeld 60">
@@ -13968,7 +13982,7 @@
             </p:txBody>
           </p:sp>
         </mc:Choice>
-        <mc:Fallback>
+        <mc:Fallback xmlns="">
           <p:sp>
             <p:nvSpPr>
               <p:cNvPr id="55" name="Textfeld 60">
@@ -14244,8 +14258,8 @@
         </p:nvSpPr>
         <p:spPr>
           <a:xfrm>
-            <a:off x="6864214" y="3234783"/>
-            <a:ext cx="1230742" cy="253916"/>
+            <a:off x="6478570" y="3234783"/>
+            <a:ext cx="1616386" cy="253916"/>
           </a:xfrm>
           <a:prstGeom prst="rect">
             <a:avLst/>
@@ -14269,11 +14283,60 @@
                 <a:latin typeface="Futura"/>
                 <a:cs typeface="Times New Roman" panose="02020603050405020304" pitchFamily="18" charset="0"/>
               </a:rPr>
-              <a:t>semi supervised</a:t>
+              <a:t>semi labeled samples</a:t>
             </a:r>
           </a:p>
         </p:txBody>
       </p:sp>
+      <p:cxnSp>
+        <p:nvCxnSpPr>
+          <p:cNvPr id="67" name="Gewinkelte Verbindung 40">
+            <a:extLst>
+              <a:ext uri="{FF2B5EF4-FFF2-40B4-BE49-F238E27FC236}">
+                <a16:creationId xmlns:a16="http://schemas.microsoft.com/office/drawing/2014/main" id="{C76C2A79-1156-48B2-94C9-7C98E72C4017}"/>
+              </a:ext>
+            </a:extLst>
+          </p:cNvPr>
+          <p:cNvCxnSpPr>
+            <a:cxnSpLocks/>
+            <a:stCxn id="85" idx="3"/>
+            <a:endCxn id="90" idx="2"/>
+          </p:cNvCxnSpPr>
+          <p:nvPr/>
+        </p:nvCxnSpPr>
+        <p:spPr>
+          <a:xfrm flipH="1" flipV="1">
+            <a:off x="8187309" y="2855600"/>
+            <a:ext cx="1388208" cy="1748860"/>
+          </a:xfrm>
+          <a:prstGeom prst="bentConnector4">
+            <a:avLst>
+              <a:gd name="adj1" fmla="val -16467"/>
+              <a:gd name="adj2" fmla="val 71033"/>
+            </a:avLst>
+          </a:prstGeom>
+          <a:ln w="12700">
+            <a:solidFill>
+              <a:schemeClr val="tx1"/>
+            </a:solidFill>
+            <a:tailEnd type="triangle"/>
+          </a:ln>
+        </p:spPr>
+        <p:style>
+          <a:lnRef idx="1">
+            <a:schemeClr val="accent1"/>
+          </a:lnRef>
+          <a:fillRef idx="0">
+            <a:schemeClr val="accent1"/>
+          </a:fillRef>
+          <a:effectRef idx="0">
+            <a:schemeClr val="accent1"/>
+          </a:effectRef>
+          <a:fontRef idx="minor">
+            <a:schemeClr val="tx1"/>
+          </a:fontRef>
+        </p:style>
+      </p:cxnSp>
     </p:spTree>
     <p:extLst>
       <p:ext uri="{BB962C8B-B14F-4D97-AF65-F5344CB8AC3E}">
@@ -37225,8 +37288,8 @@
           </p:sp>
         </mc:Fallback>
       </mc:AlternateContent>
-      <mc:AlternateContent xmlns:mc="http://schemas.openxmlformats.org/markup-compatibility/2006">
-        <mc:Choice xmlns:a14="http://schemas.microsoft.com/office/drawing/2010/main" Requires="a14">
+      <mc:AlternateContent xmlns:mc="http://schemas.openxmlformats.org/markup-compatibility/2006" xmlns:a14="http://schemas.microsoft.com/office/drawing/2010/main">
+        <mc:Choice Requires="a14">
           <p:sp>
             <p:nvSpPr>
               <p:cNvPr id="162" name="Textfeld 60">
@@ -37307,7 +37370,7 @@
             </p:txBody>
           </p:sp>
         </mc:Choice>
-        <mc:Fallback>
+        <mc:Fallback xmlns="">
           <p:sp>
             <p:nvSpPr>
               <p:cNvPr id="162" name="Textfeld 60">
@@ -40604,8 +40667,8 @@
           </p:sp>
         </mc:Fallback>
       </mc:AlternateContent>
-      <mc:AlternateContent xmlns:mc="http://schemas.openxmlformats.org/markup-compatibility/2006">
-        <mc:Choice xmlns:a14="http://schemas.microsoft.com/office/drawing/2010/main" Requires="a14">
+      <mc:AlternateContent xmlns:mc="http://schemas.openxmlformats.org/markup-compatibility/2006" xmlns:a14="http://schemas.microsoft.com/office/drawing/2010/main">
+        <mc:Choice Requires="a14">
           <p:sp>
             <p:nvSpPr>
               <p:cNvPr id="103" name="Zylinder 102">
@@ -40709,7 +40772,7 @@
             </p:txBody>
           </p:sp>
         </mc:Choice>
-        <mc:Fallback>
+        <mc:Fallback xmlns="">
           <p:sp>
             <p:nvSpPr>
               <p:cNvPr id="103" name="Zylinder 102">
@@ -40944,8 +41007,8 @@
           </a:fontRef>
         </p:style>
       </p:cxnSp>
-      <mc:AlternateContent xmlns:mc="http://schemas.openxmlformats.org/markup-compatibility/2006">
-        <mc:Choice xmlns:a14="http://schemas.microsoft.com/office/drawing/2010/main" Requires="a14">
+      <mc:AlternateContent xmlns:mc="http://schemas.openxmlformats.org/markup-compatibility/2006" xmlns:a14="http://schemas.microsoft.com/office/drawing/2010/main">
+        <mc:Choice Requires="a14">
           <p:sp>
             <p:nvSpPr>
               <p:cNvPr id="165" name="Textfeld 60">
@@ -41043,7 +41106,7 @@
             </p:txBody>
           </p:sp>
         </mc:Choice>
-        <mc:Fallback>
+        <mc:Fallback xmlns="">
           <p:sp>
             <p:nvSpPr>
               <p:cNvPr id="165" name="Textfeld 60">
@@ -41407,8 +41470,8 @@
           </p:sp>
         </mc:Fallback>
       </mc:AlternateContent>
-      <mc:AlternateContent xmlns:mc="http://schemas.openxmlformats.org/markup-compatibility/2006">
-        <mc:Choice xmlns:a14="http://schemas.microsoft.com/office/drawing/2010/main" Requires="a14">
+      <mc:AlternateContent xmlns:mc="http://schemas.openxmlformats.org/markup-compatibility/2006" xmlns:a14="http://schemas.microsoft.com/office/drawing/2010/main">
+        <mc:Choice Requires="a14">
           <p:sp>
             <p:nvSpPr>
               <p:cNvPr id="162" name="Textfeld 60">
@@ -41489,7 +41552,7 @@
             </p:txBody>
           </p:sp>
         </mc:Choice>
-        <mc:Fallback>
+        <mc:Fallback xmlns="">
           <p:sp>
             <p:nvSpPr>
               <p:cNvPr id="162" name="Textfeld 60">
@@ -42950,6 +43013,55 @@
           </a:p>
         </p:txBody>
       </p:sp>
+      <p:cxnSp>
+        <p:nvCxnSpPr>
+          <p:cNvPr id="54" name="Gewinkelte Verbindung 40">
+            <a:extLst>
+              <a:ext uri="{FF2B5EF4-FFF2-40B4-BE49-F238E27FC236}">
+                <a16:creationId xmlns:a16="http://schemas.microsoft.com/office/drawing/2014/main" id="{886C5F82-1201-4F21-BF78-A51B3EFDA2F8}"/>
+              </a:ext>
+            </a:extLst>
+          </p:cNvPr>
+          <p:cNvCxnSpPr>
+            <a:cxnSpLocks/>
+            <a:stCxn id="85" idx="3"/>
+            <a:endCxn id="90" idx="2"/>
+          </p:cNvCxnSpPr>
+          <p:nvPr/>
+        </p:nvCxnSpPr>
+        <p:spPr>
+          <a:xfrm flipH="1" flipV="1">
+            <a:off x="8187309" y="2855600"/>
+            <a:ext cx="1388208" cy="1748860"/>
+          </a:xfrm>
+          <a:prstGeom prst="bentConnector4">
+            <a:avLst>
+              <a:gd name="adj1" fmla="val -16467"/>
+              <a:gd name="adj2" fmla="val 75608"/>
+            </a:avLst>
+          </a:prstGeom>
+          <a:ln w="12700">
+            <a:solidFill>
+              <a:schemeClr val="tx1"/>
+            </a:solidFill>
+            <a:tailEnd type="triangle"/>
+          </a:ln>
+        </p:spPr>
+        <p:style>
+          <a:lnRef idx="1">
+            <a:schemeClr val="accent1"/>
+          </a:lnRef>
+          <a:fillRef idx="0">
+            <a:schemeClr val="accent1"/>
+          </a:fillRef>
+          <a:effectRef idx="0">
+            <a:schemeClr val="accent1"/>
+          </a:effectRef>
+          <a:fontRef idx="minor">
+            <a:schemeClr val="tx1"/>
+          </a:fontRef>
+        </p:style>
+      </p:cxnSp>
     </p:spTree>
     <p:extLst>
       <p:ext uri="{BB962C8B-B14F-4D97-AF65-F5344CB8AC3E}">
